--- a/Aubry_Dennis_4_présentation.pptx
+++ b/Aubry_Dennis_4_présentation.pptx
@@ -31,7 +31,7 @@
     <p:sldId id="269" r:id="rId26"/>
   </p:sldIdLst>
   <p:sldSz cx="9144000" cy="5143500"/>
-  <p:notesSz cx="6858000" cy="9144000"/>
+  <p:notesSz cx="7559675" cy="10691813"/>
 </p:presentation>
 </file>
 
@@ -65,7 +65,7 @@
         <p:spPr>
           <a:xfrm>
             <a:off x="311760" y="744480"/>
-            <a:ext cx="8520120" cy="2052360"/>
+            <a:ext cx="8519400" cy="2051640"/>
           </a:xfrm>
           <a:prstGeom prst="rect">
             <a:avLst/>
@@ -80,10 +80,10 @@
             <a:noAutofit/>
           </a:bodyPr>
           <a:p>
-            <a:pPr indent="0">
+            <a:pPr indent="0" algn="ctr">
               <a:buNone/>
             </a:pPr>
-            <a:endParaRPr b="0" lang="fr-FR" sz="1400" strike="noStrike" u="none">
+            <a:endParaRPr b="0" lang="fr-FR" sz="4400" strike="noStrike" u="none">
               <a:solidFill>
                 <a:srgbClr val="000000"/>
               </a:solidFill>
@@ -148,7 +148,7 @@
         <p:txBody>
           <a:bodyPr/>
           <a:p>
-            <a:fld id="{817FA2EC-59F6-441D-9971-5CE52CDF72FF}" type="slidenum">
+            <a:fld id="{B663AE9B-7045-44F8-B9C1-2FCD30ED230F}" type="slidenum">
               <a:t>&lt;#&gt;</a:t>
             </a:fld>
           </a:p>
@@ -190,7 +190,7 @@
         <p:txBody>
           <a:bodyPr/>
           <a:p>
-            <a:fld id="{58A01B7D-E088-4347-826F-3736E2864ACE}" type="slidenum">
+            <a:fld id="{1B03E6C5-90CF-4B43-8957-B595C5C41F37}" type="slidenum">
               <a:t>&lt;#&gt;</a:t>
             </a:fld>
           </a:p>
@@ -232,7 +232,7 @@
         <p:txBody>
           <a:bodyPr/>
           <a:p>
-            <a:fld id="{56E10D66-41DE-46E5-BA16-B221E4D87930}" type="slidenum">
+            <a:fld id="{E2AC83A7-D746-4DE7-B532-E297551F992E}" type="slidenum">
               <a:t>&lt;#&gt;</a:t>
             </a:fld>
           </a:p>
@@ -274,7 +274,7 @@
         <p:txBody>
           <a:bodyPr/>
           <a:p>
-            <a:fld id="{65511CA5-99C7-455D-BD02-B50994CA089F}" type="slidenum">
+            <a:fld id="{D4A94DFE-366B-4B8F-B1B8-229E157CBB15}" type="slidenum">
               <a:t>&lt;#&gt;</a:t>
             </a:fld>
           </a:p>
@@ -316,7 +316,7 @@
         <p:txBody>
           <a:bodyPr/>
           <a:p>
-            <a:fld id="{DE0FF6B4-B32C-4076-8D89-955537B0040D}" type="slidenum">
+            <a:fld id="{352F08BA-A492-4B70-803E-A6E3402D2235}" type="slidenum">
               <a:t>&lt;#&gt;</a:t>
             </a:fld>
           </a:p>
@@ -358,7 +358,7 @@
         <p:txBody>
           <a:bodyPr/>
           <a:p>
-            <a:fld id="{42D81CE6-1592-4523-8E5B-BF0C4CB6FAD1}" type="slidenum">
+            <a:fld id="{582B54C3-7A4F-4CF5-BBDB-5F2BC85032CC}" type="slidenum">
               <a:t>&lt;#&gt;</a:t>
             </a:fld>
           </a:p>
@@ -388,7 +388,7 @@
       </p:grpSpPr>
       <p:sp>
         <p:nvSpPr>
-          <p:cNvPr id="14" name="PlaceHolder 1"/>
+          <p:cNvPr id="11" name="PlaceHolder 1"/>
           <p:cNvSpPr>
             <a:spLocks noGrp="1"/>
           </p:cNvSpPr>
@@ -399,7 +399,7 @@
         <p:spPr>
           <a:xfrm>
             <a:off x="311760" y="744480"/>
-            <a:ext cx="8520120" cy="2052360"/>
+            <a:ext cx="8519400" cy="2051640"/>
           </a:xfrm>
           <a:prstGeom prst="rect">
             <a:avLst/>
@@ -414,10 +414,10 @@
             <a:noAutofit/>
           </a:bodyPr>
           <a:p>
-            <a:pPr indent="0">
+            <a:pPr indent="0" algn="ctr">
               <a:buNone/>
             </a:pPr>
-            <a:endParaRPr b="0" lang="fr-FR" sz="1400" strike="noStrike" u="none">
+            <a:endParaRPr b="0" lang="fr-FR" sz="4400" strike="noStrike" u="none">
               <a:solidFill>
                 <a:srgbClr val="000000"/>
               </a:solidFill>
@@ -429,7 +429,7 @@
       </p:sp>
       <p:sp>
         <p:nvSpPr>
-          <p:cNvPr id="15" name="PlaceHolder 2"/>
+          <p:cNvPr id="12" name="PlaceHolder 2"/>
           <p:cNvSpPr>
             <a:spLocks noGrp="1"/>
           </p:cNvSpPr>
@@ -461,7 +461,7 @@
               </a:spcBef>
               <a:buNone/>
             </a:pPr>
-            <a:endParaRPr b="0" lang="fr-FR" sz="1400" strike="noStrike" u="none">
+            <a:endParaRPr b="0" lang="fr-FR" sz="3200" strike="noStrike" u="none">
               <a:solidFill>
                 <a:srgbClr val="000000"/>
               </a:solidFill>
@@ -485,7 +485,7 @@
         <p:txBody>
           <a:bodyPr/>
           <a:p>
-            <a:fld id="{0FE3256E-5396-4FD1-8FBF-5F5E5B9AB671}" type="slidenum">
+            <a:fld id="{CE139758-32AB-49A1-ACE0-2A8BFCA8607D}" type="slidenum">
               <a:t>&lt;#&gt;</a:t>
             </a:fld>
           </a:p>
@@ -515,7 +515,7 @@
       </p:grpSpPr>
       <p:sp>
         <p:nvSpPr>
-          <p:cNvPr id="20" name="PlaceHolder 1"/>
+          <p:cNvPr id="17" name="PlaceHolder 1"/>
           <p:cNvSpPr>
             <a:spLocks noGrp="1"/>
           </p:cNvSpPr>
@@ -526,7 +526,7 @@
         <p:spPr>
           <a:xfrm>
             <a:off x="311760" y="744480"/>
-            <a:ext cx="8520120" cy="2052360"/>
+            <a:ext cx="8519400" cy="2051640"/>
           </a:xfrm>
           <a:prstGeom prst="rect">
             <a:avLst/>
@@ -541,10 +541,10 @@
             <a:noAutofit/>
           </a:bodyPr>
           <a:p>
-            <a:pPr indent="0">
+            <a:pPr indent="0" algn="ctr">
               <a:buNone/>
             </a:pPr>
-            <a:endParaRPr b="0" lang="fr-FR" sz="1400" strike="noStrike" u="none">
+            <a:endParaRPr b="0" lang="fr-FR" sz="4400" strike="noStrike" u="none">
               <a:solidFill>
                 <a:srgbClr val="000000"/>
               </a:solidFill>
@@ -556,7 +556,7 @@
       </p:sp>
       <p:sp>
         <p:nvSpPr>
-          <p:cNvPr id="21" name="PlaceHolder 2"/>
+          <p:cNvPr id="18" name="PlaceHolder 2"/>
           <p:cNvSpPr>
             <a:spLocks noGrp="1"/>
           </p:cNvSpPr>
@@ -588,7 +588,7 @@
               </a:spcBef>
               <a:buNone/>
             </a:pPr>
-            <a:endParaRPr b="0" lang="fr-FR" sz="1400" strike="noStrike" u="none">
+            <a:endParaRPr b="0" lang="fr-FR" sz="3200" strike="noStrike" u="none">
               <a:solidFill>
                 <a:srgbClr val="000000"/>
               </a:solidFill>
@@ -600,7 +600,7 @@
       </p:sp>
       <p:sp>
         <p:nvSpPr>
-          <p:cNvPr id="22" name="PlaceHolder 3"/>
+          <p:cNvPr id="19" name="PlaceHolder 3"/>
           <p:cNvSpPr>
             <a:spLocks noGrp="1"/>
           </p:cNvSpPr>
@@ -632,7 +632,7 @@
               </a:spcBef>
               <a:buNone/>
             </a:pPr>
-            <a:endParaRPr b="0" lang="fr-FR" sz="1400" strike="noStrike" u="none">
+            <a:endParaRPr b="0" lang="fr-FR" sz="3200" strike="noStrike" u="none">
               <a:solidFill>
                 <a:srgbClr val="000000"/>
               </a:solidFill>
@@ -656,7 +656,7 @@
         <p:txBody>
           <a:bodyPr/>
           <a:p>
-            <a:fld id="{83EF2994-2373-44CF-B1E5-76D232CA4316}" type="slidenum">
+            <a:fld id="{BB9C7563-7590-4315-B98D-11B5258427FF}" type="slidenum">
               <a:t>&lt;#&gt;</a:t>
             </a:fld>
           </a:p>
@@ -686,7 +686,7 @@
       </p:grpSpPr>
       <p:sp>
         <p:nvSpPr>
-          <p:cNvPr id="25" name="PlaceHolder 1"/>
+          <p:cNvPr id="22" name="PlaceHolder 1"/>
           <p:cNvSpPr>
             <a:spLocks noGrp="1"/>
           </p:cNvSpPr>
@@ -697,7 +697,7 @@
         <p:spPr>
           <a:xfrm>
             <a:off x="311760" y="744480"/>
-            <a:ext cx="8520120" cy="2052360"/>
+            <a:ext cx="8519400" cy="2051640"/>
           </a:xfrm>
           <a:prstGeom prst="rect">
             <a:avLst/>
@@ -712,10 +712,10 @@
             <a:noAutofit/>
           </a:bodyPr>
           <a:p>
-            <a:pPr indent="0">
+            <a:pPr indent="0" algn="ctr">
               <a:buNone/>
             </a:pPr>
-            <a:endParaRPr b="0" lang="fr-FR" sz="1400" strike="noStrike" u="none">
+            <a:endParaRPr b="0" lang="fr-FR" sz="4400" strike="noStrike" u="none">
               <a:solidFill>
                 <a:srgbClr val="000000"/>
               </a:solidFill>
@@ -739,7 +739,7 @@
         <p:txBody>
           <a:bodyPr/>
           <a:p>
-            <a:fld id="{C7EB76A1-530F-49EE-B1F6-84A71D8E7754}" type="slidenum">
+            <a:fld id="{DD3C8BED-FE42-4213-884F-CF68519487C0}" type="slidenum">
               <a:t>&lt;#&gt;</a:t>
             </a:fld>
           </a:p>
@@ -781,7 +781,7 @@
         <p:txBody>
           <a:bodyPr/>
           <a:p>
-            <a:fld id="{7B98E7A1-4859-40CD-A3E1-6A828E2C810E}" type="slidenum">
+            <a:fld id="{35224F56-757D-441B-BBD6-A2D5B06F0921}" type="slidenum">
               <a:t>&lt;#&gt;</a:t>
             </a:fld>
           </a:p>
@@ -823,7 +823,7 @@
         <p:txBody>
           <a:bodyPr/>
           <a:p>
-            <a:fld id="{A50DF5BB-810F-48C9-B0BF-F7DE1AFA69DC}" type="slidenum">
+            <a:fld id="{7B604109-F4A1-4AFC-AD67-EBE9B67AD08C}" type="slidenum">
               <a:t>&lt;#&gt;</a:t>
             </a:fld>
           </a:p>
@@ -871,7 +871,7 @@
         <p:spPr>
           <a:xfrm>
             <a:off x="311760" y="744480"/>
-            <a:ext cx="8520120" cy="2052360"/>
+            <a:ext cx="8519400" cy="2051640"/>
           </a:xfrm>
           <a:prstGeom prst="rect">
             <a:avLst/>
@@ -882,15 +882,15 @@
           </a:ln>
         </p:spPr>
         <p:txBody>
-          <a:bodyPr lIns="91440" rIns="91440" tIns="91440" bIns="91440" anchor="b">
-            <a:normAutofit/>
+          <a:bodyPr lIns="0" rIns="0" tIns="0" bIns="0" anchor="ctr">
+            <a:noAutofit/>
           </a:bodyPr>
           <a:p>
             <a:pPr indent="0">
               <a:buNone/>
             </a:pPr>
             <a:r>
-              <a:rPr b="0" lang="fr-FR" sz="5200" strike="noStrike" u="none">
+              <a:rPr b="0" lang="fr-FR" sz="1800" strike="noStrike" u="none">
                 <a:solidFill>
                   <a:srgbClr val="000000"/>
                 </a:solidFill>
@@ -899,7 +899,7 @@
               </a:rPr>
               <a:t>Cliquez pour éditer le format du texte-titre</a:t>
             </a:r>
-            <a:endParaRPr b="0" lang="fr-FR" sz="5200" strike="noStrike" u="none">
+            <a:endParaRPr b="0" lang="fr-FR" sz="1800" strike="noStrike" u="none">
               <a:solidFill>
                 <a:srgbClr val="000000"/>
               </a:solidFill>
@@ -922,7 +922,7 @@
         <p:spPr>
           <a:xfrm>
             <a:off x="8472600" y="4663080"/>
-            <a:ext cx="548280" cy="393120"/>
+            <a:ext cx="547560" cy="392400"/>
           </a:xfrm>
           <a:prstGeom prst="rect">
             <a:avLst/>
@@ -934,7 +934,7 @@
         </p:spPr>
         <p:txBody>
           <a:bodyPr lIns="91440" rIns="91440" tIns="91440" bIns="91440" anchor="ctr">
-            <a:normAutofit/>
+            <a:noAutofit/>
           </a:bodyPr>
           <a:lstStyle>
             <a:lvl1pPr indent="0" algn="r">
@@ -965,7 +965,7 @@
                 <a:tab algn="l" pos="0"/>
               </a:tabLst>
             </a:pPr>
-            <a:fld id="{3C5FDBB5-03D9-4E18-A1B4-13871ECAD5C2}" type="slidenum">
+            <a:fld id="{E5B4F643-63F6-4265-AE0A-852502A6B377}" type="slidenum">
               <a:rPr b="0" lang="fr" sz="1000" strike="noStrike" u="none">
                 <a:solidFill>
                   <a:schemeClr val="dk2"/>
@@ -1011,7 +1011,7 @@
         </p:spPr>
         <p:txBody>
           <a:bodyPr lIns="0" rIns="0" tIns="0" bIns="0" anchor="t">
-            <a:normAutofit/>
+            <a:normAutofit lnSpcReduction="9999"/>
           </a:bodyPr>
           <a:p>
             <a:pPr marL="432000" indent="-324000">
@@ -1026,7 +1026,7 @@
               <a:buChar char=""/>
             </a:pPr>
             <a:r>
-              <a:rPr b="0" lang="fr-FR" sz="1400" strike="noStrike" u="none">
+              <a:rPr b="0" lang="fr-FR" sz="3200" strike="noStrike" u="none">
                 <a:solidFill>
                   <a:srgbClr val="000000"/>
                 </a:solidFill>
@@ -1035,7 +1035,7 @@
               </a:rPr>
               <a:t>Cliquez pour éditer le format du plan de texte</a:t>
             </a:r>
-            <a:endParaRPr b="0" lang="fr-FR" sz="1400" strike="noStrike" u="none">
+            <a:endParaRPr b="0" lang="fr-FR" sz="3200" strike="noStrike" u="none">
               <a:solidFill>
                 <a:srgbClr val="000000"/>
               </a:solidFill>
@@ -1056,7 +1056,7 @@
               <a:buChar char=""/>
             </a:pPr>
             <a:r>
-              <a:rPr b="0" lang="fr-FR" sz="1400" strike="noStrike" u="none">
+              <a:rPr b="0" lang="fr-FR" sz="2800" strike="noStrike" u="none">
                 <a:solidFill>
                   <a:srgbClr val="000000"/>
                 </a:solidFill>
@@ -1065,7 +1065,7 @@
               </a:rPr>
               <a:t>Second niveau de plan</a:t>
             </a:r>
-            <a:endParaRPr b="0" lang="fr-FR" sz="1400" strike="noStrike" u="none">
+            <a:endParaRPr b="0" lang="fr-FR" sz="2800" strike="noStrike" u="none">
               <a:solidFill>
                 <a:srgbClr val="000000"/>
               </a:solidFill>
@@ -1086,7 +1086,7 @@
               <a:buChar char=""/>
             </a:pPr>
             <a:r>
-              <a:rPr b="0" lang="fr-FR" sz="1400" strike="noStrike" u="none">
+              <a:rPr b="0" lang="fr-FR" sz="2400" strike="noStrike" u="none">
                 <a:solidFill>
                   <a:srgbClr val="000000"/>
                 </a:solidFill>
@@ -1095,7 +1095,7 @@
               </a:rPr>
               <a:t>Troisième niveau de plan</a:t>
             </a:r>
-            <a:endParaRPr b="0" lang="fr-FR" sz="1400" strike="noStrike" u="none">
+            <a:endParaRPr b="0" lang="fr-FR" sz="2400" strike="noStrike" u="none">
               <a:solidFill>
                 <a:srgbClr val="000000"/>
               </a:solidFill>
@@ -1116,7 +1116,7 @@
               <a:buChar char=""/>
             </a:pPr>
             <a:r>
-              <a:rPr b="0" lang="fr-FR" sz="1400" strike="noStrike" u="none">
+              <a:rPr b="0" lang="fr-FR" sz="2000" strike="noStrike" u="none">
                 <a:solidFill>
                   <a:srgbClr val="000000"/>
                 </a:solidFill>
@@ -1125,7 +1125,7 @@
               </a:rPr>
               <a:t>Quatrième niveau de plan</a:t>
             </a:r>
-            <a:endParaRPr b="0" lang="fr-FR" sz="1400" strike="noStrike" u="none">
+            <a:endParaRPr b="0" lang="fr-FR" sz="2000" strike="noStrike" u="none">
               <a:solidFill>
                 <a:srgbClr val="000000"/>
               </a:solidFill>
@@ -1260,14 +1260,14 @@
       </p:grpSpPr>
       <p:sp>
         <p:nvSpPr>
-          <p:cNvPr id="31" name="Google Shape;36;p9"/>
+          <p:cNvPr id="25" name="Google Shape;36;p9"/>
           <p:cNvSpPr/>
           <p:nvPr/>
         </p:nvSpPr>
         <p:spPr>
           <a:xfrm>
             <a:off x="4572000" y="0"/>
-            <a:ext cx="4571640" cy="5143320"/>
+            <a:ext cx="4570920" cy="5142600"/>
           </a:xfrm>
           <a:prstGeom prst="rect">
             <a:avLst/>
@@ -1286,7 +1286,7 @@
           <a:fontRef idx="minor"/>
         </p:style>
         <p:txBody>
-          <a:bodyPr tIns="91440" bIns="91440" anchor="ctr">
+          <a:bodyPr lIns="90000" rIns="90000" tIns="91440" bIns="91440" anchor="ctr">
             <a:noAutofit/>
           </a:bodyPr>
           <a:p>
@@ -1310,297 +1310,7 @@
       </p:sp>
       <p:sp>
         <p:nvSpPr>
-          <p:cNvPr id="32" name="PlaceHolder 1"/>
-          <p:cNvSpPr>
-            <a:spLocks noGrp="1"/>
-          </p:cNvSpPr>
-          <p:nvPr>
-            <p:ph type="title"/>
-          </p:nvPr>
-        </p:nvSpPr>
-        <p:spPr>
-          <a:xfrm>
-            <a:off x="265680" y="1233000"/>
-            <a:ext cx="4044960" cy="1482120"/>
-          </a:xfrm>
-          <a:prstGeom prst="rect">
-            <a:avLst/>
-          </a:prstGeom>
-          <a:noFill/>
-          <a:ln w="0">
-            <a:noFill/>
-          </a:ln>
-        </p:spPr>
-        <p:txBody>
-          <a:bodyPr lIns="91440" rIns="91440" tIns="91440" bIns="91440" anchor="b">
-            <a:normAutofit fontScale="77500" lnSpcReduction="19999"/>
-          </a:bodyPr>
-          <a:p>
-            <a:pPr indent="0">
-              <a:buNone/>
-            </a:pPr>
-            <a:r>
-              <a:rPr b="0" lang="fr-FR" sz="4200" strike="noStrike" u="none">
-                <a:solidFill>
-                  <a:srgbClr val="000000"/>
-                </a:solidFill>
-                <a:uFillTx/>
-                <a:latin typeface="Arial"/>
-              </a:rPr>
-              <a:t>Cliquez pour éditer le format du texte-titre</a:t>
-            </a:r>
-            <a:endParaRPr b="0" lang="fr-FR" sz="4200" strike="noStrike" u="none">
-              <a:solidFill>
-                <a:srgbClr val="000000"/>
-              </a:solidFill>
-              <a:uFillTx/>
-              <a:latin typeface="Arial"/>
-            </a:endParaRPr>
-          </a:p>
-        </p:txBody>
-      </p:sp>
-      <p:sp>
-        <p:nvSpPr>
-          <p:cNvPr id="33" name="PlaceHolder 2"/>
-          <p:cNvSpPr>
-            <a:spLocks noGrp="1"/>
-          </p:cNvSpPr>
-          <p:nvPr>
-            <p:ph type="body"/>
-          </p:nvPr>
-        </p:nvSpPr>
-        <p:spPr>
-          <a:xfrm>
-            <a:off x="4939560" y="723960"/>
-            <a:ext cx="3836520" cy="3694680"/>
-          </a:xfrm>
-          <a:prstGeom prst="rect">
-            <a:avLst/>
-          </a:prstGeom>
-          <a:noFill/>
-          <a:ln w="0">
-            <a:noFill/>
-          </a:ln>
-        </p:spPr>
-        <p:txBody>
-          <a:bodyPr lIns="91440" rIns="91440" tIns="91440" bIns="91440" anchor="ctr">
-            <a:normAutofit fontScale="85000" lnSpcReduction="9999"/>
-          </a:bodyPr>
-          <a:p>
-            <a:pPr marL="432000" indent="-324000">
-              <a:spcBef>
-                <a:spcPts val="1417"/>
-              </a:spcBef>
-              <a:buClr>
-                <a:srgbClr val="000000"/>
-              </a:buClr>
-              <a:buSzPct val="45000"/>
-              <a:buFont typeface="Wingdings" charset="2"/>
-              <a:buChar char=""/>
-            </a:pPr>
-            <a:r>
-              <a:rPr b="0" lang="fr-FR" sz="1800" strike="noStrike" u="none">
-                <a:solidFill>
-                  <a:srgbClr val="000000"/>
-                </a:solidFill>
-                <a:uFillTx/>
-                <a:latin typeface="Arial"/>
-              </a:rPr>
-              <a:t>Cliquez pour éditer le format du plan de texte</a:t>
-            </a:r>
-            <a:endParaRPr b="0" lang="fr-FR" sz="1800" strike="noStrike" u="none">
-              <a:solidFill>
-                <a:srgbClr val="000000"/>
-              </a:solidFill>
-              <a:uFillTx/>
-              <a:latin typeface="Arial"/>
-            </a:endParaRPr>
-          </a:p>
-          <a:p>
-            <a:pPr lvl="1" marL="864000" indent="-324000">
-              <a:spcBef>
-                <a:spcPts val="1134"/>
-              </a:spcBef>
-              <a:buClr>
-                <a:srgbClr val="000000"/>
-              </a:buClr>
-              <a:buSzPct val="75000"/>
-              <a:buFont typeface="Symbol" charset="2"/>
-              <a:buChar char=""/>
-            </a:pPr>
-            <a:r>
-              <a:rPr b="0" lang="fr-FR" sz="1800" strike="noStrike" u="none">
-                <a:solidFill>
-                  <a:srgbClr val="000000"/>
-                </a:solidFill>
-                <a:uFillTx/>
-                <a:latin typeface="Arial"/>
-              </a:rPr>
-              <a:t>Second niveau de plan</a:t>
-            </a:r>
-            <a:endParaRPr b="0" lang="fr-FR" sz="1800" strike="noStrike" u="none">
-              <a:solidFill>
-                <a:srgbClr val="000000"/>
-              </a:solidFill>
-              <a:uFillTx/>
-              <a:latin typeface="Arial"/>
-            </a:endParaRPr>
-          </a:p>
-          <a:p>
-            <a:pPr lvl="2" marL="1296000" indent="-288000">
-              <a:spcBef>
-                <a:spcPts val="850"/>
-              </a:spcBef>
-              <a:buClr>
-                <a:srgbClr val="000000"/>
-              </a:buClr>
-              <a:buSzPct val="45000"/>
-              <a:buFont typeface="Wingdings" charset="2"/>
-              <a:buChar char=""/>
-            </a:pPr>
-            <a:r>
-              <a:rPr b="0" lang="fr-FR" sz="1800" strike="noStrike" u="none">
-                <a:solidFill>
-                  <a:srgbClr val="000000"/>
-                </a:solidFill>
-                <a:uFillTx/>
-                <a:latin typeface="Arial"/>
-              </a:rPr>
-              <a:t>Troisième niveau de plan</a:t>
-            </a:r>
-            <a:endParaRPr b="0" lang="fr-FR" sz="1800" strike="noStrike" u="none">
-              <a:solidFill>
-                <a:srgbClr val="000000"/>
-              </a:solidFill>
-              <a:uFillTx/>
-              <a:latin typeface="Arial"/>
-            </a:endParaRPr>
-          </a:p>
-          <a:p>
-            <a:pPr lvl="3" marL="1728000" indent="-216000">
-              <a:spcBef>
-                <a:spcPts val="567"/>
-              </a:spcBef>
-              <a:buClr>
-                <a:srgbClr val="000000"/>
-              </a:buClr>
-              <a:buSzPct val="75000"/>
-              <a:buFont typeface="Symbol" charset="2"/>
-              <a:buChar char=""/>
-            </a:pPr>
-            <a:r>
-              <a:rPr b="0" lang="fr-FR" sz="1800" strike="noStrike" u="none">
-                <a:solidFill>
-                  <a:srgbClr val="000000"/>
-                </a:solidFill>
-                <a:uFillTx/>
-                <a:latin typeface="Arial"/>
-              </a:rPr>
-              <a:t>Quatrième niveau de plan</a:t>
-            </a:r>
-            <a:endParaRPr b="0" lang="fr-FR" sz="1800" strike="noStrike" u="none">
-              <a:solidFill>
-                <a:srgbClr val="000000"/>
-              </a:solidFill>
-              <a:uFillTx/>
-              <a:latin typeface="Arial"/>
-            </a:endParaRPr>
-          </a:p>
-          <a:p>
-            <a:pPr lvl="4" marL="2160000" indent="-216000">
-              <a:spcBef>
-                <a:spcPts val="283"/>
-              </a:spcBef>
-              <a:buClr>
-                <a:srgbClr val="000000"/>
-              </a:buClr>
-              <a:buSzPct val="45000"/>
-              <a:buFont typeface="Wingdings" charset="2"/>
-              <a:buChar char=""/>
-            </a:pPr>
-            <a:r>
-              <a:rPr b="0" lang="fr-FR" sz="1800" strike="noStrike" u="none">
-                <a:solidFill>
-                  <a:srgbClr val="000000"/>
-                </a:solidFill>
-                <a:uFillTx/>
-                <a:latin typeface="Arial"/>
-              </a:rPr>
-              <a:t>Cinquième niveau de plan</a:t>
-            </a:r>
-            <a:endParaRPr b="0" lang="fr-FR" sz="1800" strike="noStrike" u="none">
-              <a:solidFill>
-                <a:srgbClr val="000000"/>
-              </a:solidFill>
-              <a:uFillTx/>
-              <a:latin typeface="Arial"/>
-            </a:endParaRPr>
-          </a:p>
-          <a:p>
-            <a:pPr lvl="5" marL="2592000" indent="-216000">
-              <a:spcBef>
-                <a:spcPts val="283"/>
-              </a:spcBef>
-              <a:buClr>
-                <a:srgbClr val="000000"/>
-              </a:buClr>
-              <a:buSzPct val="45000"/>
-              <a:buFont typeface="Wingdings" charset="2"/>
-              <a:buChar char=""/>
-            </a:pPr>
-            <a:r>
-              <a:rPr b="0" lang="fr-FR" sz="1800" strike="noStrike" u="none">
-                <a:solidFill>
-                  <a:srgbClr val="000000"/>
-                </a:solidFill>
-                <a:uFillTx/>
-                <a:latin typeface="Arial"/>
-              </a:rPr>
-              <a:t>Sixième niveau de plan</a:t>
-            </a:r>
-            <a:endParaRPr b="0" lang="fr-FR" sz="1800" strike="noStrike" u="none">
-              <a:solidFill>
-                <a:srgbClr val="000000"/>
-              </a:solidFill>
-              <a:uFillTx/>
-              <a:latin typeface="Arial"/>
-            </a:endParaRPr>
-          </a:p>
-          <a:p>
-            <a:pPr lvl="6" marL="3024000" indent="-216000">
-              <a:spcBef>
-                <a:spcPts val="283"/>
-              </a:spcBef>
-              <a:buClr>
-                <a:srgbClr val="000000"/>
-              </a:buClr>
-              <a:buSzPct val="45000"/>
-              <a:buFont typeface="Wingdings" charset="2"/>
-              <a:buChar char=""/>
-            </a:pPr>
-            <a:r>
-              <a:rPr b="0" lang="fr-FR" sz="1800" strike="noStrike" u="none">
-                <a:solidFill>
-                  <a:srgbClr val="000000"/>
-                </a:solidFill>
-                <a:uFillTx/>
-                <a:latin typeface="Arial"/>
-              </a:rPr>
-              <a:t>Septième niveau de plan</a:t>
-            </a:r>
-            <a:endParaRPr b="0" lang="fr-FR" sz="1800" strike="noStrike" u="none">
-              <a:solidFill>
-                <a:srgbClr val="000000"/>
-              </a:solidFill>
-              <a:uFillTx/>
-              <a:latin typeface="Arial"/>
-            </a:endParaRPr>
-          </a:p>
-        </p:txBody>
-      </p:sp>
-      <p:sp>
-        <p:nvSpPr>
-          <p:cNvPr id="34" name="PlaceHolder 3"/>
+          <p:cNvPr id="26" name="PlaceHolder 1"/>
           <p:cNvSpPr>
             <a:spLocks noGrp="1"/>
           </p:cNvSpPr>
@@ -1611,7 +1321,7 @@
         <p:spPr>
           <a:xfrm>
             <a:off x="8472600" y="4663080"/>
-            <a:ext cx="548280" cy="393120"/>
+            <a:ext cx="547560" cy="392400"/>
           </a:xfrm>
           <a:prstGeom prst="rect">
             <a:avLst/>
@@ -1623,7 +1333,7 @@
         </p:spPr>
         <p:txBody>
           <a:bodyPr lIns="91440" rIns="91440" tIns="91440" bIns="91440" anchor="ctr">
-            <a:normAutofit/>
+            <a:noAutofit/>
           </a:bodyPr>
           <a:lstStyle>
             <a:lvl1pPr indent="0" algn="r">
@@ -1654,7 +1364,7 @@
                 <a:tab algn="l" pos="0"/>
               </a:tabLst>
             </a:pPr>
-            <a:fld id="{B7FFD0A7-022B-4051-AC57-CDAB82E5757E}" type="slidenum">
+            <a:fld id="{D69D4D5C-A5C6-40DB-AD4A-3C48E7239484}" type="slidenum">
               <a:rPr b="0" lang="fr" sz="1000" strike="noStrike" u="none">
                 <a:solidFill>
                   <a:schemeClr val="dk2"/>
@@ -1710,246 +1420,7 @@
       </p:grpSpPr>
       <p:sp>
         <p:nvSpPr>
-          <p:cNvPr id="35" name="PlaceHolder 1"/>
-          <p:cNvSpPr>
-            <a:spLocks noGrp="1"/>
-          </p:cNvSpPr>
-          <p:nvPr>
-            <p:ph type="body"/>
-          </p:nvPr>
-        </p:nvSpPr>
-        <p:spPr>
-          <a:xfrm>
-            <a:off x="311760" y="4230720"/>
-            <a:ext cx="5998320" cy="604800"/>
-          </a:xfrm>
-          <a:prstGeom prst="rect">
-            <a:avLst/>
-          </a:prstGeom>
-          <a:noFill/>
-          <a:ln w="0">
-            <a:noFill/>
-          </a:ln>
-        </p:spPr>
-        <p:txBody>
-          <a:bodyPr lIns="91440" rIns="91440" tIns="91440" bIns="91440" anchor="ctr">
-            <a:normAutofit fontScale="25000" lnSpcReduction="19999"/>
-          </a:bodyPr>
-          <a:p>
-            <a:pPr marL="432000" indent="-324000">
-              <a:spcBef>
-                <a:spcPts val="1417"/>
-              </a:spcBef>
-              <a:buClr>
-                <a:srgbClr val="000000"/>
-              </a:buClr>
-              <a:buSzPct val="45000"/>
-              <a:buFont typeface="Wingdings" charset="2"/>
-              <a:buChar char=""/>
-            </a:pPr>
-            <a:r>
-              <a:rPr b="0" lang="fr-FR" sz="1800" strike="noStrike" u="none">
-                <a:solidFill>
-                  <a:srgbClr val="000000"/>
-                </a:solidFill>
-                <a:uFillTx/>
-                <a:latin typeface="Arial"/>
-              </a:rPr>
-              <a:t>Cliquez pour éditer le format du plan de texte</a:t>
-            </a:r>
-            <a:endParaRPr b="0" lang="fr-FR" sz="1800" strike="noStrike" u="none">
-              <a:solidFill>
-                <a:srgbClr val="000000"/>
-              </a:solidFill>
-              <a:uFillTx/>
-              <a:latin typeface="Arial"/>
-            </a:endParaRPr>
-          </a:p>
-          <a:p>
-            <a:pPr lvl="1" marL="864000" indent="-324000">
-              <a:spcBef>
-                <a:spcPts val="1134"/>
-              </a:spcBef>
-              <a:buClr>
-                <a:srgbClr val="000000"/>
-              </a:buClr>
-              <a:buSzPct val="75000"/>
-              <a:buFont typeface="Symbol" charset="2"/>
-              <a:buChar char=""/>
-            </a:pPr>
-            <a:r>
-              <a:rPr b="0" lang="fr-FR" sz="1800" strike="noStrike" u="none">
-                <a:solidFill>
-                  <a:srgbClr val="000000"/>
-                </a:solidFill>
-                <a:uFillTx/>
-                <a:latin typeface="Arial"/>
-              </a:rPr>
-              <a:t>Second niveau de plan</a:t>
-            </a:r>
-            <a:endParaRPr b="0" lang="fr-FR" sz="1800" strike="noStrike" u="none">
-              <a:solidFill>
-                <a:srgbClr val="000000"/>
-              </a:solidFill>
-              <a:uFillTx/>
-              <a:latin typeface="Arial"/>
-            </a:endParaRPr>
-          </a:p>
-          <a:p>
-            <a:pPr lvl="2" marL="1296000" indent="-288000">
-              <a:spcBef>
-                <a:spcPts val="850"/>
-              </a:spcBef>
-              <a:buClr>
-                <a:srgbClr val="000000"/>
-              </a:buClr>
-              <a:buSzPct val="45000"/>
-              <a:buFont typeface="Wingdings" charset="2"/>
-              <a:buChar char=""/>
-            </a:pPr>
-            <a:r>
-              <a:rPr b="0" lang="fr-FR" sz="1800" strike="noStrike" u="none">
-                <a:solidFill>
-                  <a:srgbClr val="000000"/>
-                </a:solidFill>
-                <a:uFillTx/>
-                <a:latin typeface="Arial"/>
-              </a:rPr>
-              <a:t>Troisième niveau de plan</a:t>
-            </a:r>
-            <a:endParaRPr b="0" lang="fr-FR" sz="1800" strike="noStrike" u="none">
-              <a:solidFill>
-                <a:srgbClr val="000000"/>
-              </a:solidFill>
-              <a:uFillTx/>
-              <a:latin typeface="Arial"/>
-            </a:endParaRPr>
-          </a:p>
-          <a:p>
-            <a:pPr lvl="3" marL="1728000" indent="-216000">
-              <a:spcBef>
-                <a:spcPts val="567"/>
-              </a:spcBef>
-              <a:buClr>
-                <a:srgbClr val="000000"/>
-              </a:buClr>
-              <a:buSzPct val="75000"/>
-              <a:buFont typeface="Symbol" charset="2"/>
-              <a:buChar char=""/>
-            </a:pPr>
-            <a:r>
-              <a:rPr b="0" lang="fr-FR" sz="1800" strike="noStrike" u="none">
-                <a:solidFill>
-                  <a:srgbClr val="000000"/>
-                </a:solidFill>
-                <a:uFillTx/>
-                <a:latin typeface="Arial"/>
-              </a:rPr>
-              <a:t>Quatrième niveau de plan</a:t>
-            </a:r>
-            <a:endParaRPr b="0" lang="fr-FR" sz="1800" strike="noStrike" u="none">
-              <a:solidFill>
-                <a:srgbClr val="000000"/>
-              </a:solidFill>
-              <a:uFillTx/>
-              <a:latin typeface="Arial"/>
-            </a:endParaRPr>
-          </a:p>
-          <a:p>
-            <a:pPr lvl="4" marL="2160000" indent="-216000">
-              <a:spcBef>
-                <a:spcPts val="283"/>
-              </a:spcBef>
-              <a:buClr>
-                <a:srgbClr val="000000"/>
-              </a:buClr>
-              <a:buSzPct val="45000"/>
-              <a:buFont typeface="Wingdings" charset="2"/>
-              <a:buChar char=""/>
-            </a:pPr>
-            <a:r>
-              <a:rPr b="0" lang="fr-FR" sz="1800" strike="noStrike" u="none">
-                <a:solidFill>
-                  <a:srgbClr val="000000"/>
-                </a:solidFill>
-                <a:uFillTx/>
-                <a:latin typeface="Arial"/>
-              </a:rPr>
-              <a:t>Cinquième niveau de plan</a:t>
-            </a:r>
-            <a:endParaRPr b="0" lang="fr-FR" sz="1800" strike="noStrike" u="none">
-              <a:solidFill>
-                <a:srgbClr val="000000"/>
-              </a:solidFill>
-              <a:uFillTx/>
-              <a:latin typeface="Arial"/>
-            </a:endParaRPr>
-          </a:p>
-          <a:p>
-            <a:pPr lvl="5" marL="2592000" indent="-216000">
-              <a:spcBef>
-                <a:spcPts val="283"/>
-              </a:spcBef>
-              <a:buClr>
-                <a:srgbClr val="000000"/>
-              </a:buClr>
-              <a:buSzPct val="45000"/>
-              <a:buFont typeface="Wingdings" charset="2"/>
-              <a:buChar char=""/>
-            </a:pPr>
-            <a:r>
-              <a:rPr b="0" lang="fr-FR" sz="1800" strike="noStrike" u="none">
-                <a:solidFill>
-                  <a:srgbClr val="000000"/>
-                </a:solidFill>
-                <a:uFillTx/>
-                <a:latin typeface="Arial"/>
-              </a:rPr>
-              <a:t>Sixième niveau de plan</a:t>
-            </a:r>
-            <a:endParaRPr b="0" lang="fr-FR" sz="1800" strike="noStrike" u="none">
-              <a:solidFill>
-                <a:srgbClr val="000000"/>
-              </a:solidFill>
-              <a:uFillTx/>
-              <a:latin typeface="Arial"/>
-            </a:endParaRPr>
-          </a:p>
-          <a:p>
-            <a:pPr lvl="6" marL="3024000" indent="-216000">
-              <a:spcBef>
-                <a:spcPts val="283"/>
-              </a:spcBef>
-              <a:buClr>
-                <a:srgbClr val="000000"/>
-              </a:buClr>
-              <a:buSzPct val="45000"/>
-              <a:buFont typeface="Wingdings" charset="2"/>
-              <a:buChar char=""/>
-            </a:pPr>
-            <a:r>
-              <a:rPr b="0" lang="fr-FR" sz="1800" strike="noStrike" u="none">
-                <a:solidFill>
-                  <a:srgbClr val="000000"/>
-                </a:solidFill>
-                <a:uFillTx/>
-                <a:latin typeface="Arial"/>
-              </a:rPr>
-              <a:t>Septième niveau de plan</a:t>
-            </a:r>
-            <a:endParaRPr b="0" lang="fr-FR" sz="1800" strike="noStrike" u="none">
-              <a:solidFill>
-                <a:srgbClr val="000000"/>
-              </a:solidFill>
-              <a:uFillTx/>
-              <a:latin typeface="Arial"/>
-            </a:endParaRPr>
-          </a:p>
-        </p:txBody>
-      </p:sp>
-      <p:sp>
-        <p:nvSpPr>
-          <p:cNvPr id="36" name="PlaceHolder 2"/>
+          <p:cNvPr id="27" name="PlaceHolder 1"/>
           <p:cNvSpPr>
             <a:spLocks noGrp="1"/>
           </p:cNvSpPr>
@@ -1960,7 +1431,7 @@
         <p:spPr>
           <a:xfrm>
             <a:off x="8472600" y="4663080"/>
-            <a:ext cx="548280" cy="393120"/>
+            <a:ext cx="547560" cy="392400"/>
           </a:xfrm>
           <a:prstGeom prst="rect">
             <a:avLst/>
@@ -1972,7 +1443,7 @@
         </p:spPr>
         <p:txBody>
           <a:bodyPr lIns="91440" rIns="91440" tIns="91440" bIns="91440" anchor="ctr">
-            <a:normAutofit/>
+            <a:noAutofit/>
           </a:bodyPr>
           <a:lstStyle>
             <a:lvl1pPr indent="0" algn="r">
@@ -2003,7 +1474,7 @@
                 <a:tab algn="l" pos="0"/>
               </a:tabLst>
             </a:pPr>
-            <a:fld id="{6E8D945E-C898-4A75-93E0-95D58BEF4898}" type="slidenum">
+            <a:fld id="{8B263CE3-AE97-4853-B644-391902F28F83}" type="slidenum">
               <a:rPr b="0" lang="fr" sz="1000" strike="noStrike" u="none">
                 <a:solidFill>
                   <a:schemeClr val="dk2"/>
@@ -2064,13 +1535,13 @@
             <a:spLocks noGrp="1"/>
           </p:cNvSpPr>
           <p:nvPr>
-            <p:ph type="title"/>
+            <p:ph type="sldNum" idx="2"/>
           </p:nvPr>
         </p:nvSpPr>
         <p:spPr>
           <a:xfrm>
-            <a:off x="311760" y="1106280"/>
-            <a:ext cx="8520120" cy="1963080"/>
+            <a:off x="8472600" y="4663080"/>
+            <a:ext cx="547560" cy="392400"/>
           </a:xfrm>
           <a:prstGeom prst="rect">
             <a:avLst/>
@@ -2081,302 +1552,8 @@
           </a:ln>
         </p:spPr>
         <p:txBody>
-          <a:bodyPr lIns="91440" rIns="91440" tIns="91440" bIns="91440" anchor="b">
-            <a:normAutofit lnSpcReduction="9999"/>
-          </a:bodyPr>
-          <a:p>
-            <a:pPr indent="0" algn="ctr">
-              <a:lnSpc>
-                <a:spcPct val="100000"/>
-              </a:lnSpc>
-              <a:buNone/>
-            </a:pPr>
-            <a:r>
-              <a:rPr b="0" lang="fr-FR" sz="12000" strike="noStrike" u="none">
-                <a:solidFill>
-                  <a:schemeClr val="dk1"/>
-                </a:solidFill>
-                <a:uFillTx/>
-                <a:latin typeface="Arial"/>
-                <a:ea typeface="Arial"/>
-              </a:rPr>
-              <a:t>xx%</a:t>
-            </a:r>
-            <a:endParaRPr b="0" lang="fr-FR" sz="12000" strike="noStrike" u="none">
-              <a:solidFill>
-                <a:srgbClr val="000000"/>
-              </a:solidFill>
-              <a:uFillTx/>
-              <a:latin typeface="Arial"/>
-            </a:endParaRPr>
-          </a:p>
-        </p:txBody>
-      </p:sp>
-      <p:sp>
-        <p:nvSpPr>
-          <p:cNvPr id="6" name="PlaceHolder 2"/>
-          <p:cNvSpPr>
-            <a:spLocks noGrp="1"/>
-          </p:cNvSpPr>
-          <p:nvPr>
-            <p:ph type="body"/>
-          </p:nvPr>
-        </p:nvSpPr>
-        <p:spPr>
-          <a:xfrm>
-            <a:off x="311760" y="3152160"/>
-            <a:ext cx="8520120" cy="1300320"/>
-          </a:xfrm>
-          <a:prstGeom prst="rect">
-            <a:avLst/>
-          </a:prstGeom>
-          <a:noFill/>
-          <a:ln w="0">
-            <a:noFill/>
-          </a:ln>
-        </p:spPr>
-        <p:txBody>
-          <a:bodyPr lIns="91440" rIns="91440" tIns="91440" bIns="91440" anchor="t">
-            <a:normAutofit fontScale="47500" lnSpcReduction="19999"/>
-          </a:bodyPr>
-          <a:p>
-            <a:pPr marL="432000" indent="-324000">
-              <a:spcBef>
-                <a:spcPts val="1417"/>
-              </a:spcBef>
-              <a:buClr>
-                <a:srgbClr val="000000"/>
-              </a:buClr>
-              <a:buSzPct val="45000"/>
-              <a:buFont typeface="Wingdings" charset="2"/>
-              <a:buChar char=""/>
-            </a:pPr>
-            <a:r>
-              <a:rPr b="0" lang="fr-FR" sz="1800" strike="noStrike" u="none">
-                <a:solidFill>
-                  <a:srgbClr val="000000"/>
-                </a:solidFill>
-                <a:uFillTx/>
-                <a:latin typeface="Arial"/>
-              </a:rPr>
-              <a:t>Cliquez pour éditer le format du plan de texte</a:t>
-            </a:r>
-            <a:endParaRPr b="0" lang="fr-FR" sz="1800" strike="noStrike" u="none">
-              <a:solidFill>
-                <a:srgbClr val="000000"/>
-              </a:solidFill>
-              <a:uFillTx/>
-              <a:latin typeface="Arial"/>
-            </a:endParaRPr>
-          </a:p>
-          <a:p>
-            <a:pPr lvl="1" marL="864000" indent="-324000">
-              <a:spcBef>
-                <a:spcPts val="1134"/>
-              </a:spcBef>
-              <a:buClr>
-                <a:srgbClr val="000000"/>
-              </a:buClr>
-              <a:buSzPct val="75000"/>
-              <a:buFont typeface="Symbol" charset="2"/>
-              <a:buChar char=""/>
-            </a:pPr>
-            <a:r>
-              <a:rPr b="0" lang="fr-FR" sz="1800" strike="noStrike" u="none">
-                <a:solidFill>
-                  <a:srgbClr val="000000"/>
-                </a:solidFill>
-                <a:uFillTx/>
-                <a:latin typeface="Arial"/>
-              </a:rPr>
-              <a:t>Second niveau de plan</a:t>
-            </a:r>
-            <a:endParaRPr b="0" lang="fr-FR" sz="1800" strike="noStrike" u="none">
-              <a:solidFill>
-                <a:srgbClr val="000000"/>
-              </a:solidFill>
-              <a:uFillTx/>
-              <a:latin typeface="Arial"/>
-            </a:endParaRPr>
-          </a:p>
-          <a:p>
-            <a:pPr lvl="2" marL="1296000" indent="-288000">
-              <a:spcBef>
-                <a:spcPts val="850"/>
-              </a:spcBef>
-              <a:buClr>
-                <a:srgbClr val="000000"/>
-              </a:buClr>
-              <a:buSzPct val="45000"/>
-              <a:buFont typeface="Wingdings" charset="2"/>
-              <a:buChar char=""/>
-            </a:pPr>
-            <a:r>
-              <a:rPr b="0" lang="fr-FR" sz="1800" strike="noStrike" u="none">
-                <a:solidFill>
-                  <a:srgbClr val="000000"/>
-                </a:solidFill>
-                <a:uFillTx/>
-                <a:latin typeface="Arial"/>
-              </a:rPr>
-              <a:t>Troisième niveau de plan</a:t>
-            </a:r>
-            <a:endParaRPr b="0" lang="fr-FR" sz="1800" strike="noStrike" u="none">
-              <a:solidFill>
-                <a:srgbClr val="000000"/>
-              </a:solidFill>
-              <a:uFillTx/>
-              <a:latin typeface="Arial"/>
-            </a:endParaRPr>
-          </a:p>
-          <a:p>
-            <a:pPr lvl="3" marL="1728000" indent="-216000">
-              <a:spcBef>
-                <a:spcPts val="567"/>
-              </a:spcBef>
-              <a:buClr>
-                <a:srgbClr val="000000"/>
-              </a:buClr>
-              <a:buSzPct val="75000"/>
-              <a:buFont typeface="Symbol" charset="2"/>
-              <a:buChar char=""/>
-            </a:pPr>
-            <a:r>
-              <a:rPr b="0" lang="fr-FR" sz="1800" strike="noStrike" u="none">
-                <a:solidFill>
-                  <a:srgbClr val="000000"/>
-                </a:solidFill>
-                <a:uFillTx/>
-                <a:latin typeface="Arial"/>
-              </a:rPr>
-              <a:t>Quatrième niveau de plan</a:t>
-            </a:r>
-            <a:endParaRPr b="0" lang="fr-FR" sz="1800" strike="noStrike" u="none">
-              <a:solidFill>
-                <a:srgbClr val="000000"/>
-              </a:solidFill>
-              <a:uFillTx/>
-              <a:latin typeface="Arial"/>
-            </a:endParaRPr>
-          </a:p>
-          <a:p>
-            <a:pPr lvl="4" marL="2160000" indent="-216000">
-              <a:spcBef>
-                <a:spcPts val="283"/>
-              </a:spcBef>
-              <a:buClr>
-                <a:srgbClr val="000000"/>
-              </a:buClr>
-              <a:buSzPct val="45000"/>
-              <a:buFont typeface="Wingdings" charset="2"/>
-              <a:buChar char=""/>
-            </a:pPr>
-            <a:r>
-              <a:rPr b="0" lang="fr-FR" sz="1800" strike="noStrike" u="none">
-                <a:solidFill>
-                  <a:srgbClr val="000000"/>
-                </a:solidFill>
-                <a:uFillTx/>
-                <a:latin typeface="Arial"/>
-              </a:rPr>
-              <a:t>Cinquième niveau de plan</a:t>
-            </a:r>
-            <a:endParaRPr b="0" lang="fr-FR" sz="1800" strike="noStrike" u="none">
-              <a:solidFill>
-                <a:srgbClr val="000000"/>
-              </a:solidFill>
-              <a:uFillTx/>
-              <a:latin typeface="Arial"/>
-            </a:endParaRPr>
-          </a:p>
-          <a:p>
-            <a:pPr lvl="5" marL="2592000" indent="-216000">
-              <a:spcBef>
-                <a:spcPts val="283"/>
-              </a:spcBef>
-              <a:buClr>
-                <a:srgbClr val="000000"/>
-              </a:buClr>
-              <a:buSzPct val="45000"/>
-              <a:buFont typeface="Wingdings" charset="2"/>
-              <a:buChar char=""/>
-            </a:pPr>
-            <a:r>
-              <a:rPr b="0" lang="fr-FR" sz="1800" strike="noStrike" u="none">
-                <a:solidFill>
-                  <a:srgbClr val="000000"/>
-                </a:solidFill>
-                <a:uFillTx/>
-                <a:latin typeface="Arial"/>
-              </a:rPr>
-              <a:t>Sixième niveau de plan</a:t>
-            </a:r>
-            <a:endParaRPr b="0" lang="fr-FR" sz="1800" strike="noStrike" u="none">
-              <a:solidFill>
-                <a:srgbClr val="000000"/>
-              </a:solidFill>
-              <a:uFillTx/>
-              <a:latin typeface="Arial"/>
-            </a:endParaRPr>
-          </a:p>
-          <a:p>
-            <a:pPr lvl="6" marL="3024000" indent="-216000">
-              <a:spcBef>
-                <a:spcPts val="283"/>
-              </a:spcBef>
-              <a:buClr>
-                <a:srgbClr val="000000"/>
-              </a:buClr>
-              <a:buSzPct val="45000"/>
-              <a:buFont typeface="Wingdings" charset="2"/>
-              <a:buChar char=""/>
-            </a:pPr>
-            <a:r>
-              <a:rPr b="0" lang="fr-FR" sz="1800" strike="noStrike" u="none">
-                <a:solidFill>
-                  <a:srgbClr val="000000"/>
-                </a:solidFill>
-                <a:uFillTx/>
-                <a:latin typeface="Arial"/>
-              </a:rPr>
-              <a:t>Septième niveau de plan</a:t>
-            </a:r>
-            <a:endParaRPr b="0" lang="fr-FR" sz="1800" strike="noStrike" u="none">
-              <a:solidFill>
-                <a:srgbClr val="000000"/>
-              </a:solidFill>
-              <a:uFillTx/>
-              <a:latin typeface="Arial"/>
-            </a:endParaRPr>
-          </a:p>
-        </p:txBody>
-      </p:sp>
-      <p:sp>
-        <p:nvSpPr>
-          <p:cNvPr id="7" name="PlaceHolder 3"/>
-          <p:cNvSpPr>
-            <a:spLocks noGrp="1"/>
-          </p:cNvSpPr>
-          <p:nvPr>
-            <p:ph type="sldNum" idx="2"/>
-          </p:nvPr>
-        </p:nvSpPr>
-        <p:spPr>
-          <a:xfrm>
-            <a:off x="8472600" y="4663080"/>
-            <a:ext cx="548280" cy="393120"/>
-          </a:xfrm>
-          <a:prstGeom prst="rect">
-            <a:avLst/>
-          </a:prstGeom>
-          <a:noFill/>
-          <a:ln w="0">
-            <a:noFill/>
-          </a:ln>
-        </p:spPr>
-        <p:txBody>
           <a:bodyPr lIns="91440" rIns="91440" tIns="91440" bIns="91440" anchor="ctr">
-            <a:normAutofit/>
+            <a:noAutofit/>
           </a:bodyPr>
           <a:lstStyle>
             <a:lvl1pPr indent="0" algn="r">
@@ -2407,7 +1584,7 @@
                 <a:tab algn="l" pos="0"/>
               </a:tabLst>
             </a:pPr>
-            <a:fld id="{77BCFA6D-E056-447A-BF89-5D7110E8CF2E}" type="slidenum">
+            <a:fld id="{5AD35A34-B75B-4955-9EDF-D9CD36EA92FA}" type="slidenum">
               <a:rPr b="0" lang="fr" sz="1000" strike="noStrike" u="none">
                 <a:solidFill>
                   <a:schemeClr val="dk2"/>
@@ -2463,7 +1640,7 @@
       </p:grpSpPr>
       <p:sp>
         <p:nvSpPr>
-          <p:cNvPr id="8" name="PlaceHolder 1"/>
+          <p:cNvPr id="6" name="PlaceHolder 1"/>
           <p:cNvSpPr>
             <a:spLocks noGrp="1"/>
           </p:cNvSpPr>
@@ -2474,7 +1651,7 @@
         <p:spPr>
           <a:xfrm>
             <a:off x="8472600" y="4663080"/>
-            <a:ext cx="548280" cy="393120"/>
+            <a:ext cx="547560" cy="392400"/>
           </a:xfrm>
           <a:prstGeom prst="rect">
             <a:avLst/>
@@ -2486,7 +1663,7 @@
         </p:spPr>
         <p:txBody>
           <a:bodyPr lIns="91440" rIns="91440" tIns="91440" bIns="91440" anchor="ctr">
-            <a:normAutofit/>
+            <a:noAutofit/>
           </a:bodyPr>
           <a:lstStyle>
             <a:lvl1pPr indent="0" algn="r">
@@ -2517,7 +1694,7 @@
                 <a:tab algn="l" pos="0"/>
               </a:tabLst>
             </a:pPr>
-            <a:fld id="{754DDB37-AF35-4A5E-80D2-9E89D35B07F1}" type="slidenum">
+            <a:fld id="{2F901F3F-A7C8-48A3-92B0-1FCA71E12BE3}" type="slidenum">
               <a:rPr b="0" lang="fr" sz="1000" strike="noStrike" u="none">
                 <a:solidFill>
                   <a:schemeClr val="dk2"/>
@@ -2573,58 +1750,7 @@
       </p:grpSpPr>
       <p:sp>
         <p:nvSpPr>
-          <p:cNvPr id="9" name="PlaceHolder 1"/>
-          <p:cNvSpPr>
-            <a:spLocks noGrp="1"/>
-          </p:cNvSpPr>
-          <p:nvPr>
-            <p:ph type="title"/>
-          </p:nvPr>
-        </p:nvSpPr>
-        <p:spPr>
-          <a:xfrm>
-            <a:off x="311760" y="2151000"/>
-            <a:ext cx="8520120" cy="841320"/>
-          </a:xfrm>
-          <a:prstGeom prst="rect">
-            <a:avLst/>
-          </a:prstGeom>
-          <a:noFill/>
-          <a:ln w="0">
-            <a:noFill/>
-          </a:ln>
-        </p:spPr>
-        <p:txBody>
-          <a:bodyPr lIns="91440" rIns="91440" tIns="91440" bIns="91440" anchor="ctr">
-            <a:normAutofit fontScale="92500" lnSpcReduction="9999"/>
-          </a:bodyPr>
-          <a:p>
-            <a:pPr indent="0">
-              <a:buNone/>
-            </a:pPr>
-            <a:r>
-              <a:rPr b="0" lang="fr-FR" sz="3600" strike="noStrike" u="none">
-                <a:solidFill>
-                  <a:srgbClr val="000000"/>
-                </a:solidFill>
-                <a:uFillTx/>
-                <a:latin typeface="Arial"/>
-              </a:rPr>
-              <a:t>Cliquez pour éditer le format du texte-titre</a:t>
-            </a:r>
-            <a:endParaRPr b="0" lang="fr-FR" sz="3600" strike="noStrike" u="none">
-              <a:solidFill>
-                <a:srgbClr val="000000"/>
-              </a:solidFill>
-              <a:uFillTx/>
-              <a:latin typeface="Arial"/>
-            </a:endParaRPr>
-          </a:p>
-        </p:txBody>
-      </p:sp>
-      <p:sp>
-        <p:nvSpPr>
-          <p:cNvPr id="10" name="PlaceHolder 2"/>
+          <p:cNvPr id="7" name="PlaceHolder 1"/>
           <p:cNvSpPr>
             <a:spLocks noGrp="1"/>
           </p:cNvSpPr>
@@ -2635,7 +1761,7 @@
         <p:spPr>
           <a:xfrm>
             <a:off x="8472600" y="4663080"/>
-            <a:ext cx="548280" cy="393120"/>
+            <a:ext cx="547560" cy="392400"/>
           </a:xfrm>
           <a:prstGeom prst="rect">
             <a:avLst/>
@@ -2647,7 +1773,7 @@
         </p:spPr>
         <p:txBody>
           <a:bodyPr lIns="91440" rIns="91440" tIns="91440" bIns="91440" anchor="ctr">
-            <a:normAutofit/>
+            <a:noAutofit/>
           </a:bodyPr>
           <a:lstStyle>
             <a:lvl1pPr indent="0" algn="r">
@@ -2678,7 +1804,7 @@
                 <a:tab algn="l" pos="0"/>
               </a:tabLst>
             </a:pPr>
-            <a:fld id="{CFDB0690-6521-4C17-945E-D6B5FE3840E9}" type="slidenum">
+            <a:fld id="{167FAC18-0B4B-4960-AAB3-174FC0A758FA}" type="slidenum">
               <a:rPr b="0" lang="fr" sz="1000" strike="noStrike" u="none">
                 <a:solidFill>
                   <a:schemeClr val="dk2"/>
@@ -2734,7 +1860,7 @@
       </p:grpSpPr>
       <p:sp>
         <p:nvSpPr>
-          <p:cNvPr id="11" name="PlaceHolder 1"/>
+          <p:cNvPr id="8" name="PlaceHolder 1"/>
           <p:cNvSpPr>
             <a:spLocks noGrp="1"/>
           </p:cNvSpPr>
@@ -2744,8 +1870,8 @@
         </p:nvSpPr>
         <p:spPr>
           <a:xfrm>
-            <a:off x="311760" y="444960"/>
-            <a:ext cx="8520120" cy="572400"/>
+            <a:off x="311760" y="744480"/>
+            <a:ext cx="8519400" cy="2051640"/>
           </a:xfrm>
           <a:prstGeom prst="rect">
             <a:avLst/>
@@ -2756,15 +1882,15 @@
           </a:ln>
         </p:spPr>
         <p:txBody>
-          <a:bodyPr lIns="91440" rIns="91440" tIns="91440" bIns="91440" anchor="t">
-            <a:normAutofit lnSpcReduction="9999"/>
+          <a:bodyPr lIns="0" rIns="0" tIns="0" bIns="0" anchor="ctr">
+            <a:noAutofit/>
           </a:bodyPr>
           <a:p>
             <a:pPr indent="0">
               <a:buNone/>
             </a:pPr>
             <a:r>
-              <a:rPr b="0" lang="fr-FR" sz="2800" strike="noStrike" u="none">
+              <a:rPr b="0" lang="fr-FR" sz="1800" strike="noStrike" u="none">
                 <a:solidFill>
                   <a:srgbClr val="000000"/>
                 </a:solidFill>
@@ -2773,7 +1899,7 @@
               </a:rPr>
               <a:t>Cliquez pour éditer le format du texte-titre</a:t>
             </a:r>
-            <a:endParaRPr b="0" lang="fr-FR" sz="2800" strike="noStrike" u="none">
+            <a:endParaRPr b="0" lang="fr-FR" sz="1800" strike="noStrike" u="none">
               <a:solidFill>
                 <a:srgbClr val="000000"/>
               </a:solidFill>
@@ -2785,7 +1911,7 @@
       </p:sp>
       <p:sp>
         <p:nvSpPr>
-          <p:cNvPr id="12" name="PlaceHolder 2"/>
+          <p:cNvPr id="9" name="PlaceHolder 2"/>
           <p:cNvSpPr>
             <a:spLocks noGrp="1"/>
           </p:cNvSpPr>
@@ -2795,8 +1921,8 @@
         </p:nvSpPr>
         <p:spPr>
           <a:xfrm>
-            <a:off x="311760" y="1152360"/>
-            <a:ext cx="8520120" cy="3416040"/>
+            <a:off x="457200" y="1203480"/>
+            <a:ext cx="8228880" cy="2982600"/>
           </a:xfrm>
           <a:prstGeom prst="rect">
             <a:avLst/>
@@ -2807,7 +1933,7 @@
           </a:ln>
         </p:spPr>
         <p:txBody>
-          <a:bodyPr lIns="91440" rIns="91440" tIns="91440" bIns="91440" anchor="t">
+          <a:bodyPr lIns="0" rIns="0" tIns="0" bIns="0" anchor="t">
             <a:normAutofit/>
           </a:bodyPr>
           <a:p>
@@ -3024,7 +2150,7 @@
       </p:sp>
       <p:sp>
         <p:nvSpPr>
-          <p:cNvPr id="13" name="PlaceHolder 3"/>
+          <p:cNvPr id="10" name="PlaceHolder 3"/>
           <p:cNvSpPr>
             <a:spLocks noGrp="1"/>
           </p:cNvSpPr>
@@ -3035,7 +2161,7 @@
         <p:spPr>
           <a:xfrm>
             <a:off x="8472600" y="4663080"/>
-            <a:ext cx="548280" cy="393120"/>
+            <a:ext cx="547560" cy="392400"/>
           </a:xfrm>
           <a:prstGeom prst="rect">
             <a:avLst/>
@@ -3047,7 +2173,7 @@
         </p:spPr>
         <p:txBody>
           <a:bodyPr lIns="91440" rIns="91440" tIns="91440" bIns="91440" anchor="ctr">
-            <a:normAutofit/>
+            <a:noAutofit/>
           </a:bodyPr>
           <a:lstStyle>
             <a:lvl1pPr indent="0" algn="r">
@@ -3078,7 +2204,7 @@
                 <a:tab algn="l" pos="0"/>
               </a:tabLst>
             </a:pPr>
-            <a:fld id="{EFF96AD4-15CB-49DE-A118-F242C08F9F17}" type="slidenum">
+            <a:fld id="{ED36909B-68AA-40E7-A0A1-480E8792B916}" type="slidenum">
               <a:rPr b="0" lang="fr" sz="1000" strike="noStrike" u="none">
                 <a:solidFill>
                   <a:schemeClr val="dk2"/>
@@ -3134,7 +2260,7 @@
       </p:grpSpPr>
       <p:sp>
         <p:nvSpPr>
-          <p:cNvPr id="16" name="PlaceHolder 1"/>
+          <p:cNvPr id="13" name="PlaceHolder 1"/>
           <p:cNvSpPr>
             <a:spLocks noGrp="1"/>
           </p:cNvSpPr>
@@ -3144,8 +2270,8 @@
         </p:nvSpPr>
         <p:spPr>
           <a:xfrm>
-            <a:off x="311760" y="444960"/>
-            <a:ext cx="8520120" cy="572400"/>
+            <a:off x="311760" y="744480"/>
+            <a:ext cx="8519400" cy="2051640"/>
           </a:xfrm>
           <a:prstGeom prst="rect">
             <a:avLst/>
@@ -3156,15 +2282,15 @@
           </a:ln>
         </p:spPr>
         <p:txBody>
-          <a:bodyPr lIns="91440" rIns="91440" tIns="91440" bIns="91440" anchor="t">
-            <a:normAutofit lnSpcReduction="9999"/>
+          <a:bodyPr lIns="0" rIns="0" tIns="0" bIns="0" anchor="ctr">
+            <a:noAutofit/>
           </a:bodyPr>
           <a:p>
             <a:pPr indent="0">
               <a:buNone/>
             </a:pPr>
             <a:r>
-              <a:rPr b="0" lang="fr-FR" sz="2800" strike="noStrike" u="none">
+              <a:rPr b="0" lang="fr-FR" sz="1800" strike="noStrike" u="none">
                 <a:solidFill>
                   <a:srgbClr val="000000"/>
                 </a:solidFill>
@@ -3173,7 +2299,7 @@
               </a:rPr>
               <a:t>Cliquez pour éditer le format du texte-titre</a:t>
             </a:r>
-            <a:endParaRPr b="0" lang="fr-FR" sz="2800" strike="noStrike" u="none">
+            <a:endParaRPr b="0" lang="fr-FR" sz="1800" strike="noStrike" u="none">
               <a:solidFill>
                 <a:srgbClr val="000000"/>
               </a:solidFill>
@@ -3185,7 +2311,7 @@
       </p:sp>
       <p:sp>
         <p:nvSpPr>
-          <p:cNvPr id="17" name="PlaceHolder 2"/>
+          <p:cNvPr id="14" name="PlaceHolder 2"/>
           <p:cNvSpPr>
             <a:spLocks noGrp="1"/>
           </p:cNvSpPr>
@@ -3195,8 +2321,8 @@
         </p:nvSpPr>
         <p:spPr>
           <a:xfrm>
-            <a:off x="311760" y="1152360"/>
-            <a:ext cx="3999600" cy="3416040"/>
+            <a:off x="457200" y="1203480"/>
+            <a:ext cx="4015440" cy="2982600"/>
           </a:xfrm>
           <a:prstGeom prst="rect">
             <a:avLst/>
@@ -3207,8 +2333,8 @@
           </a:ln>
         </p:spPr>
         <p:txBody>
-          <a:bodyPr lIns="91440" rIns="91440" tIns="91440" bIns="91440" anchor="t">
-            <a:normAutofit/>
+          <a:bodyPr lIns="0" rIns="0" tIns="0" bIns="0" anchor="t">
+            <a:normAutofit fontScale="85000" lnSpcReduction="9999"/>
           </a:bodyPr>
           <a:p>
             <a:pPr marL="432000" indent="-324000">
@@ -3223,7 +2349,7 @@
               <a:buChar char=""/>
             </a:pPr>
             <a:r>
-              <a:rPr b="0" lang="fr-FR" sz="1400" strike="noStrike" u="none">
+              <a:rPr b="0" lang="fr-FR" sz="1800" strike="noStrike" u="none">
                 <a:solidFill>
                   <a:srgbClr val="000000"/>
                 </a:solidFill>
@@ -3232,7 +2358,7 @@
               </a:rPr>
               <a:t>Cliquez pour éditer le format du plan de texte</a:t>
             </a:r>
-            <a:endParaRPr b="0" lang="fr-FR" sz="1400" strike="noStrike" u="none">
+            <a:endParaRPr b="0" lang="fr-FR" sz="1800" strike="noStrike" u="none">
               <a:solidFill>
                 <a:srgbClr val="000000"/>
               </a:solidFill>
@@ -3253,7 +2379,7 @@
               <a:buChar char=""/>
             </a:pPr>
             <a:r>
-              <a:rPr b="0" lang="fr-FR" sz="1400" strike="noStrike" u="none">
+              <a:rPr b="0" lang="fr-FR" sz="1800" strike="noStrike" u="none">
                 <a:solidFill>
                   <a:srgbClr val="000000"/>
                 </a:solidFill>
@@ -3262,7 +2388,7 @@
               </a:rPr>
               <a:t>Second niveau de plan</a:t>
             </a:r>
-            <a:endParaRPr b="0" lang="fr-FR" sz="1400" strike="noStrike" u="none">
+            <a:endParaRPr b="0" lang="fr-FR" sz="1800" strike="noStrike" u="none">
               <a:solidFill>
                 <a:srgbClr val="000000"/>
               </a:solidFill>
@@ -3283,7 +2409,7 @@
               <a:buChar char=""/>
             </a:pPr>
             <a:r>
-              <a:rPr b="0" lang="fr-FR" sz="1400" strike="noStrike" u="none">
+              <a:rPr b="0" lang="fr-FR" sz="1800" strike="noStrike" u="none">
                 <a:solidFill>
                   <a:srgbClr val="000000"/>
                 </a:solidFill>
@@ -3292,7 +2418,7 @@
               </a:rPr>
               <a:t>Troisième niveau de plan</a:t>
             </a:r>
-            <a:endParaRPr b="0" lang="fr-FR" sz="1400" strike="noStrike" u="none">
+            <a:endParaRPr b="0" lang="fr-FR" sz="1800" strike="noStrike" u="none">
               <a:solidFill>
                 <a:srgbClr val="000000"/>
               </a:solidFill>
@@ -3313,7 +2439,7 @@
               <a:buChar char=""/>
             </a:pPr>
             <a:r>
-              <a:rPr b="0" lang="fr-FR" sz="1400" strike="noStrike" u="none">
+              <a:rPr b="0" lang="fr-FR" sz="1800" strike="noStrike" u="none">
                 <a:solidFill>
                   <a:srgbClr val="000000"/>
                 </a:solidFill>
@@ -3322,7 +2448,7 @@
               </a:rPr>
               <a:t>Quatrième niveau de plan</a:t>
             </a:r>
-            <a:endParaRPr b="0" lang="fr-FR" sz="1400" strike="noStrike" u="none">
+            <a:endParaRPr b="0" lang="fr-FR" sz="1800" strike="noStrike" u="none">
               <a:solidFill>
                 <a:srgbClr val="000000"/>
               </a:solidFill>
@@ -3343,7 +2469,7 @@
               <a:buChar char=""/>
             </a:pPr>
             <a:r>
-              <a:rPr b="0" lang="fr-FR" sz="1400" strike="noStrike" u="none">
+              <a:rPr b="0" lang="fr-FR" sz="1800" strike="noStrike" u="none">
                 <a:solidFill>
                   <a:srgbClr val="000000"/>
                 </a:solidFill>
@@ -3352,7 +2478,7 @@
               </a:rPr>
               <a:t>Cinquième niveau de plan</a:t>
             </a:r>
-            <a:endParaRPr b="0" lang="fr-FR" sz="1400" strike="noStrike" u="none">
+            <a:endParaRPr b="0" lang="fr-FR" sz="1800" strike="noStrike" u="none">
               <a:solidFill>
                 <a:srgbClr val="000000"/>
               </a:solidFill>
@@ -3373,7 +2499,7 @@
               <a:buChar char=""/>
             </a:pPr>
             <a:r>
-              <a:rPr b="0" lang="fr-FR" sz="1400" strike="noStrike" u="none">
+              <a:rPr b="0" lang="fr-FR" sz="1800" strike="noStrike" u="none">
                 <a:solidFill>
                   <a:srgbClr val="000000"/>
                 </a:solidFill>
@@ -3382,7 +2508,7 @@
               </a:rPr>
               <a:t>Sixième niveau de plan</a:t>
             </a:r>
-            <a:endParaRPr b="0" lang="fr-FR" sz="1400" strike="noStrike" u="none">
+            <a:endParaRPr b="0" lang="fr-FR" sz="1800" strike="noStrike" u="none">
               <a:solidFill>
                 <a:srgbClr val="000000"/>
               </a:solidFill>
@@ -3403,7 +2529,7 @@
               <a:buChar char=""/>
             </a:pPr>
             <a:r>
-              <a:rPr b="0" lang="fr-FR" sz="1400" strike="noStrike" u="none">
+              <a:rPr b="0" lang="fr-FR" sz="1800" strike="noStrike" u="none">
                 <a:solidFill>
                   <a:srgbClr val="000000"/>
                 </a:solidFill>
@@ -3412,7 +2538,7 @@
               </a:rPr>
               <a:t>Septième niveau de plan</a:t>
             </a:r>
-            <a:endParaRPr b="0" lang="fr-FR" sz="1400" strike="noStrike" u="none">
+            <a:endParaRPr b="0" lang="fr-FR" sz="1800" strike="noStrike" u="none">
               <a:solidFill>
                 <a:srgbClr val="000000"/>
               </a:solidFill>
@@ -3424,7 +2550,7 @@
       </p:sp>
       <p:sp>
         <p:nvSpPr>
-          <p:cNvPr id="18" name="PlaceHolder 3"/>
+          <p:cNvPr id="15" name="PlaceHolder 3"/>
           <p:cNvSpPr>
             <a:spLocks noGrp="1"/>
           </p:cNvSpPr>
@@ -3434,8 +2560,8 @@
         </p:nvSpPr>
         <p:spPr>
           <a:xfrm>
-            <a:off x="4832280" y="1152360"/>
-            <a:ext cx="3999600" cy="3416040"/>
+            <a:off x="4674240" y="1203480"/>
+            <a:ext cx="4015440" cy="2982600"/>
           </a:xfrm>
           <a:prstGeom prst="rect">
             <a:avLst/>
@@ -3446,8 +2572,8 @@
           </a:ln>
         </p:spPr>
         <p:txBody>
-          <a:bodyPr lIns="91440" rIns="91440" tIns="91440" bIns="91440" anchor="t">
-            <a:normAutofit/>
+          <a:bodyPr lIns="0" rIns="0" tIns="0" bIns="0" anchor="t">
+            <a:normAutofit fontScale="85000" lnSpcReduction="9999"/>
           </a:bodyPr>
           <a:p>
             <a:pPr marL="432000" indent="-324000">
@@ -3462,7 +2588,7 @@
               <a:buChar char=""/>
             </a:pPr>
             <a:r>
-              <a:rPr b="0" lang="fr-FR" sz="1400" strike="noStrike" u="none">
+              <a:rPr b="0" lang="fr-FR" sz="1800" strike="noStrike" u="none">
                 <a:solidFill>
                   <a:srgbClr val="000000"/>
                 </a:solidFill>
@@ -3471,7 +2597,7 @@
               </a:rPr>
               <a:t>Cliquez pour éditer le format du plan de texte</a:t>
             </a:r>
-            <a:endParaRPr b="0" lang="fr-FR" sz="1400" strike="noStrike" u="none">
+            <a:endParaRPr b="0" lang="fr-FR" sz="1800" strike="noStrike" u="none">
               <a:solidFill>
                 <a:srgbClr val="000000"/>
               </a:solidFill>
@@ -3492,7 +2618,7 @@
               <a:buChar char=""/>
             </a:pPr>
             <a:r>
-              <a:rPr b="0" lang="fr-FR" sz="1400" strike="noStrike" u="none">
+              <a:rPr b="0" lang="fr-FR" sz="1800" strike="noStrike" u="none">
                 <a:solidFill>
                   <a:srgbClr val="000000"/>
                 </a:solidFill>
@@ -3501,7 +2627,7 @@
               </a:rPr>
               <a:t>Second niveau de plan</a:t>
             </a:r>
-            <a:endParaRPr b="0" lang="fr-FR" sz="1400" strike="noStrike" u="none">
+            <a:endParaRPr b="0" lang="fr-FR" sz="1800" strike="noStrike" u="none">
               <a:solidFill>
                 <a:srgbClr val="000000"/>
               </a:solidFill>
@@ -3522,7 +2648,7 @@
               <a:buChar char=""/>
             </a:pPr>
             <a:r>
-              <a:rPr b="0" lang="fr-FR" sz="1400" strike="noStrike" u="none">
+              <a:rPr b="0" lang="fr-FR" sz="1800" strike="noStrike" u="none">
                 <a:solidFill>
                   <a:srgbClr val="000000"/>
                 </a:solidFill>
@@ -3531,7 +2657,7 @@
               </a:rPr>
               <a:t>Troisième niveau de plan</a:t>
             </a:r>
-            <a:endParaRPr b="0" lang="fr-FR" sz="1400" strike="noStrike" u="none">
+            <a:endParaRPr b="0" lang="fr-FR" sz="1800" strike="noStrike" u="none">
               <a:solidFill>
                 <a:srgbClr val="000000"/>
               </a:solidFill>
@@ -3552,7 +2678,7 @@
               <a:buChar char=""/>
             </a:pPr>
             <a:r>
-              <a:rPr b="0" lang="fr-FR" sz="1400" strike="noStrike" u="none">
+              <a:rPr b="0" lang="fr-FR" sz="1800" strike="noStrike" u="none">
                 <a:solidFill>
                   <a:srgbClr val="000000"/>
                 </a:solidFill>
@@ -3561,7 +2687,7 @@
               </a:rPr>
               <a:t>Quatrième niveau de plan</a:t>
             </a:r>
-            <a:endParaRPr b="0" lang="fr-FR" sz="1400" strike="noStrike" u="none">
+            <a:endParaRPr b="0" lang="fr-FR" sz="1800" strike="noStrike" u="none">
               <a:solidFill>
                 <a:srgbClr val="000000"/>
               </a:solidFill>
@@ -3582,7 +2708,7 @@
               <a:buChar char=""/>
             </a:pPr>
             <a:r>
-              <a:rPr b="0" lang="fr-FR" sz="1400" strike="noStrike" u="none">
+              <a:rPr b="0" lang="fr-FR" sz="1800" strike="noStrike" u="none">
                 <a:solidFill>
                   <a:srgbClr val="000000"/>
                 </a:solidFill>
@@ -3591,7 +2717,7 @@
               </a:rPr>
               <a:t>Cinquième niveau de plan</a:t>
             </a:r>
-            <a:endParaRPr b="0" lang="fr-FR" sz="1400" strike="noStrike" u="none">
+            <a:endParaRPr b="0" lang="fr-FR" sz="1800" strike="noStrike" u="none">
               <a:solidFill>
                 <a:srgbClr val="000000"/>
               </a:solidFill>
@@ -3612,7 +2738,7 @@
               <a:buChar char=""/>
             </a:pPr>
             <a:r>
-              <a:rPr b="0" lang="fr-FR" sz="1400" strike="noStrike" u="none">
+              <a:rPr b="0" lang="fr-FR" sz="1800" strike="noStrike" u="none">
                 <a:solidFill>
                   <a:srgbClr val="000000"/>
                 </a:solidFill>
@@ -3621,7 +2747,7 @@
               </a:rPr>
               <a:t>Sixième niveau de plan</a:t>
             </a:r>
-            <a:endParaRPr b="0" lang="fr-FR" sz="1400" strike="noStrike" u="none">
+            <a:endParaRPr b="0" lang="fr-FR" sz="1800" strike="noStrike" u="none">
               <a:solidFill>
                 <a:srgbClr val="000000"/>
               </a:solidFill>
@@ -3642,7 +2768,7 @@
               <a:buChar char=""/>
             </a:pPr>
             <a:r>
-              <a:rPr b="0" lang="fr-FR" sz="1400" strike="noStrike" u="none">
+              <a:rPr b="0" lang="fr-FR" sz="1800" strike="noStrike" u="none">
                 <a:solidFill>
                   <a:srgbClr val="000000"/>
                 </a:solidFill>
@@ -3651,7 +2777,7 @@
               </a:rPr>
               <a:t>Septième niveau de plan</a:t>
             </a:r>
-            <a:endParaRPr b="0" lang="fr-FR" sz="1400" strike="noStrike" u="none">
+            <a:endParaRPr b="0" lang="fr-FR" sz="1800" strike="noStrike" u="none">
               <a:solidFill>
                 <a:srgbClr val="000000"/>
               </a:solidFill>
@@ -3663,7 +2789,7 @@
       </p:sp>
       <p:sp>
         <p:nvSpPr>
-          <p:cNvPr id="19" name="PlaceHolder 4"/>
+          <p:cNvPr id="16" name="PlaceHolder 4"/>
           <p:cNvSpPr>
             <a:spLocks noGrp="1"/>
           </p:cNvSpPr>
@@ -3674,7 +2800,7 @@
         <p:spPr>
           <a:xfrm>
             <a:off x="8472600" y="4663080"/>
-            <a:ext cx="548280" cy="393120"/>
+            <a:ext cx="547560" cy="392400"/>
           </a:xfrm>
           <a:prstGeom prst="rect">
             <a:avLst/>
@@ -3686,7 +2812,7 @@
         </p:spPr>
         <p:txBody>
           <a:bodyPr lIns="91440" rIns="91440" tIns="91440" bIns="91440" anchor="ctr">
-            <a:normAutofit/>
+            <a:noAutofit/>
           </a:bodyPr>
           <a:lstStyle>
             <a:lvl1pPr indent="0" algn="r">
@@ -3717,7 +2843,7 @@
                 <a:tab algn="l" pos="0"/>
               </a:tabLst>
             </a:pPr>
-            <a:fld id="{C96544A4-4C6B-4168-B1D4-23D7A8E8D49C}" type="slidenum">
+            <a:fld id="{5FDFB0B1-121F-431C-A272-32670CC442B4}" type="slidenum">
               <a:rPr b="0" lang="fr" sz="1000" strike="noStrike" u="none">
                 <a:solidFill>
                   <a:schemeClr val="dk2"/>
@@ -3773,7 +2899,7 @@
       </p:grpSpPr>
       <p:sp>
         <p:nvSpPr>
-          <p:cNvPr id="23" name="PlaceHolder 1"/>
+          <p:cNvPr id="20" name="PlaceHolder 1"/>
           <p:cNvSpPr>
             <a:spLocks noGrp="1"/>
           </p:cNvSpPr>
@@ -3783,8 +2909,8 @@
         </p:nvSpPr>
         <p:spPr>
           <a:xfrm>
-            <a:off x="311760" y="444960"/>
-            <a:ext cx="8520120" cy="572400"/>
+            <a:off x="311760" y="744480"/>
+            <a:ext cx="8519400" cy="2051640"/>
           </a:xfrm>
           <a:prstGeom prst="rect">
             <a:avLst/>
@@ -3795,15 +2921,15 @@
           </a:ln>
         </p:spPr>
         <p:txBody>
-          <a:bodyPr lIns="91440" rIns="91440" tIns="91440" bIns="91440" anchor="t">
-            <a:normAutofit lnSpcReduction="9999"/>
+          <a:bodyPr lIns="0" rIns="0" tIns="0" bIns="0" anchor="ctr">
+            <a:noAutofit/>
           </a:bodyPr>
           <a:p>
             <a:pPr indent="0">
               <a:buNone/>
             </a:pPr>
             <a:r>
-              <a:rPr b="0" lang="fr-FR" sz="2800" strike="noStrike" u="none">
+              <a:rPr b="0" lang="fr-FR" sz="1800" strike="noStrike" u="none">
                 <a:solidFill>
                   <a:srgbClr val="000000"/>
                 </a:solidFill>
@@ -3812,7 +2938,7 @@
               </a:rPr>
               <a:t>Cliquez pour éditer le format du texte-titre</a:t>
             </a:r>
-            <a:endParaRPr b="0" lang="fr-FR" sz="2800" strike="noStrike" u="none">
+            <a:endParaRPr b="0" lang="fr-FR" sz="1800" strike="noStrike" u="none">
               <a:solidFill>
                 <a:srgbClr val="000000"/>
               </a:solidFill>
@@ -3824,7 +2950,7 @@
       </p:sp>
       <p:sp>
         <p:nvSpPr>
-          <p:cNvPr id="24" name="PlaceHolder 2"/>
+          <p:cNvPr id="21" name="PlaceHolder 2"/>
           <p:cNvSpPr>
             <a:spLocks noGrp="1"/>
           </p:cNvSpPr>
@@ -3835,7 +2961,7 @@
         <p:spPr>
           <a:xfrm>
             <a:off x="8472600" y="4663080"/>
-            <a:ext cx="548280" cy="393120"/>
+            <a:ext cx="547560" cy="392400"/>
           </a:xfrm>
           <a:prstGeom prst="rect">
             <a:avLst/>
@@ -3847,7 +2973,7 @@
         </p:spPr>
         <p:txBody>
           <a:bodyPr lIns="91440" rIns="91440" tIns="91440" bIns="91440" anchor="ctr">
-            <a:normAutofit/>
+            <a:noAutofit/>
           </a:bodyPr>
           <a:lstStyle>
             <a:lvl1pPr indent="0" algn="r">
@@ -3878,7 +3004,7 @@
                 <a:tab algn="l" pos="0"/>
               </a:tabLst>
             </a:pPr>
-            <a:fld id="{C67A76F5-099D-4125-AD15-B46F9D143149}" type="slidenum">
+            <a:fld id="{AE51FA00-A35E-44AC-B000-DC7DF8777C00}" type="slidenum">
               <a:rPr b="0" lang="fr" sz="1000" strike="noStrike" u="none">
                 <a:solidFill>
                   <a:schemeClr val="dk2"/>
@@ -3934,297 +3060,7 @@
       </p:grpSpPr>
       <p:sp>
         <p:nvSpPr>
-          <p:cNvPr id="26" name="PlaceHolder 1"/>
-          <p:cNvSpPr>
-            <a:spLocks noGrp="1"/>
-          </p:cNvSpPr>
-          <p:nvPr>
-            <p:ph type="title"/>
-          </p:nvPr>
-        </p:nvSpPr>
-        <p:spPr>
-          <a:xfrm>
-            <a:off x="311760" y="555480"/>
-            <a:ext cx="2807640" cy="755280"/>
-          </a:xfrm>
-          <a:prstGeom prst="rect">
-            <a:avLst/>
-          </a:prstGeom>
-          <a:noFill/>
-          <a:ln w="0">
-            <a:noFill/>
-          </a:ln>
-        </p:spPr>
-        <p:txBody>
-          <a:bodyPr lIns="91440" rIns="91440" tIns="91440" bIns="91440" anchor="b">
-            <a:normAutofit fontScale="85000" lnSpcReduction="9999"/>
-          </a:bodyPr>
-          <a:p>
-            <a:pPr indent="0">
-              <a:buNone/>
-            </a:pPr>
-            <a:r>
-              <a:rPr b="0" lang="fr-FR" sz="2400" strike="noStrike" u="none">
-                <a:solidFill>
-                  <a:srgbClr val="000000"/>
-                </a:solidFill>
-                <a:uFillTx/>
-                <a:latin typeface="Arial"/>
-              </a:rPr>
-              <a:t>Cliquez pour éditer le format du texte-titre</a:t>
-            </a:r>
-            <a:endParaRPr b="0" lang="fr-FR" sz="2400" strike="noStrike" u="none">
-              <a:solidFill>
-                <a:srgbClr val="000000"/>
-              </a:solidFill>
-              <a:uFillTx/>
-              <a:latin typeface="Arial"/>
-            </a:endParaRPr>
-          </a:p>
-        </p:txBody>
-      </p:sp>
-      <p:sp>
-        <p:nvSpPr>
-          <p:cNvPr id="27" name="PlaceHolder 2"/>
-          <p:cNvSpPr>
-            <a:spLocks noGrp="1"/>
-          </p:cNvSpPr>
-          <p:nvPr>
-            <p:ph type="body"/>
-          </p:nvPr>
-        </p:nvSpPr>
-        <p:spPr>
-          <a:xfrm>
-            <a:off x="311760" y="1389600"/>
-            <a:ext cx="2807640" cy="3179160"/>
-          </a:xfrm>
-          <a:prstGeom prst="rect">
-            <a:avLst/>
-          </a:prstGeom>
-          <a:noFill/>
-          <a:ln w="0">
-            <a:noFill/>
-          </a:ln>
-        </p:spPr>
-        <p:txBody>
-          <a:bodyPr lIns="91440" rIns="91440" tIns="91440" bIns="91440" anchor="t">
-            <a:normAutofit fontScale="32500" lnSpcReduction="19999"/>
-          </a:bodyPr>
-          <a:p>
-            <a:pPr marL="432000" indent="-324000">
-              <a:spcBef>
-                <a:spcPts val="1417"/>
-              </a:spcBef>
-              <a:buClr>
-                <a:srgbClr val="000000"/>
-              </a:buClr>
-              <a:buSzPct val="45000"/>
-              <a:buFont typeface="Wingdings" charset="2"/>
-              <a:buChar char=""/>
-            </a:pPr>
-            <a:r>
-              <a:rPr b="0" lang="fr-FR" sz="1200" strike="noStrike" u="none">
-                <a:solidFill>
-                  <a:srgbClr val="000000"/>
-                </a:solidFill>
-                <a:uFillTx/>
-                <a:latin typeface="Arial"/>
-              </a:rPr>
-              <a:t>Cliquez pour éditer le format du plan de texte</a:t>
-            </a:r>
-            <a:endParaRPr b="0" lang="fr-FR" sz="1200" strike="noStrike" u="none">
-              <a:solidFill>
-                <a:srgbClr val="000000"/>
-              </a:solidFill>
-              <a:uFillTx/>
-              <a:latin typeface="Arial"/>
-            </a:endParaRPr>
-          </a:p>
-          <a:p>
-            <a:pPr lvl="1" marL="864000" indent="-324000">
-              <a:spcBef>
-                <a:spcPts val="1134"/>
-              </a:spcBef>
-              <a:buClr>
-                <a:srgbClr val="000000"/>
-              </a:buClr>
-              <a:buSzPct val="75000"/>
-              <a:buFont typeface="Symbol" charset="2"/>
-              <a:buChar char=""/>
-            </a:pPr>
-            <a:r>
-              <a:rPr b="0" lang="fr-FR" sz="1200" strike="noStrike" u="none">
-                <a:solidFill>
-                  <a:srgbClr val="000000"/>
-                </a:solidFill>
-                <a:uFillTx/>
-                <a:latin typeface="Arial"/>
-              </a:rPr>
-              <a:t>Second niveau de plan</a:t>
-            </a:r>
-            <a:endParaRPr b="0" lang="fr-FR" sz="1200" strike="noStrike" u="none">
-              <a:solidFill>
-                <a:srgbClr val="000000"/>
-              </a:solidFill>
-              <a:uFillTx/>
-              <a:latin typeface="Arial"/>
-            </a:endParaRPr>
-          </a:p>
-          <a:p>
-            <a:pPr lvl="2" marL="1296000" indent="-288000">
-              <a:spcBef>
-                <a:spcPts val="850"/>
-              </a:spcBef>
-              <a:buClr>
-                <a:srgbClr val="000000"/>
-              </a:buClr>
-              <a:buSzPct val="45000"/>
-              <a:buFont typeface="Wingdings" charset="2"/>
-              <a:buChar char=""/>
-            </a:pPr>
-            <a:r>
-              <a:rPr b="0" lang="fr-FR" sz="1200" strike="noStrike" u="none">
-                <a:solidFill>
-                  <a:srgbClr val="000000"/>
-                </a:solidFill>
-                <a:uFillTx/>
-                <a:latin typeface="Arial"/>
-              </a:rPr>
-              <a:t>Troisième niveau de plan</a:t>
-            </a:r>
-            <a:endParaRPr b="0" lang="fr-FR" sz="1200" strike="noStrike" u="none">
-              <a:solidFill>
-                <a:srgbClr val="000000"/>
-              </a:solidFill>
-              <a:uFillTx/>
-              <a:latin typeface="Arial"/>
-            </a:endParaRPr>
-          </a:p>
-          <a:p>
-            <a:pPr lvl="3" marL="1728000" indent="-216000">
-              <a:spcBef>
-                <a:spcPts val="567"/>
-              </a:spcBef>
-              <a:buClr>
-                <a:srgbClr val="000000"/>
-              </a:buClr>
-              <a:buSzPct val="75000"/>
-              <a:buFont typeface="Symbol" charset="2"/>
-              <a:buChar char=""/>
-            </a:pPr>
-            <a:r>
-              <a:rPr b="0" lang="fr-FR" sz="1200" strike="noStrike" u="none">
-                <a:solidFill>
-                  <a:srgbClr val="000000"/>
-                </a:solidFill>
-                <a:uFillTx/>
-                <a:latin typeface="Arial"/>
-              </a:rPr>
-              <a:t>Quatrième niveau de plan</a:t>
-            </a:r>
-            <a:endParaRPr b="0" lang="fr-FR" sz="1200" strike="noStrike" u="none">
-              <a:solidFill>
-                <a:srgbClr val="000000"/>
-              </a:solidFill>
-              <a:uFillTx/>
-              <a:latin typeface="Arial"/>
-            </a:endParaRPr>
-          </a:p>
-          <a:p>
-            <a:pPr lvl="4" marL="2160000" indent="-216000">
-              <a:spcBef>
-                <a:spcPts val="283"/>
-              </a:spcBef>
-              <a:buClr>
-                <a:srgbClr val="000000"/>
-              </a:buClr>
-              <a:buSzPct val="45000"/>
-              <a:buFont typeface="Wingdings" charset="2"/>
-              <a:buChar char=""/>
-            </a:pPr>
-            <a:r>
-              <a:rPr b="0" lang="fr-FR" sz="1200" strike="noStrike" u="none">
-                <a:solidFill>
-                  <a:srgbClr val="000000"/>
-                </a:solidFill>
-                <a:uFillTx/>
-                <a:latin typeface="Arial"/>
-              </a:rPr>
-              <a:t>Cinquième niveau de plan</a:t>
-            </a:r>
-            <a:endParaRPr b="0" lang="fr-FR" sz="1200" strike="noStrike" u="none">
-              <a:solidFill>
-                <a:srgbClr val="000000"/>
-              </a:solidFill>
-              <a:uFillTx/>
-              <a:latin typeface="Arial"/>
-            </a:endParaRPr>
-          </a:p>
-          <a:p>
-            <a:pPr lvl="5" marL="2592000" indent="-216000">
-              <a:spcBef>
-                <a:spcPts val="283"/>
-              </a:spcBef>
-              <a:buClr>
-                <a:srgbClr val="000000"/>
-              </a:buClr>
-              <a:buSzPct val="45000"/>
-              <a:buFont typeface="Wingdings" charset="2"/>
-              <a:buChar char=""/>
-            </a:pPr>
-            <a:r>
-              <a:rPr b="0" lang="fr-FR" sz="1200" strike="noStrike" u="none">
-                <a:solidFill>
-                  <a:srgbClr val="000000"/>
-                </a:solidFill>
-                <a:uFillTx/>
-                <a:latin typeface="Arial"/>
-              </a:rPr>
-              <a:t>Sixième niveau de plan</a:t>
-            </a:r>
-            <a:endParaRPr b="0" lang="fr-FR" sz="1200" strike="noStrike" u="none">
-              <a:solidFill>
-                <a:srgbClr val="000000"/>
-              </a:solidFill>
-              <a:uFillTx/>
-              <a:latin typeface="Arial"/>
-            </a:endParaRPr>
-          </a:p>
-          <a:p>
-            <a:pPr lvl="6" marL="3024000" indent="-216000">
-              <a:spcBef>
-                <a:spcPts val="283"/>
-              </a:spcBef>
-              <a:buClr>
-                <a:srgbClr val="000000"/>
-              </a:buClr>
-              <a:buSzPct val="45000"/>
-              <a:buFont typeface="Wingdings" charset="2"/>
-              <a:buChar char=""/>
-            </a:pPr>
-            <a:r>
-              <a:rPr b="0" lang="fr-FR" sz="1200" strike="noStrike" u="none">
-                <a:solidFill>
-                  <a:srgbClr val="000000"/>
-                </a:solidFill>
-                <a:uFillTx/>
-                <a:latin typeface="Arial"/>
-              </a:rPr>
-              <a:t>Septième niveau de plan</a:t>
-            </a:r>
-            <a:endParaRPr b="0" lang="fr-FR" sz="1200" strike="noStrike" u="none">
-              <a:solidFill>
-                <a:srgbClr val="000000"/>
-              </a:solidFill>
-              <a:uFillTx/>
-              <a:latin typeface="Arial"/>
-            </a:endParaRPr>
-          </a:p>
-        </p:txBody>
-      </p:sp>
-      <p:sp>
-        <p:nvSpPr>
-          <p:cNvPr id="28" name="PlaceHolder 3"/>
+          <p:cNvPr id="23" name="PlaceHolder 1"/>
           <p:cNvSpPr>
             <a:spLocks noGrp="1"/>
           </p:cNvSpPr>
@@ -4235,7 +3071,7 @@
         <p:spPr>
           <a:xfrm>
             <a:off x="8472600" y="4663080"/>
-            <a:ext cx="548280" cy="393120"/>
+            <a:ext cx="547560" cy="392400"/>
           </a:xfrm>
           <a:prstGeom prst="rect">
             <a:avLst/>
@@ -4247,7 +3083,7 @@
         </p:spPr>
         <p:txBody>
           <a:bodyPr lIns="91440" rIns="91440" tIns="91440" bIns="91440" anchor="ctr">
-            <a:normAutofit/>
+            <a:noAutofit/>
           </a:bodyPr>
           <a:lstStyle>
             <a:lvl1pPr indent="0" algn="r">
@@ -4278,7 +3114,7 @@
                 <a:tab algn="l" pos="0"/>
               </a:tabLst>
             </a:pPr>
-            <a:fld id="{60A93BDC-F45A-4B56-B59D-E562BA8BA7C3}" type="slidenum">
+            <a:fld id="{36E0B79B-7C60-4E8A-8FD1-B236C4DE3613}" type="slidenum">
               <a:rPr b="0" lang="fr" sz="1000" strike="noStrike" u="none">
                 <a:solidFill>
                   <a:schemeClr val="dk2"/>
@@ -4334,58 +3170,7 @@
       </p:grpSpPr>
       <p:sp>
         <p:nvSpPr>
-          <p:cNvPr id="29" name="PlaceHolder 1"/>
-          <p:cNvSpPr>
-            <a:spLocks noGrp="1"/>
-          </p:cNvSpPr>
-          <p:nvPr>
-            <p:ph type="title"/>
-          </p:nvPr>
-        </p:nvSpPr>
-        <p:spPr>
-          <a:xfrm>
-            <a:off x="490320" y="450000"/>
-            <a:ext cx="6367320" cy="4090320"/>
-          </a:xfrm>
-          <a:prstGeom prst="rect">
-            <a:avLst/>
-          </a:prstGeom>
-          <a:noFill/>
-          <a:ln w="0">
-            <a:noFill/>
-          </a:ln>
-        </p:spPr>
-        <p:txBody>
-          <a:bodyPr lIns="91440" rIns="91440" tIns="91440" bIns="91440" anchor="ctr">
-            <a:normAutofit/>
-          </a:bodyPr>
-          <a:p>
-            <a:pPr indent="0">
-              <a:buNone/>
-            </a:pPr>
-            <a:r>
-              <a:rPr b="0" lang="fr-FR" sz="4800" strike="noStrike" u="none">
-                <a:solidFill>
-                  <a:srgbClr val="000000"/>
-                </a:solidFill>
-                <a:uFillTx/>
-                <a:latin typeface="Arial"/>
-              </a:rPr>
-              <a:t>Cliquez pour éditer le format du texte-titre</a:t>
-            </a:r>
-            <a:endParaRPr b="0" lang="fr-FR" sz="4800" strike="noStrike" u="none">
-              <a:solidFill>
-                <a:srgbClr val="000000"/>
-              </a:solidFill>
-              <a:uFillTx/>
-              <a:latin typeface="Arial"/>
-            </a:endParaRPr>
-          </a:p>
-        </p:txBody>
-      </p:sp>
-      <p:sp>
-        <p:nvSpPr>
-          <p:cNvPr id="30" name="PlaceHolder 2"/>
+          <p:cNvPr id="24" name="PlaceHolder 1"/>
           <p:cNvSpPr>
             <a:spLocks noGrp="1"/>
           </p:cNvSpPr>
@@ -4396,7 +3181,7 @@
         <p:spPr>
           <a:xfrm>
             <a:off x="8472600" y="4663080"/>
-            <a:ext cx="548280" cy="393120"/>
+            <a:ext cx="547560" cy="392400"/>
           </a:xfrm>
           <a:prstGeom prst="rect">
             <a:avLst/>
@@ -4408,7 +3193,7 @@
         </p:spPr>
         <p:txBody>
           <a:bodyPr lIns="91440" rIns="91440" tIns="91440" bIns="91440" anchor="ctr">
-            <a:normAutofit/>
+            <a:noAutofit/>
           </a:bodyPr>
           <a:lstStyle>
             <a:lvl1pPr indent="0" algn="r">
@@ -4439,7 +3224,7 @@
                 <a:tab algn="l" pos="0"/>
               </a:tabLst>
             </a:pPr>
-            <a:fld id="{4E4EE485-427D-4BB3-AAAA-049759029FBF}" type="slidenum">
+            <a:fld id="{1B955FC3-134E-4ED0-B09E-5F24977D7CD5}" type="slidenum">
               <a:rPr b="0" lang="fr" sz="1000" strike="noStrike" u="none">
                 <a:solidFill>
                   <a:schemeClr val="dk2"/>
@@ -4495,14 +3280,14 @@
       </p:grpSpPr>
       <p:sp>
         <p:nvSpPr>
-          <p:cNvPr id="37" name="Google Shape;54;p13"/>
+          <p:cNvPr id="28" name="Google Shape;54;p13"/>
           <p:cNvSpPr/>
           <p:nvPr/>
         </p:nvSpPr>
         <p:spPr>
           <a:xfrm>
             <a:off x="2392920" y="1537560"/>
-            <a:ext cx="4221720" cy="801720"/>
+            <a:ext cx="4221000" cy="801000"/>
           </a:xfrm>
           <a:prstGeom prst="rect">
             <a:avLst/>
@@ -4519,7 +3304,7 @@
           <a:fontRef idx="minor"/>
         </p:style>
         <p:txBody>
-          <a:bodyPr tIns="91440" bIns="91440" anchor="t">
+          <a:bodyPr lIns="90000" rIns="90000" tIns="91440" bIns="91440" anchor="t">
             <a:noAutofit/>
           </a:bodyPr>
           <a:p>
@@ -4571,14 +3356,14 @@
       </p:sp>
       <p:sp>
         <p:nvSpPr>
-          <p:cNvPr id="38" name="Google Shape;55;p13"/>
+          <p:cNvPr id="29" name="Google Shape;55;p13"/>
           <p:cNvSpPr/>
           <p:nvPr/>
         </p:nvSpPr>
         <p:spPr>
           <a:xfrm>
             <a:off x="115200" y="118440"/>
-            <a:ext cx="2384280" cy="279720"/>
+            <a:ext cx="2383560" cy="279000"/>
           </a:xfrm>
           <a:prstGeom prst="rect">
             <a:avLst/>
@@ -4595,7 +3380,7 @@
           <a:fontRef idx="minor"/>
         </p:style>
         <p:txBody>
-          <a:bodyPr tIns="91440" bIns="91440" anchor="t">
+          <a:bodyPr lIns="90000" rIns="90000" tIns="91440" bIns="91440" anchor="t">
             <a:noAutofit/>
           </a:bodyPr>
           <a:p>
@@ -4644,7 +3429,7 @@
       </p:sp>
       <p:pic>
         <p:nvPicPr>
-          <p:cNvPr id="39" name="Google Shape;56;p13" descr=""/>
+          <p:cNvPr id="30" name="Google Shape;56;p13" descr=""/>
           <p:cNvPicPr/>
           <p:nvPr/>
         </p:nvPicPr>
@@ -4654,8 +3439,8 @@
         </p:blipFill>
         <p:spPr>
           <a:xfrm>
-            <a:off x="8469720" y="0"/>
-            <a:ext cx="673920" cy="340200"/>
+            <a:off x="7200000" y="0"/>
+            <a:ext cx="1942920" cy="979560"/>
           </a:xfrm>
           <a:prstGeom prst="rect">
             <a:avLst/>
@@ -4697,7 +3482,7 @@
       </p:grpSpPr>
       <p:sp>
         <p:nvSpPr>
-          <p:cNvPr id="78" name="PlaceHolder 1"/>
+          <p:cNvPr id="69" name="PlaceHolder 1"/>
           <p:cNvSpPr>
             <a:spLocks noGrp="1"/>
           </p:cNvSpPr>
@@ -4708,7 +3493,7 @@
         <p:spPr>
           <a:xfrm>
             <a:off x="311760" y="444960"/>
-            <a:ext cx="8520120" cy="572400"/>
+            <a:ext cx="8519400" cy="571680"/>
           </a:xfrm>
           <a:prstGeom prst="rect">
             <a:avLst/>
@@ -4744,7 +3529,7 @@
                 <a:latin typeface="Montserrat"/>
                 <a:ea typeface="Montserrat"/>
               </a:rPr>
-              <a:t>Kanban</a:t>
+              <a:t>Architecture Globale du Projet</a:t>
             </a:r>
             <a:endParaRPr b="0" lang="fr-FR" sz="1800" strike="noStrike" u="none">
               <a:solidFill>
@@ -4758,14 +3543,14 @@
       </p:sp>
       <p:sp>
         <p:nvSpPr>
-          <p:cNvPr id="79" name="Google Shape;103;p19"/>
+          <p:cNvPr id="70" name="Google Shape;103;p 1"/>
           <p:cNvSpPr/>
           <p:nvPr/>
         </p:nvSpPr>
         <p:spPr>
           <a:xfrm>
             <a:off x="0" y="0"/>
-            <a:ext cx="4911120" cy="351360"/>
+            <a:ext cx="4910400" cy="351360"/>
           </a:xfrm>
           <a:prstGeom prst="rect">
             <a:avLst/>
@@ -4782,7 +3567,7 @@
           <a:fontRef idx="minor"/>
         </p:style>
         <p:txBody>
-          <a:bodyPr tIns="88200" bIns="88200" anchor="t">
+          <a:bodyPr lIns="90000" rIns="90000" tIns="88200" bIns="88200" anchor="t">
             <a:spAutoFit/>
           </a:bodyPr>
           <a:p>
@@ -4820,14 +3605,14 @@
       </p:sp>
       <p:sp>
         <p:nvSpPr>
-          <p:cNvPr id="80" name="Google Shape;104;p19"/>
+          <p:cNvPr id="71" name="Google Shape;104;p 1"/>
           <p:cNvSpPr/>
           <p:nvPr/>
         </p:nvSpPr>
         <p:spPr>
           <a:xfrm>
             <a:off x="434880" y="1085400"/>
-            <a:ext cx="8320320" cy="835560"/>
+            <a:ext cx="8319600" cy="834840"/>
           </a:xfrm>
           <a:prstGeom prst="rect">
             <a:avLst/>
@@ -4844,19 +3629,14 @@
           <a:fontRef idx="minor"/>
         </p:style>
         <p:txBody>
-          <a:bodyPr tIns="91440" bIns="91440" anchor="t">
+          <a:bodyPr lIns="90000" rIns="90000" tIns="91440" bIns="91440" anchor="t">
             <a:spAutoFit/>
           </a:bodyPr>
           <a:p>
-            <a:pPr marL="457200" indent="-324000">
+            <a:pPr>
               <a:lnSpc>
                 <a:spcPct val="150000"/>
               </a:lnSpc>
-              <a:buClr>
-                <a:srgbClr val="0d0d0d"/>
-              </a:buClr>
-              <a:buFont typeface="Montserrat"/>
-              <a:buChar char="●"/>
             </a:pPr>
             <a:endParaRPr b="0" lang="fr-FR" sz="1500" strike="noStrike" u="none">
               <a:solidFill>
@@ -4907,14 +3687,14 @@
       </p:sp>
       <p:sp>
         <p:nvSpPr>
-          <p:cNvPr id="81" name="Google Shape;105;p19"/>
+          <p:cNvPr id="72" name="Google Shape;105;p 1"/>
           <p:cNvSpPr/>
           <p:nvPr/>
         </p:nvSpPr>
         <p:spPr>
           <a:xfrm>
             <a:off x="-4680" y="0"/>
-            <a:ext cx="9153360" cy="239400"/>
+            <a:ext cx="9152640" cy="238680"/>
           </a:xfrm>
           <a:prstGeom prst="rect">
             <a:avLst/>
@@ -4936,18 +3716,10 @@
           <a:fontRef idx="minor"/>
         </p:style>
         <p:txBody>
-          <a:bodyPr tIns="91440" bIns="91440" anchor="ctr">
+          <a:bodyPr lIns="90000" rIns="90000" tIns="91440" bIns="91440" anchor="ctr">
             <a:noAutofit/>
           </a:bodyPr>
           <a:p>
-            <a:pPr algn="ctr">
-              <a:lnSpc>
-                <a:spcPct val="100000"/>
-              </a:lnSpc>
-              <a:tabLst>
-                <a:tab algn="l" pos="0"/>
-              </a:tabLst>
-            </a:pPr>
             <a:endParaRPr b="0" lang="fr-FR" sz="1400" strike="noStrike" u="none">
               <a:solidFill>
                 <a:srgbClr val="000000"/>
@@ -4960,7 +3732,7 @@
       </p:sp>
       <p:pic>
         <p:nvPicPr>
-          <p:cNvPr id="82" name="Google Shape;106;p19" descr=""/>
+          <p:cNvPr id="73" name="Google Shape;106;p 1" descr=""/>
           <p:cNvPicPr/>
           <p:nvPr/>
         </p:nvPicPr>
@@ -4970,8 +3742,8 @@
         </p:blipFill>
         <p:spPr>
           <a:xfrm>
-            <a:off x="8469720" y="0"/>
-            <a:ext cx="673920" cy="340200"/>
+            <a:off x="8460000" y="0"/>
+            <a:ext cx="673200" cy="339480"/>
           </a:xfrm>
           <a:prstGeom prst="rect">
             <a:avLst/>
@@ -4983,7 +3755,7 @@
       </p:pic>
       <p:pic>
         <p:nvPicPr>
-          <p:cNvPr id="83" name="" descr=""/>
+          <p:cNvPr id="74" name="" descr=""/>
           <p:cNvPicPr/>
           <p:nvPr/>
         </p:nvPicPr>
@@ -4993,8 +3765,8 @@
         </p:blipFill>
         <p:spPr>
           <a:xfrm>
-            <a:off x="1578240" y="1017360"/>
-            <a:ext cx="5801760" cy="3714480"/>
+            <a:off x="540000" y="1385640"/>
+            <a:ext cx="942840" cy="534600"/>
           </a:xfrm>
           <a:prstGeom prst="rect">
             <a:avLst/>
@@ -5004,6 +3776,266 @@
           </a:ln>
         </p:spPr>
       </p:pic>
+      <p:pic>
+        <p:nvPicPr>
+          <p:cNvPr id="75" name="" descr=""/>
+          <p:cNvPicPr/>
+          <p:nvPr/>
+        </p:nvPicPr>
+        <p:blipFill>
+          <a:blip r:embed="rId3"/>
+          <a:stretch/>
+        </p:blipFill>
+        <p:spPr>
+          <a:xfrm>
+            <a:off x="3420000" y="1373400"/>
+            <a:ext cx="1080000" cy="606600"/>
+          </a:xfrm>
+          <a:prstGeom prst="rect">
+            <a:avLst/>
+          </a:prstGeom>
+          <a:ln w="0">
+            <a:noFill/>
+          </a:ln>
+        </p:spPr>
+      </p:pic>
+      <p:pic>
+        <p:nvPicPr>
+          <p:cNvPr id="76" name="" descr=""/>
+          <p:cNvPicPr/>
+          <p:nvPr/>
+        </p:nvPicPr>
+        <p:blipFill>
+          <a:blip r:embed="rId4"/>
+          <a:stretch/>
+        </p:blipFill>
+        <p:spPr>
+          <a:xfrm>
+            <a:off x="6120000" y="1260000"/>
+            <a:ext cx="757440" cy="954720"/>
+          </a:xfrm>
+          <a:prstGeom prst="rect">
+            <a:avLst/>
+          </a:prstGeom>
+          <a:ln w="0">
+            <a:noFill/>
+          </a:ln>
+        </p:spPr>
+      </p:pic>
+      <p:pic>
+        <p:nvPicPr>
+          <p:cNvPr id="77" name="" descr=""/>
+          <p:cNvPicPr/>
+          <p:nvPr/>
+        </p:nvPicPr>
+        <p:blipFill>
+          <a:blip r:embed="rId5"/>
+          <a:stretch/>
+        </p:blipFill>
+        <p:spPr>
+          <a:xfrm>
+            <a:off x="2160000" y="1540800"/>
+            <a:ext cx="485280" cy="259200"/>
+          </a:xfrm>
+          <a:prstGeom prst="rect">
+            <a:avLst/>
+          </a:prstGeom>
+          <a:ln w="0">
+            <a:noFill/>
+          </a:ln>
+        </p:spPr>
+      </p:pic>
+      <p:sp>
+        <p:nvSpPr>
+          <p:cNvPr id="78" name=""/>
+          <p:cNvSpPr/>
+          <p:nvPr/>
+        </p:nvSpPr>
+        <p:spPr>
+          <a:xfrm>
+            <a:off x="1482840" y="1620000"/>
+            <a:ext cx="677160" cy="0"/>
+          </a:xfrm>
+          <a:prstGeom prst="line">
+            <a:avLst/>
+          </a:prstGeom>
+          <a:ln w="0">
+            <a:solidFill>
+              <a:srgbClr val="3465a4"/>
+            </a:solidFill>
+            <a:headEnd len="med" type="triangle" w="med"/>
+          </a:ln>
+        </p:spPr>
+        <p:style>
+          <a:lnRef idx="0"/>
+          <a:fillRef idx="0"/>
+          <a:effectRef idx="0"/>
+          <a:fontRef idx="minor"/>
+        </p:style>
+        <p:txBody>
+          <a:bodyPr lIns="90000" rIns="90000" tIns="-45000" bIns="-45000" anchor="ctr">
+            <a:noAutofit/>
+          </a:bodyPr>
+          <a:p>
+            <a:endParaRPr b="0" lang="fr-FR" sz="1800" strike="noStrike" u="none">
+              <a:solidFill>
+                <a:srgbClr val="000000"/>
+              </a:solidFill>
+              <a:uFillTx/>
+              <a:latin typeface="Arial"/>
+            </a:endParaRPr>
+          </a:p>
+        </p:txBody>
+      </p:sp>
+      <p:sp>
+        <p:nvSpPr>
+          <p:cNvPr id="79" name=""/>
+          <p:cNvSpPr/>
+          <p:nvPr/>
+        </p:nvSpPr>
+        <p:spPr>
+          <a:xfrm>
+            <a:off x="2520000" y="1620000"/>
+            <a:ext cx="900000" cy="0"/>
+          </a:xfrm>
+          <a:prstGeom prst="line">
+            <a:avLst/>
+          </a:prstGeom>
+          <a:ln w="0">
+            <a:solidFill>
+              <a:srgbClr val="3465a4"/>
+            </a:solidFill>
+            <a:tailEnd len="med" type="triangle" w="med"/>
+          </a:ln>
+        </p:spPr>
+        <p:style>
+          <a:lnRef idx="0"/>
+          <a:fillRef idx="0"/>
+          <a:effectRef idx="0"/>
+          <a:fontRef idx="minor"/>
+        </p:style>
+        <p:txBody>
+          <a:bodyPr lIns="90000" rIns="90000" tIns="-45000" bIns="-45000" anchor="ctr">
+            <a:noAutofit/>
+          </a:bodyPr>
+          <a:p>
+            <a:endParaRPr b="0" lang="fr-FR" sz="1800" strike="noStrike" u="none">
+              <a:solidFill>
+                <a:srgbClr val="000000"/>
+              </a:solidFill>
+              <a:uFillTx/>
+              <a:latin typeface="Arial"/>
+            </a:endParaRPr>
+          </a:p>
+        </p:txBody>
+      </p:sp>
+      <p:pic>
+        <p:nvPicPr>
+          <p:cNvPr id="80" name="" descr=""/>
+          <p:cNvPicPr/>
+          <p:nvPr/>
+        </p:nvPicPr>
+        <p:blipFill>
+          <a:blip r:embed="rId6"/>
+          <a:stretch/>
+        </p:blipFill>
+        <p:spPr>
+          <a:xfrm>
+            <a:off x="5040000" y="1505160"/>
+            <a:ext cx="540000" cy="294840"/>
+          </a:xfrm>
+          <a:prstGeom prst="rect">
+            <a:avLst/>
+          </a:prstGeom>
+          <a:ln w="0">
+            <a:noFill/>
+          </a:ln>
+        </p:spPr>
+      </p:pic>
+      <p:sp>
+        <p:nvSpPr>
+          <p:cNvPr id="81" name=""/>
+          <p:cNvSpPr/>
+          <p:nvPr/>
+        </p:nvSpPr>
+        <p:spPr>
+          <a:xfrm>
+            <a:off x="5580000" y="1620000"/>
+            <a:ext cx="540000" cy="0"/>
+          </a:xfrm>
+          <a:prstGeom prst="line">
+            <a:avLst/>
+          </a:prstGeom>
+          <a:ln w="0">
+            <a:solidFill>
+              <a:srgbClr val="3465a4"/>
+            </a:solidFill>
+            <a:tailEnd len="med" type="triangle" w="med"/>
+          </a:ln>
+        </p:spPr>
+        <p:style>
+          <a:lnRef idx="0"/>
+          <a:fillRef idx="0"/>
+          <a:effectRef idx="0"/>
+          <a:fontRef idx="minor"/>
+        </p:style>
+        <p:txBody>
+          <a:bodyPr lIns="90000" rIns="90000" tIns="-45000" bIns="-45000" anchor="ctr">
+            <a:noAutofit/>
+          </a:bodyPr>
+          <a:p>
+            <a:endParaRPr b="0" lang="fr-FR" sz="1800" strike="noStrike" u="none">
+              <a:solidFill>
+                <a:srgbClr val="000000"/>
+              </a:solidFill>
+              <a:uFillTx/>
+              <a:latin typeface="Arial"/>
+            </a:endParaRPr>
+          </a:p>
+        </p:txBody>
+      </p:sp>
+      <p:sp>
+        <p:nvSpPr>
+          <p:cNvPr id="82" name=""/>
+          <p:cNvSpPr/>
+          <p:nvPr/>
+        </p:nvSpPr>
+        <p:spPr>
+          <a:xfrm flipH="1">
+            <a:off x="4500000" y="1620000"/>
+            <a:ext cx="540000" cy="0"/>
+          </a:xfrm>
+          <a:prstGeom prst="line">
+            <a:avLst/>
+          </a:prstGeom>
+          <a:ln w="0">
+            <a:solidFill>
+              <a:srgbClr val="3465a4"/>
+            </a:solidFill>
+            <a:tailEnd len="med" type="triangle" w="med"/>
+          </a:ln>
+        </p:spPr>
+        <p:style>
+          <a:lnRef idx="0"/>
+          <a:fillRef idx="0"/>
+          <a:effectRef idx="0"/>
+          <a:fontRef idx="minor"/>
+        </p:style>
+        <p:txBody>
+          <a:bodyPr lIns="90000" rIns="90000" tIns="-45000" bIns="-45000" anchor="ctr">
+            <a:noAutofit/>
+          </a:bodyPr>
+          <a:p>
+            <a:endParaRPr b="0" lang="fr-FR" sz="1800" strike="noStrike" u="none">
+              <a:solidFill>
+                <a:srgbClr val="000000"/>
+              </a:solidFill>
+              <a:uFillTx/>
+              <a:latin typeface="Arial"/>
+            </a:endParaRPr>
+          </a:p>
+        </p:txBody>
+      </p:sp>
     </p:spTree>
   </p:cSld>
   <mc:AlternateContent>
@@ -5036,7 +4068,7 @@
       </p:grpSpPr>
       <p:sp>
         <p:nvSpPr>
-          <p:cNvPr id="84" name="PlaceHolder 1"/>
+          <p:cNvPr id="83" name="PlaceHolder 1"/>
           <p:cNvSpPr>
             <a:spLocks noGrp="1"/>
           </p:cNvSpPr>
@@ -5047,7 +4079,7 @@
         <p:spPr>
           <a:xfrm>
             <a:off x="311760" y="444960"/>
-            <a:ext cx="8520120" cy="572400"/>
+            <a:ext cx="8519400" cy="571680"/>
           </a:xfrm>
           <a:prstGeom prst="rect">
             <a:avLst/>
@@ -5083,7 +4115,7 @@
                 <a:latin typeface="Montserrat"/>
                 <a:ea typeface="Montserrat"/>
               </a:rPr>
-              <a:t>Specifications Techniques</a:t>
+              <a:t>Kanban</a:t>
             </a:r>
             <a:endParaRPr b="0" lang="fr-FR" sz="1800" strike="noStrike" u="none">
               <a:solidFill>
@@ -5097,14 +4129,14 @@
       </p:sp>
       <p:sp>
         <p:nvSpPr>
-          <p:cNvPr id="85" name="Google Shape;103;p 1"/>
+          <p:cNvPr id="84" name="Google Shape;103;p19"/>
           <p:cNvSpPr/>
           <p:nvPr/>
         </p:nvSpPr>
         <p:spPr>
           <a:xfrm>
             <a:off x="0" y="0"/>
-            <a:ext cx="4911120" cy="351360"/>
+            <a:ext cx="4910400" cy="351360"/>
           </a:xfrm>
           <a:prstGeom prst="rect">
             <a:avLst/>
@@ -5121,7 +4153,7 @@
           <a:fontRef idx="minor"/>
         </p:style>
         <p:txBody>
-          <a:bodyPr tIns="88200" bIns="88200" anchor="t">
+          <a:bodyPr lIns="90000" rIns="90000" tIns="88200" bIns="88200" anchor="t">
             <a:spAutoFit/>
           </a:bodyPr>
           <a:p>
@@ -5159,14 +4191,14 @@
       </p:sp>
       <p:sp>
         <p:nvSpPr>
-          <p:cNvPr id="86" name="Google Shape;104;p 1"/>
+          <p:cNvPr id="85" name="Google Shape;104;p19"/>
           <p:cNvSpPr/>
           <p:nvPr/>
         </p:nvSpPr>
         <p:spPr>
           <a:xfrm>
             <a:off x="434880" y="1085400"/>
-            <a:ext cx="8320320" cy="835560"/>
+            <a:ext cx="8319600" cy="834840"/>
           </a:xfrm>
           <a:prstGeom prst="rect">
             <a:avLst/>
@@ -5183,19 +4215,14 @@
           <a:fontRef idx="minor"/>
         </p:style>
         <p:txBody>
-          <a:bodyPr tIns="91440" bIns="91440" anchor="t">
+          <a:bodyPr lIns="90000" rIns="90000" tIns="91440" bIns="91440" anchor="t">
             <a:spAutoFit/>
           </a:bodyPr>
           <a:p>
-            <a:pPr marL="457200" indent="-324000">
+            <a:pPr>
               <a:lnSpc>
                 <a:spcPct val="150000"/>
               </a:lnSpc>
-              <a:buClr>
-                <a:srgbClr val="0d0d0d"/>
-              </a:buClr>
-              <a:buFont typeface="Montserrat"/>
-              <a:buChar char="●"/>
             </a:pPr>
             <a:endParaRPr b="0" lang="fr-FR" sz="1500" strike="noStrike" u="none">
               <a:solidFill>
@@ -5246,14 +4273,14 @@
       </p:sp>
       <p:sp>
         <p:nvSpPr>
-          <p:cNvPr id="87" name="Google Shape;105;p 1"/>
+          <p:cNvPr id="86" name="Google Shape;105;p19"/>
           <p:cNvSpPr/>
           <p:nvPr/>
         </p:nvSpPr>
         <p:spPr>
           <a:xfrm>
             <a:off x="-4680" y="0"/>
-            <a:ext cx="9153360" cy="239400"/>
+            <a:ext cx="9152640" cy="238680"/>
           </a:xfrm>
           <a:prstGeom prst="rect">
             <a:avLst/>
@@ -5275,10 +4302,18 @@
           <a:fontRef idx="minor"/>
         </p:style>
         <p:txBody>
-          <a:bodyPr tIns="91440" bIns="91440" anchor="ctr">
+          <a:bodyPr lIns="90000" rIns="90000" tIns="91440" bIns="91440" anchor="ctr">
             <a:noAutofit/>
           </a:bodyPr>
           <a:p>
+            <a:pPr algn="ctr">
+              <a:lnSpc>
+                <a:spcPct val="100000"/>
+              </a:lnSpc>
+              <a:tabLst>
+                <a:tab algn="l" pos="0"/>
+              </a:tabLst>
+            </a:pPr>
             <a:endParaRPr b="0" lang="fr-FR" sz="1400" strike="noStrike" u="none">
               <a:solidFill>
                 <a:srgbClr val="000000"/>
@@ -5291,7 +4326,7 @@
       </p:sp>
       <p:pic>
         <p:nvPicPr>
-          <p:cNvPr id="88" name="Google Shape;106;p 1" descr=""/>
+          <p:cNvPr id="87" name="Google Shape;106;p19" descr=""/>
           <p:cNvPicPr/>
           <p:nvPr/>
         </p:nvPicPr>
@@ -5302,7 +4337,7 @@
         <p:spPr>
           <a:xfrm>
             <a:off x="8469720" y="0"/>
-            <a:ext cx="673920" cy="340200"/>
+            <a:ext cx="673200" cy="339480"/>
           </a:xfrm>
           <a:prstGeom prst="rect">
             <a:avLst/>
@@ -5314,7 +4349,7 @@
       </p:pic>
       <p:pic>
         <p:nvPicPr>
-          <p:cNvPr id="89" name="" descr=""/>
+          <p:cNvPr id="88" name="" descr=""/>
           <p:cNvPicPr/>
           <p:nvPr/>
         </p:nvPicPr>
@@ -5324,8 +4359,8 @@
         </p:blipFill>
         <p:spPr>
           <a:xfrm>
-            <a:off x="2160000" y="853560"/>
-            <a:ext cx="4500000" cy="4186440"/>
+            <a:off x="933480" y="900000"/>
+            <a:ext cx="6986520" cy="4102920"/>
           </a:xfrm>
           <a:prstGeom prst="rect">
             <a:avLst/>
@@ -5367,7 +4402,7 @@
       </p:grpSpPr>
       <p:sp>
         <p:nvSpPr>
-          <p:cNvPr id="90" name="PlaceHolder 1"/>
+          <p:cNvPr id="89" name="PlaceHolder 1"/>
           <p:cNvSpPr>
             <a:spLocks noGrp="1"/>
           </p:cNvSpPr>
@@ -5378,7 +4413,7 @@
         <p:spPr>
           <a:xfrm>
             <a:off x="311760" y="444960"/>
-            <a:ext cx="8520120" cy="572400"/>
+            <a:ext cx="8519400" cy="571680"/>
           </a:xfrm>
           <a:prstGeom prst="rect">
             <a:avLst/>
@@ -5428,106 +4463,14 @@
       </p:sp>
       <p:sp>
         <p:nvSpPr>
-          <p:cNvPr id="91" name="PlaceHolder 2"/>
-          <p:cNvSpPr>
-            <a:spLocks noGrp="1"/>
-          </p:cNvSpPr>
-          <p:nvPr>
-            <p:ph/>
-          </p:nvPr>
-        </p:nvSpPr>
-        <p:spPr>
-          <a:xfrm>
-            <a:off x="311760" y="1152360"/>
-            <a:ext cx="8520120" cy="3416040"/>
-          </a:xfrm>
-          <a:prstGeom prst="rect">
-            <a:avLst/>
-          </a:prstGeom>
-          <a:noFill/>
-          <a:ln w="0">
-            <a:noFill/>
-          </a:ln>
-        </p:spPr>
-        <p:txBody>
-          <a:bodyPr lIns="91440" rIns="91440" tIns="91440" bIns="91440" anchor="t">
-            <a:normAutofit/>
-          </a:bodyPr>
-          <a:p>
-            <a:pPr indent="0">
-              <a:lnSpc>
-                <a:spcPct val="115000"/>
-              </a:lnSpc>
-              <a:buNone/>
-              <a:tabLst>
-                <a:tab algn="l" pos="0"/>
-              </a:tabLst>
-            </a:pPr>
-            <a:endParaRPr b="0" lang="fr-FR" sz="1800" strike="noStrike" u="none">
-              <a:solidFill>
-                <a:srgbClr val="000000"/>
-              </a:solidFill>
-              <a:uFillTx/>
-              <a:latin typeface="Arial"/>
-            </a:endParaRPr>
-          </a:p>
-          <a:p>
-            <a:pPr indent="0">
-              <a:lnSpc>
-                <a:spcPct val="115000"/>
-              </a:lnSpc>
-              <a:spcBef>
-                <a:spcPts val="1199"/>
-              </a:spcBef>
-              <a:buNone/>
-              <a:tabLst>
-                <a:tab algn="l" pos="0"/>
-              </a:tabLst>
-            </a:pPr>
-            <a:endParaRPr b="0" lang="fr-FR" sz="1800" strike="noStrike" u="none">
-              <a:solidFill>
-                <a:srgbClr val="000000"/>
-              </a:solidFill>
-              <a:uFillTx/>
-              <a:latin typeface="Arial"/>
-            </a:endParaRPr>
-          </a:p>
-          <a:p>
-            <a:pPr marL="457200" indent="0">
-              <a:lnSpc>
-                <a:spcPct val="115000"/>
-              </a:lnSpc>
-              <a:spcBef>
-                <a:spcPts val="1199"/>
-              </a:spcBef>
-              <a:spcAft>
-                <a:spcPts val="1199"/>
-              </a:spcAft>
-              <a:buNone/>
-              <a:tabLst>
-                <a:tab algn="l" pos="0"/>
-              </a:tabLst>
-            </a:pPr>
-            <a:endParaRPr b="0" lang="fr-FR" sz="1800" strike="noStrike" u="none">
-              <a:solidFill>
-                <a:srgbClr val="000000"/>
-              </a:solidFill>
-              <a:uFillTx/>
-              <a:latin typeface="Arial"/>
-            </a:endParaRPr>
-          </a:p>
-        </p:txBody>
-      </p:sp>
-      <p:sp>
-        <p:nvSpPr>
-          <p:cNvPr id="92" name="Google Shape;113;p20"/>
+          <p:cNvPr id="90" name="Google Shape;113;p20"/>
           <p:cNvSpPr/>
           <p:nvPr/>
         </p:nvSpPr>
         <p:spPr>
           <a:xfrm>
             <a:off x="0" y="0"/>
-            <a:ext cx="4911120" cy="351360"/>
+            <a:ext cx="4910400" cy="351360"/>
           </a:xfrm>
           <a:prstGeom prst="rect">
             <a:avLst/>
@@ -5544,7 +4487,7 @@
           <a:fontRef idx="minor"/>
         </p:style>
         <p:txBody>
-          <a:bodyPr tIns="88200" bIns="88200" anchor="t">
+          <a:bodyPr lIns="90000" rIns="90000" tIns="88200" bIns="88200" anchor="t">
             <a:spAutoFit/>
           </a:bodyPr>
           <a:p>
@@ -5582,14 +4525,14 @@
       </p:sp>
       <p:sp>
         <p:nvSpPr>
-          <p:cNvPr id="93" name="Google Shape;114;p20"/>
+          <p:cNvPr id="91" name="Google Shape;114;p20"/>
           <p:cNvSpPr/>
           <p:nvPr/>
         </p:nvSpPr>
         <p:spPr>
           <a:xfrm>
             <a:off x="434880" y="1085400"/>
-            <a:ext cx="8320320" cy="2319840"/>
+            <a:ext cx="8319600" cy="2742840"/>
           </a:xfrm>
           <a:prstGeom prst="rect">
             <a:avLst/>
@@ -5606,7 +4549,7 @@
           <a:fontRef idx="minor"/>
         </p:style>
         <p:txBody>
-          <a:bodyPr tIns="91440" bIns="91440" anchor="t">
+          <a:bodyPr lIns="90000" rIns="90000" tIns="91440" bIns="91440" anchor="t">
             <a:spAutoFit/>
           </a:bodyPr>
           <a:p>
@@ -5621,7 +4564,7 @@
               <a:buChar char="●"/>
             </a:pPr>
             <a:r>
-              <a:rPr b="0" lang="fr" sz="1500" strike="noStrike" u="none">
+              <a:rPr b="0" lang="fr" sz="1400" strike="noStrike" u="none">
                 <a:solidFill>
                   <a:srgbClr val="0d0d0d"/>
                 </a:solidFill>
@@ -5632,9 +4575,9 @@
                 <a:latin typeface="Montserrat"/>
                 <a:ea typeface="Montserrat"/>
               </a:rPr>
-              <a:t>Captures d’écran de la veille (max 5)</a:t>
+              <a:t>La veille technologique comporte la documentation nécéssaire pour garantir un savoir et des exemples sur</a:t>
             </a:r>
-            <a:endParaRPr b="0" lang="fr-FR" sz="1500" strike="noStrike" u="none">
+            <a:endParaRPr b="0" lang="fr-FR" sz="1400" strike="noStrike" u="none">
               <a:solidFill>
                 <a:srgbClr val="000000"/>
               </a:solidFill>
@@ -5654,7 +4597,7 @@
               <a:buChar char="●"/>
             </a:pPr>
             <a:r>
-              <a:rPr b="0" lang="fr" sz="1500" strike="noStrike" u="none">
+              <a:rPr b="0" lang="fr" sz="1400" strike="noStrike" u="none">
                 <a:solidFill>
                   <a:srgbClr val="0d0d0d"/>
                 </a:solidFill>
@@ -5665,9 +4608,9 @@
                 <a:latin typeface="Montserrat"/>
                 <a:ea typeface="Montserrat"/>
               </a:rPr>
-              <a:t>Méthode de classification des sources d'information.</a:t>
+              <a:t>L’installation</a:t>
             </a:r>
-            <a:endParaRPr b="0" lang="fr-FR" sz="1500" strike="noStrike" u="none">
+            <a:endParaRPr b="0" lang="fr-FR" sz="1400" strike="noStrike" u="none">
               <a:solidFill>
                 <a:srgbClr val="000000"/>
               </a:solidFill>
@@ -5687,7 +4630,7 @@
               <a:buChar char="●"/>
             </a:pPr>
             <a:r>
-              <a:rPr b="0" lang="fr" sz="1500" strike="noStrike" u="none">
+              <a:rPr b="0" lang="fr" sz="1400" strike="noStrike" u="none">
                 <a:solidFill>
                   <a:srgbClr val="0d0d0d"/>
                 </a:solidFill>
@@ -5698,9 +4641,9 @@
                 <a:latin typeface="Montserrat"/>
                 <a:ea typeface="Montserrat"/>
               </a:rPr>
-              <a:t>Exemple et explication du choix d’une source pour chacun des 2 axes de veille </a:t>
+              <a:t>L’utilisation</a:t>
             </a:r>
-            <a:endParaRPr b="0" lang="fr-FR" sz="1500" strike="noStrike" u="none">
+            <a:endParaRPr b="0" lang="fr-FR" sz="1400" strike="noStrike" u="none">
               <a:solidFill>
                 <a:srgbClr val="000000"/>
               </a:solidFill>
@@ -5720,7 +4663,7 @@
               <a:buChar char="●"/>
             </a:pPr>
             <a:r>
-              <a:rPr b="0" lang="fr" sz="1500" strike="noStrike" u="none">
+              <a:rPr b="0" lang="fr" sz="1400" strike="noStrike" u="none">
                 <a:solidFill>
                   <a:srgbClr val="0d0d0d"/>
                 </a:solidFill>
@@ -5731,9 +4674,9 @@
                 <a:latin typeface="Montserrat"/>
                 <a:ea typeface="Montserrat"/>
               </a:rPr>
-              <a:t>Explication de la contribution de la veille à l'élaboration des spécifications techniques.</a:t>
+              <a:t>L’éventuel mise à jour des technologies utilisés</a:t>
             </a:r>
-            <a:endParaRPr b="0" lang="fr-FR" sz="1500" strike="noStrike" u="none">
+            <a:endParaRPr b="0" lang="fr-FR" sz="1400" strike="noStrike" u="none">
               <a:solidFill>
                 <a:srgbClr val="000000"/>
               </a:solidFill>
@@ -5744,13 +4687,10 @@
           <a:p>
             <a:pPr>
               <a:lnSpc>
-                <a:spcPct val="115000"/>
-              </a:lnSpc>
-              <a:tabLst>
-                <a:tab algn="l" pos="0"/>
-              </a:tabLst>
-            </a:pPr>
-            <a:endParaRPr b="0" lang="fr-FR" sz="1200" strike="noStrike" u="none">
+                <a:spcPct val="150000"/>
+              </a:lnSpc>
+            </a:pPr>
+            <a:endParaRPr b="0" lang="fr-FR" sz="1400" strike="noStrike" u="none">
               <a:solidFill>
                 <a:srgbClr val="000000"/>
               </a:solidFill>
@@ -5761,15 +4701,23 @@
           <a:p>
             <a:pPr>
               <a:lnSpc>
-                <a:spcPct val="100000"/>
-              </a:lnSpc>
-              <a:spcBef>
-                <a:spcPts val="1199"/>
-              </a:spcBef>
-              <a:tabLst>
-                <a:tab algn="l" pos="0"/>
-              </a:tabLst>
-            </a:pPr>
+                <a:spcPct val="150000"/>
+              </a:lnSpc>
+            </a:pPr>
+            <a:r>
+              <a:rPr b="0" lang="fr" sz="1400" strike="noStrike" u="none">
+                <a:solidFill>
+                  <a:srgbClr val="0d0d0d"/>
+                </a:solidFill>
+                <a:highlight>
+                  <a:srgbClr val="ffffff"/>
+                </a:highlight>
+                <a:uFillTx/>
+                <a:latin typeface="Montserrat"/>
+                <a:ea typeface="Montserrat"/>
+              </a:rPr>
+              <a:t>Les éléments sont classé par colonne, du plus important, l’installation, ensuite l’utilisation, puis lien pour avoir des infos sur les mises à jour</a:t>
+            </a:r>
             <a:endParaRPr b="0" lang="fr-FR" sz="1400" strike="noStrike" u="none">
               <a:solidFill>
                 <a:srgbClr val="000000"/>
@@ -5782,14 +4730,14 @@
       </p:sp>
       <p:sp>
         <p:nvSpPr>
-          <p:cNvPr id="94" name="Google Shape;115;p20"/>
+          <p:cNvPr id="92" name="Google Shape;115;p20"/>
           <p:cNvSpPr/>
           <p:nvPr/>
         </p:nvSpPr>
         <p:spPr>
           <a:xfrm>
             <a:off x="-4680" y="0"/>
-            <a:ext cx="9153360" cy="239400"/>
+            <a:ext cx="9152640" cy="238680"/>
           </a:xfrm>
           <a:prstGeom prst="rect">
             <a:avLst/>
@@ -5811,7 +4759,7 @@
           <a:fontRef idx="minor"/>
         </p:style>
         <p:txBody>
-          <a:bodyPr tIns="91440" bIns="91440" anchor="ctr">
+          <a:bodyPr lIns="90000" rIns="90000" tIns="91440" bIns="91440" anchor="ctr">
             <a:noAutofit/>
           </a:bodyPr>
           <a:p>
@@ -5835,7 +4783,7 @@
       </p:sp>
       <p:pic>
         <p:nvPicPr>
-          <p:cNvPr id="95" name="Google Shape;116;p20" descr=""/>
+          <p:cNvPr id="93" name="Google Shape;116;p20" descr=""/>
           <p:cNvPicPr/>
           <p:nvPr/>
         </p:nvPicPr>
@@ -5846,7 +4794,7 @@
         <p:spPr>
           <a:xfrm>
             <a:off x="8469720" y="0"/>
-            <a:ext cx="673920" cy="340200"/>
+            <a:ext cx="673200" cy="339480"/>
           </a:xfrm>
           <a:prstGeom prst="rect">
             <a:avLst/>
@@ -5886,378 +4834,9 @@
           <a:chExt cx="0" cy="0"/>
         </a:xfrm>
       </p:grpSpPr>
-      <p:sp>
-        <p:nvSpPr>
-          <p:cNvPr id="96" name="PlaceHolder 1"/>
-          <p:cNvSpPr>
-            <a:spLocks noGrp="1"/>
-          </p:cNvSpPr>
-          <p:nvPr>
-            <p:ph type="title"/>
-          </p:nvPr>
-        </p:nvSpPr>
-        <p:spPr>
-          <a:xfrm>
-            <a:off x="311760" y="444960"/>
-            <a:ext cx="8520120" cy="572400"/>
-          </a:xfrm>
-          <a:prstGeom prst="rect">
-            <a:avLst/>
-          </a:prstGeom>
-          <a:noFill/>
-          <a:ln w="0">
-            <a:noFill/>
-          </a:ln>
-        </p:spPr>
-        <p:txBody>
-          <a:bodyPr lIns="91440" rIns="91440" tIns="91440" bIns="91440" anchor="t">
-            <a:normAutofit/>
-          </a:bodyPr>
-          <a:p>
-            <a:pPr indent="0">
-              <a:lnSpc>
-                <a:spcPct val="115000"/>
-              </a:lnSpc>
-              <a:spcAft>
-                <a:spcPts val="1199"/>
-              </a:spcAft>
-              <a:buNone/>
-              <a:tabLst>
-                <a:tab algn="l" pos="0"/>
-              </a:tabLst>
-            </a:pPr>
-            <a:r>
-              <a:rPr b="0" lang="fr" sz="2000" strike="noStrike" u="none">
-                <a:solidFill>
-                  <a:schemeClr val="dk1"/>
-                </a:solidFill>
-                <a:uFillTx/>
-                <a:latin typeface="Montserrat"/>
-                <a:ea typeface="Montserrat"/>
-              </a:rPr>
-              <a:t>Conclusion</a:t>
-            </a:r>
-            <a:endParaRPr b="0" lang="fr-FR" sz="2000" strike="noStrike" u="none">
-              <a:solidFill>
-                <a:srgbClr val="000000"/>
-              </a:solidFill>
-              <a:uFillTx/>
-              <a:latin typeface="Arial"/>
-            </a:endParaRPr>
-          </a:p>
-        </p:txBody>
-      </p:sp>
-      <p:sp>
-        <p:nvSpPr>
-          <p:cNvPr id="97" name="PlaceHolder 2"/>
-          <p:cNvSpPr>
-            <a:spLocks noGrp="1"/>
-          </p:cNvSpPr>
-          <p:nvPr>
-            <p:ph/>
-          </p:nvPr>
-        </p:nvSpPr>
-        <p:spPr>
-          <a:xfrm>
-            <a:off x="311760" y="1152360"/>
-            <a:ext cx="8520120" cy="3416040"/>
-          </a:xfrm>
-          <a:prstGeom prst="rect">
-            <a:avLst/>
-          </a:prstGeom>
-          <a:noFill/>
-          <a:ln w="0">
-            <a:noFill/>
-          </a:ln>
-        </p:spPr>
-        <p:txBody>
-          <a:bodyPr lIns="91440" rIns="91440" tIns="91440" bIns="91440" anchor="t">
-            <a:normAutofit/>
-          </a:bodyPr>
-          <a:p>
-            <a:pPr indent="0">
-              <a:lnSpc>
-                <a:spcPct val="115000"/>
-              </a:lnSpc>
-              <a:buNone/>
-              <a:tabLst>
-                <a:tab algn="l" pos="0"/>
-              </a:tabLst>
-            </a:pPr>
-            <a:endParaRPr b="0" lang="fr-FR" sz="1800" strike="noStrike" u="none">
-              <a:solidFill>
-                <a:srgbClr val="000000"/>
-              </a:solidFill>
-              <a:uFillTx/>
-              <a:latin typeface="Arial"/>
-            </a:endParaRPr>
-          </a:p>
-          <a:p>
-            <a:pPr indent="0">
-              <a:lnSpc>
-                <a:spcPct val="115000"/>
-              </a:lnSpc>
-              <a:spcBef>
-                <a:spcPts val="1199"/>
-              </a:spcBef>
-              <a:buNone/>
-              <a:tabLst>
-                <a:tab algn="l" pos="0"/>
-              </a:tabLst>
-            </a:pPr>
-            <a:endParaRPr b="0" lang="fr-FR" sz="1800" strike="noStrike" u="none">
-              <a:solidFill>
-                <a:srgbClr val="000000"/>
-              </a:solidFill>
-              <a:uFillTx/>
-              <a:latin typeface="Arial"/>
-            </a:endParaRPr>
-          </a:p>
-          <a:p>
-            <a:pPr marL="457200" indent="0">
-              <a:lnSpc>
-                <a:spcPct val="115000"/>
-              </a:lnSpc>
-              <a:spcBef>
-                <a:spcPts val="1199"/>
-              </a:spcBef>
-              <a:spcAft>
-                <a:spcPts val="1199"/>
-              </a:spcAft>
-              <a:buNone/>
-              <a:tabLst>
-                <a:tab algn="l" pos="0"/>
-              </a:tabLst>
-            </a:pPr>
-            <a:endParaRPr b="0" lang="fr-FR" sz="1800" strike="noStrike" u="none">
-              <a:solidFill>
-                <a:srgbClr val="000000"/>
-              </a:solidFill>
-              <a:uFillTx/>
-              <a:latin typeface="Arial"/>
-            </a:endParaRPr>
-          </a:p>
-        </p:txBody>
-      </p:sp>
-      <p:sp>
-        <p:nvSpPr>
-          <p:cNvPr id="98" name="Google Shape;123;p21"/>
-          <p:cNvSpPr/>
-          <p:nvPr/>
-        </p:nvSpPr>
-        <p:spPr>
-          <a:xfrm>
-            <a:off x="0" y="0"/>
-            <a:ext cx="4911120" cy="351360"/>
-          </a:xfrm>
-          <a:prstGeom prst="rect">
-            <a:avLst/>
-          </a:prstGeom>
-          <a:noFill/>
-          <a:ln w="0">
-            <a:noFill/>
-          </a:ln>
-        </p:spPr>
-        <p:style>
-          <a:lnRef idx="0"/>
-          <a:fillRef idx="0"/>
-          <a:effectRef idx="0"/>
-          <a:fontRef idx="minor"/>
-        </p:style>
-        <p:txBody>
-          <a:bodyPr tIns="88200" bIns="88200" anchor="t">
-            <a:spAutoFit/>
-          </a:bodyPr>
-          <a:p>
-            <a:pPr>
-              <a:lnSpc>
-                <a:spcPct val="115000"/>
-              </a:lnSpc>
-              <a:spcAft>
-                <a:spcPts val="1199"/>
-              </a:spcAft>
-              <a:tabLst>
-                <a:tab algn="l" pos="0"/>
-              </a:tabLst>
-            </a:pPr>
-            <a:r>
-              <a:rPr b="0" lang="fr" sz="1000" strike="noStrike" u="none">
-                <a:solidFill>
-                  <a:schemeClr val="dk2"/>
-                </a:solidFill>
-                <a:uFillTx/>
-                <a:latin typeface="Montserrat"/>
-                <a:ea typeface="Montserrat"/>
-              </a:rPr>
-              <a:t>Présentation de l’usage du no-code</a:t>
-            </a:r>
-            <a:endParaRPr b="0" lang="fr-FR" sz="1000" strike="noStrike" u="none">
-              <a:solidFill>
-                <a:srgbClr val="000000"/>
-              </a:solidFill>
-              <a:uFillTx/>
-              <a:latin typeface="Arial"/>
-            </a:endParaRPr>
-          </a:p>
-        </p:txBody>
-      </p:sp>
-      <p:sp>
-        <p:nvSpPr>
-          <p:cNvPr id="99" name="Google Shape;124;p21"/>
-          <p:cNvSpPr/>
-          <p:nvPr/>
-        </p:nvSpPr>
-        <p:spPr>
-          <a:xfrm>
-            <a:off x="434880" y="1085400"/>
-            <a:ext cx="8320320" cy="869040"/>
-          </a:xfrm>
-          <a:prstGeom prst="rect">
-            <a:avLst/>
-          </a:prstGeom>
-          <a:noFill/>
-          <a:ln w="0">
-            <a:noFill/>
-          </a:ln>
-        </p:spPr>
-        <p:style>
-          <a:lnRef idx="0"/>
-          <a:fillRef idx="0"/>
-          <a:effectRef idx="0"/>
-          <a:fontRef idx="minor"/>
-        </p:style>
-        <p:txBody>
-          <a:bodyPr tIns="91440" bIns="91440" anchor="t">
-            <a:spAutoFit/>
-          </a:bodyPr>
-          <a:p>
-            <a:pPr marL="457200" indent="-343080">
-              <a:lnSpc>
-                <a:spcPct val="115000"/>
-              </a:lnSpc>
-              <a:buClr>
-                <a:srgbClr val="0d0d0d"/>
-              </a:buClr>
-              <a:buFont typeface="Montserrat"/>
-              <a:buChar char="●"/>
-            </a:pPr>
-            <a:r>
-              <a:rPr b="0" lang="fr" sz="1500" strike="noStrike" u="none">
-                <a:solidFill>
-                  <a:srgbClr val="0d0d0d"/>
-                </a:solidFill>
-                <a:highlight>
-                  <a:srgbClr val="ffffff"/>
-                </a:highlight>
-                <a:uFillTx/>
-                <a:latin typeface="Montserrat"/>
-                <a:ea typeface="Montserrat"/>
-              </a:rPr>
-              <a:t>Résumé des points clés de la présentation</a:t>
-            </a:r>
-            <a:endParaRPr b="0" lang="fr-FR" sz="1500" strike="noStrike" u="none">
-              <a:solidFill>
-                <a:srgbClr val="000000"/>
-              </a:solidFill>
-              <a:uFillTx/>
-              <a:latin typeface="Arial"/>
-            </a:endParaRPr>
-          </a:p>
-          <a:p>
-            <a:pPr>
-              <a:lnSpc>
-                <a:spcPct val="115000"/>
-              </a:lnSpc>
-              <a:tabLst>
-                <a:tab algn="l" pos="0"/>
-              </a:tabLst>
-            </a:pPr>
-            <a:endParaRPr b="0" lang="fr-FR" sz="1200" strike="noStrike" u="none">
-              <a:solidFill>
-                <a:srgbClr val="000000"/>
-              </a:solidFill>
-              <a:uFillTx/>
-              <a:latin typeface="Arial"/>
-            </a:endParaRPr>
-          </a:p>
-          <a:p>
-            <a:pPr>
-              <a:lnSpc>
-                <a:spcPct val="100000"/>
-              </a:lnSpc>
-              <a:spcBef>
-                <a:spcPts val="1199"/>
-              </a:spcBef>
-              <a:tabLst>
-                <a:tab algn="l" pos="0"/>
-              </a:tabLst>
-            </a:pPr>
-            <a:endParaRPr b="0" lang="fr-FR" sz="1400" strike="noStrike" u="none">
-              <a:solidFill>
-                <a:srgbClr val="000000"/>
-              </a:solidFill>
-              <a:uFillTx/>
-              <a:latin typeface="Arial"/>
-            </a:endParaRPr>
-          </a:p>
-        </p:txBody>
-      </p:sp>
-      <p:sp>
-        <p:nvSpPr>
-          <p:cNvPr id="100" name="Google Shape;125;p21"/>
-          <p:cNvSpPr/>
-          <p:nvPr/>
-        </p:nvSpPr>
-        <p:spPr>
-          <a:xfrm>
-            <a:off x="-4680" y="0"/>
-            <a:ext cx="9153360" cy="239400"/>
-          </a:xfrm>
-          <a:prstGeom prst="rect">
-            <a:avLst/>
-          </a:prstGeom>
-          <a:solidFill>
-            <a:srgbClr val="fce5cd"/>
-          </a:solidFill>
-          <a:ln w="9525">
-            <a:solidFill>
-              <a:srgbClr val="f7edde"/>
-            </a:solidFill>
-            <a:round/>
-          </a:ln>
-        </p:spPr>
-        <p:style>
-          <a:lnRef idx="0"/>
-          <a:fillRef idx="0"/>
-          <a:effectRef idx="0"/>
-          <a:fontRef idx="minor"/>
-        </p:style>
-        <p:txBody>
-          <a:bodyPr tIns="91440" bIns="91440" anchor="ctr">
-            <a:noAutofit/>
-          </a:bodyPr>
-          <a:p>
-            <a:pPr algn="ctr">
-              <a:lnSpc>
-                <a:spcPct val="100000"/>
-              </a:lnSpc>
-              <a:tabLst>
-                <a:tab algn="l" pos="0"/>
-              </a:tabLst>
-            </a:pPr>
-            <a:endParaRPr b="0" lang="fr-FR" sz="1400" strike="noStrike" u="none">
-              <a:solidFill>
-                <a:srgbClr val="000000"/>
-              </a:solidFill>
-              <a:uFillTx/>
-              <a:latin typeface="Arial"/>
-            </a:endParaRPr>
-          </a:p>
-        </p:txBody>
-      </p:sp>
       <p:pic>
         <p:nvPicPr>
-          <p:cNvPr id="101" name="Google Shape;126;p21" descr=""/>
+          <p:cNvPr id="94" name="" descr=""/>
           <p:cNvPicPr/>
           <p:nvPr/>
         </p:nvPicPr>
@@ -6267,8 +4846,8 @@
         </p:blipFill>
         <p:spPr>
           <a:xfrm>
-            <a:off x="8469720" y="0"/>
-            <a:ext cx="673920" cy="340200"/>
+            <a:off x="196560" y="291960"/>
+            <a:ext cx="8623440" cy="4568040"/>
           </a:xfrm>
           <a:prstGeom prst="rect">
             <a:avLst/>
@@ -6317,14 +4896,14 @@
       </p:grpSpPr>
       <p:sp>
         <p:nvSpPr>
-          <p:cNvPr id="102" name="Google Shape;131;p22"/>
+          <p:cNvPr id="95" name="Google Shape;131;p22"/>
           <p:cNvSpPr/>
           <p:nvPr/>
         </p:nvSpPr>
         <p:spPr>
           <a:xfrm>
             <a:off x="2411640" y="2125800"/>
-            <a:ext cx="4221720" cy="801720"/>
+            <a:ext cx="4221000" cy="801000"/>
           </a:xfrm>
           <a:prstGeom prst="rect">
             <a:avLst/>
@@ -6341,7 +4920,7 @@
           <a:fontRef idx="minor"/>
         </p:style>
         <p:txBody>
-          <a:bodyPr tIns="91440" bIns="91440" anchor="t">
+          <a:bodyPr lIns="90000" rIns="90000" tIns="91440" bIns="91440" anchor="t">
             <a:noAutofit/>
           </a:bodyPr>
           <a:p>
@@ -6376,14 +4955,14 @@
       </p:sp>
       <p:sp>
         <p:nvSpPr>
-          <p:cNvPr id="103" name="Google Shape;132;p22"/>
+          <p:cNvPr id="96" name="Google Shape;132;p22"/>
           <p:cNvSpPr/>
           <p:nvPr/>
         </p:nvSpPr>
         <p:spPr>
           <a:xfrm>
             <a:off x="115200" y="118440"/>
-            <a:ext cx="2384280" cy="279720"/>
+            <a:ext cx="2383560" cy="279000"/>
           </a:xfrm>
           <a:prstGeom prst="rect">
             <a:avLst/>
@@ -6400,7 +4979,7 @@
           <a:fontRef idx="minor"/>
         </p:style>
         <p:txBody>
-          <a:bodyPr tIns="91440" bIns="91440" anchor="t">
+          <a:bodyPr lIns="90000" rIns="90000" tIns="91440" bIns="91440" anchor="t">
             <a:noAutofit/>
           </a:bodyPr>
           <a:p>
@@ -6424,7 +5003,7 @@
       </p:sp>
       <p:pic>
         <p:nvPicPr>
-          <p:cNvPr id="104" name="Google Shape;133;p22" descr=""/>
+          <p:cNvPr id="97" name="Google Shape;133;p22" descr=""/>
           <p:cNvPicPr/>
           <p:nvPr/>
         </p:nvPicPr>
@@ -6435,7 +5014,7 @@
         <p:spPr>
           <a:xfrm>
             <a:off x="8469720" y="0"/>
-            <a:ext cx="673920" cy="340200"/>
+            <a:ext cx="673200" cy="339480"/>
           </a:xfrm>
           <a:prstGeom prst="rect">
             <a:avLst/>
@@ -6477,7 +5056,7 @@
       </p:grpSpPr>
       <p:sp>
         <p:nvSpPr>
-          <p:cNvPr id="40" name="PlaceHolder 1"/>
+          <p:cNvPr id="31" name="PlaceHolder 1"/>
           <p:cNvSpPr>
             <a:spLocks noGrp="1"/>
           </p:cNvSpPr>
@@ -6488,7 +5067,7 @@
         <p:spPr>
           <a:xfrm>
             <a:off x="311760" y="444960"/>
-            <a:ext cx="8520120" cy="572400"/>
+            <a:ext cx="8519400" cy="571680"/>
           </a:xfrm>
           <a:prstGeom prst="rect">
             <a:avLst/>
@@ -6535,7 +5114,7 @@
       </p:sp>
       <p:sp>
         <p:nvSpPr>
-          <p:cNvPr id="41" name="PlaceHolder 2"/>
+          <p:cNvPr id="32" name="PlaceHolder 2"/>
           <p:cNvSpPr>
             <a:spLocks noGrp="1"/>
           </p:cNvSpPr>
@@ -6546,7 +5125,7 @@
         <p:spPr>
           <a:xfrm>
             <a:off x="311760" y="1152360"/>
-            <a:ext cx="8520120" cy="3416040"/>
+            <a:ext cx="8519400" cy="3415320"/>
           </a:xfrm>
           <a:prstGeom prst="rect">
             <a:avLst/>
@@ -6849,7 +5428,7 @@
       </p:sp>
       <p:pic>
         <p:nvPicPr>
-          <p:cNvPr id="42" name="Google Shape;63;p14" descr=""/>
+          <p:cNvPr id="33" name="Google Shape;63;p14" descr=""/>
           <p:cNvPicPr/>
           <p:nvPr/>
         </p:nvPicPr>
@@ -6859,8 +5438,8 @@
         </p:blipFill>
         <p:spPr>
           <a:xfrm>
-            <a:off x="8469720" y="0"/>
-            <a:ext cx="673920" cy="340200"/>
+            <a:off x="8470800" y="0"/>
+            <a:ext cx="673200" cy="339480"/>
           </a:xfrm>
           <a:prstGeom prst="rect">
             <a:avLst/>
@@ -6902,7 +5481,7 @@
       </p:grpSpPr>
       <p:sp>
         <p:nvSpPr>
-          <p:cNvPr id="43" name="PlaceHolder 1"/>
+          <p:cNvPr id="34" name="PlaceHolder 1"/>
           <p:cNvSpPr>
             <a:spLocks noGrp="1"/>
           </p:cNvSpPr>
@@ -6913,7 +5492,7 @@
         <p:spPr>
           <a:xfrm>
             <a:off x="311760" y="444960"/>
-            <a:ext cx="8520120" cy="572400"/>
+            <a:ext cx="8519400" cy="571680"/>
           </a:xfrm>
           <a:prstGeom prst="rect">
             <a:avLst/>
@@ -6949,7 +5528,7 @@
                 <a:latin typeface="Montserrat"/>
                 <a:ea typeface="Montserrat"/>
               </a:rPr>
-              <a:t>Contexte du Projet</a:t>
+              <a:t>Contexte des nécéssités du Projet</a:t>
             </a:r>
             <a:endParaRPr b="0" lang="fr-FR" sz="2000" strike="noStrike" u="none">
               <a:solidFill>
@@ -6963,14 +5542,14 @@
       </p:sp>
       <p:sp>
         <p:nvSpPr>
-          <p:cNvPr id="44" name="Google Shape;69;p15"/>
+          <p:cNvPr id="35" name="Google Shape;69;p15"/>
           <p:cNvSpPr/>
           <p:nvPr/>
         </p:nvSpPr>
         <p:spPr>
           <a:xfrm>
             <a:off x="434880" y="1085400"/>
-            <a:ext cx="8320320" cy="1447200"/>
+            <a:ext cx="8319600" cy="1185120"/>
           </a:xfrm>
           <a:prstGeom prst="rect">
             <a:avLst/>
@@ -6987,7 +5566,7 @@
           <a:fontRef idx="minor"/>
         </p:style>
         <p:txBody>
-          <a:bodyPr tIns="91440" bIns="91440" anchor="t">
+          <a:bodyPr lIns="90000" rIns="90000" tIns="91440" bIns="91440" anchor="t">
             <a:spAutoFit/>
           </a:bodyPr>
           <a:p>
@@ -7081,47 +5660,6 @@
             </a:endParaRPr>
           </a:p>
           <a:p>
-            <a:pPr marL="457200" indent="-324000">
-              <a:lnSpc>
-                <a:spcPct val="115000"/>
-              </a:lnSpc>
-              <a:buClr>
-                <a:srgbClr val="000000"/>
-              </a:buClr>
-              <a:buFont typeface="Montserrat"/>
-              <a:buChar char="●"/>
-            </a:pPr>
-            <a:r>
-              <a:rPr b="0" i="1" lang="fr" sz="1500" strike="noStrike" u="none">
-                <a:solidFill>
-                  <a:schemeClr val="dk1"/>
-                </a:solidFill>
-                <a:uFillTx/>
-                <a:latin typeface="Montserrat"/>
-                <a:ea typeface="Montserrat"/>
-              </a:rPr>
-              <a:t> </a:t>
-            </a:r>
-            <a:r>
-              <a:rPr b="0" i="1" lang="fr" sz="1500" strike="noStrike" u="none">
-                <a:solidFill>
-                  <a:schemeClr val="dk1"/>
-                </a:solidFill>
-                <a:uFillTx/>
-                <a:latin typeface="Montserrat"/>
-                <a:ea typeface="Montserrat"/>
-              </a:rPr>
-              <a:t>Informer l’utilisateur correctement</a:t>
-            </a:r>
-            <a:endParaRPr b="0" lang="fr-FR" sz="1500" strike="noStrike" u="none">
-              <a:solidFill>
-                <a:srgbClr val="000000"/>
-              </a:solidFill>
-              <a:uFillTx/>
-              <a:latin typeface="Arial"/>
-            </a:endParaRPr>
-          </a:p>
-          <a:p>
             <a:pPr>
               <a:lnSpc>
                 <a:spcPct val="100000"/>
@@ -7145,14 +5683,14 @@
       </p:sp>
       <p:sp>
         <p:nvSpPr>
-          <p:cNvPr id="45" name="Google Shape;70;p15"/>
+          <p:cNvPr id="36" name="Google Shape;70;p15"/>
           <p:cNvSpPr/>
           <p:nvPr/>
         </p:nvSpPr>
         <p:spPr>
           <a:xfrm>
             <a:off x="-4680" y="0"/>
-            <a:ext cx="9153360" cy="239400"/>
+            <a:ext cx="9152640" cy="238680"/>
           </a:xfrm>
           <a:prstGeom prst="rect">
             <a:avLst/>
@@ -7174,7 +5712,7 @@
           <a:fontRef idx="minor"/>
         </p:style>
         <p:txBody>
-          <a:bodyPr tIns="91440" bIns="91440" anchor="ctr">
+          <a:bodyPr lIns="90000" rIns="90000" tIns="91440" bIns="91440" anchor="ctr">
             <a:noAutofit/>
           </a:bodyPr>
           <a:p>
@@ -7198,7 +5736,7 @@
       </p:sp>
       <p:pic>
         <p:nvPicPr>
-          <p:cNvPr id="46" name="Google Shape;71;p15" descr=""/>
+          <p:cNvPr id="37" name="Google Shape;71;p15" descr=""/>
           <p:cNvPicPr/>
           <p:nvPr/>
         </p:nvPicPr>
@@ -7209,7 +5747,7 @@
         <p:spPr>
           <a:xfrm>
             <a:off x="8474400" y="0"/>
-            <a:ext cx="673920" cy="340200"/>
+            <a:ext cx="673200" cy="339480"/>
           </a:xfrm>
           <a:prstGeom prst="rect">
             <a:avLst/>
@@ -7251,7 +5789,7 @@
       </p:grpSpPr>
       <p:sp>
         <p:nvSpPr>
-          <p:cNvPr id="47" name="PlaceHolder 1"/>
+          <p:cNvPr id="38" name="PlaceHolder 1"/>
           <p:cNvSpPr>
             <a:spLocks noGrp="1"/>
           </p:cNvSpPr>
@@ -7262,7 +5800,7 @@
         <p:spPr>
           <a:xfrm>
             <a:off x="311760" y="444960"/>
-            <a:ext cx="8520120" cy="572400"/>
+            <a:ext cx="8519400" cy="571680"/>
           </a:xfrm>
           <a:prstGeom prst="rect">
             <a:avLst/>
@@ -7333,7 +5871,7 @@
       </p:sp>
       <p:sp>
         <p:nvSpPr>
-          <p:cNvPr id="48" name="PlaceHolder 2"/>
+          <p:cNvPr id="39" name="PlaceHolder 2"/>
           <p:cNvSpPr>
             <a:spLocks noGrp="1"/>
           </p:cNvSpPr>
@@ -7344,7 +5882,7 @@
         <p:spPr>
           <a:xfrm>
             <a:off x="311760" y="1152360"/>
-            <a:ext cx="8520120" cy="3416040"/>
+            <a:ext cx="8519400" cy="3415320"/>
           </a:xfrm>
           <a:prstGeom prst="rect">
             <a:avLst/>
@@ -7364,6 +5902,9 @@
                 <a:spcPct val="150000"/>
               </a:lnSpc>
               <a:buNone/>
+              <a:tabLst>
+                <a:tab algn="l" pos="0"/>
+              </a:tabLst>
             </a:pPr>
             <a:endParaRPr b="0" lang="fr-FR" sz="1500" strike="noStrike" u="none">
               <a:solidFill>
@@ -7374,7 +5915,7 @@
             </a:endParaRPr>
           </a:p>
           <a:p>
-            <a:pPr indent="0">
+            <a:pPr marL="457200" indent="0">
               <a:lnSpc>
                 <a:spcPct val="115000"/>
               </a:lnSpc>
@@ -7419,14 +5960,14 @@
       </p:sp>
       <p:sp>
         <p:nvSpPr>
-          <p:cNvPr id="49" name="Google Shape;78;p16"/>
+          <p:cNvPr id="40" name="Google Shape;78;p16"/>
           <p:cNvSpPr/>
           <p:nvPr/>
         </p:nvSpPr>
         <p:spPr>
           <a:xfrm>
             <a:off x="-4680" y="0"/>
-            <a:ext cx="9153360" cy="239400"/>
+            <a:ext cx="9152640" cy="238680"/>
           </a:xfrm>
           <a:prstGeom prst="rect">
             <a:avLst/>
@@ -7448,7 +5989,7 @@
           <a:fontRef idx="minor"/>
         </p:style>
         <p:txBody>
-          <a:bodyPr tIns="91440" bIns="91440" anchor="ctr">
+          <a:bodyPr lIns="90000" rIns="90000" tIns="91440" bIns="91440" anchor="ctr">
             <a:noAutofit/>
           </a:bodyPr>
           <a:p>
@@ -7472,7 +6013,7 @@
       </p:sp>
       <p:pic>
         <p:nvPicPr>
-          <p:cNvPr id="50" name="Google Shape;79;p16" descr=""/>
+          <p:cNvPr id="41" name="Google Shape;79;p16" descr=""/>
           <p:cNvPicPr/>
           <p:nvPr/>
         </p:nvPicPr>
@@ -7483,7 +6024,7 @@
         <p:spPr>
           <a:xfrm>
             <a:off x="8469720" y="0"/>
-            <a:ext cx="673920" cy="340200"/>
+            <a:ext cx="673200" cy="339480"/>
           </a:xfrm>
           <a:prstGeom prst="rect">
             <a:avLst/>
@@ -7495,7 +6036,7 @@
       </p:pic>
       <p:pic>
         <p:nvPicPr>
-          <p:cNvPr id="51" name="" descr=""/>
+          <p:cNvPr id="42" name="" descr=""/>
           <p:cNvPicPr/>
           <p:nvPr/>
         </p:nvPicPr>
@@ -7506,7 +6047,7 @@
         <p:spPr>
           <a:xfrm>
             <a:off x="180000" y="1145880"/>
-            <a:ext cx="2520000" cy="3714120"/>
+            <a:ext cx="2519280" cy="3713400"/>
           </a:xfrm>
           <a:prstGeom prst="rect">
             <a:avLst/>
@@ -7518,7 +6059,7 @@
       </p:pic>
       <p:pic>
         <p:nvPicPr>
-          <p:cNvPr id="52" name="" descr=""/>
+          <p:cNvPr id="43" name="" descr=""/>
           <p:cNvPicPr/>
           <p:nvPr/>
         </p:nvPicPr>
@@ -7529,7 +6070,7 @@
         <p:spPr>
           <a:xfrm>
             <a:off x="2880000" y="1080000"/>
-            <a:ext cx="6030720" cy="3707640"/>
+            <a:ext cx="6030000" cy="3706920"/>
           </a:xfrm>
           <a:prstGeom prst="rect">
             <a:avLst/>
@@ -7571,7 +6112,7 @@
       </p:grpSpPr>
       <p:sp>
         <p:nvSpPr>
-          <p:cNvPr id="53" name="PlaceHolder 1"/>
+          <p:cNvPr id="44" name="PlaceHolder 1"/>
           <p:cNvSpPr>
             <a:spLocks noGrp="1"/>
           </p:cNvSpPr>
@@ -7582,7 +6123,7 @@
         <p:spPr>
           <a:xfrm>
             <a:off x="311760" y="444960"/>
-            <a:ext cx="8520120" cy="572400"/>
+            <a:ext cx="8519400" cy="571680"/>
           </a:xfrm>
           <a:prstGeom prst="rect">
             <a:avLst/>
@@ -7653,7 +6194,7 @@
       </p:sp>
       <p:sp>
         <p:nvSpPr>
-          <p:cNvPr id="54" name="PlaceHolder 2"/>
+          <p:cNvPr id="45" name="PlaceHolder 2"/>
           <p:cNvSpPr>
             <a:spLocks noGrp="1"/>
           </p:cNvSpPr>
@@ -7664,7 +6205,7 @@
         <p:spPr>
           <a:xfrm>
             <a:off x="311760" y="1152360"/>
-            <a:ext cx="8520120" cy="3416040"/>
+            <a:ext cx="8519400" cy="3415320"/>
           </a:xfrm>
           <a:prstGeom prst="rect">
             <a:avLst/>
@@ -7684,6 +6225,9 @@
                 <a:spcPct val="150000"/>
               </a:lnSpc>
               <a:buNone/>
+              <a:tabLst>
+                <a:tab algn="l" pos="0"/>
+              </a:tabLst>
             </a:pPr>
             <a:endParaRPr b="0" lang="fr-FR" sz="1500" strike="noStrike" u="none">
               <a:solidFill>
@@ -7694,7 +6238,7 @@
             </a:endParaRPr>
           </a:p>
           <a:p>
-            <a:pPr indent="0">
+            <a:pPr marL="457200" indent="0">
               <a:lnSpc>
                 <a:spcPct val="115000"/>
               </a:lnSpc>
@@ -7739,14 +6283,14 @@
       </p:sp>
       <p:sp>
         <p:nvSpPr>
-          <p:cNvPr id="55" name="Google Shape;78;p 1"/>
+          <p:cNvPr id="46" name="Google Shape;78;p 1"/>
           <p:cNvSpPr/>
           <p:nvPr/>
         </p:nvSpPr>
         <p:spPr>
           <a:xfrm>
             <a:off x="-4680" y="0"/>
-            <a:ext cx="9153360" cy="239400"/>
+            <a:ext cx="9152640" cy="238680"/>
           </a:xfrm>
           <a:prstGeom prst="rect">
             <a:avLst/>
@@ -7768,10 +6312,15 @@
           <a:fontRef idx="minor"/>
         </p:style>
         <p:txBody>
-          <a:bodyPr tIns="91440" bIns="91440" anchor="ctr">
+          <a:bodyPr lIns="90000" rIns="90000" tIns="91440" bIns="91440" anchor="ctr">
             <a:noAutofit/>
           </a:bodyPr>
           <a:p>
+            <a:pPr>
+              <a:lnSpc>
+                <a:spcPct val="100000"/>
+              </a:lnSpc>
+            </a:pPr>
             <a:endParaRPr b="0" lang="fr-FR" sz="1400" strike="noStrike" u="none">
               <a:solidFill>
                 <a:srgbClr val="000000"/>
@@ -7784,7 +6333,7 @@
       </p:sp>
       <p:pic>
         <p:nvPicPr>
-          <p:cNvPr id="56" name="Google Shape;79;p 1" descr=""/>
+          <p:cNvPr id="47" name="Google Shape;79;p 1" descr=""/>
           <p:cNvPicPr/>
           <p:nvPr/>
         </p:nvPicPr>
@@ -7795,7 +6344,7 @@
         <p:spPr>
           <a:xfrm>
             <a:off x="8469720" y="0"/>
-            <a:ext cx="673920" cy="340200"/>
+            <a:ext cx="673200" cy="339480"/>
           </a:xfrm>
           <a:prstGeom prst="rect">
             <a:avLst/>
@@ -7807,7 +6356,7 @@
       </p:pic>
       <p:pic>
         <p:nvPicPr>
-          <p:cNvPr id="57" name="" descr=""/>
+          <p:cNvPr id="48" name="" descr=""/>
           <p:cNvPicPr/>
           <p:nvPr/>
         </p:nvPicPr>
@@ -7818,7 +6367,7 @@
         <p:spPr>
           <a:xfrm>
             <a:off x="253440" y="1440000"/>
-            <a:ext cx="8578440" cy="2987640"/>
+            <a:ext cx="8577720" cy="2986920"/>
           </a:xfrm>
           <a:prstGeom prst="rect">
             <a:avLst/>
@@ -7860,7 +6409,7 @@
       </p:grpSpPr>
       <p:sp>
         <p:nvSpPr>
-          <p:cNvPr id="58" name="PlaceHolder 1"/>
+          <p:cNvPr id="49" name="PlaceHolder 1"/>
           <p:cNvSpPr>
             <a:spLocks noGrp="1"/>
           </p:cNvSpPr>
@@ -7871,7 +6420,7 @@
         <p:spPr>
           <a:xfrm>
             <a:off x="311760" y="444960"/>
-            <a:ext cx="8520120" cy="572400"/>
+            <a:ext cx="8519400" cy="571680"/>
           </a:xfrm>
           <a:prstGeom prst="rect">
             <a:avLst/>
@@ -7942,7 +6491,7 @@
       </p:sp>
       <p:sp>
         <p:nvSpPr>
-          <p:cNvPr id="59" name="PlaceHolder 2"/>
+          <p:cNvPr id="50" name="PlaceHolder 2"/>
           <p:cNvSpPr>
             <a:spLocks noGrp="1"/>
           </p:cNvSpPr>
@@ -7953,7 +6502,7 @@
         <p:spPr>
           <a:xfrm>
             <a:off x="311760" y="1152360"/>
-            <a:ext cx="8520120" cy="3416040"/>
+            <a:ext cx="8519400" cy="3415320"/>
           </a:xfrm>
           <a:prstGeom prst="rect">
             <a:avLst/>
@@ -7973,6 +6522,9 @@
                 <a:spcPct val="150000"/>
               </a:lnSpc>
               <a:buNone/>
+              <a:tabLst>
+                <a:tab algn="l" pos="0"/>
+              </a:tabLst>
             </a:pPr>
             <a:endParaRPr b="0" lang="fr-FR" sz="1500" strike="noStrike" u="none">
               <a:solidFill>
@@ -7983,7 +6535,7 @@
             </a:endParaRPr>
           </a:p>
           <a:p>
-            <a:pPr indent="0">
+            <a:pPr marL="457200" indent="0">
               <a:lnSpc>
                 <a:spcPct val="115000"/>
               </a:lnSpc>
@@ -8028,14 +6580,14 @@
       </p:sp>
       <p:sp>
         <p:nvSpPr>
-          <p:cNvPr id="60" name="Google Shape;78;p 2"/>
+          <p:cNvPr id="51" name="Google Shape;78;p 2"/>
           <p:cNvSpPr/>
           <p:nvPr/>
         </p:nvSpPr>
         <p:spPr>
           <a:xfrm>
             <a:off x="-4680" y="0"/>
-            <a:ext cx="9153360" cy="239400"/>
+            <a:ext cx="9152640" cy="238680"/>
           </a:xfrm>
           <a:prstGeom prst="rect">
             <a:avLst/>
@@ -8057,10 +6609,15 @@
           <a:fontRef idx="minor"/>
         </p:style>
         <p:txBody>
-          <a:bodyPr tIns="91440" bIns="91440" anchor="ctr">
+          <a:bodyPr lIns="90000" rIns="90000" tIns="91440" bIns="91440" anchor="ctr">
             <a:noAutofit/>
           </a:bodyPr>
           <a:p>
+            <a:pPr>
+              <a:lnSpc>
+                <a:spcPct val="100000"/>
+              </a:lnSpc>
+            </a:pPr>
             <a:endParaRPr b="0" lang="fr-FR" sz="1400" strike="noStrike" u="none">
               <a:solidFill>
                 <a:srgbClr val="000000"/>
@@ -8073,7 +6630,7 @@
       </p:sp>
       <p:pic>
         <p:nvPicPr>
-          <p:cNvPr id="61" name="Google Shape;79;p 2" descr=""/>
+          <p:cNvPr id="52" name="Google Shape;79;p 2" descr=""/>
           <p:cNvPicPr/>
           <p:nvPr/>
         </p:nvPicPr>
@@ -8084,7 +6641,7 @@
         <p:spPr>
           <a:xfrm>
             <a:off x="8469720" y="0"/>
-            <a:ext cx="673920" cy="340200"/>
+            <a:ext cx="673200" cy="339480"/>
           </a:xfrm>
           <a:prstGeom prst="rect">
             <a:avLst/>
@@ -8096,7 +6653,7 @@
       </p:pic>
       <p:pic>
         <p:nvPicPr>
-          <p:cNvPr id="62" name="" descr=""/>
+          <p:cNvPr id="53" name="" descr=""/>
           <p:cNvPicPr/>
           <p:nvPr/>
         </p:nvPicPr>
@@ -8107,7 +6664,7 @@
         <p:spPr>
           <a:xfrm>
             <a:off x="317520" y="1260000"/>
-            <a:ext cx="8425440" cy="3308400"/>
+            <a:ext cx="8424720" cy="3307680"/>
           </a:xfrm>
           <a:prstGeom prst="rect">
             <a:avLst/>
@@ -8149,7 +6706,7 @@
       </p:grpSpPr>
       <p:sp>
         <p:nvSpPr>
-          <p:cNvPr id="63" name="PlaceHolder 1"/>
+          <p:cNvPr id="54" name="PlaceHolder 1"/>
           <p:cNvSpPr>
             <a:spLocks noGrp="1"/>
           </p:cNvSpPr>
@@ -8160,7 +6717,7 @@
         <p:spPr>
           <a:xfrm>
             <a:off x="311760" y="444960"/>
-            <a:ext cx="8520120" cy="572400"/>
+            <a:ext cx="8519400" cy="571680"/>
           </a:xfrm>
           <a:prstGeom prst="rect">
             <a:avLst/>
@@ -8231,7 +6788,7 @@
       </p:sp>
       <p:sp>
         <p:nvSpPr>
-          <p:cNvPr id="64" name="PlaceHolder 2"/>
+          <p:cNvPr id="55" name="PlaceHolder 2"/>
           <p:cNvSpPr>
             <a:spLocks noGrp="1"/>
           </p:cNvSpPr>
@@ -8242,7 +6799,7 @@
         <p:spPr>
           <a:xfrm>
             <a:off x="311760" y="1152360"/>
-            <a:ext cx="8520120" cy="3416040"/>
+            <a:ext cx="8519400" cy="3415320"/>
           </a:xfrm>
           <a:prstGeom prst="rect">
             <a:avLst/>
@@ -8262,6 +6819,9 @@
                 <a:spcPct val="150000"/>
               </a:lnSpc>
               <a:buNone/>
+              <a:tabLst>
+                <a:tab algn="l" pos="0"/>
+              </a:tabLst>
             </a:pPr>
             <a:endParaRPr b="0" lang="fr-FR" sz="1500" strike="noStrike" u="none">
               <a:solidFill>
@@ -8272,7 +6832,7 @@
             </a:endParaRPr>
           </a:p>
           <a:p>
-            <a:pPr indent="0">
+            <a:pPr marL="457200" indent="0">
               <a:lnSpc>
                 <a:spcPct val="115000"/>
               </a:lnSpc>
@@ -8317,14 +6877,14 @@
       </p:sp>
       <p:sp>
         <p:nvSpPr>
-          <p:cNvPr id="65" name="Google Shape;78;p 3"/>
+          <p:cNvPr id="56" name="Google Shape;78;p 3"/>
           <p:cNvSpPr/>
           <p:nvPr/>
         </p:nvSpPr>
         <p:spPr>
           <a:xfrm>
             <a:off x="-4680" y="0"/>
-            <a:ext cx="9153360" cy="239400"/>
+            <a:ext cx="9152640" cy="238680"/>
           </a:xfrm>
           <a:prstGeom prst="rect">
             <a:avLst/>
@@ -8346,10 +6906,15 @@
           <a:fontRef idx="minor"/>
         </p:style>
         <p:txBody>
-          <a:bodyPr tIns="91440" bIns="91440" anchor="ctr">
+          <a:bodyPr lIns="90000" rIns="90000" tIns="91440" bIns="91440" anchor="ctr">
             <a:noAutofit/>
           </a:bodyPr>
           <a:p>
+            <a:pPr>
+              <a:lnSpc>
+                <a:spcPct val="100000"/>
+              </a:lnSpc>
+            </a:pPr>
             <a:endParaRPr b="0" lang="fr-FR" sz="1400" strike="noStrike" u="none">
               <a:solidFill>
                 <a:srgbClr val="000000"/>
@@ -8362,7 +6927,7 @@
       </p:sp>
       <p:pic>
         <p:nvPicPr>
-          <p:cNvPr id="66" name="Google Shape;79;p 3" descr=""/>
+          <p:cNvPr id="57" name="Google Shape;79;p 3" descr=""/>
           <p:cNvPicPr/>
           <p:nvPr/>
         </p:nvPicPr>
@@ -8373,7 +6938,7 @@
         <p:spPr>
           <a:xfrm>
             <a:off x="8469720" y="0"/>
-            <a:ext cx="673920" cy="340200"/>
+            <a:ext cx="673200" cy="339480"/>
           </a:xfrm>
           <a:prstGeom prst="rect">
             <a:avLst/>
@@ -8385,7 +6950,7 @@
       </p:pic>
       <p:pic>
         <p:nvPicPr>
-          <p:cNvPr id="67" name="" descr=""/>
+          <p:cNvPr id="58" name="" descr=""/>
           <p:cNvPicPr/>
           <p:nvPr/>
         </p:nvPicPr>
@@ -8396,7 +6961,7 @@
         <p:spPr>
           <a:xfrm>
             <a:off x="3060000" y="1620000"/>
-            <a:ext cx="6039360" cy="2190600"/>
+            <a:ext cx="6038640" cy="2189880"/>
           </a:xfrm>
           <a:prstGeom prst="rect">
             <a:avLst/>
@@ -8408,7 +6973,7 @@
       </p:pic>
       <p:pic>
         <p:nvPicPr>
-          <p:cNvPr id="68" name="" descr=""/>
+          <p:cNvPr id="59" name="" descr=""/>
           <p:cNvPicPr/>
           <p:nvPr/>
         </p:nvPicPr>
@@ -8419,7 +6984,7 @@
         <p:spPr>
           <a:xfrm>
             <a:off x="180000" y="1620000"/>
-            <a:ext cx="2788200" cy="1980000"/>
+            <a:ext cx="2787480" cy="1979280"/>
           </a:xfrm>
           <a:prstGeom prst="rect">
             <a:avLst/>
@@ -8461,7 +7026,7 @@
       </p:grpSpPr>
       <p:sp>
         <p:nvSpPr>
-          <p:cNvPr id="69" name="PlaceHolder 1"/>
+          <p:cNvPr id="60" name="PlaceHolder 1"/>
           <p:cNvSpPr>
             <a:spLocks noGrp="1"/>
           </p:cNvSpPr>
@@ -8472,7 +7037,7 @@
         <p:spPr>
           <a:xfrm>
             <a:off x="311760" y="444960"/>
-            <a:ext cx="8520120" cy="572400"/>
+            <a:ext cx="8519400" cy="571680"/>
           </a:xfrm>
           <a:prstGeom prst="rect">
             <a:avLst/>
@@ -8543,7 +7108,7 @@
       </p:sp>
       <p:sp>
         <p:nvSpPr>
-          <p:cNvPr id="70" name="PlaceHolder 2"/>
+          <p:cNvPr id="61" name="PlaceHolder 2"/>
           <p:cNvSpPr>
             <a:spLocks noGrp="1"/>
           </p:cNvSpPr>
@@ -8554,7 +7119,7 @@
         <p:spPr>
           <a:xfrm>
             <a:off x="311760" y="1152360"/>
-            <a:ext cx="8520120" cy="3416040"/>
+            <a:ext cx="8519400" cy="3415320"/>
           </a:xfrm>
           <a:prstGeom prst="rect">
             <a:avLst/>
@@ -8574,6 +7139,9 @@
                 <a:spcPct val="150000"/>
               </a:lnSpc>
               <a:buNone/>
+              <a:tabLst>
+                <a:tab algn="l" pos="0"/>
+              </a:tabLst>
             </a:pPr>
             <a:endParaRPr b="0" lang="fr-FR" sz="1500" strike="noStrike" u="none">
               <a:solidFill>
@@ -8584,7 +7152,7 @@
             </a:endParaRPr>
           </a:p>
           <a:p>
-            <a:pPr indent="0">
+            <a:pPr marL="457200" indent="0">
               <a:lnSpc>
                 <a:spcPct val="115000"/>
               </a:lnSpc>
@@ -8629,14 +7197,14 @@
       </p:sp>
       <p:sp>
         <p:nvSpPr>
-          <p:cNvPr id="71" name="Google Shape;78;p 4"/>
+          <p:cNvPr id="62" name="Google Shape;78;p 4"/>
           <p:cNvSpPr/>
           <p:nvPr/>
         </p:nvSpPr>
         <p:spPr>
           <a:xfrm>
             <a:off x="-4680" y="0"/>
-            <a:ext cx="9153360" cy="239400"/>
+            <a:ext cx="9152640" cy="238680"/>
           </a:xfrm>
           <a:prstGeom prst="rect">
             <a:avLst/>
@@ -8658,10 +7226,15 @@
           <a:fontRef idx="minor"/>
         </p:style>
         <p:txBody>
-          <a:bodyPr tIns="91440" bIns="91440" anchor="ctr">
+          <a:bodyPr lIns="90000" rIns="90000" tIns="91440" bIns="91440" anchor="ctr">
             <a:noAutofit/>
           </a:bodyPr>
           <a:p>
+            <a:pPr>
+              <a:lnSpc>
+                <a:spcPct val="100000"/>
+              </a:lnSpc>
+            </a:pPr>
             <a:endParaRPr b="0" lang="fr-FR" sz="1400" strike="noStrike" u="none">
               <a:solidFill>
                 <a:srgbClr val="000000"/>
@@ -8674,7 +7247,7 @@
       </p:sp>
       <p:pic>
         <p:nvPicPr>
-          <p:cNvPr id="72" name="Google Shape;79;p 4" descr=""/>
+          <p:cNvPr id="63" name="Google Shape;79;p 4" descr=""/>
           <p:cNvPicPr/>
           <p:nvPr/>
         </p:nvPicPr>
@@ -8685,7 +7258,7 @@
         <p:spPr>
           <a:xfrm>
             <a:off x="8469720" y="0"/>
-            <a:ext cx="673920" cy="340200"/>
+            <a:ext cx="673200" cy="339480"/>
           </a:xfrm>
           <a:prstGeom prst="rect">
             <a:avLst/>
@@ -8697,7 +7270,7 @@
       </p:pic>
       <p:pic>
         <p:nvPicPr>
-          <p:cNvPr id="73" name="" descr=""/>
+          <p:cNvPr id="64" name="" descr=""/>
           <p:cNvPicPr/>
           <p:nvPr/>
         </p:nvPicPr>
@@ -8708,7 +7281,7 @@
         <p:spPr>
           <a:xfrm>
             <a:off x="2340000" y="1332360"/>
-            <a:ext cx="4104720" cy="2987640"/>
+            <a:ext cx="4104000" cy="2986920"/>
           </a:xfrm>
           <a:prstGeom prst="rect">
             <a:avLst/>
@@ -8750,7 +7323,7 @@
       </p:grpSpPr>
       <p:sp>
         <p:nvSpPr>
-          <p:cNvPr id="74" name="PlaceHolder 1"/>
+          <p:cNvPr id="65" name="PlaceHolder 1"/>
           <p:cNvSpPr>
             <a:spLocks noGrp="1"/>
           </p:cNvSpPr>
@@ -8761,7 +7334,7 @@
         <p:spPr>
           <a:xfrm>
             <a:off x="311760" y="444960"/>
-            <a:ext cx="8520120" cy="572400"/>
+            <a:ext cx="8519400" cy="571680"/>
           </a:xfrm>
           <a:prstGeom prst="rect">
             <a:avLst/>
@@ -8811,7 +7384,7 @@
       </p:sp>
       <p:sp>
         <p:nvSpPr>
-          <p:cNvPr id="75" name="PlaceHolder 2"/>
+          <p:cNvPr id="66" name="PlaceHolder 2"/>
           <p:cNvSpPr>
             <a:spLocks noGrp="1"/>
           </p:cNvSpPr>
@@ -8822,7 +7395,7 @@
         <p:spPr>
           <a:xfrm>
             <a:off x="311760" y="1152360"/>
-            <a:ext cx="8520120" cy="3416040"/>
+            <a:ext cx="8519400" cy="3415320"/>
           </a:xfrm>
           <a:prstGeom prst="rect">
             <a:avLst/>
@@ -8834,7 +7407,7 @@
         </p:spPr>
         <p:txBody>
           <a:bodyPr lIns="91440" rIns="91440" tIns="91440" bIns="91440" anchor="t">
-            <a:normAutofit fontScale="70000" lnSpcReduction="19999"/>
+            <a:normAutofit lnSpcReduction="9999"/>
           </a:bodyPr>
           <a:p>
             <a:pPr marL="457200" indent="-324000">
@@ -8881,146 +7454,9 @@
                 <a:spcPts val="992"/>
               </a:spcAft>
               <a:buNone/>
-            </a:pPr>
-            <a:r>
-              <a:rPr b="0" lang="fr" sz="1500" strike="noStrike" u="none">
-                <a:solidFill>
-                  <a:srgbClr val="0d0d0d"/>
-                </a:solidFill>
-                <a:highlight>
-                  <a:srgbClr val="ffffff"/>
-                </a:highlight>
-                <a:uFillTx/>
-                <a:latin typeface="Montserrat"/>
-                <a:ea typeface="Montserrat"/>
-              </a:rPr>
-              <a:t>Les individus et leurs interactions plus que les processus et les outils</a:t>
-            </a:r>
-            <a:endParaRPr b="0" lang="fr-FR" sz="1500" strike="noStrike" u="none">
-              <a:solidFill>
-                <a:srgbClr val="000000"/>
-              </a:solidFill>
-              <a:uFillTx/>
-              <a:latin typeface="Arial"/>
-            </a:endParaRPr>
-          </a:p>
-          <a:p>
-            <a:pPr marL="457200" indent="0">
-              <a:lnSpc>
-                <a:spcPct val="115000"/>
-              </a:lnSpc>
-              <a:spcBef>
-                <a:spcPts val="1191"/>
-              </a:spcBef>
-              <a:spcAft>
-                <a:spcPts val="992"/>
-              </a:spcAft>
-              <a:buNone/>
-            </a:pPr>
-            <a:r>
-              <a:rPr b="0" lang="fr" sz="1500" strike="noStrike" u="none">
-                <a:solidFill>
-                  <a:srgbClr val="0d0d0d"/>
-                </a:solidFill>
-                <a:highlight>
-                  <a:srgbClr val="ffffff"/>
-                </a:highlight>
-                <a:uFillTx/>
-                <a:latin typeface="Montserrat"/>
-                <a:ea typeface="Montserrat"/>
-              </a:rPr>
-              <a:t>Des logiciels opérationnels plus qu’une documentation exhaustive</a:t>
-            </a:r>
-            <a:endParaRPr b="0" lang="fr-FR" sz="1500" strike="noStrike" u="none">
-              <a:solidFill>
-                <a:srgbClr val="000000"/>
-              </a:solidFill>
-              <a:uFillTx/>
-              <a:latin typeface="Arial"/>
-            </a:endParaRPr>
-          </a:p>
-          <a:p>
-            <a:pPr marL="457200" indent="0">
-              <a:lnSpc>
-                <a:spcPct val="115000"/>
-              </a:lnSpc>
-              <a:spcBef>
-                <a:spcPts val="1191"/>
-              </a:spcBef>
-              <a:spcAft>
-                <a:spcPts val="992"/>
-              </a:spcAft>
-              <a:buNone/>
-            </a:pPr>
-            <a:r>
-              <a:rPr b="0" lang="fr" sz="1500" strike="noStrike" u="none">
-                <a:solidFill>
-                  <a:srgbClr val="0d0d0d"/>
-                </a:solidFill>
-                <a:highlight>
-                  <a:srgbClr val="ffffff"/>
-                </a:highlight>
-                <a:uFillTx/>
-                <a:latin typeface="Montserrat"/>
-                <a:ea typeface="Montserrat"/>
-              </a:rPr>
-              <a:t>La collaboration avec les clients plus que la négociation contractuelle</a:t>
-            </a:r>
-            <a:endParaRPr b="0" lang="fr-FR" sz="1500" strike="noStrike" u="none">
-              <a:solidFill>
-                <a:srgbClr val="000000"/>
-              </a:solidFill>
-              <a:uFillTx/>
-              <a:latin typeface="Arial"/>
-            </a:endParaRPr>
-          </a:p>
-          <a:p>
-            <a:pPr marL="457200" indent="0">
-              <a:lnSpc>
-                <a:spcPct val="115000"/>
-              </a:lnSpc>
-              <a:spcBef>
-                <a:spcPts val="1191"/>
-              </a:spcBef>
-              <a:spcAft>
-                <a:spcPts val="992"/>
-              </a:spcAft>
-              <a:buNone/>
-            </a:pPr>
-            <a:r>
-              <a:rPr b="0" lang="fr" sz="1500" strike="noStrike" u="none">
-                <a:solidFill>
-                  <a:srgbClr val="0d0d0d"/>
-                </a:solidFill>
-                <a:highlight>
-                  <a:srgbClr val="ffffff"/>
-                </a:highlight>
-                <a:uFillTx/>
-                <a:latin typeface="Montserrat"/>
-                <a:ea typeface="Montserrat"/>
-              </a:rPr>
-              <a:t>L’adaptation au changement plus que le suivi d’un plan  </a:t>
-            </a:r>
-            <a:endParaRPr b="0" lang="fr-FR" sz="1500" strike="noStrike" u="none">
-              <a:solidFill>
-                <a:srgbClr val="000000"/>
-              </a:solidFill>
-              <a:uFillTx/>
-              <a:latin typeface="Arial"/>
-            </a:endParaRPr>
-          </a:p>
-          <a:p>
-            <a:pPr marL="457200" indent="0">
-              <a:lnSpc>
-                <a:spcPct val="115000"/>
-              </a:lnSpc>
-              <a:spcBef>
-                <a:spcPts val="1191"/>
-              </a:spcBef>
-              <a:spcAft>
-                <a:spcPts val="992"/>
-              </a:spcAft>
-              <a:buNone/>
+              <a:tabLst>
+                <a:tab algn="l" pos="0"/>
+              </a:tabLst>
             </a:pPr>
             <a:r>
               <a:rPr b="0" lang="fr" sz="1500" strike="noStrike" u="none">
@@ -9056,6 +7492,9 @@
                 <a:spcPts val="992"/>
               </a:spcAft>
               <a:buNone/>
+              <a:tabLst>
+                <a:tab algn="l" pos="0"/>
+              </a:tabLst>
             </a:pPr>
             <a:r>
               <a:rPr b="0" lang="fr" sz="1500" strike="noStrike" u="none">
@@ -9091,6 +7530,9 @@
                 <a:spcPts val="992"/>
               </a:spcAft>
               <a:buNone/>
+              <a:tabLst>
+                <a:tab algn="l" pos="0"/>
+              </a:tabLst>
             </a:pPr>
             <a:endParaRPr b="0" lang="fr-FR" sz="1500" strike="noStrike" u="none">
               <a:solidFill>
@@ -9101,7 +7543,7 @@
             </a:endParaRPr>
           </a:p>
           <a:p>
-            <a:pPr indent="0">
+            <a:pPr marL="457200" indent="0">
               <a:lnSpc>
                 <a:spcPct val="115000"/>
               </a:lnSpc>
@@ -9119,7 +7561,7 @@
             </a:endParaRPr>
           </a:p>
           <a:p>
-            <a:pPr indent="0">
+            <a:pPr marL="457200" indent="0">
               <a:lnSpc>
                 <a:spcPct val="115000"/>
               </a:lnSpc>
@@ -9167,14 +7609,14 @@
       </p:sp>
       <p:sp>
         <p:nvSpPr>
-          <p:cNvPr id="76" name="Google Shape;86;p17"/>
+          <p:cNvPr id="67" name="Google Shape;86;p17"/>
           <p:cNvSpPr/>
           <p:nvPr/>
         </p:nvSpPr>
         <p:spPr>
           <a:xfrm>
             <a:off x="-4680" y="0"/>
-            <a:ext cx="9153360" cy="239400"/>
+            <a:ext cx="9152640" cy="238680"/>
           </a:xfrm>
           <a:prstGeom prst="rect">
             <a:avLst/>
@@ -9196,7 +7638,7 @@
           <a:fontRef idx="minor"/>
         </p:style>
         <p:txBody>
-          <a:bodyPr tIns="91440" bIns="91440" anchor="ctr">
+          <a:bodyPr lIns="90000" rIns="90000" tIns="91440" bIns="91440" anchor="ctr">
             <a:noAutofit/>
           </a:bodyPr>
           <a:p>
@@ -9220,7 +7662,7 @@
       </p:sp>
       <p:pic>
         <p:nvPicPr>
-          <p:cNvPr id="77" name="Google Shape;87;p17" descr=""/>
+          <p:cNvPr id="68" name="Google Shape;87;p17" descr=""/>
           <p:cNvPicPr/>
           <p:nvPr/>
         </p:nvPicPr>
@@ -9231,7 +7673,7 @@
         <p:spPr>
           <a:xfrm>
             <a:off x="8469720" y="0"/>
-            <a:ext cx="673920" cy="340200"/>
+            <a:ext cx="673200" cy="339480"/>
           </a:xfrm>
           <a:prstGeom prst="rect">
             <a:avLst/>

--- a/Aubry_Dennis_4_présentation.pptx
+++ b/Aubry_Dennis_4_présentation.pptx
@@ -65,7 +65,7 @@
         <p:spPr>
           <a:xfrm>
             <a:off x="311760" y="744480"/>
-            <a:ext cx="8519400" cy="2051640"/>
+            <a:ext cx="8519040" cy="2051280"/>
           </a:xfrm>
           <a:prstGeom prst="rect">
             <a:avLst/>
@@ -148,7 +148,7 @@
         <p:txBody>
           <a:bodyPr/>
           <a:p>
-            <a:fld id="{B663AE9B-7045-44F8-B9C1-2FCD30ED230F}" type="slidenum">
+            <a:fld id="{FF74F17C-9444-495E-83AB-F87E9F1A770C}" type="slidenum">
               <a:t>&lt;#&gt;</a:t>
             </a:fld>
           </a:p>
@@ -190,7 +190,7 @@
         <p:txBody>
           <a:bodyPr/>
           <a:p>
-            <a:fld id="{1B03E6C5-90CF-4B43-8957-B595C5C41F37}" type="slidenum">
+            <a:fld id="{FB78CB15-0F55-4210-8B3D-B3A34C3638EF}" type="slidenum">
               <a:t>&lt;#&gt;</a:t>
             </a:fld>
           </a:p>
@@ -232,7 +232,7 @@
         <p:txBody>
           <a:bodyPr/>
           <a:p>
-            <a:fld id="{E2AC83A7-D746-4DE7-B532-E297551F992E}" type="slidenum">
+            <a:fld id="{DBECF9CE-9293-499D-8903-A07E60D876FE}" type="slidenum">
               <a:t>&lt;#&gt;</a:t>
             </a:fld>
           </a:p>
@@ -274,7 +274,7 @@
         <p:txBody>
           <a:bodyPr/>
           <a:p>
-            <a:fld id="{D4A94DFE-366B-4B8F-B1B8-229E157CBB15}" type="slidenum">
+            <a:fld id="{AED2DEF4-3BB8-4895-A436-76ED7636DD33}" type="slidenum">
               <a:t>&lt;#&gt;</a:t>
             </a:fld>
           </a:p>
@@ -316,7 +316,7 @@
         <p:txBody>
           <a:bodyPr/>
           <a:p>
-            <a:fld id="{352F08BA-A492-4B70-803E-A6E3402D2235}" type="slidenum">
+            <a:fld id="{574C3D3A-A8BA-4B3A-B508-40C9290CD366}" type="slidenum">
               <a:t>&lt;#&gt;</a:t>
             </a:fld>
           </a:p>
@@ -358,7 +358,7 @@
         <p:txBody>
           <a:bodyPr/>
           <a:p>
-            <a:fld id="{582B54C3-7A4F-4CF5-BBDB-5F2BC85032CC}" type="slidenum">
+            <a:fld id="{B5098E07-18CF-40E7-A826-99D5EFC77F13}" type="slidenum">
               <a:t>&lt;#&gt;</a:t>
             </a:fld>
           </a:p>
@@ -399,7 +399,7 @@
         <p:spPr>
           <a:xfrm>
             <a:off x="311760" y="744480"/>
-            <a:ext cx="8519400" cy="2051640"/>
+            <a:ext cx="8519040" cy="2051280"/>
           </a:xfrm>
           <a:prstGeom prst="rect">
             <a:avLst/>
@@ -485,7 +485,7 @@
         <p:txBody>
           <a:bodyPr/>
           <a:p>
-            <a:fld id="{CE139758-32AB-49A1-ACE0-2A8BFCA8607D}" type="slidenum">
+            <a:fld id="{98114AF0-5242-4BDF-9C8C-2A3D117A2756}" type="slidenum">
               <a:t>&lt;#&gt;</a:t>
             </a:fld>
           </a:p>
@@ -526,7 +526,7 @@
         <p:spPr>
           <a:xfrm>
             <a:off x="311760" y="744480"/>
-            <a:ext cx="8519400" cy="2051640"/>
+            <a:ext cx="8519040" cy="2051280"/>
           </a:xfrm>
           <a:prstGeom prst="rect">
             <a:avLst/>
@@ -656,7 +656,7 @@
         <p:txBody>
           <a:bodyPr/>
           <a:p>
-            <a:fld id="{BB9C7563-7590-4315-B98D-11B5258427FF}" type="slidenum">
+            <a:fld id="{035F349F-0E63-4440-BADC-52AB88D0C72D}" type="slidenum">
               <a:t>&lt;#&gt;</a:t>
             </a:fld>
           </a:p>
@@ -697,7 +697,7 @@
         <p:spPr>
           <a:xfrm>
             <a:off x="311760" y="744480"/>
-            <a:ext cx="8519400" cy="2051640"/>
+            <a:ext cx="8519040" cy="2051280"/>
           </a:xfrm>
           <a:prstGeom prst="rect">
             <a:avLst/>
@@ -739,7 +739,7 @@
         <p:txBody>
           <a:bodyPr/>
           <a:p>
-            <a:fld id="{DD3C8BED-FE42-4213-884F-CF68519487C0}" type="slidenum">
+            <a:fld id="{EF16F7AC-37A7-406F-805F-E83CC11AAFF9}" type="slidenum">
               <a:t>&lt;#&gt;</a:t>
             </a:fld>
           </a:p>
@@ -781,7 +781,7 @@
         <p:txBody>
           <a:bodyPr/>
           <a:p>
-            <a:fld id="{35224F56-757D-441B-BBD6-A2D5B06F0921}" type="slidenum">
+            <a:fld id="{F8BFAC05-62C8-407D-B95A-86984C51CB67}" type="slidenum">
               <a:t>&lt;#&gt;</a:t>
             </a:fld>
           </a:p>
@@ -823,7 +823,7 @@
         <p:txBody>
           <a:bodyPr/>
           <a:p>
-            <a:fld id="{7B604109-F4A1-4AFC-AD67-EBE9B67AD08C}" type="slidenum">
+            <a:fld id="{2C2B44AE-1979-4488-90E2-E532019547C6}" type="slidenum">
               <a:t>&lt;#&gt;</a:t>
             </a:fld>
           </a:p>
@@ -871,7 +871,7 @@
         <p:spPr>
           <a:xfrm>
             <a:off x="311760" y="744480"/>
-            <a:ext cx="8519400" cy="2051640"/>
+            <a:ext cx="8519040" cy="2051280"/>
           </a:xfrm>
           <a:prstGeom prst="rect">
             <a:avLst/>
@@ -922,7 +922,7 @@
         <p:spPr>
           <a:xfrm>
             <a:off x="8472600" y="4663080"/>
-            <a:ext cx="547560" cy="392400"/>
+            <a:ext cx="547200" cy="392040"/>
           </a:xfrm>
           <a:prstGeom prst="rect">
             <a:avLst/>
@@ -965,7 +965,7 @@
                 <a:tab algn="l" pos="0"/>
               </a:tabLst>
             </a:pPr>
-            <a:fld id="{E5B4F643-63F6-4265-AE0A-852502A6B377}" type="slidenum">
+            <a:fld id="{F8AC2CB3-9871-405E-8CAC-731D5EC06046}" type="slidenum">
               <a:rPr b="0" lang="fr" sz="1000" strike="noStrike" u="none">
                 <a:solidFill>
                   <a:schemeClr val="dk2"/>
@@ -1267,7 +1267,7 @@
         <p:spPr>
           <a:xfrm>
             <a:off x="4572000" y="0"/>
-            <a:ext cx="4570920" cy="5142600"/>
+            <a:ext cx="4570560" cy="5142240"/>
           </a:xfrm>
           <a:prstGeom prst="rect">
             <a:avLst/>
@@ -1321,7 +1321,7 @@
         <p:spPr>
           <a:xfrm>
             <a:off x="8472600" y="4663080"/>
-            <a:ext cx="547560" cy="392400"/>
+            <a:ext cx="547200" cy="392040"/>
           </a:xfrm>
           <a:prstGeom prst="rect">
             <a:avLst/>
@@ -1364,7 +1364,7 @@
                 <a:tab algn="l" pos="0"/>
               </a:tabLst>
             </a:pPr>
-            <a:fld id="{D69D4D5C-A5C6-40DB-AD4A-3C48E7239484}" type="slidenum">
+            <a:fld id="{9639F8E7-9423-4C40-90C0-4EFCC6151150}" type="slidenum">
               <a:rPr b="0" lang="fr" sz="1000" strike="noStrike" u="none">
                 <a:solidFill>
                   <a:schemeClr val="dk2"/>
@@ -1431,7 +1431,7 @@
         <p:spPr>
           <a:xfrm>
             <a:off x="8472600" y="4663080"/>
-            <a:ext cx="547560" cy="392400"/>
+            <a:ext cx="547200" cy="392040"/>
           </a:xfrm>
           <a:prstGeom prst="rect">
             <a:avLst/>
@@ -1474,7 +1474,7 @@
                 <a:tab algn="l" pos="0"/>
               </a:tabLst>
             </a:pPr>
-            <a:fld id="{8B263CE3-AE97-4853-B644-391902F28F83}" type="slidenum">
+            <a:fld id="{A33FD2E0-F483-4D3E-9F8F-9C8946AE17E6}" type="slidenum">
               <a:rPr b="0" lang="fr" sz="1000" strike="noStrike" u="none">
                 <a:solidFill>
                   <a:schemeClr val="dk2"/>
@@ -1541,7 +1541,7 @@
         <p:spPr>
           <a:xfrm>
             <a:off x="8472600" y="4663080"/>
-            <a:ext cx="547560" cy="392400"/>
+            <a:ext cx="547200" cy="392040"/>
           </a:xfrm>
           <a:prstGeom prst="rect">
             <a:avLst/>
@@ -1584,7 +1584,7 @@
                 <a:tab algn="l" pos="0"/>
               </a:tabLst>
             </a:pPr>
-            <a:fld id="{5AD35A34-B75B-4955-9EDF-D9CD36EA92FA}" type="slidenum">
+            <a:fld id="{DF5E5BEC-4CCC-4546-BEFB-02C02BBC2107}" type="slidenum">
               <a:rPr b="0" lang="fr" sz="1000" strike="noStrike" u="none">
                 <a:solidFill>
                   <a:schemeClr val="dk2"/>
@@ -1651,7 +1651,7 @@
         <p:spPr>
           <a:xfrm>
             <a:off x="8472600" y="4663080"/>
-            <a:ext cx="547560" cy="392400"/>
+            <a:ext cx="547200" cy="392040"/>
           </a:xfrm>
           <a:prstGeom prst="rect">
             <a:avLst/>
@@ -1694,7 +1694,7 @@
                 <a:tab algn="l" pos="0"/>
               </a:tabLst>
             </a:pPr>
-            <a:fld id="{2F901F3F-A7C8-48A3-92B0-1FCA71E12BE3}" type="slidenum">
+            <a:fld id="{1295E5A3-C30A-4242-92D0-D91A2CD63841}" type="slidenum">
               <a:rPr b="0" lang="fr" sz="1000" strike="noStrike" u="none">
                 <a:solidFill>
                   <a:schemeClr val="dk2"/>
@@ -1761,7 +1761,7 @@
         <p:spPr>
           <a:xfrm>
             <a:off x="8472600" y="4663080"/>
-            <a:ext cx="547560" cy="392400"/>
+            <a:ext cx="547200" cy="392040"/>
           </a:xfrm>
           <a:prstGeom prst="rect">
             <a:avLst/>
@@ -1804,7 +1804,7 @@
                 <a:tab algn="l" pos="0"/>
               </a:tabLst>
             </a:pPr>
-            <a:fld id="{167FAC18-0B4B-4960-AAB3-174FC0A758FA}" type="slidenum">
+            <a:fld id="{01017566-0B78-4268-8306-5D4CF9CB78EC}" type="slidenum">
               <a:rPr b="0" lang="fr" sz="1000" strike="noStrike" u="none">
                 <a:solidFill>
                   <a:schemeClr val="dk2"/>
@@ -1871,7 +1871,7 @@
         <p:spPr>
           <a:xfrm>
             <a:off x="311760" y="744480"/>
-            <a:ext cx="8519400" cy="2051640"/>
+            <a:ext cx="8519040" cy="2051280"/>
           </a:xfrm>
           <a:prstGeom prst="rect">
             <a:avLst/>
@@ -2161,7 +2161,7 @@
         <p:spPr>
           <a:xfrm>
             <a:off x="8472600" y="4663080"/>
-            <a:ext cx="547560" cy="392400"/>
+            <a:ext cx="547200" cy="392040"/>
           </a:xfrm>
           <a:prstGeom prst="rect">
             <a:avLst/>
@@ -2204,7 +2204,7 @@
                 <a:tab algn="l" pos="0"/>
               </a:tabLst>
             </a:pPr>
-            <a:fld id="{ED36909B-68AA-40E7-A0A1-480E8792B916}" type="slidenum">
+            <a:fld id="{EF04E794-59E9-44EF-B0AA-AB163E18711C}" type="slidenum">
               <a:rPr b="0" lang="fr" sz="1000" strike="noStrike" u="none">
                 <a:solidFill>
                   <a:schemeClr val="dk2"/>
@@ -2271,7 +2271,7 @@
         <p:spPr>
           <a:xfrm>
             <a:off x="311760" y="744480"/>
-            <a:ext cx="8519400" cy="2051640"/>
+            <a:ext cx="8519040" cy="2051280"/>
           </a:xfrm>
           <a:prstGeom prst="rect">
             <a:avLst/>
@@ -2800,7 +2800,7 @@
         <p:spPr>
           <a:xfrm>
             <a:off x="8472600" y="4663080"/>
-            <a:ext cx="547560" cy="392400"/>
+            <a:ext cx="547200" cy="392040"/>
           </a:xfrm>
           <a:prstGeom prst="rect">
             <a:avLst/>
@@ -2843,7 +2843,7 @@
                 <a:tab algn="l" pos="0"/>
               </a:tabLst>
             </a:pPr>
-            <a:fld id="{5FDFB0B1-121F-431C-A272-32670CC442B4}" type="slidenum">
+            <a:fld id="{970AC49C-9055-4449-90A4-49B634F9CC0C}" type="slidenum">
               <a:rPr b="0" lang="fr" sz="1000" strike="noStrike" u="none">
                 <a:solidFill>
                   <a:schemeClr val="dk2"/>
@@ -2910,7 +2910,7 @@
         <p:spPr>
           <a:xfrm>
             <a:off x="311760" y="744480"/>
-            <a:ext cx="8519400" cy="2051640"/>
+            <a:ext cx="8519040" cy="2051280"/>
           </a:xfrm>
           <a:prstGeom prst="rect">
             <a:avLst/>
@@ -2961,7 +2961,7 @@
         <p:spPr>
           <a:xfrm>
             <a:off x="8472600" y="4663080"/>
-            <a:ext cx="547560" cy="392400"/>
+            <a:ext cx="547200" cy="392040"/>
           </a:xfrm>
           <a:prstGeom prst="rect">
             <a:avLst/>
@@ -3004,7 +3004,7 @@
                 <a:tab algn="l" pos="0"/>
               </a:tabLst>
             </a:pPr>
-            <a:fld id="{AE51FA00-A35E-44AC-B000-DC7DF8777C00}" type="slidenum">
+            <a:fld id="{5153C73F-A259-4BE8-9615-A8415D7750CD}" type="slidenum">
               <a:rPr b="0" lang="fr" sz="1000" strike="noStrike" u="none">
                 <a:solidFill>
                   <a:schemeClr val="dk2"/>
@@ -3071,7 +3071,7 @@
         <p:spPr>
           <a:xfrm>
             <a:off x="8472600" y="4663080"/>
-            <a:ext cx="547560" cy="392400"/>
+            <a:ext cx="547200" cy="392040"/>
           </a:xfrm>
           <a:prstGeom prst="rect">
             <a:avLst/>
@@ -3114,7 +3114,7 @@
                 <a:tab algn="l" pos="0"/>
               </a:tabLst>
             </a:pPr>
-            <a:fld id="{36E0B79B-7C60-4E8A-8FD1-B236C4DE3613}" type="slidenum">
+            <a:fld id="{FDC350E6-4AFA-4C0F-A727-5F7E703870C1}" type="slidenum">
               <a:rPr b="0" lang="fr" sz="1000" strike="noStrike" u="none">
                 <a:solidFill>
                   <a:schemeClr val="dk2"/>
@@ -3181,7 +3181,7 @@
         <p:spPr>
           <a:xfrm>
             <a:off x="8472600" y="4663080"/>
-            <a:ext cx="547560" cy="392400"/>
+            <a:ext cx="547200" cy="392040"/>
           </a:xfrm>
           <a:prstGeom prst="rect">
             <a:avLst/>
@@ -3224,7 +3224,7 @@
                 <a:tab algn="l" pos="0"/>
               </a:tabLst>
             </a:pPr>
-            <a:fld id="{1B955FC3-134E-4ED0-B09E-5F24977D7CD5}" type="slidenum">
+            <a:fld id="{6E17433F-AF1E-491B-8F62-086A9EA4E255}" type="slidenum">
               <a:rPr b="0" lang="fr" sz="1000" strike="noStrike" u="none">
                 <a:solidFill>
                   <a:schemeClr val="dk2"/>
@@ -3287,7 +3287,7 @@
         <p:spPr>
           <a:xfrm>
             <a:off x="2392920" y="1537560"/>
-            <a:ext cx="4221000" cy="801000"/>
+            <a:ext cx="4220640" cy="800640"/>
           </a:xfrm>
           <a:prstGeom prst="rect">
             <a:avLst/>
@@ -3363,7 +3363,7 @@
         <p:spPr>
           <a:xfrm>
             <a:off x="115200" y="118440"/>
-            <a:ext cx="2383560" cy="279000"/>
+            <a:ext cx="2383200" cy="278640"/>
           </a:xfrm>
           <a:prstGeom prst="rect">
             <a:avLst/>
@@ -3440,7 +3440,7 @@
         <p:spPr>
           <a:xfrm>
             <a:off x="7200000" y="0"/>
-            <a:ext cx="1942920" cy="979560"/>
+            <a:ext cx="1942560" cy="979200"/>
           </a:xfrm>
           <a:prstGeom prst="rect">
             <a:avLst/>
@@ -3493,7 +3493,7 @@
         <p:spPr>
           <a:xfrm>
             <a:off x="311760" y="444960"/>
-            <a:ext cx="8519400" cy="571680"/>
+            <a:ext cx="8519040" cy="571320"/>
           </a:xfrm>
           <a:prstGeom prst="rect">
             <a:avLst/>
@@ -3550,7 +3550,7 @@
         <p:spPr>
           <a:xfrm>
             <a:off x="0" y="0"/>
-            <a:ext cx="4910400" cy="351360"/>
+            <a:ext cx="4910040" cy="351360"/>
           </a:xfrm>
           <a:prstGeom prst="rect">
             <a:avLst/>
@@ -3612,7 +3612,7 @@
         <p:spPr>
           <a:xfrm>
             <a:off x="434880" y="1085400"/>
-            <a:ext cx="8319600" cy="834840"/>
+            <a:ext cx="8319240" cy="834840"/>
           </a:xfrm>
           <a:prstGeom prst="rect">
             <a:avLst/>
@@ -3694,7 +3694,7 @@
         <p:spPr>
           <a:xfrm>
             <a:off x="-4680" y="0"/>
-            <a:ext cx="9152640" cy="238680"/>
+            <a:ext cx="9152280" cy="238320"/>
           </a:xfrm>
           <a:prstGeom prst="rect">
             <a:avLst/>
@@ -3720,6 +3720,11 @@
             <a:noAutofit/>
           </a:bodyPr>
           <a:p>
+            <a:pPr>
+              <a:lnSpc>
+                <a:spcPct val="100000"/>
+              </a:lnSpc>
+            </a:pPr>
             <a:endParaRPr b="0" lang="fr-FR" sz="1400" strike="noStrike" u="none">
               <a:solidFill>
                 <a:srgbClr val="000000"/>
@@ -3743,7 +3748,7 @@
         <p:spPr>
           <a:xfrm>
             <a:off x="8460000" y="0"/>
-            <a:ext cx="673200" cy="339480"/>
+            <a:ext cx="672840" cy="339120"/>
           </a:xfrm>
           <a:prstGeom prst="rect">
             <a:avLst/>
@@ -3766,7 +3771,7 @@
         <p:spPr>
           <a:xfrm>
             <a:off x="540000" y="1385640"/>
-            <a:ext cx="942840" cy="534600"/>
+            <a:ext cx="942480" cy="534240"/>
           </a:xfrm>
           <a:prstGeom prst="rect">
             <a:avLst/>
@@ -3789,7 +3794,7 @@
         <p:spPr>
           <a:xfrm>
             <a:off x="3420000" y="1373400"/>
-            <a:ext cx="1080000" cy="606600"/>
+            <a:ext cx="1079640" cy="606240"/>
           </a:xfrm>
           <a:prstGeom prst="rect">
             <a:avLst/>
@@ -3811,8 +3816,8 @@
         </p:blipFill>
         <p:spPr>
           <a:xfrm>
-            <a:off x="6120000" y="1260000"/>
-            <a:ext cx="757440" cy="954720"/>
+            <a:off x="7882920" y="1260000"/>
+            <a:ext cx="757080" cy="954360"/>
           </a:xfrm>
           <a:prstGeom prst="rect">
             <a:avLst/>
@@ -3835,7 +3840,7 @@
         <p:spPr>
           <a:xfrm>
             <a:off x="2160000" y="1540800"/>
-            <a:ext cx="485280" cy="259200"/>
+            <a:ext cx="484920" cy="258840"/>
           </a:xfrm>
           <a:prstGeom prst="rect">
             <a:avLst/>
@@ -3854,7 +3859,7 @@
         <p:spPr>
           <a:xfrm>
             <a:off x="1482840" y="1620000"/>
-            <a:ext cx="677160" cy="0"/>
+            <a:ext cx="677160" cy="360"/>
           </a:xfrm>
           <a:prstGeom prst="line">
             <a:avLst/>
@@ -3896,7 +3901,7 @@
         <p:spPr>
           <a:xfrm>
             <a:off x="2520000" y="1620000"/>
-            <a:ext cx="900000" cy="0"/>
+            <a:ext cx="900000" cy="360"/>
           </a:xfrm>
           <a:prstGeom prst="line">
             <a:avLst/>
@@ -3929,32 +3934,9 @@
           </a:p>
         </p:txBody>
       </p:sp>
-      <p:pic>
-        <p:nvPicPr>
-          <p:cNvPr id="80" name="" descr=""/>
-          <p:cNvPicPr/>
-          <p:nvPr/>
-        </p:nvPicPr>
-        <p:blipFill>
-          <a:blip r:embed="rId6"/>
-          <a:stretch/>
-        </p:blipFill>
-        <p:spPr>
-          <a:xfrm>
-            <a:off x="5040000" y="1505160"/>
-            <a:ext cx="540000" cy="294840"/>
-          </a:xfrm>
-          <a:prstGeom prst="rect">
-            <a:avLst/>
-          </a:prstGeom>
-          <a:ln w="0">
-            <a:noFill/>
-          </a:ln>
-        </p:spPr>
-      </p:pic>
       <p:sp>
         <p:nvSpPr>
-          <p:cNvPr id="81" name=""/>
+          <p:cNvPr id="80" name=""/>
           <p:cNvSpPr/>
           <p:nvPr/>
         </p:nvSpPr>
@@ -3996,14 +3978,102 @@
       </p:sp>
       <p:sp>
         <p:nvSpPr>
-          <p:cNvPr id="82" name=""/>
+          <p:cNvPr id="81" name=""/>
           <p:cNvSpPr/>
           <p:nvPr/>
         </p:nvSpPr>
         <p:spPr>
           <a:xfrm flipH="1">
             <a:off x="4500000" y="1620000"/>
-            <a:ext cx="540000" cy="0"/>
+            <a:ext cx="540000" cy="360"/>
+          </a:xfrm>
+          <a:prstGeom prst="line">
+            <a:avLst/>
+          </a:prstGeom>
+          <a:ln w="0">
+            <a:solidFill>
+              <a:srgbClr val="3465a4"/>
+            </a:solidFill>
+            <a:tailEnd len="med" type="triangle" w="med"/>
+          </a:ln>
+        </p:spPr>
+        <p:style>
+          <a:lnRef idx="0"/>
+          <a:fillRef idx="0"/>
+          <a:effectRef idx="0"/>
+          <a:fontRef idx="minor"/>
+        </p:style>
+        <p:txBody>
+          <a:bodyPr lIns="90000" rIns="90000" tIns="-45000" bIns="-45000" anchor="ctr">
+            <a:noAutofit/>
+          </a:bodyPr>
+          <a:p>
+            <a:endParaRPr b="0" lang="fr-FR" sz="1800" strike="noStrike" u="none">
+              <a:solidFill>
+                <a:srgbClr val="000000"/>
+              </a:solidFill>
+              <a:uFillTx/>
+              <a:latin typeface="Arial"/>
+            </a:endParaRPr>
+          </a:p>
+        </p:txBody>
+      </p:sp>
+      <p:pic>
+        <p:nvPicPr>
+          <p:cNvPr id="82" name="" descr=""/>
+          <p:cNvPicPr/>
+          <p:nvPr/>
+        </p:nvPicPr>
+        <p:blipFill>
+          <a:blip r:embed="rId6"/>
+          <a:stretch/>
+        </p:blipFill>
+        <p:spPr>
+          <a:xfrm>
+            <a:off x="5040000" y="1535040"/>
+            <a:ext cx="634320" cy="264960"/>
+          </a:xfrm>
+          <a:prstGeom prst="rect">
+            <a:avLst/>
+          </a:prstGeom>
+          <a:ln w="0">
+            <a:noFill/>
+          </a:ln>
+        </p:spPr>
+      </p:pic>
+      <p:pic>
+        <p:nvPicPr>
+          <p:cNvPr id="83" name="" descr=""/>
+          <p:cNvPicPr/>
+          <p:nvPr/>
+        </p:nvPicPr>
+        <p:blipFill>
+          <a:blip r:embed="rId7"/>
+          <a:stretch/>
+        </p:blipFill>
+        <p:spPr>
+          <a:xfrm>
+            <a:off x="6120000" y="1440000"/>
+            <a:ext cx="602640" cy="469800"/>
+          </a:xfrm>
+          <a:prstGeom prst="rect">
+            <a:avLst/>
+          </a:prstGeom>
+          <a:ln w="0">
+            <a:noFill/>
+          </a:ln>
+        </p:spPr>
+      </p:pic>
+      <p:sp>
+        <p:nvSpPr>
+          <p:cNvPr id="84" name=""/>
+          <p:cNvSpPr/>
+          <p:nvPr/>
+        </p:nvSpPr>
+        <p:spPr>
+          <a:xfrm>
+            <a:off x="6660000" y="1620000"/>
+            <a:ext cx="1222920" cy="0"/>
           </a:xfrm>
           <a:prstGeom prst="line">
             <a:avLst/>
@@ -4068,7 +4138,7 @@
       </p:grpSpPr>
       <p:sp>
         <p:nvSpPr>
-          <p:cNvPr id="83" name="PlaceHolder 1"/>
+          <p:cNvPr id="85" name="PlaceHolder 1"/>
           <p:cNvSpPr>
             <a:spLocks noGrp="1"/>
           </p:cNvSpPr>
@@ -4079,7 +4149,7 @@
         <p:spPr>
           <a:xfrm>
             <a:off x="311760" y="444960"/>
-            <a:ext cx="8519400" cy="571680"/>
+            <a:ext cx="8519040" cy="571320"/>
           </a:xfrm>
           <a:prstGeom prst="rect">
             <a:avLst/>
@@ -4129,14 +4199,14 @@
       </p:sp>
       <p:sp>
         <p:nvSpPr>
-          <p:cNvPr id="84" name="Google Shape;103;p19"/>
+          <p:cNvPr id="86" name="Google Shape;103;p19"/>
           <p:cNvSpPr/>
           <p:nvPr/>
         </p:nvSpPr>
         <p:spPr>
           <a:xfrm>
             <a:off x="0" y="0"/>
-            <a:ext cx="4910400" cy="351360"/>
+            <a:ext cx="4910040" cy="351360"/>
           </a:xfrm>
           <a:prstGeom prst="rect">
             <a:avLst/>
@@ -4191,14 +4261,14 @@
       </p:sp>
       <p:sp>
         <p:nvSpPr>
-          <p:cNvPr id="85" name="Google Shape;104;p19"/>
+          <p:cNvPr id="87" name="Google Shape;104;p19"/>
           <p:cNvSpPr/>
           <p:nvPr/>
         </p:nvSpPr>
         <p:spPr>
           <a:xfrm>
             <a:off x="434880" y="1085400"/>
-            <a:ext cx="8319600" cy="834840"/>
+            <a:ext cx="8319240" cy="834840"/>
           </a:xfrm>
           <a:prstGeom prst="rect">
             <a:avLst/>
@@ -4273,14 +4343,14 @@
       </p:sp>
       <p:sp>
         <p:nvSpPr>
-          <p:cNvPr id="86" name="Google Shape;105;p19"/>
+          <p:cNvPr id="88" name="Google Shape;105;p19"/>
           <p:cNvSpPr/>
           <p:nvPr/>
         </p:nvSpPr>
         <p:spPr>
           <a:xfrm>
             <a:off x="-4680" y="0"/>
-            <a:ext cx="9152640" cy="238680"/>
+            <a:ext cx="9152280" cy="238320"/>
           </a:xfrm>
           <a:prstGeom prst="rect">
             <a:avLst/>
@@ -4326,7 +4396,7 @@
       </p:sp>
       <p:pic>
         <p:nvPicPr>
-          <p:cNvPr id="87" name="Google Shape;106;p19" descr=""/>
+          <p:cNvPr id="89" name="Google Shape;106;p19" descr=""/>
           <p:cNvPicPr/>
           <p:nvPr/>
         </p:nvPicPr>
@@ -4337,7 +4407,7 @@
         <p:spPr>
           <a:xfrm>
             <a:off x="8469720" y="0"/>
-            <a:ext cx="673200" cy="339480"/>
+            <a:ext cx="672840" cy="339120"/>
           </a:xfrm>
           <a:prstGeom prst="rect">
             <a:avLst/>
@@ -4349,7 +4419,7 @@
       </p:pic>
       <p:pic>
         <p:nvPicPr>
-          <p:cNvPr id="88" name="" descr=""/>
+          <p:cNvPr id="90" name="" descr=""/>
           <p:cNvPicPr/>
           <p:nvPr/>
         </p:nvPicPr>
@@ -4360,7 +4430,7 @@
         <p:spPr>
           <a:xfrm>
             <a:off x="933480" y="900000"/>
-            <a:ext cx="6986520" cy="4102920"/>
+            <a:ext cx="6986160" cy="4102560"/>
           </a:xfrm>
           <a:prstGeom prst="rect">
             <a:avLst/>
@@ -4402,7 +4472,7 @@
       </p:grpSpPr>
       <p:sp>
         <p:nvSpPr>
-          <p:cNvPr id="89" name="PlaceHolder 1"/>
+          <p:cNvPr id="91" name="PlaceHolder 1"/>
           <p:cNvSpPr>
             <a:spLocks noGrp="1"/>
           </p:cNvSpPr>
@@ -4413,7 +4483,7 @@
         <p:spPr>
           <a:xfrm>
             <a:off x="311760" y="444960"/>
-            <a:ext cx="8519400" cy="571680"/>
+            <a:ext cx="8519040" cy="571320"/>
           </a:xfrm>
           <a:prstGeom prst="rect">
             <a:avLst/>
@@ -4463,14 +4533,14 @@
       </p:sp>
       <p:sp>
         <p:nvSpPr>
-          <p:cNvPr id="90" name="Google Shape;113;p20"/>
+          <p:cNvPr id="92" name="Google Shape;113;p20"/>
           <p:cNvSpPr/>
           <p:nvPr/>
         </p:nvSpPr>
         <p:spPr>
           <a:xfrm>
             <a:off x="0" y="0"/>
-            <a:ext cx="4910400" cy="351360"/>
+            <a:ext cx="4910040" cy="351360"/>
           </a:xfrm>
           <a:prstGeom prst="rect">
             <a:avLst/>
@@ -4525,14 +4595,14 @@
       </p:sp>
       <p:sp>
         <p:nvSpPr>
-          <p:cNvPr id="91" name="Google Shape;114;p20"/>
+          <p:cNvPr id="93" name="Google Shape;114;p20"/>
           <p:cNvSpPr/>
           <p:nvPr/>
         </p:nvSpPr>
         <p:spPr>
           <a:xfrm>
             <a:off x="434880" y="1085400"/>
-            <a:ext cx="8319600" cy="2742840"/>
+            <a:ext cx="8319240" cy="2742840"/>
           </a:xfrm>
           <a:prstGeom prst="rect">
             <a:avLst/>
@@ -4730,14 +4800,14 @@
       </p:sp>
       <p:sp>
         <p:nvSpPr>
-          <p:cNvPr id="92" name="Google Shape;115;p20"/>
+          <p:cNvPr id="94" name="Google Shape;115;p20"/>
           <p:cNvSpPr/>
           <p:nvPr/>
         </p:nvSpPr>
         <p:spPr>
           <a:xfrm>
             <a:off x="-4680" y="0"/>
-            <a:ext cx="9152640" cy="238680"/>
+            <a:ext cx="9152280" cy="238320"/>
           </a:xfrm>
           <a:prstGeom prst="rect">
             <a:avLst/>
@@ -4783,7 +4853,7 @@
       </p:sp>
       <p:pic>
         <p:nvPicPr>
-          <p:cNvPr id="93" name="Google Shape;116;p20" descr=""/>
+          <p:cNvPr id="95" name="Google Shape;116;p20" descr=""/>
           <p:cNvPicPr/>
           <p:nvPr/>
         </p:nvPicPr>
@@ -4794,7 +4864,7 @@
         <p:spPr>
           <a:xfrm>
             <a:off x="8469720" y="0"/>
-            <a:ext cx="673200" cy="339480"/>
+            <a:ext cx="672840" cy="339120"/>
           </a:xfrm>
           <a:prstGeom prst="rect">
             <a:avLst/>
@@ -4836,7 +4906,7 @@
       </p:grpSpPr>
       <p:pic>
         <p:nvPicPr>
-          <p:cNvPr id="94" name="" descr=""/>
+          <p:cNvPr id="96" name="" descr=""/>
           <p:cNvPicPr/>
           <p:nvPr/>
         </p:nvPicPr>
@@ -4847,7 +4917,7 @@
         <p:spPr>
           <a:xfrm>
             <a:off x="196560" y="291960"/>
-            <a:ext cx="8623440" cy="4568040"/>
+            <a:ext cx="8623080" cy="4567680"/>
           </a:xfrm>
           <a:prstGeom prst="rect">
             <a:avLst/>
@@ -4896,14 +4966,14 @@
       </p:grpSpPr>
       <p:sp>
         <p:nvSpPr>
-          <p:cNvPr id="95" name="Google Shape;131;p22"/>
+          <p:cNvPr id="97" name="Google Shape;131;p22"/>
           <p:cNvSpPr/>
           <p:nvPr/>
         </p:nvSpPr>
         <p:spPr>
           <a:xfrm>
             <a:off x="2411640" y="2125800"/>
-            <a:ext cx="4221000" cy="801000"/>
+            <a:ext cx="4220640" cy="800640"/>
           </a:xfrm>
           <a:prstGeom prst="rect">
             <a:avLst/>
@@ -4955,14 +5025,14 @@
       </p:sp>
       <p:sp>
         <p:nvSpPr>
-          <p:cNvPr id="96" name="Google Shape;132;p22"/>
+          <p:cNvPr id="98" name="Google Shape;132;p22"/>
           <p:cNvSpPr/>
           <p:nvPr/>
         </p:nvSpPr>
         <p:spPr>
           <a:xfrm>
             <a:off x="115200" y="118440"/>
-            <a:ext cx="2383560" cy="279000"/>
+            <a:ext cx="2383200" cy="278640"/>
           </a:xfrm>
           <a:prstGeom prst="rect">
             <a:avLst/>
@@ -5003,7 +5073,7 @@
       </p:sp>
       <p:pic>
         <p:nvPicPr>
-          <p:cNvPr id="97" name="Google Shape;133;p22" descr=""/>
+          <p:cNvPr id="99" name="Google Shape;133;p22" descr=""/>
           <p:cNvPicPr/>
           <p:nvPr/>
         </p:nvPicPr>
@@ -5014,7 +5084,7 @@
         <p:spPr>
           <a:xfrm>
             <a:off x="8469720" y="0"/>
-            <a:ext cx="673200" cy="339480"/>
+            <a:ext cx="672840" cy="339120"/>
           </a:xfrm>
           <a:prstGeom prst="rect">
             <a:avLst/>
@@ -5067,7 +5137,7 @@
         <p:spPr>
           <a:xfrm>
             <a:off x="311760" y="444960"/>
-            <a:ext cx="8519400" cy="571680"/>
+            <a:ext cx="8519040" cy="571320"/>
           </a:xfrm>
           <a:prstGeom prst="rect">
             <a:avLst/>
@@ -5125,7 +5195,7 @@
         <p:spPr>
           <a:xfrm>
             <a:off x="311760" y="1152360"/>
-            <a:ext cx="8519400" cy="3415320"/>
+            <a:ext cx="8519040" cy="3414960"/>
           </a:xfrm>
           <a:prstGeom prst="rect">
             <a:avLst/>
@@ -5439,7 +5509,7 @@
         <p:spPr>
           <a:xfrm>
             <a:off x="8470800" y="0"/>
-            <a:ext cx="673200" cy="339480"/>
+            <a:ext cx="672840" cy="339120"/>
           </a:xfrm>
           <a:prstGeom prst="rect">
             <a:avLst/>
@@ -5492,7 +5562,7 @@
         <p:spPr>
           <a:xfrm>
             <a:off x="311760" y="444960"/>
-            <a:ext cx="8519400" cy="571680"/>
+            <a:ext cx="8519040" cy="571320"/>
           </a:xfrm>
           <a:prstGeom prst="rect">
             <a:avLst/>
@@ -5549,7 +5619,7 @@
         <p:spPr>
           <a:xfrm>
             <a:off x="434880" y="1085400"/>
-            <a:ext cx="8319600" cy="1185120"/>
+            <a:ext cx="8319240" cy="1184400"/>
           </a:xfrm>
           <a:prstGeom prst="rect">
             <a:avLst/>
@@ -5690,7 +5760,7 @@
         <p:spPr>
           <a:xfrm>
             <a:off x="-4680" y="0"/>
-            <a:ext cx="9152640" cy="238680"/>
+            <a:ext cx="9152280" cy="238320"/>
           </a:xfrm>
           <a:prstGeom prst="rect">
             <a:avLst/>
@@ -5747,7 +5817,7 @@
         <p:spPr>
           <a:xfrm>
             <a:off x="8474400" y="0"/>
-            <a:ext cx="673200" cy="339480"/>
+            <a:ext cx="672840" cy="339120"/>
           </a:xfrm>
           <a:prstGeom prst="rect">
             <a:avLst/>
@@ -5800,7 +5870,7 @@
         <p:spPr>
           <a:xfrm>
             <a:off x="311760" y="444960"/>
-            <a:ext cx="8519400" cy="571680"/>
+            <a:ext cx="8519040" cy="571320"/>
           </a:xfrm>
           <a:prstGeom prst="rect">
             <a:avLst/>
@@ -5882,7 +5952,7 @@
         <p:spPr>
           <a:xfrm>
             <a:off x="311760" y="1152360"/>
-            <a:ext cx="8519400" cy="3415320"/>
+            <a:ext cx="8519040" cy="3414960"/>
           </a:xfrm>
           <a:prstGeom prst="rect">
             <a:avLst/>
@@ -5967,7 +6037,7 @@
         <p:spPr>
           <a:xfrm>
             <a:off x="-4680" y="0"/>
-            <a:ext cx="9152640" cy="238680"/>
+            <a:ext cx="9152280" cy="238320"/>
           </a:xfrm>
           <a:prstGeom prst="rect">
             <a:avLst/>
@@ -6024,7 +6094,7 @@
         <p:spPr>
           <a:xfrm>
             <a:off x="8469720" y="0"/>
-            <a:ext cx="673200" cy="339480"/>
+            <a:ext cx="672840" cy="339120"/>
           </a:xfrm>
           <a:prstGeom prst="rect">
             <a:avLst/>
@@ -6047,7 +6117,7 @@
         <p:spPr>
           <a:xfrm>
             <a:off x="180000" y="1145880"/>
-            <a:ext cx="2519280" cy="3713400"/>
+            <a:ext cx="2518920" cy="3713040"/>
           </a:xfrm>
           <a:prstGeom prst="rect">
             <a:avLst/>
@@ -6070,7 +6140,7 @@
         <p:spPr>
           <a:xfrm>
             <a:off x="2880000" y="1080000"/>
-            <a:ext cx="6030000" cy="3706920"/>
+            <a:ext cx="6029640" cy="3706560"/>
           </a:xfrm>
           <a:prstGeom prst="rect">
             <a:avLst/>
@@ -6123,7 +6193,7 @@
         <p:spPr>
           <a:xfrm>
             <a:off x="311760" y="444960"/>
-            <a:ext cx="8519400" cy="571680"/>
+            <a:ext cx="8519040" cy="571320"/>
           </a:xfrm>
           <a:prstGeom prst="rect">
             <a:avLst/>
@@ -6205,7 +6275,7 @@
         <p:spPr>
           <a:xfrm>
             <a:off x="311760" y="1152360"/>
-            <a:ext cx="8519400" cy="3415320"/>
+            <a:ext cx="8519040" cy="3414960"/>
           </a:xfrm>
           <a:prstGeom prst="rect">
             <a:avLst/>
@@ -6290,7 +6360,7 @@
         <p:spPr>
           <a:xfrm>
             <a:off x="-4680" y="0"/>
-            <a:ext cx="9152640" cy="238680"/>
+            <a:ext cx="9152280" cy="238320"/>
           </a:xfrm>
           <a:prstGeom prst="rect">
             <a:avLst/>
@@ -6344,7 +6414,7 @@
         <p:spPr>
           <a:xfrm>
             <a:off x="8469720" y="0"/>
-            <a:ext cx="673200" cy="339480"/>
+            <a:ext cx="672840" cy="339120"/>
           </a:xfrm>
           <a:prstGeom prst="rect">
             <a:avLst/>
@@ -6367,7 +6437,7 @@
         <p:spPr>
           <a:xfrm>
             <a:off x="253440" y="1440000"/>
-            <a:ext cx="8577720" cy="2986920"/>
+            <a:ext cx="8577360" cy="2986560"/>
           </a:xfrm>
           <a:prstGeom prst="rect">
             <a:avLst/>
@@ -6420,7 +6490,7 @@
         <p:spPr>
           <a:xfrm>
             <a:off x="311760" y="444960"/>
-            <a:ext cx="8519400" cy="571680"/>
+            <a:ext cx="8519040" cy="571320"/>
           </a:xfrm>
           <a:prstGeom prst="rect">
             <a:avLst/>
@@ -6502,7 +6572,7 @@
         <p:spPr>
           <a:xfrm>
             <a:off x="311760" y="1152360"/>
-            <a:ext cx="8519400" cy="3415320"/>
+            <a:ext cx="8519040" cy="3414960"/>
           </a:xfrm>
           <a:prstGeom prst="rect">
             <a:avLst/>
@@ -6587,7 +6657,7 @@
         <p:spPr>
           <a:xfrm>
             <a:off x="-4680" y="0"/>
-            <a:ext cx="9152640" cy="238680"/>
+            <a:ext cx="9152280" cy="238320"/>
           </a:xfrm>
           <a:prstGeom prst="rect">
             <a:avLst/>
@@ -6641,7 +6711,7 @@
         <p:spPr>
           <a:xfrm>
             <a:off x="8469720" y="0"/>
-            <a:ext cx="673200" cy="339480"/>
+            <a:ext cx="672840" cy="339120"/>
           </a:xfrm>
           <a:prstGeom prst="rect">
             <a:avLst/>
@@ -6664,7 +6734,7 @@
         <p:spPr>
           <a:xfrm>
             <a:off x="317520" y="1260000"/>
-            <a:ext cx="8424720" cy="3307680"/>
+            <a:ext cx="8424360" cy="3307320"/>
           </a:xfrm>
           <a:prstGeom prst="rect">
             <a:avLst/>
@@ -6717,7 +6787,7 @@
         <p:spPr>
           <a:xfrm>
             <a:off x="311760" y="444960"/>
-            <a:ext cx="8519400" cy="571680"/>
+            <a:ext cx="8519040" cy="571320"/>
           </a:xfrm>
           <a:prstGeom prst="rect">
             <a:avLst/>
@@ -6799,7 +6869,7 @@
         <p:spPr>
           <a:xfrm>
             <a:off x="311760" y="1152360"/>
-            <a:ext cx="8519400" cy="3415320"/>
+            <a:ext cx="8519040" cy="3414960"/>
           </a:xfrm>
           <a:prstGeom prst="rect">
             <a:avLst/>
@@ -6884,7 +6954,7 @@
         <p:spPr>
           <a:xfrm>
             <a:off x="-4680" y="0"/>
-            <a:ext cx="9152640" cy="238680"/>
+            <a:ext cx="9152280" cy="238320"/>
           </a:xfrm>
           <a:prstGeom prst="rect">
             <a:avLst/>
@@ -6938,7 +7008,7 @@
         <p:spPr>
           <a:xfrm>
             <a:off x="8469720" y="0"/>
-            <a:ext cx="673200" cy="339480"/>
+            <a:ext cx="672840" cy="339120"/>
           </a:xfrm>
           <a:prstGeom prst="rect">
             <a:avLst/>
@@ -6961,7 +7031,7 @@
         <p:spPr>
           <a:xfrm>
             <a:off x="3060000" y="1620000"/>
-            <a:ext cx="6038640" cy="2189880"/>
+            <a:ext cx="6038280" cy="2189520"/>
           </a:xfrm>
           <a:prstGeom prst="rect">
             <a:avLst/>
@@ -6984,7 +7054,7 @@
         <p:spPr>
           <a:xfrm>
             <a:off x="180000" y="1620000"/>
-            <a:ext cx="2787480" cy="1979280"/>
+            <a:ext cx="2787120" cy="1978920"/>
           </a:xfrm>
           <a:prstGeom prst="rect">
             <a:avLst/>
@@ -7037,7 +7107,7 @@
         <p:spPr>
           <a:xfrm>
             <a:off x="311760" y="444960"/>
-            <a:ext cx="8519400" cy="571680"/>
+            <a:ext cx="8519040" cy="571320"/>
           </a:xfrm>
           <a:prstGeom prst="rect">
             <a:avLst/>
@@ -7119,7 +7189,7 @@
         <p:spPr>
           <a:xfrm>
             <a:off x="311760" y="1152360"/>
-            <a:ext cx="8519400" cy="3415320"/>
+            <a:ext cx="8519040" cy="3414960"/>
           </a:xfrm>
           <a:prstGeom prst="rect">
             <a:avLst/>
@@ -7204,7 +7274,7 @@
         <p:spPr>
           <a:xfrm>
             <a:off x="-4680" y="0"/>
-            <a:ext cx="9152640" cy="238680"/>
+            <a:ext cx="9152280" cy="238320"/>
           </a:xfrm>
           <a:prstGeom prst="rect">
             <a:avLst/>
@@ -7258,7 +7328,7 @@
         <p:spPr>
           <a:xfrm>
             <a:off x="8469720" y="0"/>
-            <a:ext cx="673200" cy="339480"/>
+            <a:ext cx="672840" cy="339120"/>
           </a:xfrm>
           <a:prstGeom prst="rect">
             <a:avLst/>
@@ -7281,7 +7351,7 @@
         <p:spPr>
           <a:xfrm>
             <a:off x="2340000" y="1332360"/>
-            <a:ext cx="4104000" cy="2986920"/>
+            <a:ext cx="4103640" cy="2986560"/>
           </a:xfrm>
           <a:prstGeom prst="rect">
             <a:avLst/>
@@ -7334,7 +7404,7 @@
         <p:spPr>
           <a:xfrm>
             <a:off x="311760" y="444960"/>
-            <a:ext cx="8519400" cy="571680"/>
+            <a:ext cx="8519040" cy="571320"/>
           </a:xfrm>
           <a:prstGeom prst="rect">
             <a:avLst/>
@@ -7395,7 +7465,7 @@
         <p:spPr>
           <a:xfrm>
             <a:off x="311760" y="1152360"/>
-            <a:ext cx="8519400" cy="3415320"/>
+            <a:ext cx="8519040" cy="3414960"/>
           </a:xfrm>
           <a:prstGeom prst="rect">
             <a:avLst/>
@@ -7407,7 +7477,7 @@
         </p:spPr>
         <p:txBody>
           <a:bodyPr lIns="91440" rIns="91440" tIns="91440" bIns="91440" anchor="t">
-            <a:normAutofit lnSpcReduction="9999"/>
+            <a:normAutofit fontScale="92500" lnSpcReduction="9999"/>
           </a:bodyPr>
           <a:p>
             <a:pPr marL="457200" indent="-324000">
@@ -7508,7 +7578,7 @@
                 <a:latin typeface="Montserrat"/>
                 <a:ea typeface="Montserrat"/>
               </a:rPr>
-              <a:t>Pour ce faire, plusieurs tâches sont realisé sous forme de ‘sprint’, au lieu d’éffectier tout le travail d’un coup, nous procédons étapes par étapes, pour validé correctement chaques fonctionnalités et répondre à l’attente du client .</a:t>
+              <a:t>Pour ce faire, plusieurs tâches sont realisé sous forme de ‘sprint’, au lieu d’éffectier tout le travail d’un coup, nous procédons étapes par étapes, pour validé correctement chaques fonctionnalités et répondre à l’attente du client avec une communication efficace.</a:t>
             </a:r>
             <a:endParaRPr b="0" lang="fr-FR" sz="1500" strike="noStrike" u="none">
               <a:solidFill>
@@ -7616,7 +7686,7 @@
         <p:spPr>
           <a:xfrm>
             <a:off x="-4680" y="0"/>
-            <a:ext cx="9152640" cy="238680"/>
+            <a:ext cx="9152280" cy="238320"/>
           </a:xfrm>
           <a:prstGeom prst="rect">
             <a:avLst/>
@@ -7673,7 +7743,7 @@
         <p:spPr>
           <a:xfrm>
             <a:off x="8469720" y="0"/>
-            <a:ext cx="673200" cy="339480"/>
+            <a:ext cx="672840" cy="339120"/>
           </a:xfrm>
           <a:prstGeom prst="rect">
             <a:avLst/>

--- a/Aubry_Dennis_4_présentation.pptx
+++ b/Aubry_Dennis_4_présentation.pptx
@@ -65,7 +65,7 @@
         <p:spPr>
           <a:xfrm>
             <a:off x="311760" y="744480"/>
-            <a:ext cx="8519040" cy="2051280"/>
+            <a:ext cx="8518680" cy="2050920"/>
           </a:xfrm>
           <a:prstGeom prst="rect">
             <a:avLst/>
@@ -148,7 +148,7 @@
         <p:txBody>
           <a:bodyPr/>
           <a:p>
-            <a:fld id="{FF74F17C-9444-495E-83AB-F87E9F1A770C}" type="slidenum">
+            <a:fld id="{BC674C01-8159-4266-A869-4647002C8D89}" type="slidenum">
               <a:t>&lt;#&gt;</a:t>
             </a:fld>
           </a:p>
@@ -190,7 +190,7 @@
         <p:txBody>
           <a:bodyPr/>
           <a:p>
-            <a:fld id="{FB78CB15-0F55-4210-8B3D-B3A34C3638EF}" type="slidenum">
+            <a:fld id="{7F62A4BA-C54F-4F18-A095-F43FE725DCC8}" type="slidenum">
               <a:t>&lt;#&gt;</a:t>
             </a:fld>
           </a:p>
@@ -232,7 +232,7 @@
         <p:txBody>
           <a:bodyPr/>
           <a:p>
-            <a:fld id="{DBECF9CE-9293-499D-8903-A07E60D876FE}" type="slidenum">
+            <a:fld id="{765159B0-E389-4A89-9A16-2C5DC27CBD44}" type="slidenum">
               <a:t>&lt;#&gt;</a:t>
             </a:fld>
           </a:p>
@@ -274,7 +274,7 @@
         <p:txBody>
           <a:bodyPr/>
           <a:p>
-            <a:fld id="{AED2DEF4-3BB8-4895-A436-76ED7636DD33}" type="slidenum">
+            <a:fld id="{103DDB94-E3C7-4326-868F-F31F8E44B529}" type="slidenum">
               <a:t>&lt;#&gt;</a:t>
             </a:fld>
           </a:p>
@@ -316,7 +316,7 @@
         <p:txBody>
           <a:bodyPr/>
           <a:p>
-            <a:fld id="{574C3D3A-A8BA-4B3A-B508-40C9290CD366}" type="slidenum">
+            <a:fld id="{5639BFA0-90AE-4C96-B1A6-A6B3F22D7B5C}" type="slidenum">
               <a:t>&lt;#&gt;</a:t>
             </a:fld>
           </a:p>
@@ -358,7 +358,7 @@
         <p:txBody>
           <a:bodyPr/>
           <a:p>
-            <a:fld id="{B5098E07-18CF-40E7-A826-99D5EFC77F13}" type="slidenum">
+            <a:fld id="{2C369519-AF2E-4A31-A4E3-1A40742CB83C}" type="slidenum">
               <a:t>&lt;#&gt;</a:t>
             </a:fld>
           </a:p>
@@ -399,7 +399,7 @@
         <p:spPr>
           <a:xfrm>
             <a:off x="311760" y="744480"/>
-            <a:ext cx="8519040" cy="2051280"/>
+            <a:ext cx="8518680" cy="2050920"/>
           </a:xfrm>
           <a:prstGeom prst="rect">
             <a:avLst/>
@@ -485,7 +485,7 @@
         <p:txBody>
           <a:bodyPr/>
           <a:p>
-            <a:fld id="{98114AF0-5242-4BDF-9C8C-2A3D117A2756}" type="slidenum">
+            <a:fld id="{7854D53D-E015-4271-BBB6-1B5BD979297C}" type="slidenum">
               <a:t>&lt;#&gt;</a:t>
             </a:fld>
           </a:p>
@@ -526,7 +526,7 @@
         <p:spPr>
           <a:xfrm>
             <a:off x="311760" y="744480"/>
-            <a:ext cx="8519040" cy="2051280"/>
+            <a:ext cx="8518680" cy="2050920"/>
           </a:xfrm>
           <a:prstGeom prst="rect">
             <a:avLst/>
@@ -656,7 +656,7 @@
         <p:txBody>
           <a:bodyPr/>
           <a:p>
-            <a:fld id="{035F349F-0E63-4440-BADC-52AB88D0C72D}" type="slidenum">
+            <a:fld id="{A5DD6587-B941-4CB3-B151-4BC52A8B66C2}" type="slidenum">
               <a:t>&lt;#&gt;</a:t>
             </a:fld>
           </a:p>
@@ -697,7 +697,7 @@
         <p:spPr>
           <a:xfrm>
             <a:off x="311760" y="744480"/>
-            <a:ext cx="8519040" cy="2051280"/>
+            <a:ext cx="8518680" cy="2050920"/>
           </a:xfrm>
           <a:prstGeom prst="rect">
             <a:avLst/>
@@ -739,7 +739,7 @@
         <p:txBody>
           <a:bodyPr/>
           <a:p>
-            <a:fld id="{EF16F7AC-37A7-406F-805F-E83CC11AAFF9}" type="slidenum">
+            <a:fld id="{A402AE2F-E630-4A3C-B895-C6E06759D63A}" type="slidenum">
               <a:t>&lt;#&gt;</a:t>
             </a:fld>
           </a:p>
@@ -781,7 +781,7 @@
         <p:txBody>
           <a:bodyPr/>
           <a:p>
-            <a:fld id="{F8BFAC05-62C8-407D-B95A-86984C51CB67}" type="slidenum">
+            <a:fld id="{551B2278-A403-4A81-88AF-D40A3F03E8C9}" type="slidenum">
               <a:t>&lt;#&gt;</a:t>
             </a:fld>
           </a:p>
@@ -823,7 +823,7 @@
         <p:txBody>
           <a:bodyPr/>
           <a:p>
-            <a:fld id="{2C2B44AE-1979-4488-90E2-E532019547C6}" type="slidenum">
+            <a:fld id="{C5FFE6E9-91C2-4965-B932-4DA938EB3C07}" type="slidenum">
               <a:t>&lt;#&gt;</a:t>
             </a:fld>
           </a:p>
@@ -871,7 +871,7 @@
         <p:spPr>
           <a:xfrm>
             <a:off x="311760" y="744480"/>
-            <a:ext cx="8519040" cy="2051280"/>
+            <a:ext cx="8518680" cy="2050920"/>
           </a:xfrm>
           <a:prstGeom prst="rect">
             <a:avLst/>
@@ -922,7 +922,7 @@
         <p:spPr>
           <a:xfrm>
             <a:off x="8472600" y="4663080"/>
-            <a:ext cx="547200" cy="392040"/>
+            <a:ext cx="546840" cy="391680"/>
           </a:xfrm>
           <a:prstGeom prst="rect">
             <a:avLst/>
@@ -965,7 +965,7 @@
                 <a:tab algn="l" pos="0"/>
               </a:tabLst>
             </a:pPr>
-            <a:fld id="{F8AC2CB3-9871-405E-8CAC-731D5EC06046}" type="slidenum">
+            <a:fld id="{0A7A1B3F-AA7C-47E2-85C8-3439729974BC}" type="slidenum">
               <a:rPr b="0" lang="fr" sz="1000" strike="noStrike" u="none">
                 <a:solidFill>
                   <a:schemeClr val="dk2"/>
@@ -1267,7 +1267,7 @@
         <p:spPr>
           <a:xfrm>
             <a:off x="4572000" y="0"/>
-            <a:ext cx="4570560" cy="5142240"/>
+            <a:ext cx="4570200" cy="5141880"/>
           </a:xfrm>
           <a:prstGeom prst="rect">
             <a:avLst/>
@@ -1321,7 +1321,7 @@
         <p:spPr>
           <a:xfrm>
             <a:off x="8472600" y="4663080"/>
-            <a:ext cx="547200" cy="392040"/>
+            <a:ext cx="546840" cy="391680"/>
           </a:xfrm>
           <a:prstGeom prst="rect">
             <a:avLst/>
@@ -1364,7 +1364,7 @@
                 <a:tab algn="l" pos="0"/>
               </a:tabLst>
             </a:pPr>
-            <a:fld id="{9639F8E7-9423-4C40-90C0-4EFCC6151150}" type="slidenum">
+            <a:fld id="{6A2D5DD4-6F8F-4FAD-B1D4-BDF94BD72272}" type="slidenum">
               <a:rPr b="0" lang="fr" sz="1000" strike="noStrike" u="none">
                 <a:solidFill>
                   <a:schemeClr val="dk2"/>
@@ -1431,7 +1431,7 @@
         <p:spPr>
           <a:xfrm>
             <a:off x="8472600" y="4663080"/>
-            <a:ext cx="547200" cy="392040"/>
+            <a:ext cx="546840" cy="391680"/>
           </a:xfrm>
           <a:prstGeom prst="rect">
             <a:avLst/>
@@ -1474,7 +1474,7 @@
                 <a:tab algn="l" pos="0"/>
               </a:tabLst>
             </a:pPr>
-            <a:fld id="{A33FD2E0-F483-4D3E-9F8F-9C8946AE17E6}" type="slidenum">
+            <a:fld id="{38055DA8-F98B-476A-B825-D9425BD84A16}" type="slidenum">
               <a:rPr b="0" lang="fr" sz="1000" strike="noStrike" u="none">
                 <a:solidFill>
                   <a:schemeClr val="dk2"/>
@@ -1541,7 +1541,7 @@
         <p:spPr>
           <a:xfrm>
             <a:off x="8472600" y="4663080"/>
-            <a:ext cx="547200" cy="392040"/>
+            <a:ext cx="546840" cy="391680"/>
           </a:xfrm>
           <a:prstGeom prst="rect">
             <a:avLst/>
@@ -1584,7 +1584,7 @@
                 <a:tab algn="l" pos="0"/>
               </a:tabLst>
             </a:pPr>
-            <a:fld id="{DF5E5BEC-4CCC-4546-BEFB-02C02BBC2107}" type="slidenum">
+            <a:fld id="{30285851-077C-4AE6-B775-19437EA40AE5}" type="slidenum">
               <a:rPr b="0" lang="fr" sz="1000" strike="noStrike" u="none">
                 <a:solidFill>
                   <a:schemeClr val="dk2"/>
@@ -1651,7 +1651,7 @@
         <p:spPr>
           <a:xfrm>
             <a:off x="8472600" y="4663080"/>
-            <a:ext cx="547200" cy="392040"/>
+            <a:ext cx="546840" cy="391680"/>
           </a:xfrm>
           <a:prstGeom prst="rect">
             <a:avLst/>
@@ -1694,7 +1694,7 @@
                 <a:tab algn="l" pos="0"/>
               </a:tabLst>
             </a:pPr>
-            <a:fld id="{1295E5A3-C30A-4242-92D0-D91A2CD63841}" type="slidenum">
+            <a:fld id="{367B6394-0DCF-407D-9682-8BB3737D7D31}" type="slidenum">
               <a:rPr b="0" lang="fr" sz="1000" strike="noStrike" u="none">
                 <a:solidFill>
                   <a:schemeClr val="dk2"/>
@@ -1761,7 +1761,7 @@
         <p:spPr>
           <a:xfrm>
             <a:off x="8472600" y="4663080"/>
-            <a:ext cx="547200" cy="392040"/>
+            <a:ext cx="546840" cy="391680"/>
           </a:xfrm>
           <a:prstGeom prst="rect">
             <a:avLst/>
@@ -1804,7 +1804,7 @@
                 <a:tab algn="l" pos="0"/>
               </a:tabLst>
             </a:pPr>
-            <a:fld id="{01017566-0B78-4268-8306-5D4CF9CB78EC}" type="slidenum">
+            <a:fld id="{E8681311-D959-4986-9EC9-25470A91D83E}" type="slidenum">
               <a:rPr b="0" lang="fr" sz="1000" strike="noStrike" u="none">
                 <a:solidFill>
                   <a:schemeClr val="dk2"/>
@@ -1871,7 +1871,7 @@
         <p:spPr>
           <a:xfrm>
             <a:off x="311760" y="744480"/>
-            <a:ext cx="8519040" cy="2051280"/>
+            <a:ext cx="8518680" cy="2050920"/>
           </a:xfrm>
           <a:prstGeom prst="rect">
             <a:avLst/>
@@ -2161,7 +2161,7 @@
         <p:spPr>
           <a:xfrm>
             <a:off x="8472600" y="4663080"/>
-            <a:ext cx="547200" cy="392040"/>
+            <a:ext cx="546840" cy="391680"/>
           </a:xfrm>
           <a:prstGeom prst="rect">
             <a:avLst/>
@@ -2204,7 +2204,7 @@
                 <a:tab algn="l" pos="0"/>
               </a:tabLst>
             </a:pPr>
-            <a:fld id="{EF04E794-59E9-44EF-B0AA-AB163E18711C}" type="slidenum">
+            <a:fld id="{33331093-35E3-44ED-97C4-EB3B7BB7EAD3}" type="slidenum">
               <a:rPr b="0" lang="fr" sz="1000" strike="noStrike" u="none">
                 <a:solidFill>
                   <a:schemeClr val="dk2"/>
@@ -2271,7 +2271,7 @@
         <p:spPr>
           <a:xfrm>
             <a:off x="311760" y="744480"/>
-            <a:ext cx="8519040" cy="2051280"/>
+            <a:ext cx="8518680" cy="2050920"/>
           </a:xfrm>
           <a:prstGeom prst="rect">
             <a:avLst/>
@@ -2800,7 +2800,7 @@
         <p:spPr>
           <a:xfrm>
             <a:off x="8472600" y="4663080"/>
-            <a:ext cx="547200" cy="392040"/>
+            <a:ext cx="546840" cy="391680"/>
           </a:xfrm>
           <a:prstGeom prst="rect">
             <a:avLst/>
@@ -2843,7 +2843,7 @@
                 <a:tab algn="l" pos="0"/>
               </a:tabLst>
             </a:pPr>
-            <a:fld id="{970AC49C-9055-4449-90A4-49B634F9CC0C}" type="slidenum">
+            <a:fld id="{BC581C0C-66D5-47C9-9D29-0CA3EF35BD78}" type="slidenum">
               <a:rPr b="0" lang="fr" sz="1000" strike="noStrike" u="none">
                 <a:solidFill>
                   <a:schemeClr val="dk2"/>
@@ -2910,7 +2910,7 @@
         <p:spPr>
           <a:xfrm>
             <a:off x="311760" y="744480"/>
-            <a:ext cx="8519040" cy="2051280"/>
+            <a:ext cx="8518680" cy="2050920"/>
           </a:xfrm>
           <a:prstGeom prst="rect">
             <a:avLst/>
@@ -2961,7 +2961,7 @@
         <p:spPr>
           <a:xfrm>
             <a:off x="8472600" y="4663080"/>
-            <a:ext cx="547200" cy="392040"/>
+            <a:ext cx="546840" cy="391680"/>
           </a:xfrm>
           <a:prstGeom prst="rect">
             <a:avLst/>
@@ -3004,7 +3004,7 @@
                 <a:tab algn="l" pos="0"/>
               </a:tabLst>
             </a:pPr>
-            <a:fld id="{5153C73F-A259-4BE8-9615-A8415D7750CD}" type="slidenum">
+            <a:fld id="{6B3C7F5E-50CB-4635-BB1A-E9E1B255DAEF}" type="slidenum">
               <a:rPr b="0" lang="fr" sz="1000" strike="noStrike" u="none">
                 <a:solidFill>
                   <a:schemeClr val="dk2"/>
@@ -3071,7 +3071,7 @@
         <p:spPr>
           <a:xfrm>
             <a:off x="8472600" y="4663080"/>
-            <a:ext cx="547200" cy="392040"/>
+            <a:ext cx="546840" cy="391680"/>
           </a:xfrm>
           <a:prstGeom prst="rect">
             <a:avLst/>
@@ -3114,7 +3114,7 @@
                 <a:tab algn="l" pos="0"/>
               </a:tabLst>
             </a:pPr>
-            <a:fld id="{FDC350E6-4AFA-4C0F-A727-5F7E703870C1}" type="slidenum">
+            <a:fld id="{DB4B2A3D-E538-4409-A8EE-9AD58E09E836}" type="slidenum">
               <a:rPr b="0" lang="fr" sz="1000" strike="noStrike" u="none">
                 <a:solidFill>
                   <a:schemeClr val="dk2"/>
@@ -3181,7 +3181,7 @@
         <p:spPr>
           <a:xfrm>
             <a:off x="8472600" y="4663080"/>
-            <a:ext cx="547200" cy="392040"/>
+            <a:ext cx="546840" cy="391680"/>
           </a:xfrm>
           <a:prstGeom prst="rect">
             <a:avLst/>
@@ -3224,7 +3224,7 @@
                 <a:tab algn="l" pos="0"/>
               </a:tabLst>
             </a:pPr>
-            <a:fld id="{6E17433F-AF1E-491B-8F62-086A9EA4E255}" type="slidenum">
+            <a:fld id="{F35B4DB0-0C79-4725-AE58-2F560FD40C85}" type="slidenum">
               <a:rPr b="0" lang="fr" sz="1000" strike="noStrike" u="none">
                 <a:solidFill>
                   <a:schemeClr val="dk2"/>
@@ -3287,7 +3287,7 @@
         <p:spPr>
           <a:xfrm>
             <a:off x="2392920" y="1537560"/>
-            <a:ext cx="4220640" cy="800640"/>
+            <a:ext cx="4220280" cy="800280"/>
           </a:xfrm>
           <a:prstGeom prst="rect">
             <a:avLst/>
@@ -3362,8 +3362,8 @@
         </p:nvSpPr>
         <p:spPr>
           <a:xfrm>
-            <a:off x="115200" y="118440"/>
-            <a:ext cx="2383200" cy="278640"/>
+            <a:off x="137160" y="180000"/>
+            <a:ext cx="2382840" cy="278280"/>
           </a:xfrm>
           <a:prstGeom prst="rect">
             <a:avLst/>
@@ -3401,11 +3401,8 @@
                 <a:latin typeface="Montserrat"/>
                 <a:ea typeface="Montserrat"/>
               </a:rPr>
-              <a:t>Nom Prénom</a:t>
+              <a:t>Aubry Dennis</a:t>
             </a:r>
-            <a:br>
-              <a:rPr sz="1500"/>
-            </a:br>
             <a:r>
               <a:rPr b="0" lang="fr" sz="1500" strike="noStrike" u="none">
                 <a:solidFill>
@@ -3415,7 +3412,43 @@
                 <a:latin typeface="Montserrat"/>
                 <a:ea typeface="Montserrat"/>
               </a:rPr>
-              <a:t>Date </a:t>
+              <a:t>	</a:t>
+            </a:r>
+            <a:r>
+              <a:rPr b="0" lang="fr" sz="1500" strike="noStrike" u="none">
+                <a:solidFill>
+                  <a:schemeClr val="dk1"/>
+                </a:solidFill>
+                <a:uFillTx/>
+                <a:latin typeface="Montserrat"/>
+                <a:ea typeface="Montserrat"/>
+              </a:rPr>
+              <a:t>	</a:t>
+            </a:r>
+            <a:br>
+              <a:rPr sz="1500"/>
+            </a:br>
+            <a:r>
+              <a:rPr b="0" lang="fr" sz="1500" strike="noStrike" u="none">
+                <a:solidFill>
+                  <a:srgbClr val="000000"/>
+                </a:solidFill>
+                <a:uFillTx/>
+                <a:latin typeface="Arial"/>
+                <a:ea typeface="Montserrat"/>
+              </a:rPr>
+              <a:t>20</a:t>
+            </a:r>
+            <a:r>
+              <a:rPr b="0" lang="fr" sz="1500" strike="noStrike" u="none">
+                <a:solidFill>
+                  <a:schemeClr val="dk1"/>
+                </a:solidFill>
+                <a:uFillTx/>
+                <a:latin typeface="Montserrat"/>
+                <a:ea typeface="Montserrat"/>
+              </a:rPr>
+              <a:t>/09/24</a:t>
             </a:r>
             <a:endParaRPr b="0" lang="fr-FR" sz="1500" strike="noStrike" u="none">
               <a:solidFill>
@@ -3440,7 +3473,7 @@
         <p:spPr>
           <a:xfrm>
             <a:off x="7200000" y="0"/>
-            <a:ext cx="1942560" cy="979200"/>
+            <a:ext cx="1942200" cy="978840"/>
           </a:xfrm>
           <a:prstGeom prst="rect">
             <a:avLst/>
@@ -3493,7 +3526,7 @@
         <p:spPr>
           <a:xfrm>
             <a:off x="311760" y="444960"/>
-            <a:ext cx="8519040" cy="571320"/>
+            <a:ext cx="8518680" cy="570960"/>
           </a:xfrm>
           <a:prstGeom prst="rect">
             <a:avLst/>
@@ -3550,7 +3583,7 @@
         <p:spPr>
           <a:xfrm>
             <a:off x="0" y="0"/>
-            <a:ext cx="4910040" cy="351360"/>
+            <a:ext cx="4909680" cy="351360"/>
           </a:xfrm>
           <a:prstGeom prst="rect">
             <a:avLst/>
@@ -3612,7 +3645,7 @@
         <p:spPr>
           <a:xfrm>
             <a:off x="434880" y="1085400"/>
-            <a:ext cx="8319240" cy="834840"/>
+            <a:ext cx="8318880" cy="834840"/>
           </a:xfrm>
           <a:prstGeom prst="rect">
             <a:avLst/>
@@ -3694,7 +3727,7 @@
         <p:spPr>
           <a:xfrm>
             <a:off x="-4680" y="0"/>
-            <a:ext cx="9152280" cy="238320"/>
+            <a:ext cx="9151920" cy="237960"/>
           </a:xfrm>
           <a:prstGeom prst="rect">
             <a:avLst/>
@@ -3748,7 +3781,7 @@
         <p:spPr>
           <a:xfrm>
             <a:off x="8460000" y="0"/>
-            <a:ext cx="672840" cy="339120"/>
+            <a:ext cx="672480" cy="338760"/>
           </a:xfrm>
           <a:prstGeom prst="rect">
             <a:avLst/>
@@ -3771,7 +3804,7 @@
         <p:spPr>
           <a:xfrm>
             <a:off x="540000" y="1385640"/>
-            <a:ext cx="942480" cy="534240"/>
+            <a:ext cx="942120" cy="533880"/>
           </a:xfrm>
           <a:prstGeom prst="rect">
             <a:avLst/>
@@ -3794,7 +3827,7 @@
         <p:spPr>
           <a:xfrm>
             <a:off x="3420000" y="1373400"/>
-            <a:ext cx="1079640" cy="606240"/>
+            <a:ext cx="1079280" cy="605880"/>
           </a:xfrm>
           <a:prstGeom prst="rect">
             <a:avLst/>
@@ -3817,7 +3850,7 @@
         <p:spPr>
           <a:xfrm>
             <a:off x="7882920" y="1260000"/>
-            <a:ext cx="757080" cy="954360"/>
+            <a:ext cx="756720" cy="954000"/>
           </a:xfrm>
           <a:prstGeom prst="rect">
             <a:avLst/>
@@ -3840,7 +3873,7 @@
         <p:spPr>
           <a:xfrm>
             <a:off x="2160000" y="1540800"/>
-            <a:ext cx="484920" cy="258840"/>
+            <a:ext cx="484560" cy="258480"/>
           </a:xfrm>
           <a:prstGeom prst="rect">
             <a:avLst/>
@@ -3943,7 +3976,7 @@
         <p:spPr>
           <a:xfrm>
             <a:off x="5580000" y="1620000"/>
-            <a:ext cx="540000" cy="0"/>
+            <a:ext cx="540000" cy="360"/>
           </a:xfrm>
           <a:prstGeom prst="line">
             <a:avLst/>
@@ -4031,7 +4064,7 @@
         <p:spPr>
           <a:xfrm>
             <a:off x="5040000" y="1535040"/>
-            <a:ext cx="634320" cy="264960"/>
+            <a:ext cx="633960" cy="264600"/>
           </a:xfrm>
           <a:prstGeom prst="rect">
             <a:avLst/>
@@ -4054,7 +4087,7 @@
         <p:spPr>
           <a:xfrm>
             <a:off x="6120000" y="1440000"/>
-            <a:ext cx="602640" cy="469800"/>
+            <a:ext cx="602280" cy="469440"/>
           </a:xfrm>
           <a:prstGeom prst="rect">
             <a:avLst/>
@@ -4073,7 +4106,7 @@
         <p:spPr>
           <a:xfrm>
             <a:off x="6660000" y="1620000"/>
-            <a:ext cx="1222920" cy="0"/>
+            <a:ext cx="1222920" cy="360"/>
           </a:xfrm>
           <a:prstGeom prst="line">
             <a:avLst/>
@@ -4149,7 +4182,7 @@
         <p:spPr>
           <a:xfrm>
             <a:off x="311760" y="444960"/>
-            <a:ext cx="8519040" cy="571320"/>
+            <a:ext cx="8518680" cy="570960"/>
           </a:xfrm>
           <a:prstGeom prst="rect">
             <a:avLst/>
@@ -4206,7 +4239,7 @@
         <p:spPr>
           <a:xfrm>
             <a:off x="0" y="0"/>
-            <a:ext cx="4910040" cy="351360"/>
+            <a:ext cx="4909680" cy="351360"/>
           </a:xfrm>
           <a:prstGeom prst="rect">
             <a:avLst/>
@@ -4268,7 +4301,7 @@
         <p:spPr>
           <a:xfrm>
             <a:off x="434880" y="1085400"/>
-            <a:ext cx="8319240" cy="834840"/>
+            <a:ext cx="8318880" cy="834840"/>
           </a:xfrm>
           <a:prstGeom prst="rect">
             <a:avLst/>
@@ -4350,7 +4383,7 @@
         <p:spPr>
           <a:xfrm>
             <a:off x="-4680" y="0"/>
-            <a:ext cx="9152280" cy="238320"/>
+            <a:ext cx="9151920" cy="237960"/>
           </a:xfrm>
           <a:prstGeom prst="rect">
             <a:avLst/>
@@ -4407,7 +4440,7 @@
         <p:spPr>
           <a:xfrm>
             <a:off x="8469720" y="0"/>
-            <a:ext cx="672840" cy="339120"/>
+            <a:ext cx="672480" cy="338760"/>
           </a:xfrm>
           <a:prstGeom prst="rect">
             <a:avLst/>
@@ -4430,7 +4463,7 @@
         <p:spPr>
           <a:xfrm>
             <a:off x="933480" y="900000"/>
-            <a:ext cx="6986160" cy="4102560"/>
+            <a:ext cx="6985800" cy="4102200"/>
           </a:xfrm>
           <a:prstGeom prst="rect">
             <a:avLst/>
@@ -4483,7 +4516,7 @@
         <p:spPr>
           <a:xfrm>
             <a:off x="311760" y="444960"/>
-            <a:ext cx="8519040" cy="571320"/>
+            <a:ext cx="8518680" cy="570960"/>
           </a:xfrm>
           <a:prstGeom prst="rect">
             <a:avLst/>
@@ -4540,7 +4573,7 @@
         <p:spPr>
           <a:xfrm>
             <a:off x="0" y="0"/>
-            <a:ext cx="4910040" cy="351360"/>
+            <a:ext cx="4909680" cy="351360"/>
           </a:xfrm>
           <a:prstGeom prst="rect">
             <a:avLst/>
@@ -4602,7 +4635,7 @@
         <p:spPr>
           <a:xfrm>
             <a:off x="434880" y="1085400"/>
-            <a:ext cx="8319240" cy="2742840"/>
+            <a:ext cx="8318880" cy="3702960"/>
           </a:xfrm>
           <a:prstGeom prst="rect">
             <a:avLst/>
@@ -4786,7 +4819,77 @@
                 <a:latin typeface="Montserrat"/>
                 <a:ea typeface="Montserrat"/>
               </a:rPr>
-              <a:t>Les éléments sont classé par colonne, du plus important, l’installation, ensuite l’utilisation, puis lien pour avoir des infos sur les mises à jour</a:t>
+              <a:t>Les éléments sont classé par colonne, du plus important, l’installation, ensuite l’utilisation, puis lien pour avoir des infos sur les mises à jour de sources ‘officiel’</a:t>
+            </a:r>
+            <a:endParaRPr b="0" lang="fr-FR" sz="1400" strike="noStrike" u="none">
+              <a:solidFill>
+                <a:srgbClr val="000000"/>
+              </a:solidFill>
+              <a:uFillTx/>
+              <a:latin typeface="Arial"/>
+            </a:endParaRPr>
+          </a:p>
+          <a:p>
+            <a:pPr>
+              <a:lnSpc>
+                <a:spcPct val="150000"/>
+              </a:lnSpc>
+            </a:pPr>
+            <a:endParaRPr b="0" lang="fr-FR" sz="1400" strike="noStrike" u="none">
+              <a:solidFill>
+                <a:srgbClr val="000000"/>
+              </a:solidFill>
+              <a:uFillTx/>
+              <a:latin typeface="Arial"/>
+            </a:endParaRPr>
+          </a:p>
+          <a:p>
+            <a:pPr>
+              <a:lnSpc>
+                <a:spcPct val="150000"/>
+              </a:lnSpc>
+            </a:pPr>
+            <a:r>
+              <a:rPr b="0" lang="fr" sz="1400" strike="noStrike" u="none">
+                <a:solidFill>
+                  <a:srgbClr val="0d0d0d"/>
+                </a:solidFill>
+                <a:highlight>
+                  <a:srgbClr val="ffffff"/>
+                </a:highlight>
+                <a:uFillTx/>
+                <a:latin typeface="Montserrat"/>
+                <a:ea typeface="Montserrat"/>
+              </a:rPr>
+              <a:t>Backlog refinement avec l’équipe pour mettre au clair les sprint</a:t>
+            </a:r>
+            <a:endParaRPr b="0" lang="fr-FR" sz="1400" strike="noStrike" u="none">
+              <a:solidFill>
+                <a:srgbClr val="000000"/>
+              </a:solidFill>
+              <a:uFillTx/>
+              <a:latin typeface="Arial"/>
+            </a:endParaRPr>
+          </a:p>
+          <a:p>
+            <a:pPr>
+              <a:lnSpc>
+                <a:spcPct val="150000"/>
+              </a:lnSpc>
+            </a:pPr>
+            <a:r>
+              <a:rPr b="0" lang="fr" sz="1400" strike="noStrike" u="none">
+                <a:solidFill>
+                  <a:srgbClr val="0d0d0d"/>
+                </a:solidFill>
+                <a:highlight>
+                  <a:srgbClr val="ffffff"/>
+                </a:highlight>
+                <a:uFillTx/>
+                <a:latin typeface="Montserrat"/>
+                <a:ea typeface="Montserrat"/>
+              </a:rPr>
+              <a:t>Sprint Planning avec le propriétaire du produit ‘product owner’</a:t>
             </a:r>
             <a:endParaRPr b="0" lang="fr-FR" sz="1400" strike="noStrike" u="none">
               <a:solidFill>
@@ -4807,7 +4910,7 @@
         <p:spPr>
           <a:xfrm>
             <a:off x="-4680" y="0"/>
-            <a:ext cx="9152280" cy="238320"/>
+            <a:ext cx="9151920" cy="237960"/>
           </a:xfrm>
           <a:prstGeom prst="rect">
             <a:avLst/>
@@ -4864,7 +4967,7 @@
         <p:spPr>
           <a:xfrm>
             <a:off x="8469720" y="0"/>
-            <a:ext cx="672840" cy="339120"/>
+            <a:ext cx="672480" cy="338760"/>
           </a:xfrm>
           <a:prstGeom prst="rect">
             <a:avLst/>
@@ -4917,7 +5020,7 @@
         <p:spPr>
           <a:xfrm>
             <a:off x="196560" y="291960"/>
-            <a:ext cx="8623080" cy="4567680"/>
+            <a:ext cx="8622720" cy="4567320"/>
           </a:xfrm>
           <a:prstGeom prst="rect">
             <a:avLst/>
@@ -4973,7 +5076,7 @@
         <p:spPr>
           <a:xfrm>
             <a:off x="2411640" y="2125800"/>
-            <a:ext cx="4220640" cy="800640"/>
+            <a:ext cx="4220280" cy="800280"/>
           </a:xfrm>
           <a:prstGeom prst="rect">
             <a:avLst/>
@@ -5032,7 +5135,7 @@
         <p:spPr>
           <a:xfrm>
             <a:off x="115200" y="118440"/>
-            <a:ext cx="2383200" cy="278640"/>
+            <a:ext cx="2382840" cy="278280"/>
           </a:xfrm>
           <a:prstGeom prst="rect">
             <a:avLst/>
@@ -5084,7 +5187,7 @@
         <p:spPr>
           <a:xfrm>
             <a:off x="8469720" y="0"/>
-            <a:ext cx="672840" cy="339120"/>
+            <a:ext cx="672480" cy="338760"/>
           </a:xfrm>
           <a:prstGeom prst="rect">
             <a:avLst/>
@@ -5137,7 +5240,7 @@
         <p:spPr>
           <a:xfrm>
             <a:off x="311760" y="444960"/>
-            <a:ext cx="8519040" cy="571320"/>
+            <a:ext cx="8518680" cy="570960"/>
           </a:xfrm>
           <a:prstGeom prst="rect">
             <a:avLst/>
@@ -5195,7 +5298,7 @@
         <p:spPr>
           <a:xfrm>
             <a:off x="311760" y="1152360"/>
-            <a:ext cx="8519040" cy="3414960"/>
+            <a:ext cx="8518680" cy="3414600"/>
           </a:xfrm>
           <a:prstGeom prst="rect">
             <a:avLst/>
@@ -5301,7 +5404,40 @@
                 <a:latin typeface="Montserrat"/>
                 <a:ea typeface="Montserrat"/>
               </a:rPr>
-              <a:t>Méthodologie utilisée</a:t>
+              <a:t>Méthodologie</a:t>
+            </a:r>
+            <a:endParaRPr b="0" lang="fr-FR" sz="1700" strike="noStrike" u="none">
+              <a:solidFill>
+                <a:srgbClr val="000000"/>
+              </a:solidFill>
+              <a:uFillTx/>
+              <a:latin typeface="Arial"/>
+            </a:endParaRPr>
+          </a:p>
+          <a:p>
+            <a:pPr marL="457200" indent="-336600">
+              <a:lnSpc>
+                <a:spcPct val="150000"/>
+              </a:lnSpc>
+              <a:buClr>
+                <a:srgbClr val="0d0d0d"/>
+              </a:buClr>
+              <a:buFont typeface="Montserrat"/>
+              <a:buAutoNum type="arabicPeriod"/>
+            </a:pPr>
+            <a:r>
+              <a:rPr b="0" lang="fr" sz="1700" strike="noStrike" u="none">
+                <a:solidFill>
+                  <a:srgbClr val="0d0d0d"/>
+                </a:solidFill>
+                <a:highlight>
+                  <a:srgbClr val="ffffff"/>
+                </a:highlight>
+                <a:uFillTx/>
+                <a:latin typeface="Montserrat"/>
+                <a:ea typeface="Montserrat"/>
+              </a:rPr>
+              <a:t>Architecture de l’application</a:t>
             </a:r>
             <a:endParaRPr b="0" lang="fr-FR" sz="1700" strike="noStrike" u="none">
               <a:solidFill>
@@ -5367,73 +5503,7 @@
                 <a:latin typeface="Montserrat"/>
                 <a:ea typeface="Montserrat"/>
               </a:rPr>
-              <a:t>Spécifications techniques</a:t>
-            </a:r>
-            <a:endParaRPr b="0" lang="fr-FR" sz="1700" strike="noStrike" u="none">
-              <a:solidFill>
-                <a:srgbClr val="000000"/>
-              </a:solidFill>
-              <a:uFillTx/>
-              <a:latin typeface="Arial"/>
-            </a:endParaRPr>
-          </a:p>
-          <a:p>
-            <a:pPr marL="457200" indent="-336600">
-              <a:lnSpc>
-                <a:spcPct val="150000"/>
-              </a:lnSpc>
-              <a:buClr>
-                <a:srgbClr val="0d0d0d"/>
-              </a:buClr>
-              <a:buFont typeface="Montserrat"/>
-              <a:buAutoNum type="arabicPeriod"/>
-            </a:pPr>
-            <a:r>
-              <a:rPr b="0" lang="fr" sz="1700" strike="noStrike" u="none">
-                <a:solidFill>
-                  <a:srgbClr val="0d0d0d"/>
-                </a:solidFill>
-                <a:highlight>
-                  <a:srgbClr val="ffffff"/>
-                </a:highlight>
-                <a:uFillTx/>
-                <a:latin typeface="Montserrat"/>
-                <a:ea typeface="Montserrat"/>
-              </a:rPr>
               <a:t>Veille technologique</a:t>
-            </a:r>
-            <a:endParaRPr b="0" lang="fr-FR" sz="1700" strike="noStrike" u="none">
-              <a:solidFill>
-                <a:srgbClr val="000000"/>
-              </a:solidFill>
-              <a:uFillTx/>
-              <a:latin typeface="Arial"/>
-            </a:endParaRPr>
-          </a:p>
-          <a:p>
-            <a:pPr marL="457200" indent="-336600">
-              <a:lnSpc>
-                <a:spcPct val="150000"/>
-              </a:lnSpc>
-              <a:buClr>
-                <a:srgbClr val="0d0d0d"/>
-              </a:buClr>
-              <a:buFont typeface="Montserrat"/>
-              <a:buAutoNum type="arabicPeriod"/>
-            </a:pPr>
-            <a:r>
-              <a:rPr b="0" lang="fr" sz="1700" strike="noStrike" u="none">
-                <a:solidFill>
-                  <a:srgbClr val="0d0d0d"/>
-                </a:solidFill>
-                <a:highlight>
-                  <a:srgbClr val="ffffff"/>
-                </a:highlight>
-                <a:uFillTx/>
-                <a:latin typeface="Montserrat"/>
-                <a:ea typeface="Montserrat"/>
-              </a:rPr>
-              <a:t>Conclusion </a:t>
             </a:r>
             <a:endParaRPr b="0" lang="fr-FR" sz="1700" strike="noStrike" u="none">
               <a:solidFill>
@@ -5509,7 +5579,7 @@
         <p:spPr>
           <a:xfrm>
             <a:off x="8470800" y="0"/>
-            <a:ext cx="672840" cy="339120"/>
+            <a:ext cx="672480" cy="338760"/>
           </a:xfrm>
           <a:prstGeom prst="rect">
             <a:avLst/>
@@ -5562,7 +5632,7 @@
         <p:spPr>
           <a:xfrm>
             <a:off x="311760" y="444960"/>
-            <a:ext cx="8519040" cy="571320"/>
+            <a:ext cx="8518680" cy="570960"/>
           </a:xfrm>
           <a:prstGeom prst="rect">
             <a:avLst/>
@@ -5619,7 +5689,7 @@
         <p:spPr>
           <a:xfrm>
             <a:off x="434880" y="1085400"/>
-            <a:ext cx="8319240" cy="1184400"/>
+            <a:ext cx="8318880" cy="1447200"/>
           </a:xfrm>
           <a:prstGeom prst="rect">
             <a:avLst/>
@@ -5639,6 +5709,36 @@
           <a:bodyPr lIns="90000" rIns="90000" tIns="91440" bIns="91440" anchor="t">
             <a:spAutoFit/>
           </a:bodyPr>
+          <a:p>
+            <a:pPr marL="457200" indent="-324000">
+              <a:lnSpc>
+                <a:spcPct val="115000"/>
+              </a:lnSpc>
+              <a:buClr>
+                <a:srgbClr val="000000"/>
+              </a:buClr>
+              <a:buFont typeface="Montserrat"/>
+              <a:buChar char="●"/>
+            </a:pPr>
+            <a:r>
+              <a:rPr b="0" i="1" lang="fr" sz="1500" strike="noStrike" u="none">
+                <a:solidFill>
+                  <a:schemeClr val="dk1"/>
+                </a:solidFill>
+                <a:uFillTx/>
+                <a:latin typeface="Montserrat"/>
+                <a:ea typeface="Montserrat"/>
+              </a:rPr>
+              <a:t>Interface agréable, intuitif, attractif</a:t>
+            </a:r>
+            <a:endParaRPr b="0" lang="fr-FR" sz="1500" strike="noStrike" u="none">
+              <a:solidFill>
+                <a:srgbClr val="000000"/>
+              </a:solidFill>
+              <a:uFillTx/>
+              <a:latin typeface="Arial"/>
+            </a:endParaRPr>
+          </a:p>
           <a:p>
             <a:pPr marL="457200" indent="-324000">
               <a:lnSpc>
@@ -5719,7 +5819,7 @@
                 <a:latin typeface="Montserrat"/>
                 <a:ea typeface="Montserrat"/>
               </a:rPr>
-              <a:t>Gerer la connexion utilisateur</a:t>
+              <a:t>Gerer la connexion utilisateur de manière sécurisé</a:t>
             </a:r>
             <a:endParaRPr b="0" lang="fr-FR" sz="1500" strike="noStrike" u="none">
               <a:solidFill>
@@ -5760,7 +5860,7 @@
         <p:spPr>
           <a:xfrm>
             <a:off x="-4680" y="0"/>
-            <a:ext cx="9152280" cy="238320"/>
+            <a:ext cx="9151920" cy="237960"/>
           </a:xfrm>
           <a:prstGeom prst="rect">
             <a:avLst/>
@@ -5817,7 +5917,7 @@
         <p:spPr>
           <a:xfrm>
             <a:off x="8474400" y="0"/>
-            <a:ext cx="672840" cy="339120"/>
+            <a:ext cx="672480" cy="338760"/>
           </a:xfrm>
           <a:prstGeom prst="rect">
             <a:avLst/>
@@ -5870,7 +5970,7 @@
         <p:spPr>
           <a:xfrm>
             <a:off x="311760" y="444960"/>
-            <a:ext cx="8519040" cy="571320"/>
+            <a:ext cx="8518680" cy="570960"/>
           </a:xfrm>
           <a:prstGeom prst="rect">
             <a:avLst/>
@@ -5952,7 +6052,7 @@
         <p:spPr>
           <a:xfrm>
             <a:off x="311760" y="1152360"/>
-            <a:ext cx="8519040" cy="3414960"/>
+            <a:ext cx="8518680" cy="3414600"/>
           </a:xfrm>
           <a:prstGeom prst="rect">
             <a:avLst/>
@@ -6037,7 +6137,7 @@
         <p:spPr>
           <a:xfrm>
             <a:off x="-4680" y="0"/>
-            <a:ext cx="9152280" cy="238320"/>
+            <a:ext cx="9151920" cy="237960"/>
           </a:xfrm>
           <a:prstGeom prst="rect">
             <a:avLst/>
@@ -6094,7 +6194,7 @@
         <p:spPr>
           <a:xfrm>
             <a:off x="8469720" y="0"/>
-            <a:ext cx="672840" cy="339120"/>
+            <a:ext cx="672480" cy="338760"/>
           </a:xfrm>
           <a:prstGeom prst="rect">
             <a:avLst/>
@@ -6117,7 +6217,7 @@
         <p:spPr>
           <a:xfrm>
             <a:off x="180000" y="1145880"/>
-            <a:ext cx="2518920" cy="3713040"/>
+            <a:ext cx="2518560" cy="3712680"/>
           </a:xfrm>
           <a:prstGeom prst="rect">
             <a:avLst/>
@@ -6140,7 +6240,7 @@
         <p:spPr>
           <a:xfrm>
             <a:off x="2880000" y="1080000"/>
-            <a:ext cx="6029640" cy="3706560"/>
+            <a:ext cx="6029280" cy="3706200"/>
           </a:xfrm>
           <a:prstGeom prst="rect">
             <a:avLst/>
@@ -6193,7 +6293,7 @@
         <p:spPr>
           <a:xfrm>
             <a:off x="311760" y="444960"/>
-            <a:ext cx="8519040" cy="571320"/>
+            <a:ext cx="8518680" cy="570960"/>
           </a:xfrm>
           <a:prstGeom prst="rect">
             <a:avLst/>
@@ -6275,7 +6375,7 @@
         <p:spPr>
           <a:xfrm>
             <a:off x="311760" y="1152360"/>
-            <a:ext cx="8519040" cy="3414960"/>
+            <a:ext cx="8518680" cy="3414600"/>
           </a:xfrm>
           <a:prstGeom prst="rect">
             <a:avLst/>
@@ -6360,7 +6460,7 @@
         <p:spPr>
           <a:xfrm>
             <a:off x="-4680" y="0"/>
-            <a:ext cx="9152280" cy="238320"/>
+            <a:ext cx="9151920" cy="237960"/>
           </a:xfrm>
           <a:prstGeom prst="rect">
             <a:avLst/>
@@ -6414,7 +6514,7 @@
         <p:spPr>
           <a:xfrm>
             <a:off x="8469720" y="0"/>
-            <a:ext cx="672840" cy="339120"/>
+            <a:ext cx="672480" cy="338760"/>
           </a:xfrm>
           <a:prstGeom prst="rect">
             <a:avLst/>
@@ -6437,7 +6537,7 @@
         <p:spPr>
           <a:xfrm>
             <a:off x="253440" y="1440000"/>
-            <a:ext cx="8577360" cy="2986560"/>
+            <a:ext cx="8577000" cy="2986200"/>
           </a:xfrm>
           <a:prstGeom prst="rect">
             <a:avLst/>
@@ -6490,7 +6590,7 @@
         <p:spPr>
           <a:xfrm>
             <a:off x="311760" y="444960"/>
-            <a:ext cx="8519040" cy="571320"/>
+            <a:ext cx="8518680" cy="570960"/>
           </a:xfrm>
           <a:prstGeom prst="rect">
             <a:avLst/>
@@ -6572,7 +6672,7 @@
         <p:spPr>
           <a:xfrm>
             <a:off x="311760" y="1152360"/>
-            <a:ext cx="8519040" cy="3414960"/>
+            <a:ext cx="8518680" cy="3414600"/>
           </a:xfrm>
           <a:prstGeom prst="rect">
             <a:avLst/>
@@ -6657,7 +6757,7 @@
         <p:spPr>
           <a:xfrm>
             <a:off x="-4680" y="0"/>
-            <a:ext cx="9152280" cy="238320"/>
+            <a:ext cx="9151920" cy="237960"/>
           </a:xfrm>
           <a:prstGeom prst="rect">
             <a:avLst/>
@@ -6711,7 +6811,7 @@
         <p:spPr>
           <a:xfrm>
             <a:off x="8469720" y="0"/>
-            <a:ext cx="672840" cy="339120"/>
+            <a:ext cx="672480" cy="338760"/>
           </a:xfrm>
           <a:prstGeom prst="rect">
             <a:avLst/>
@@ -6734,7 +6834,7 @@
         <p:spPr>
           <a:xfrm>
             <a:off x="317520" y="1260000"/>
-            <a:ext cx="8424360" cy="3307320"/>
+            <a:ext cx="8424000" cy="3306960"/>
           </a:xfrm>
           <a:prstGeom prst="rect">
             <a:avLst/>
@@ -6787,7 +6887,7 @@
         <p:spPr>
           <a:xfrm>
             <a:off x="311760" y="444960"/>
-            <a:ext cx="8519040" cy="571320"/>
+            <a:ext cx="8518680" cy="570960"/>
           </a:xfrm>
           <a:prstGeom prst="rect">
             <a:avLst/>
@@ -6869,7 +6969,7 @@
         <p:spPr>
           <a:xfrm>
             <a:off x="311760" y="1152360"/>
-            <a:ext cx="8519040" cy="3414960"/>
+            <a:ext cx="8518680" cy="3414600"/>
           </a:xfrm>
           <a:prstGeom prst="rect">
             <a:avLst/>
@@ -6954,7 +7054,7 @@
         <p:spPr>
           <a:xfrm>
             <a:off x="-4680" y="0"/>
-            <a:ext cx="9152280" cy="238320"/>
+            <a:ext cx="9151920" cy="237960"/>
           </a:xfrm>
           <a:prstGeom prst="rect">
             <a:avLst/>
@@ -7008,7 +7108,7 @@
         <p:spPr>
           <a:xfrm>
             <a:off x="8469720" y="0"/>
-            <a:ext cx="672840" cy="339120"/>
+            <a:ext cx="672480" cy="338760"/>
           </a:xfrm>
           <a:prstGeom prst="rect">
             <a:avLst/>
@@ -7031,7 +7131,7 @@
         <p:spPr>
           <a:xfrm>
             <a:off x="3060000" y="1620000"/>
-            <a:ext cx="6038280" cy="2189520"/>
+            <a:ext cx="6037920" cy="2189160"/>
           </a:xfrm>
           <a:prstGeom prst="rect">
             <a:avLst/>
@@ -7054,7 +7154,7 @@
         <p:spPr>
           <a:xfrm>
             <a:off x="180000" y="1620000"/>
-            <a:ext cx="2787120" cy="1978920"/>
+            <a:ext cx="2786760" cy="1978560"/>
           </a:xfrm>
           <a:prstGeom prst="rect">
             <a:avLst/>
@@ -7107,7 +7207,7 @@
         <p:spPr>
           <a:xfrm>
             <a:off x="311760" y="444960"/>
-            <a:ext cx="8519040" cy="571320"/>
+            <a:ext cx="8518680" cy="570960"/>
           </a:xfrm>
           <a:prstGeom prst="rect">
             <a:avLst/>
@@ -7189,7 +7289,7 @@
         <p:spPr>
           <a:xfrm>
             <a:off x="311760" y="1152360"/>
-            <a:ext cx="8519040" cy="3414960"/>
+            <a:ext cx="8518680" cy="3414600"/>
           </a:xfrm>
           <a:prstGeom prst="rect">
             <a:avLst/>
@@ -7274,7 +7374,7 @@
         <p:spPr>
           <a:xfrm>
             <a:off x="-4680" y="0"/>
-            <a:ext cx="9152280" cy="238320"/>
+            <a:ext cx="9151920" cy="237960"/>
           </a:xfrm>
           <a:prstGeom prst="rect">
             <a:avLst/>
@@ -7328,7 +7428,7 @@
         <p:spPr>
           <a:xfrm>
             <a:off x="8469720" y="0"/>
-            <a:ext cx="672840" cy="339120"/>
+            <a:ext cx="672480" cy="338760"/>
           </a:xfrm>
           <a:prstGeom prst="rect">
             <a:avLst/>
@@ -7351,7 +7451,7 @@
         <p:spPr>
           <a:xfrm>
             <a:off x="2340000" y="1332360"/>
-            <a:ext cx="4103640" cy="2986560"/>
+            <a:ext cx="4103280" cy="2986200"/>
           </a:xfrm>
           <a:prstGeom prst="rect">
             <a:avLst/>
@@ -7404,7 +7504,7 @@
         <p:spPr>
           <a:xfrm>
             <a:off x="311760" y="444960"/>
-            <a:ext cx="8519040" cy="571320"/>
+            <a:ext cx="8518680" cy="570960"/>
           </a:xfrm>
           <a:prstGeom prst="rect">
             <a:avLst/>
@@ -7465,7 +7565,7 @@
         <p:spPr>
           <a:xfrm>
             <a:off x="311760" y="1152360"/>
-            <a:ext cx="8519040" cy="3414960"/>
+            <a:ext cx="8518680" cy="3414600"/>
           </a:xfrm>
           <a:prstGeom prst="rect">
             <a:avLst/>
@@ -7477,7 +7577,7 @@
         </p:spPr>
         <p:txBody>
           <a:bodyPr lIns="91440" rIns="91440" tIns="91440" bIns="91440" anchor="t">
-            <a:normAutofit fontScale="92500" lnSpcReduction="9999"/>
+            <a:normAutofit lnSpcReduction="9999"/>
           </a:bodyPr>
           <a:p>
             <a:pPr marL="457200" indent="-324000">
@@ -7502,7 +7602,7 @@
                 <a:latin typeface="Montserrat"/>
                 <a:ea typeface="Montserrat"/>
               </a:rPr>
-              <a:t>La méthode Agile suis une logique précise, met en avant certain critère par rapport aux autres mais n’exclue pas ces autres critère pour autant</a:t>
+              <a:t>La méthode Agile, </a:t>
             </a:r>
             <a:endParaRPr b="0" lang="fr-FR" sz="1500" strike="noStrike" u="none">
               <a:solidFill>
@@ -7578,7 +7678,7 @@
                 <a:latin typeface="Montserrat"/>
                 <a:ea typeface="Montserrat"/>
               </a:rPr>
-              <a:t>Pour ce faire, plusieurs tâches sont realisé sous forme de ‘sprint’, au lieu d’éffectier tout le travail d’un coup, nous procédons étapes par étapes, pour validé correctement chaques fonctionnalités et répondre à l’attente du client avec une communication efficace.</a:t>
+              <a:t>Pour ce faire, plusieurs tâches sont realisé sous forme de ‘sprint’, au lieu de définir tout d’un coup puis ensuite d’éffectuer la réalisation, nous procédons étapes par étapes, pour validé correctement chaques fonctionnalités et répondre à l’attente du client avec une communication efficace.</a:t>
             </a:r>
             <a:endParaRPr b="0" lang="fr-FR" sz="1500" strike="noStrike" u="none">
               <a:solidFill>
@@ -7686,7 +7786,7 @@
         <p:spPr>
           <a:xfrm>
             <a:off x="-4680" y="0"/>
-            <a:ext cx="9152280" cy="238320"/>
+            <a:ext cx="9151920" cy="237960"/>
           </a:xfrm>
           <a:prstGeom prst="rect">
             <a:avLst/>
@@ -7743,7 +7843,7 @@
         <p:spPr>
           <a:xfrm>
             <a:off x="8469720" y="0"/>
-            <a:ext cx="672840" cy="339120"/>
+            <a:ext cx="672480" cy="338760"/>
           </a:xfrm>
           <a:prstGeom prst="rect">
             <a:avLst/>

--- a/Aubry_Dennis_4_présentation.pptx
+++ b/Aubry_Dennis_4_présentation.pptx
@@ -29,6 +29,8 @@
     <p:sldId id="267" r:id="rId24"/>
     <p:sldId id="268" r:id="rId25"/>
     <p:sldId id="269" r:id="rId26"/>
+    <p:sldId id="270" r:id="rId27"/>
+    <p:sldId id="271" r:id="rId28"/>
   </p:sldIdLst>
   <p:sldSz cx="9144000" cy="5143500"/>
   <p:notesSz cx="7559675" cy="10691813"/>
@@ -65,7 +67,7 @@
         <p:spPr>
           <a:xfrm>
             <a:off x="311760" y="744480"/>
-            <a:ext cx="8518680" cy="2050920"/>
+            <a:ext cx="8517600" cy="2049840"/>
           </a:xfrm>
           <a:prstGeom prst="rect">
             <a:avLst/>
@@ -148,7 +150,7 @@
         <p:txBody>
           <a:bodyPr/>
           <a:p>
-            <a:fld id="{BC674C01-8159-4266-A869-4647002C8D89}" type="slidenum">
+            <a:fld id="{34477627-54E4-4234-92D0-89622784B16B}" type="slidenum">
               <a:t>&lt;#&gt;</a:t>
             </a:fld>
           </a:p>
@@ -190,7 +192,7 @@
         <p:txBody>
           <a:bodyPr/>
           <a:p>
-            <a:fld id="{7F62A4BA-C54F-4F18-A095-F43FE725DCC8}" type="slidenum">
+            <a:fld id="{C439F6EA-69D5-460E-A442-506B8254C15B}" type="slidenum">
               <a:t>&lt;#&gt;</a:t>
             </a:fld>
           </a:p>
@@ -232,7 +234,7 @@
         <p:txBody>
           <a:bodyPr/>
           <a:p>
-            <a:fld id="{765159B0-E389-4A89-9A16-2C5DC27CBD44}" type="slidenum">
+            <a:fld id="{6D9611BD-5F53-4B55-8114-8B27B8267828}" type="slidenum">
               <a:t>&lt;#&gt;</a:t>
             </a:fld>
           </a:p>
@@ -274,7 +276,7 @@
         <p:txBody>
           <a:bodyPr/>
           <a:p>
-            <a:fld id="{103DDB94-E3C7-4326-868F-F31F8E44B529}" type="slidenum">
+            <a:fld id="{0BBD6B16-A8F3-42E9-AC13-4618EA7F5C6D}" type="slidenum">
               <a:t>&lt;#&gt;</a:t>
             </a:fld>
           </a:p>
@@ -316,7 +318,7 @@
         <p:txBody>
           <a:bodyPr/>
           <a:p>
-            <a:fld id="{5639BFA0-90AE-4C96-B1A6-A6B3F22D7B5C}" type="slidenum">
+            <a:fld id="{D1B4ACA8-E32C-4374-BC61-57F0D6724064}" type="slidenum">
               <a:t>&lt;#&gt;</a:t>
             </a:fld>
           </a:p>
@@ -358,7 +360,7 @@
         <p:txBody>
           <a:bodyPr/>
           <a:p>
-            <a:fld id="{2C369519-AF2E-4A31-A4E3-1A40742CB83C}" type="slidenum">
+            <a:fld id="{8FD6E4CB-03CB-41FA-A057-FED230DEC95C}" type="slidenum">
               <a:t>&lt;#&gt;</a:t>
             </a:fld>
           </a:p>
@@ -399,7 +401,7 @@
         <p:spPr>
           <a:xfrm>
             <a:off x="311760" y="744480"/>
-            <a:ext cx="8518680" cy="2050920"/>
+            <a:ext cx="8517600" cy="2049840"/>
           </a:xfrm>
           <a:prstGeom prst="rect">
             <a:avLst/>
@@ -485,7 +487,7 @@
         <p:txBody>
           <a:bodyPr/>
           <a:p>
-            <a:fld id="{7854D53D-E015-4271-BBB6-1B5BD979297C}" type="slidenum">
+            <a:fld id="{F7A9A734-E40B-47C3-A3D0-5DBC99750A50}" type="slidenum">
               <a:t>&lt;#&gt;</a:t>
             </a:fld>
           </a:p>
@@ -526,7 +528,7 @@
         <p:spPr>
           <a:xfrm>
             <a:off x="311760" y="744480"/>
-            <a:ext cx="8518680" cy="2050920"/>
+            <a:ext cx="8517600" cy="2049840"/>
           </a:xfrm>
           <a:prstGeom prst="rect">
             <a:avLst/>
@@ -656,7 +658,7 @@
         <p:txBody>
           <a:bodyPr/>
           <a:p>
-            <a:fld id="{A5DD6587-B941-4CB3-B151-4BC52A8B66C2}" type="slidenum">
+            <a:fld id="{77F4E0E3-97CF-40CF-A915-7CC8D987A733}" type="slidenum">
               <a:t>&lt;#&gt;</a:t>
             </a:fld>
           </a:p>
@@ -697,7 +699,7 @@
         <p:spPr>
           <a:xfrm>
             <a:off x="311760" y="744480"/>
-            <a:ext cx="8518680" cy="2050920"/>
+            <a:ext cx="8517600" cy="2049840"/>
           </a:xfrm>
           <a:prstGeom prst="rect">
             <a:avLst/>
@@ -739,7 +741,7 @@
         <p:txBody>
           <a:bodyPr/>
           <a:p>
-            <a:fld id="{A402AE2F-E630-4A3C-B895-C6E06759D63A}" type="slidenum">
+            <a:fld id="{E0C728F4-BB5A-4986-9AB5-B61172FA138B}" type="slidenum">
               <a:t>&lt;#&gt;</a:t>
             </a:fld>
           </a:p>
@@ -781,7 +783,7 @@
         <p:txBody>
           <a:bodyPr/>
           <a:p>
-            <a:fld id="{551B2278-A403-4A81-88AF-D40A3F03E8C9}" type="slidenum">
+            <a:fld id="{0201E65C-6347-4C01-B244-99FDBEBD834A}" type="slidenum">
               <a:t>&lt;#&gt;</a:t>
             </a:fld>
           </a:p>
@@ -823,7 +825,7 @@
         <p:txBody>
           <a:bodyPr/>
           <a:p>
-            <a:fld id="{C5FFE6E9-91C2-4965-B932-4DA938EB3C07}" type="slidenum">
+            <a:fld id="{1FB5358E-816A-4E98-9CC7-5104D82C12B6}" type="slidenum">
               <a:t>&lt;#&gt;</a:t>
             </a:fld>
           </a:p>
@@ -871,7 +873,7 @@
         <p:spPr>
           <a:xfrm>
             <a:off x="311760" y="744480"/>
-            <a:ext cx="8518680" cy="2050920"/>
+            <a:ext cx="8517600" cy="2049840"/>
           </a:xfrm>
           <a:prstGeom prst="rect">
             <a:avLst/>
@@ -922,7 +924,7 @@
         <p:spPr>
           <a:xfrm>
             <a:off x="8472600" y="4663080"/>
-            <a:ext cx="546840" cy="391680"/>
+            <a:ext cx="545760" cy="390600"/>
           </a:xfrm>
           <a:prstGeom prst="rect">
             <a:avLst/>
@@ -965,7 +967,7 @@
                 <a:tab algn="l" pos="0"/>
               </a:tabLst>
             </a:pPr>
-            <a:fld id="{0A7A1B3F-AA7C-47E2-85C8-3439729974BC}" type="slidenum">
+            <a:fld id="{7FF2288A-E1E7-4955-A7E0-4B277170CF8A}" type="slidenum">
               <a:rPr b="0" lang="fr" sz="1000" strike="noStrike" u="none">
                 <a:solidFill>
                   <a:schemeClr val="dk2"/>
@@ -1267,7 +1269,7 @@
         <p:spPr>
           <a:xfrm>
             <a:off x="4572000" y="0"/>
-            <a:ext cx="4570200" cy="5141880"/>
+            <a:ext cx="4569120" cy="5140800"/>
           </a:xfrm>
           <a:prstGeom prst="rect">
             <a:avLst/>
@@ -1321,7 +1323,7 @@
         <p:spPr>
           <a:xfrm>
             <a:off x="8472600" y="4663080"/>
-            <a:ext cx="546840" cy="391680"/>
+            <a:ext cx="545760" cy="390600"/>
           </a:xfrm>
           <a:prstGeom prst="rect">
             <a:avLst/>
@@ -1364,7 +1366,7 @@
                 <a:tab algn="l" pos="0"/>
               </a:tabLst>
             </a:pPr>
-            <a:fld id="{6A2D5DD4-6F8F-4FAD-B1D4-BDF94BD72272}" type="slidenum">
+            <a:fld id="{68933A5D-72FD-4CAE-8364-77201600535D}" type="slidenum">
               <a:rPr b="0" lang="fr" sz="1000" strike="noStrike" u="none">
                 <a:solidFill>
                   <a:schemeClr val="dk2"/>
@@ -1431,7 +1433,7 @@
         <p:spPr>
           <a:xfrm>
             <a:off x="8472600" y="4663080"/>
-            <a:ext cx="546840" cy="391680"/>
+            <a:ext cx="545760" cy="390600"/>
           </a:xfrm>
           <a:prstGeom prst="rect">
             <a:avLst/>
@@ -1474,7 +1476,7 @@
                 <a:tab algn="l" pos="0"/>
               </a:tabLst>
             </a:pPr>
-            <a:fld id="{38055DA8-F98B-476A-B825-D9425BD84A16}" type="slidenum">
+            <a:fld id="{58B2785E-A11F-48BD-8E59-CF85786415FD}" type="slidenum">
               <a:rPr b="0" lang="fr" sz="1000" strike="noStrike" u="none">
                 <a:solidFill>
                   <a:schemeClr val="dk2"/>
@@ -1541,7 +1543,7 @@
         <p:spPr>
           <a:xfrm>
             <a:off x="8472600" y="4663080"/>
-            <a:ext cx="546840" cy="391680"/>
+            <a:ext cx="545760" cy="390600"/>
           </a:xfrm>
           <a:prstGeom prst="rect">
             <a:avLst/>
@@ -1584,7 +1586,7 @@
                 <a:tab algn="l" pos="0"/>
               </a:tabLst>
             </a:pPr>
-            <a:fld id="{30285851-077C-4AE6-B775-19437EA40AE5}" type="slidenum">
+            <a:fld id="{81EB65B8-1441-4A4D-90B9-291550ED959D}" type="slidenum">
               <a:rPr b="0" lang="fr" sz="1000" strike="noStrike" u="none">
                 <a:solidFill>
                   <a:schemeClr val="dk2"/>
@@ -1651,7 +1653,7 @@
         <p:spPr>
           <a:xfrm>
             <a:off x="8472600" y="4663080"/>
-            <a:ext cx="546840" cy="391680"/>
+            <a:ext cx="545760" cy="390600"/>
           </a:xfrm>
           <a:prstGeom prst="rect">
             <a:avLst/>
@@ -1694,7 +1696,7 @@
                 <a:tab algn="l" pos="0"/>
               </a:tabLst>
             </a:pPr>
-            <a:fld id="{367B6394-0DCF-407D-9682-8BB3737D7D31}" type="slidenum">
+            <a:fld id="{213EECB3-387E-4ADA-8C5C-E6EF00C30B43}" type="slidenum">
               <a:rPr b="0" lang="fr" sz="1000" strike="noStrike" u="none">
                 <a:solidFill>
                   <a:schemeClr val="dk2"/>
@@ -1761,7 +1763,7 @@
         <p:spPr>
           <a:xfrm>
             <a:off x="8472600" y="4663080"/>
-            <a:ext cx="546840" cy="391680"/>
+            <a:ext cx="545760" cy="390600"/>
           </a:xfrm>
           <a:prstGeom prst="rect">
             <a:avLst/>
@@ -1804,7 +1806,7 @@
                 <a:tab algn="l" pos="0"/>
               </a:tabLst>
             </a:pPr>
-            <a:fld id="{E8681311-D959-4986-9EC9-25470A91D83E}" type="slidenum">
+            <a:fld id="{743B1F1E-785B-435F-8945-338E8244DE07}" type="slidenum">
               <a:rPr b="0" lang="fr" sz="1000" strike="noStrike" u="none">
                 <a:solidFill>
                   <a:schemeClr val="dk2"/>
@@ -1871,7 +1873,7 @@
         <p:spPr>
           <a:xfrm>
             <a:off x="311760" y="744480"/>
-            <a:ext cx="8518680" cy="2050920"/>
+            <a:ext cx="8517600" cy="2049840"/>
           </a:xfrm>
           <a:prstGeom prst="rect">
             <a:avLst/>
@@ -2161,7 +2163,7 @@
         <p:spPr>
           <a:xfrm>
             <a:off x="8472600" y="4663080"/>
-            <a:ext cx="546840" cy="391680"/>
+            <a:ext cx="545760" cy="390600"/>
           </a:xfrm>
           <a:prstGeom prst="rect">
             <a:avLst/>
@@ -2204,7 +2206,7 @@
                 <a:tab algn="l" pos="0"/>
               </a:tabLst>
             </a:pPr>
-            <a:fld id="{33331093-35E3-44ED-97C4-EB3B7BB7EAD3}" type="slidenum">
+            <a:fld id="{D0C7387C-CF10-4B8F-B047-D9D33EFF54A2}" type="slidenum">
               <a:rPr b="0" lang="fr" sz="1000" strike="noStrike" u="none">
                 <a:solidFill>
                   <a:schemeClr val="dk2"/>
@@ -2271,7 +2273,7 @@
         <p:spPr>
           <a:xfrm>
             <a:off x="311760" y="744480"/>
-            <a:ext cx="8518680" cy="2050920"/>
+            <a:ext cx="8517600" cy="2049840"/>
           </a:xfrm>
           <a:prstGeom prst="rect">
             <a:avLst/>
@@ -2800,7 +2802,7 @@
         <p:spPr>
           <a:xfrm>
             <a:off x="8472600" y="4663080"/>
-            <a:ext cx="546840" cy="391680"/>
+            <a:ext cx="545760" cy="390600"/>
           </a:xfrm>
           <a:prstGeom prst="rect">
             <a:avLst/>
@@ -2843,7 +2845,7 @@
                 <a:tab algn="l" pos="0"/>
               </a:tabLst>
             </a:pPr>
-            <a:fld id="{BC581C0C-66D5-47C9-9D29-0CA3EF35BD78}" type="slidenum">
+            <a:fld id="{5A197E29-1F0D-49A3-958A-FC928A9CE3DA}" type="slidenum">
               <a:rPr b="0" lang="fr" sz="1000" strike="noStrike" u="none">
                 <a:solidFill>
                   <a:schemeClr val="dk2"/>
@@ -2910,7 +2912,7 @@
         <p:spPr>
           <a:xfrm>
             <a:off x="311760" y="744480"/>
-            <a:ext cx="8518680" cy="2050920"/>
+            <a:ext cx="8517600" cy="2049840"/>
           </a:xfrm>
           <a:prstGeom prst="rect">
             <a:avLst/>
@@ -2961,7 +2963,7 @@
         <p:spPr>
           <a:xfrm>
             <a:off x="8472600" y="4663080"/>
-            <a:ext cx="546840" cy="391680"/>
+            <a:ext cx="545760" cy="390600"/>
           </a:xfrm>
           <a:prstGeom prst="rect">
             <a:avLst/>
@@ -3004,7 +3006,7 @@
                 <a:tab algn="l" pos="0"/>
               </a:tabLst>
             </a:pPr>
-            <a:fld id="{6B3C7F5E-50CB-4635-BB1A-E9E1B255DAEF}" type="slidenum">
+            <a:fld id="{C7580882-9958-4FE2-B663-67D8EB31F6A4}" type="slidenum">
               <a:rPr b="0" lang="fr" sz="1000" strike="noStrike" u="none">
                 <a:solidFill>
                   <a:schemeClr val="dk2"/>
@@ -3071,7 +3073,7 @@
         <p:spPr>
           <a:xfrm>
             <a:off x="8472600" y="4663080"/>
-            <a:ext cx="546840" cy="391680"/>
+            <a:ext cx="545760" cy="390600"/>
           </a:xfrm>
           <a:prstGeom prst="rect">
             <a:avLst/>
@@ -3114,7 +3116,7 @@
                 <a:tab algn="l" pos="0"/>
               </a:tabLst>
             </a:pPr>
-            <a:fld id="{DB4B2A3D-E538-4409-A8EE-9AD58E09E836}" type="slidenum">
+            <a:fld id="{FB109F5B-5945-437C-803C-CE61154A57A0}" type="slidenum">
               <a:rPr b="0" lang="fr" sz="1000" strike="noStrike" u="none">
                 <a:solidFill>
                   <a:schemeClr val="dk2"/>
@@ -3181,7 +3183,7 @@
         <p:spPr>
           <a:xfrm>
             <a:off x="8472600" y="4663080"/>
-            <a:ext cx="546840" cy="391680"/>
+            <a:ext cx="545760" cy="390600"/>
           </a:xfrm>
           <a:prstGeom prst="rect">
             <a:avLst/>
@@ -3224,7 +3226,7 @@
                 <a:tab algn="l" pos="0"/>
               </a:tabLst>
             </a:pPr>
-            <a:fld id="{F35B4DB0-0C79-4725-AE58-2F560FD40C85}" type="slidenum">
+            <a:fld id="{189F9968-5DA2-4989-9667-FB2BE9EBFD73}" type="slidenum">
               <a:rPr b="0" lang="fr" sz="1000" strike="noStrike" u="none">
                 <a:solidFill>
                   <a:schemeClr val="dk2"/>
@@ -3287,7 +3289,7 @@
         <p:spPr>
           <a:xfrm>
             <a:off x="2392920" y="1537560"/>
-            <a:ext cx="4220280" cy="800280"/>
+            <a:ext cx="4219200" cy="799200"/>
           </a:xfrm>
           <a:prstGeom prst="rect">
             <a:avLst/>
@@ -3363,7 +3365,7 @@
         <p:spPr>
           <a:xfrm>
             <a:off x="137160" y="180000"/>
-            <a:ext cx="2382840" cy="278280"/>
+            <a:ext cx="2381760" cy="277200"/>
           </a:xfrm>
           <a:prstGeom prst="rect">
             <a:avLst/>
@@ -3473,7 +3475,7 @@
         <p:spPr>
           <a:xfrm>
             <a:off x="7200000" y="0"/>
-            <a:ext cx="1942200" cy="978840"/>
+            <a:ext cx="1941120" cy="977760"/>
           </a:xfrm>
           <a:prstGeom prst="rect">
             <a:avLst/>
@@ -3515,7 +3517,7 @@
       </p:grpSpPr>
       <p:sp>
         <p:nvSpPr>
-          <p:cNvPr id="69" name="PlaceHolder 1"/>
+          <p:cNvPr id="71" name="PlaceHolder 1"/>
           <p:cNvSpPr>
             <a:spLocks noGrp="1"/>
           </p:cNvSpPr>
@@ -3526,7 +3528,7 @@
         <p:spPr>
           <a:xfrm>
             <a:off x="311760" y="444960"/>
-            <a:ext cx="8518680" cy="570960"/>
+            <a:ext cx="8517600" cy="569880"/>
           </a:xfrm>
           <a:prstGeom prst="rect">
             <a:avLst/>
@@ -3576,14 +3578,14 @@
       </p:sp>
       <p:sp>
         <p:nvSpPr>
-          <p:cNvPr id="70" name="Google Shape;103;p 1"/>
+          <p:cNvPr id="72" name="Google Shape;103;p 1"/>
           <p:cNvSpPr/>
           <p:nvPr/>
         </p:nvSpPr>
         <p:spPr>
           <a:xfrm>
             <a:off x="0" y="0"/>
-            <a:ext cx="4909680" cy="351360"/>
+            <a:ext cx="4908600" cy="351360"/>
           </a:xfrm>
           <a:prstGeom prst="rect">
             <a:avLst/>
@@ -3638,14 +3640,14 @@
       </p:sp>
       <p:sp>
         <p:nvSpPr>
-          <p:cNvPr id="71" name="Google Shape;104;p 1"/>
+          <p:cNvPr id="73" name="Google Shape;104;p 1"/>
           <p:cNvSpPr/>
           <p:nvPr/>
         </p:nvSpPr>
         <p:spPr>
           <a:xfrm>
             <a:off x="434880" y="1085400"/>
-            <a:ext cx="8318880" cy="834840"/>
+            <a:ext cx="8317800" cy="834840"/>
           </a:xfrm>
           <a:prstGeom prst="rect">
             <a:avLst/>
@@ -3720,14 +3722,14 @@
       </p:sp>
       <p:sp>
         <p:nvSpPr>
-          <p:cNvPr id="72" name="Google Shape;105;p 1"/>
+          <p:cNvPr id="74" name="Google Shape;105;p 1"/>
           <p:cNvSpPr/>
           <p:nvPr/>
         </p:nvSpPr>
         <p:spPr>
           <a:xfrm>
             <a:off x="-4680" y="0"/>
-            <a:ext cx="9151920" cy="237960"/>
+            <a:ext cx="9150840" cy="236880"/>
           </a:xfrm>
           <a:prstGeom prst="rect">
             <a:avLst/>
@@ -3770,7 +3772,7 @@
       </p:sp>
       <p:pic>
         <p:nvPicPr>
-          <p:cNvPr id="73" name="Google Shape;106;p 1" descr=""/>
+          <p:cNvPr id="75" name="Google Shape;106;p 1" descr=""/>
           <p:cNvPicPr/>
           <p:nvPr/>
         </p:nvPicPr>
@@ -3781,53 +3783,7 @@
         <p:spPr>
           <a:xfrm>
             <a:off x="8460000" y="0"/>
-            <a:ext cx="672480" cy="338760"/>
-          </a:xfrm>
-          <a:prstGeom prst="rect">
-            <a:avLst/>
-          </a:prstGeom>
-          <a:ln w="0">
-            <a:noFill/>
-          </a:ln>
-        </p:spPr>
-      </p:pic>
-      <p:pic>
-        <p:nvPicPr>
-          <p:cNvPr id="74" name="" descr=""/>
-          <p:cNvPicPr/>
-          <p:nvPr/>
-        </p:nvPicPr>
-        <p:blipFill>
-          <a:blip r:embed="rId2"/>
-          <a:stretch/>
-        </p:blipFill>
-        <p:spPr>
-          <a:xfrm>
-            <a:off x="540000" y="1385640"/>
-            <a:ext cx="942120" cy="533880"/>
-          </a:xfrm>
-          <a:prstGeom prst="rect">
-            <a:avLst/>
-          </a:prstGeom>
-          <a:ln w="0">
-            <a:noFill/>
-          </a:ln>
-        </p:spPr>
-      </p:pic>
-      <p:pic>
-        <p:nvPicPr>
-          <p:cNvPr id="75" name="" descr=""/>
-          <p:cNvPicPr/>
-          <p:nvPr/>
-        </p:nvPicPr>
-        <p:blipFill>
-          <a:blip r:embed="rId3"/>
-          <a:stretch/>
-        </p:blipFill>
-        <p:spPr>
-          <a:xfrm>
-            <a:off x="3420000" y="1373400"/>
-            <a:ext cx="1079280" cy="605880"/>
+            <a:ext cx="671400" cy="337680"/>
           </a:xfrm>
           <a:prstGeom prst="rect">
             <a:avLst/>
@@ -3844,13 +3800,13 @@
           <p:nvPr/>
         </p:nvPicPr>
         <p:blipFill>
-          <a:blip r:embed="rId4"/>
+          <a:blip r:embed="rId2"/>
           <a:stretch/>
         </p:blipFill>
         <p:spPr>
           <a:xfrm>
-            <a:off x="7882920" y="1260000"/>
-            <a:ext cx="756720" cy="954000"/>
+            <a:off x="540000" y="1385640"/>
+            <a:ext cx="941040" cy="532800"/>
           </a:xfrm>
           <a:prstGeom prst="rect">
             <a:avLst/>
@@ -3867,13 +3823,59 @@
           <p:nvPr/>
         </p:nvPicPr>
         <p:blipFill>
+          <a:blip r:embed="rId3"/>
+          <a:stretch/>
+        </p:blipFill>
+        <p:spPr>
+          <a:xfrm>
+            <a:off x="3420000" y="1373400"/>
+            <a:ext cx="1078200" cy="604800"/>
+          </a:xfrm>
+          <a:prstGeom prst="rect">
+            <a:avLst/>
+          </a:prstGeom>
+          <a:ln w="0">
+            <a:noFill/>
+          </a:ln>
+        </p:spPr>
+      </p:pic>
+      <p:pic>
+        <p:nvPicPr>
+          <p:cNvPr id="78" name="" descr=""/>
+          <p:cNvPicPr/>
+          <p:nvPr/>
+        </p:nvPicPr>
+        <p:blipFill>
+          <a:blip r:embed="rId4"/>
+          <a:stretch/>
+        </p:blipFill>
+        <p:spPr>
+          <a:xfrm>
+            <a:off x="7882920" y="1260000"/>
+            <a:ext cx="755640" cy="952920"/>
+          </a:xfrm>
+          <a:prstGeom prst="rect">
+            <a:avLst/>
+          </a:prstGeom>
+          <a:ln w="0">
+            <a:noFill/>
+          </a:ln>
+        </p:spPr>
+      </p:pic>
+      <p:pic>
+        <p:nvPicPr>
+          <p:cNvPr id="79" name="" descr=""/>
+          <p:cNvPicPr/>
+          <p:nvPr/>
+        </p:nvPicPr>
+        <p:blipFill>
           <a:blip r:embed="rId5"/>
           <a:stretch/>
         </p:blipFill>
         <p:spPr>
           <a:xfrm>
             <a:off x="2160000" y="1540800"/>
-            <a:ext cx="484560" cy="258480"/>
+            <a:ext cx="483480" cy="257400"/>
           </a:xfrm>
           <a:prstGeom prst="rect">
             <a:avLst/>
@@ -3885,7 +3887,7 @@
       </p:pic>
       <p:sp>
         <p:nvSpPr>
-          <p:cNvPr id="78" name=""/>
+          <p:cNvPr id="80" name=""/>
           <p:cNvSpPr/>
           <p:nvPr/>
         </p:nvSpPr>
@@ -3927,7 +3929,7 @@
       </p:sp>
       <p:sp>
         <p:nvSpPr>
-          <p:cNvPr id="79" name=""/>
+          <p:cNvPr id="81" name=""/>
           <p:cNvSpPr/>
           <p:nvPr/>
         </p:nvSpPr>
@@ -3969,7 +3971,7 @@
       </p:sp>
       <p:sp>
         <p:nvSpPr>
-          <p:cNvPr id="80" name=""/>
+          <p:cNvPr id="82" name=""/>
           <p:cNvSpPr/>
           <p:nvPr/>
         </p:nvSpPr>
@@ -4011,7 +4013,7 @@
       </p:sp>
       <p:sp>
         <p:nvSpPr>
-          <p:cNvPr id="81" name=""/>
+          <p:cNvPr id="83" name=""/>
           <p:cNvSpPr/>
           <p:nvPr/>
         </p:nvSpPr>
@@ -4053,7 +4055,7 @@
       </p:sp>
       <p:pic>
         <p:nvPicPr>
-          <p:cNvPr id="82" name="" descr=""/>
+          <p:cNvPr id="84" name="" descr=""/>
           <p:cNvPicPr/>
           <p:nvPr/>
         </p:nvPicPr>
@@ -4063,31 +4065,8 @@
         </p:blipFill>
         <p:spPr>
           <a:xfrm>
-            <a:off x="5040000" y="1535040"/>
-            <a:ext cx="633960" cy="264600"/>
-          </a:xfrm>
-          <a:prstGeom prst="rect">
-            <a:avLst/>
-          </a:prstGeom>
-          <a:ln w="0">
-            <a:noFill/>
-          </a:ln>
-        </p:spPr>
-      </p:pic>
-      <p:pic>
-        <p:nvPicPr>
-          <p:cNvPr id="83" name="" descr=""/>
-          <p:cNvPicPr/>
-          <p:nvPr/>
-        </p:nvPicPr>
-        <p:blipFill>
-          <a:blip r:embed="rId7"/>
-          <a:stretch/>
-        </p:blipFill>
-        <p:spPr>
-          <a:xfrm>
             <a:off x="6120000" y="1440000"/>
-            <a:ext cx="602280" cy="469440"/>
+            <a:ext cx="601200" cy="468360"/>
           </a:xfrm>
           <a:prstGeom prst="rect">
             <a:avLst/>
@@ -4099,7 +4078,7 @@
       </p:pic>
       <p:sp>
         <p:nvSpPr>
-          <p:cNvPr id="84" name=""/>
+          <p:cNvPr id="85" name=""/>
           <p:cNvSpPr/>
           <p:nvPr/>
         </p:nvSpPr>
@@ -4139,6 +4118,932 @@
           </a:p>
         </p:txBody>
       </p:sp>
+      <p:sp>
+        <p:nvSpPr>
+          <p:cNvPr id="86" name=""/>
+          <p:cNvSpPr/>
+          <p:nvPr/>
+        </p:nvSpPr>
+        <p:spPr>
+          <a:xfrm>
+            <a:off x="900000" y="1918800"/>
+            <a:ext cx="360" cy="421200"/>
+          </a:xfrm>
+          <a:prstGeom prst="line">
+            <a:avLst/>
+          </a:prstGeom>
+          <a:ln w="0">
+            <a:solidFill>
+              <a:srgbClr val="3465a4"/>
+            </a:solidFill>
+            <a:tailEnd len="med" type="triangle" w="med"/>
+          </a:ln>
+        </p:spPr>
+        <p:style>
+          <a:lnRef idx="0"/>
+          <a:fillRef idx="0"/>
+          <a:effectRef idx="0"/>
+          <a:fontRef idx="minor"/>
+        </p:style>
+        <p:txBody>
+          <a:bodyPr lIns="90000" rIns="90000" tIns="45000" bIns="45000" anchor="ctr">
+            <a:noAutofit/>
+          </a:bodyPr>
+          <a:p>
+            <a:endParaRPr b="0" lang="fr-FR" sz="1800" strike="noStrike" u="none">
+              <a:solidFill>
+                <a:srgbClr val="000000"/>
+              </a:solidFill>
+              <a:uFillTx/>
+              <a:latin typeface="Arial"/>
+            </a:endParaRPr>
+          </a:p>
+        </p:txBody>
+      </p:sp>
+      <p:sp>
+        <p:nvSpPr>
+          <p:cNvPr id="87" name=""/>
+          <p:cNvSpPr/>
+          <p:nvPr/>
+        </p:nvSpPr>
+        <p:spPr>
+          <a:xfrm>
+            <a:off x="7380000" y="2700000"/>
+            <a:ext cx="1439640" cy="359640"/>
+          </a:xfrm>
+          <a:prstGeom prst="ellipse">
+            <a:avLst/>
+          </a:prstGeom>
+          <a:solidFill>
+            <a:srgbClr val="ffffff"/>
+          </a:solidFill>
+          <a:ln w="0">
+            <a:solidFill>
+              <a:srgbClr val="3465a4"/>
+            </a:solidFill>
+          </a:ln>
+        </p:spPr>
+        <p:style>
+          <a:lnRef idx="0"/>
+          <a:fillRef idx="0"/>
+          <a:effectRef idx="0"/>
+          <a:fontRef idx="minor"/>
+        </p:style>
+        <p:txBody>
+          <a:bodyPr lIns="90000" rIns="90000" tIns="45000" bIns="45000" anchor="ctr">
+            <a:noAutofit/>
+          </a:bodyPr>
+          <a:p>
+            <a:pPr algn="ctr">
+              <a:lnSpc>
+                <a:spcPct val="100000"/>
+              </a:lnSpc>
+            </a:pPr>
+            <a:r>
+              <a:rPr b="0" lang="fr-FR" sz="900" strike="noStrike" u="none">
+                <a:solidFill>
+                  <a:srgbClr val="000000"/>
+                </a:solidFill>
+                <a:uFillTx/>
+                <a:latin typeface="Arial"/>
+              </a:rPr>
+              <a:t>Restaurateurs</a:t>
+            </a:r>
+            <a:endParaRPr b="0" lang="fr-FR" sz="900" strike="noStrike" u="none">
+              <a:solidFill>
+                <a:srgbClr val="000000"/>
+              </a:solidFill>
+              <a:uFillTx/>
+              <a:latin typeface="Arial"/>
+            </a:endParaRPr>
+          </a:p>
+        </p:txBody>
+      </p:sp>
+      <p:sp>
+        <p:nvSpPr>
+          <p:cNvPr id="88" name=""/>
+          <p:cNvSpPr/>
+          <p:nvPr/>
+        </p:nvSpPr>
+        <p:spPr>
+          <a:xfrm>
+            <a:off x="7920000" y="4320000"/>
+            <a:ext cx="1079640" cy="359640"/>
+          </a:xfrm>
+          <a:prstGeom prst="ellipse">
+            <a:avLst/>
+          </a:prstGeom>
+          <a:solidFill>
+            <a:srgbClr val="ffffff"/>
+          </a:solidFill>
+          <a:ln w="0">
+            <a:solidFill>
+              <a:srgbClr val="3465a4"/>
+            </a:solidFill>
+          </a:ln>
+        </p:spPr>
+        <p:style>
+          <a:lnRef idx="0"/>
+          <a:fillRef idx="0"/>
+          <a:effectRef idx="0"/>
+          <a:fontRef idx="minor"/>
+        </p:style>
+        <p:txBody>
+          <a:bodyPr lIns="90000" rIns="90000" tIns="45000" bIns="45000" anchor="ctr">
+            <a:noAutofit/>
+          </a:bodyPr>
+          <a:p>
+            <a:pPr algn="ctr">
+              <a:lnSpc>
+                <a:spcPct val="100000"/>
+              </a:lnSpc>
+            </a:pPr>
+            <a:r>
+              <a:rPr b="0" lang="fr-FR" sz="1800" strike="noStrike" u="none">
+                <a:solidFill>
+                  <a:srgbClr val="000000"/>
+                </a:solidFill>
+                <a:uFillTx/>
+                <a:latin typeface="Arial"/>
+              </a:rPr>
+              <a:t>Plats</a:t>
+            </a:r>
+            <a:endParaRPr b="0" lang="fr-FR" sz="1800" strike="noStrike" u="none">
+              <a:solidFill>
+                <a:srgbClr val="000000"/>
+              </a:solidFill>
+              <a:uFillTx/>
+              <a:latin typeface="Arial"/>
+            </a:endParaRPr>
+          </a:p>
+        </p:txBody>
+      </p:sp>
+      <p:sp>
+        <p:nvSpPr>
+          <p:cNvPr id="89" name=""/>
+          <p:cNvSpPr/>
+          <p:nvPr/>
+        </p:nvSpPr>
+        <p:spPr>
+          <a:xfrm>
+            <a:off x="6300000" y="4320000"/>
+            <a:ext cx="1619640" cy="359640"/>
+          </a:xfrm>
+          <a:prstGeom prst="ellipse">
+            <a:avLst/>
+          </a:prstGeom>
+          <a:solidFill>
+            <a:srgbClr val="ffffff"/>
+          </a:solidFill>
+          <a:ln w="0">
+            <a:solidFill>
+              <a:srgbClr val="3465a4"/>
+            </a:solidFill>
+          </a:ln>
+        </p:spPr>
+        <p:style>
+          <a:lnRef idx="0"/>
+          <a:fillRef idx="0"/>
+          <a:effectRef idx="0"/>
+          <a:fontRef idx="minor"/>
+        </p:style>
+        <p:txBody>
+          <a:bodyPr lIns="90000" rIns="90000" tIns="45000" bIns="45000" anchor="ctr">
+            <a:noAutofit/>
+          </a:bodyPr>
+          <a:p>
+            <a:pPr algn="ctr">
+              <a:lnSpc>
+                <a:spcPct val="100000"/>
+              </a:lnSpc>
+            </a:pPr>
+            <a:r>
+              <a:rPr b="0" lang="fr-FR" sz="1800" strike="noStrike" u="none">
+                <a:solidFill>
+                  <a:srgbClr val="000000"/>
+                </a:solidFill>
+                <a:uFillTx/>
+                <a:latin typeface="Arial"/>
+              </a:rPr>
+              <a:t>Category</a:t>
+            </a:r>
+            <a:endParaRPr b="0" lang="fr-FR" sz="1800" strike="noStrike" u="none">
+              <a:solidFill>
+                <a:srgbClr val="000000"/>
+              </a:solidFill>
+              <a:uFillTx/>
+              <a:latin typeface="Arial"/>
+            </a:endParaRPr>
+          </a:p>
+        </p:txBody>
+      </p:sp>
+      <p:sp>
+        <p:nvSpPr>
+          <p:cNvPr id="90" name=""/>
+          <p:cNvSpPr/>
+          <p:nvPr/>
+        </p:nvSpPr>
+        <p:spPr>
+          <a:xfrm>
+            <a:off x="5040000" y="4320000"/>
+            <a:ext cx="1259640" cy="359640"/>
+          </a:xfrm>
+          <a:prstGeom prst="ellipse">
+            <a:avLst/>
+          </a:prstGeom>
+          <a:solidFill>
+            <a:srgbClr val="ffffff"/>
+          </a:solidFill>
+          <a:ln w="0">
+            <a:solidFill>
+              <a:srgbClr val="3465a4"/>
+            </a:solidFill>
+          </a:ln>
+        </p:spPr>
+        <p:style>
+          <a:lnRef idx="0"/>
+          <a:fillRef idx="0"/>
+          <a:effectRef idx="0"/>
+          <a:fontRef idx="minor"/>
+        </p:style>
+        <p:txBody>
+          <a:bodyPr lIns="90000" rIns="90000" tIns="45000" bIns="45000" anchor="ctr">
+            <a:noAutofit/>
+          </a:bodyPr>
+          <a:p>
+            <a:pPr algn="ctr">
+              <a:lnSpc>
+                <a:spcPct val="100000"/>
+              </a:lnSpc>
+            </a:pPr>
+            <a:r>
+              <a:rPr b="0" lang="fr-FR" sz="1800" strike="noStrike" u="none">
+                <a:solidFill>
+                  <a:srgbClr val="000000"/>
+                </a:solidFill>
+                <a:uFillTx/>
+                <a:latin typeface="Arial"/>
+              </a:rPr>
+              <a:t>Menus</a:t>
+            </a:r>
+            <a:endParaRPr b="0" lang="fr-FR" sz="1800" strike="noStrike" u="none">
+              <a:solidFill>
+                <a:srgbClr val="000000"/>
+              </a:solidFill>
+              <a:uFillTx/>
+              <a:latin typeface="Arial"/>
+            </a:endParaRPr>
+          </a:p>
+        </p:txBody>
+      </p:sp>
+      <p:cxnSp>
+        <p:nvCxnSpPr>
+          <p:cNvPr id="91" name=""/>
+          <p:cNvCxnSpPr>
+            <a:stCxn id="87" idx="4"/>
+            <a:endCxn id="88" idx="0"/>
+          </p:cNvCxnSpPr>
+          <p:nvPr/>
+        </p:nvCxnSpPr>
+        <p:spPr>
+          <a:xfrm flipH="1" rot="16200000">
+            <a:off x="7650000" y="3509640"/>
+            <a:ext cx="1260720" cy="360360"/>
+          </a:xfrm>
+          <a:prstGeom prst="bentConnector3">
+            <a:avLst>
+              <a:gd name="adj1" fmla="val 50042"/>
+            </a:avLst>
+          </a:prstGeom>
+          <a:ln w="0">
+            <a:solidFill>
+              <a:srgbClr val="3465a4"/>
+            </a:solidFill>
+          </a:ln>
+        </p:spPr>
+      </p:cxnSp>
+      <p:cxnSp>
+        <p:nvCxnSpPr>
+          <p:cNvPr id="92" name=""/>
+          <p:cNvCxnSpPr>
+            <a:stCxn id="87" idx="4"/>
+            <a:endCxn id="89" idx="0"/>
+          </p:cNvCxnSpPr>
+          <p:nvPr/>
+        </p:nvCxnSpPr>
+        <p:spPr>
+          <a:xfrm rot="5400000">
+            <a:off x="6974640" y="3194640"/>
+            <a:ext cx="1260720" cy="990360"/>
+          </a:xfrm>
+          <a:prstGeom prst="bentConnector3">
+            <a:avLst>
+              <a:gd name="adj1" fmla="val 50042"/>
+            </a:avLst>
+          </a:prstGeom>
+          <a:ln w="0">
+            <a:solidFill>
+              <a:srgbClr val="3465a4"/>
+            </a:solidFill>
+          </a:ln>
+        </p:spPr>
+      </p:cxnSp>
+      <p:cxnSp>
+        <p:nvCxnSpPr>
+          <p:cNvPr id="93" name=""/>
+          <p:cNvCxnSpPr>
+            <a:stCxn id="87" idx="4"/>
+            <a:endCxn id="90" idx="0"/>
+          </p:cNvCxnSpPr>
+          <p:nvPr/>
+        </p:nvCxnSpPr>
+        <p:spPr>
+          <a:xfrm rot="5400000">
+            <a:off x="6254640" y="2474640"/>
+            <a:ext cx="1260720" cy="2430360"/>
+          </a:xfrm>
+          <a:prstGeom prst="bentConnector3">
+            <a:avLst>
+              <a:gd name="adj1" fmla="val 50042"/>
+            </a:avLst>
+          </a:prstGeom>
+          <a:ln w="0">
+            <a:solidFill>
+              <a:srgbClr val="3465a4"/>
+            </a:solidFill>
+          </a:ln>
+        </p:spPr>
+      </p:cxnSp>
+      <p:sp>
+        <p:nvSpPr>
+          <p:cNvPr id="94" name=""/>
+          <p:cNvSpPr/>
+          <p:nvPr/>
+        </p:nvSpPr>
+        <p:spPr>
+          <a:xfrm>
+            <a:off x="3420000" y="4320000"/>
+            <a:ext cx="1619640" cy="359640"/>
+          </a:xfrm>
+          <a:prstGeom prst="ellipse">
+            <a:avLst/>
+          </a:prstGeom>
+          <a:solidFill>
+            <a:srgbClr val="ffffff"/>
+          </a:solidFill>
+          <a:ln w="0">
+            <a:solidFill>
+              <a:srgbClr val="3465a4"/>
+            </a:solidFill>
+          </a:ln>
+        </p:spPr>
+        <p:style>
+          <a:lnRef idx="0"/>
+          <a:fillRef idx="0"/>
+          <a:effectRef idx="0"/>
+          <a:fontRef idx="minor"/>
+        </p:style>
+        <p:txBody>
+          <a:bodyPr lIns="90000" rIns="90000" tIns="45000" bIns="45000" anchor="ctr">
+            <a:noAutofit/>
+          </a:bodyPr>
+          <a:p>
+            <a:pPr algn="ctr">
+              <a:lnSpc>
+                <a:spcPct val="100000"/>
+              </a:lnSpc>
+            </a:pPr>
+            <a:r>
+              <a:rPr b="0" lang="fr-FR" sz="1800" strike="noStrike" u="none">
+                <a:solidFill>
+                  <a:srgbClr val="000000"/>
+                </a:solidFill>
+                <a:uFillTx/>
+                <a:latin typeface="Arial"/>
+              </a:rPr>
+              <a:t>Branding</a:t>
+            </a:r>
+            <a:endParaRPr b="0" lang="fr-FR" sz="1800" strike="noStrike" u="none">
+              <a:solidFill>
+                <a:srgbClr val="000000"/>
+              </a:solidFill>
+              <a:uFillTx/>
+              <a:latin typeface="Arial"/>
+            </a:endParaRPr>
+          </a:p>
+        </p:txBody>
+      </p:sp>
+      <p:cxnSp>
+        <p:nvCxnSpPr>
+          <p:cNvPr id="95" name=""/>
+          <p:cNvCxnSpPr>
+            <a:stCxn id="87" idx="4"/>
+            <a:endCxn id="94" idx="0"/>
+          </p:cNvCxnSpPr>
+          <p:nvPr/>
+        </p:nvCxnSpPr>
+        <p:spPr>
+          <a:xfrm rot="5400000">
+            <a:off x="5534640" y="1754640"/>
+            <a:ext cx="1260720" cy="3870360"/>
+          </a:xfrm>
+          <a:prstGeom prst="bentConnector3">
+            <a:avLst>
+              <a:gd name="adj1" fmla="val 50042"/>
+            </a:avLst>
+          </a:prstGeom>
+          <a:ln w="0">
+            <a:solidFill>
+              <a:srgbClr val="3465a4"/>
+            </a:solidFill>
+          </a:ln>
+        </p:spPr>
+      </p:cxnSp>
+      <p:pic>
+        <p:nvPicPr>
+          <p:cNvPr id="96" name="" descr=""/>
+          <p:cNvPicPr/>
+          <p:nvPr/>
+        </p:nvPicPr>
+        <p:blipFill>
+          <a:blip r:embed="rId7"/>
+          <a:stretch/>
+        </p:blipFill>
+        <p:spPr>
+          <a:xfrm>
+            <a:off x="4934160" y="1274400"/>
+            <a:ext cx="645480" cy="645480"/>
+          </a:xfrm>
+          <a:prstGeom prst="rect">
+            <a:avLst/>
+          </a:prstGeom>
+          <a:ln w="0">
+            <a:noFill/>
+          </a:ln>
+        </p:spPr>
+      </p:pic>
+      <p:cxnSp>
+        <p:nvCxnSpPr>
+          <p:cNvPr id="97" name=""/>
+          <p:cNvCxnSpPr>
+            <a:stCxn id="77" idx="2"/>
+            <a:endCxn id="87" idx="2"/>
+          </p:cNvCxnSpPr>
+          <p:nvPr/>
+        </p:nvCxnSpPr>
+        <p:spPr>
+          <a:xfrm flipH="1" rot="16200000">
+            <a:off x="5218560" y="718200"/>
+            <a:ext cx="902160" cy="3421440"/>
+          </a:xfrm>
+          <a:prstGeom prst="bentConnector2">
+            <a:avLst/>
+          </a:prstGeom>
+          <a:ln w="0">
+            <a:solidFill>
+              <a:srgbClr val="3465a4"/>
+            </a:solidFill>
+          </a:ln>
+        </p:spPr>
+      </p:cxnSp>
+      <p:cxnSp>
+        <p:nvCxnSpPr>
+          <p:cNvPr id="98" name=""/>
+          <p:cNvCxnSpPr>
+            <a:stCxn id="87" idx="0"/>
+            <a:endCxn id="78" idx="2"/>
+          </p:cNvCxnSpPr>
+          <p:nvPr/>
+        </p:nvCxnSpPr>
+        <p:spPr>
+          <a:xfrm flipH="1" flipV="1" rot="5400000">
+            <a:off x="7936560" y="2376000"/>
+            <a:ext cx="487440" cy="160920"/>
+          </a:xfrm>
+          <a:prstGeom prst="bentConnector3">
+            <a:avLst>
+              <a:gd name="adj1" fmla="val 49889"/>
+            </a:avLst>
+          </a:prstGeom>
+          <a:ln w="0">
+            <a:solidFill>
+              <a:srgbClr val="3465a4"/>
+            </a:solidFill>
+          </a:ln>
+        </p:spPr>
+      </p:cxnSp>
+      <p:cxnSp>
+        <p:nvCxnSpPr>
+          <p:cNvPr id="99" name=""/>
+          <p:cNvCxnSpPr>
+            <a:stCxn id="96" idx="2"/>
+            <a:endCxn id="87" idx="2"/>
+          </p:cNvCxnSpPr>
+          <p:nvPr/>
+        </p:nvCxnSpPr>
+        <p:spPr>
+          <a:xfrm flipH="1" rot="16200000">
+            <a:off x="5838480" y="1338120"/>
+            <a:ext cx="960480" cy="2123640"/>
+          </a:xfrm>
+          <a:prstGeom prst="bentConnector2">
+            <a:avLst/>
+          </a:prstGeom>
+          <a:ln w="0">
+            <a:solidFill>
+              <a:srgbClr val="3465a4"/>
+            </a:solidFill>
+          </a:ln>
+        </p:spPr>
+      </p:cxnSp>
+      <p:pic>
+        <p:nvPicPr>
+          <p:cNvPr id="100" name="" descr=""/>
+          <p:cNvPicPr/>
+          <p:nvPr/>
+        </p:nvPicPr>
+        <p:blipFill>
+          <a:blip r:embed="rId8"/>
+          <a:stretch/>
+        </p:blipFill>
+        <p:spPr>
+          <a:xfrm>
+            <a:off x="720000" y="2340000"/>
+            <a:ext cx="500400" cy="359640"/>
+          </a:xfrm>
+          <a:prstGeom prst="rect">
+            <a:avLst/>
+          </a:prstGeom>
+          <a:ln w="0">
+            <a:noFill/>
+          </a:ln>
+        </p:spPr>
+      </p:pic>
+      <p:pic>
+        <p:nvPicPr>
+          <p:cNvPr id="101" name="" descr=""/>
+          <p:cNvPicPr/>
+          <p:nvPr/>
+        </p:nvPicPr>
+        <p:blipFill>
+          <a:blip r:embed="rId9"/>
+          <a:stretch/>
+        </p:blipFill>
+        <p:spPr>
+          <a:xfrm>
+            <a:off x="1620000" y="2700000"/>
+            <a:ext cx="439920" cy="308880"/>
+          </a:xfrm>
+          <a:prstGeom prst="rect">
+            <a:avLst/>
+          </a:prstGeom>
+          <a:ln w="0">
+            <a:noFill/>
+          </a:ln>
+        </p:spPr>
+      </p:pic>
+      <p:pic>
+        <p:nvPicPr>
+          <p:cNvPr id="102" name="" descr=""/>
+          <p:cNvPicPr/>
+          <p:nvPr/>
+        </p:nvPicPr>
+        <p:blipFill>
+          <a:blip r:embed="rId10"/>
+          <a:stretch/>
+        </p:blipFill>
+        <p:spPr>
+          <a:xfrm>
+            <a:off x="775080" y="2880000"/>
+            <a:ext cx="484560" cy="359640"/>
+          </a:xfrm>
+          <a:prstGeom prst="rect">
+            <a:avLst/>
+          </a:prstGeom>
+          <a:ln w="0">
+            <a:noFill/>
+          </a:ln>
+        </p:spPr>
+      </p:pic>
+      <p:pic>
+        <p:nvPicPr>
+          <p:cNvPr id="103" name="" descr=""/>
+          <p:cNvPicPr/>
+          <p:nvPr/>
+        </p:nvPicPr>
+        <p:blipFill>
+          <a:blip r:embed="rId11"/>
+          <a:stretch/>
+        </p:blipFill>
+        <p:spPr>
+          <a:xfrm>
+            <a:off x="177120" y="2988360"/>
+            <a:ext cx="362520" cy="251280"/>
+          </a:xfrm>
+          <a:prstGeom prst="rect">
+            <a:avLst/>
+          </a:prstGeom>
+          <a:ln w="0">
+            <a:noFill/>
+          </a:ln>
+        </p:spPr>
+      </p:pic>
+      <p:pic>
+        <p:nvPicPr>
+          <p:cNvPr id="104" name="" descr=""/>
+          <p:cNvPicPr/>
+          <p:nvPr/>
+        </p:nvPicPr>
+        <p:blipFill>
+          <a:blip r:embed="rId12"/>
+          <a:stretch/>
+        </p:blipFill>
+        <p:spPr>
+          <a:xfrm>
+            <a:off x="1620000" y="3600000"/>
+            <a:ext cx="667080" cy="362880"/>
+          </a:xfrm>
+          <a:prstGeom prst="rect">
+            <a:avLst/>
+          </a:prstGeom>
+          <a:ln w="0">
+            <a:noFill/>
+          </a:ln>
+        </p:spPr>
+      </p:pic>
+      <p:pic>
+        <p:nvPicPr>
+          <p:cNvPr id="105" name="" descr=""/>
+          <p:cNvPicPr/>
+          <p:nvPr/>
+        </p:nvPicPr>
+        <p:blipFill>
+          <a:blip r:embed="rId13"/>
+          <a:stretch/>
+        </p:blipFill>
+        <p:spPr>
+          <a:xfrm>
+            <a:off x="900000" y="3600000"/>
+            <a:ext cx="648360" cy="387000"/>
+          </a:xfrm>
+          <a:prstGeom prst="rect">
+            <a:avLst/>
+          </a:prstGeom>
+          <a:ln w="0">
+            <a:noFill/>
+          </a:ln>
+        </p:spPr>
+      </p:pic>
+      <p:pic>
+        <p:nvPicPr>
+          <p:cNvPr id="106" name="" descr=""/>
+          <p:cNvPicPr/>
+          <p:nvPr/>
+        </p:nvPicPr>
+        <p:blipFill>
+          <a:blip r:embed="rId14"/>
+          <a:stretch/>
+        </p:blipFill>
+        <p:spPr>
+          <a:xfrm>
+            <a:off x="180000" y="3600000"/>
+            <a:ext cx="664920" cy="366120"/>
+          </a:xfrm>
+          <a:prstGeom prst="rect">
+            <a:avLst/>
+          </a:prstGeom>
+          <a:ln w="0">
+            <a:noFill/>
+          </a:ln>
+        </p:spPr>
+      </p:pic>
+      <p:pic>
+        <p:nvPicPr>
+          <p:cNvPr id="107" name="" descr=""/>
+          <p:cNvPicPr/>
+          <p:nvPr/>
+        </p:nvPicPr>
+        <p:blipFill>
+          <a:blip r:embed="rId15"/>
+          <a:stretch/>
+        </p:blipFill>
+        <p:spPr>
+          <a:xfrm>
+            <a:off x="1620000" y="4414680"/>
+            <a:ext cx="614880" cy="444960"/>
+          </a:xfrm>
+          <a:prstGeom prst="rect">
+            <a:avLst/>
+          </a:prstGeom>
+          <a:ln w="0">
+            <a:noFill/>
+          </a:ln>
+        </p:spPr>
+      </p:pic>
+      <p:cxnSp>
+        <p:nvCxnSpPr>
+          <p:cNvPr id="108" name=""/>
+          <p:cNvCxnSpPr>
+            <a:stCxn id="100" idx="1"/>
+            <a:endCxn id="103" idx="0"/>
+          </p:cNvCxnSpPr>
+          <p:nvPr/>
+        </p:nvCxnSpPr>
+        <p:spPr>
+          <a:xfrm flipV="1" rot="10800000">
+            <a:off x="357840" y="2519640"/>
+            <a:ext cx="362160" cy="469080"/>
+          </a:xfrm>
+          <a:prstGeom prst="bentConnector2">
+            <a:avLst/>
+          </a:prstGeom>
+          <a:ln w="0">
+            <a:solidFill>
+              <a:srgbClr val="3465a4"/>
+            </a:solidFill>
+          </a:ln>
+        </p:spPr>
+      </p:cxnSp>
+      <p:cxnSp>
+        <p:nvCxnSpPr>
+          <p:cNvPr id="109" name=""/>
+          <p:cNvCxnSpPr>
+            <a:stCxn id="102" idx="0"/>
+            <a:endCxn id="100" idx="2"/>
+          </p:cNvCxnSpPr>
+          <p:nvPr/>
+        </p:nvCxnSpPr>
+        <p:spPr>
+          <a:xfrm flipV="1" rot="16200000">
+            <a:off x="903600" y="2765880"/>
+            <a:ext cx="180720" cy="47520"/>
+          </a:xfrm>
+          <a:prstGeom prst="bentConnector3">
+            <a:avLst>
+              <a:gd name="adj1" fmla="val 49900"/>
+            </a:avLst>
+          </a:prstGeom>
+          <a:ln w="0">
+            <a:solidFill>
+              <a:srgbClr val="3465a4"/>
+            </a:solidFill>
+          </a:ln>
+        </p:spPr>
+      </p:cxnSp>
+      <p:cxnSp>
+        <p:nvCxnSpPr>
+          <p:cNvPr id="110" name=""/>
+          <p:cNvCxnSpPr>
+            <a:stCxn id="100" idx="3"/>
+            <a:endCxn id="101" idx="0"/>
+          </p:cNvCxnSpPr>
+          <p:nvPr/>
+        </p:nvCxnSpPr>
+        <p:spPr>
+          <a:xfrm>
+            <a:off x="1220400" y="2519640"/>
+            <a:ext cx="619920" cy="180720"/>
+          </a:xfrm>
+          <a:prstGeom prst="bentConnector2">
+            <a:avLst/>
+          </a:prstGeom>
+          <a:ln w="0">
+            <a:solidFill>
+              <a:srgbClr val="3465a4"/>
+            </a:solidFill>
+          </a:ln>
+        </p:spPr>
+      </p:cxnSp>
+      <p:cxnSp>
+        <p:nvCxnSpPr>
+          <p:cNvPr id="111" name=""/>
+          <p:cNvCxnSpPr>
+            <a:stCxn id="102" idx="2"/>
+            <a:endCxn id="106" idx="0"/>
+          </p:cNvCxnSpPr>
+          <p:nvPr/>
+        </p:nvCxnSpPr>
+        <p:spPr>
+          <a:xfrm rot="5400000">
+            <a:off x="584280" y="3167280"/>
+            <a:ext cx="360720" cy="505440"/>
+          </a:xfrm>
+          <a:prstGeom prst="bentConnector3">
+            <a:avLst>
+              <a:gd name="adj1" fmla="val 50149"/>
+            </a:avLst>
+          </a:prstGeom>
+          <a:ln w="0">
+            <a:solidFill>
+              <a:srgbClr val="3465a4"/>
+            </a:solidFill>
+          </a:ln>
+        </p:spPr>
+      </p:cxnSp>
+      <p:cxnSp>
+        <p:nvCxnSpPr>
+          <p:cNvPr id="112" name=""/>
+          <p:cNvCxnSpPr>
+            <a:stCxn id="102" idx="2"/>
+            <a:endCxn id="105" idx="0"/>
+          </p:cNvCxnSpPr>
+          <p:nvPr/>
+        </p:nvCxnSpPr>
+        <p:spPr>
+          <a:xfrm flipH="1" rot="16200000">
+            <a:off x="940680" y="3316320"/>
+            <a:ext cx="360720" cy="207000"/>
+          </a:xfrm>
+          <a:prstGeom prst="bentConnector3">
+            <a:avLst>
+              <a:gd name="adj1" fmla="val 50049"/>
+            </a:avLst>
+          </a:prstGeom>
+          <a:ln w="0">
+            <a:solidFill>
+              <a:srgbClr val="3465a4"/>
+            </a:solidFill>
+          </a:ln>
+        </p:spPr>
+      </p:cxnSp>
+      <p:cxnSp>
+        <p:nvCxnSpPr>
+          <p:cNvPr id="113" name=""/>
+          <p:cNvCxnSpPr>
+            <a:stCxn id="102" idx="2"/>
+            <a:endCxn id="104" idx="0"/>
+          </p:cNvCxnSpPr>
+          <p:nvPr/>
+        </p:nvCxnSpPr>
+        <p:spPr>
+          <a:xfrm flipH="1" rot="16200000">
+            <a:off x="1305360" y="2951640"/>
+            <a:ext cx="360720" cy="936360"/>
+          </a:xfrm>
+          <a:prstGeom prst="bentConnector3">
+            <a:avLst>
+              <a:gd name="adj1" fmla="val 50049"/>
+            </a:avLst>
+          </a:prstGeom>
+          <a:ln w="0">
+            <a:solidFill>
+              <a:srgbClr val="3465a4"/>
+            </a:solidFill>
+          </a:ln>
+        </p:spPr>
+      </p:cxnSp>
+      <p:cxnSp>
+        <p:nvCxnSpPr>
+          <p:cNvPr id="114" name=""/>
+          <p:cNvCxnSpPr>
+            <a:stCxn id="104" idx="2"/>
+            <a:endCxn id="107" idx="0"/>
+          </p:cNvCxnSpPr>
+          <p:nvPr/>
+        </p:nvCxnSpPr>
+        <p:spPr>
+          <a:xfrm rot="5400000">
+            <a:off x="1714320" y="4175640"/>
+            <a:ext cx="452160" cy="26280"/>
+          </a:xfrm>
+          <a:prstGeom prst="bentConnector3">
+            <a:avLst>
+              <a:gd name="adj1" fmla="val 50119"/>
+            </a:avLst>
+          </a:prstGeom>
+          <a:ln w="0">
+            <a:solidFill>
+              <a:srgbClr val="3465a4"/>
+            </a:solidFill>
+          </a:ln>
+        </p:spPr>
+      </p:cxnSp>
+      <p:cxnSp>
+        <p:nvCxnSpPr>
+          <p:cNvPr id="115" name=""/>
+          <p:cNvCxnSpPr>
+            <a:stCxn id="102" idx="3"/>
+            <a:endCxn id="107" idx="3"/>
+          </p:cNvCxnSpPr>
+          <p:nvPr/>
+        </p:nvCxnSpPr>
+        <p:spPr>
+          <a:xfrm>
+            <a:off x="1259640" y="3059640"/>
+            <a:ext cx="975600" cy="1577880"/>
+          </a:xfrm>
+          <a:prstGeom prst="bentConnector3">
+            <a:avLst>
+              <a:gd name="adj1" fmla="val 147729"/>
+            </a:avLst>
+          </a:prstGeom>
+          <a:ln w="0">
+            <a:solidFill>
+              <a:srgbClr val="3465a4"/>
+            </a:solidFill>
+          </a:ln>
+        </p:spPr>
+      </p:cxnSp>
     </p:spTree>
   </p:cSld>
   <mc:AlternateContent>
@@ -4171,7 +5076,7 @@
       </p:grpSpPr>
       <p:sp>
         <p:nvSpPr>
-          <p:cNvPr id="85" name="PlaceHolder 1"/>
+          <p:cNvPr id="116" name="PlaceHolder 1"/>
           <p:cNvSpPr>
             <a:spLocks noGrp="1"/>
           </p:cNvSpPr>
@@ -4182,7 +5087,7 @@
         <p:spPr>
           <a:xfrm>
             <a:off x="311760" y="444960"/>
-            <a:ext cx="8518680" cy="570960"/>
+            <a:ext cx="8517600" cy="569880"/>
           </a:xfrm>
           <a:prstGeom prst="rect">
             <a:avLst/>
@@ -4232,14 +5137,14 @@
       </p:sp>
       <p:sp>
         <p:nvSpPr>
-          <p:cNvPr id="86" name="Google Shape;103;p19"/>
+          <p:cNvPr id="117" name="Google Shape;103;p19"/>
           <p:cNvSpPr/>
           <p:nvPr/>
         </p:nvSpPr>
         <p:spPr>
           <a:xfrm>
             <a:off x="0" y="0"/>
-            <a:ext cx="4909680" cy="351360"/>
+            <a:ext cx="4908600" cy="351360"/>
           </a:xfrm>
           <a:prstGeom prst="rect">
             <a:avLst/>
@@ -4294,14 +5199,14 @@
       </p:sp>
       <p:sp>
         <p:nvSpPr>
-          <p:cNvPr id="87" name="Google Shape;104;p19"/>
+          <p:cNvPr id="118" name="Google Shape;104;p19"/>
           <p:cNvSpPr/>
           <p:nvPr/>
         </p:nvSpPr>
         <p:spPr>
           <a:xfrm>
             <a:off x="434880" y="1085400"/>
-            <a:ext cx="8318880" cy="834840"/>
+            <a:ext cx="8317800" cy="834840"/>
           </a:xfrm>
           <a:prstGeom prst="rect">
             <a:avLst/>
@@ -4376,14 +5281,14 @@
       </p:sp>
       <p:sp>
         <p:nvSpPr>
-          <p:cNvPr id="88" name="Google Shape;105;p19"/>
+          <p:cNvPr id="119" name="Google Shape;105;p19"/>
           <p:cNvSpPr/>
           <p:nvPr/>
         </p:nvSpPr>
         <p:spPr>
           <a:xfrm>
             <a:off x="-4680" y="0"/>
-            <a:ext cx="9151920" cy="237960"/>
+            <a:ext cx="9150840" cy="236880"/>
           </a:xfrm>
           <a:prstGeom prst="rect">
             <a:avLst/>
@@ -4429,7 +5334,7 @@
       </p:sp>
       <p:pic>
         <p:nvPicPr>
-          <p:cNvPr id="89" name="Google Shape;106;p19" descr=""/>
+          <p:cNvPr id="120" name="Google Shape;106;p19" descr=""/>
           <p:cNvPicPr/>
           <p:nvPr/>
         </p:nvPicPr>
@@ -4440,7 +5345,7 @@
         <p:spPr>
           <a:xfrm>
             <a:off x="8469720" y="0"/>
-            <a:ext cx="672480" cy="338760"/>
+            <a:ext cx="671400" cy="337680"/>
           </a:xfrm>
           <a:prstGeom prst="rect">
             <a:avLst/>
@@ -4452,7 +5357,7 @@
       </p:pic>
       <p:pic>
         <p:nvPicPr>
-          <p:cNvPr id="90" name="" descr=""/>
+          <p:cNvPr id="121" name="" descr=""/>
           <p:cNvPicPr/>
           <p:nvPr/>
         </p:nvPicPr>
@@ -4463,7 +5368,7 @@
         <p:spPr>
           <a:xfrm>
             <a:off x="933480" y="900000"/>
-            <a:ext cx="6985800" cy="4102200"/>
+            <a:ext cx="6984720" cy="4101120"/>
           </a:xfrm>
           <a:prstGeom prst="rect">
             <a:avLst/>
@@ -4503,460 +5408,9 @@
           <a:chExt cx="0" cy="0"/>
         </a:xfrm>
       </p:grpSpPr>
-      <p:sp>
-        <p:nvSpPr>
-          <p:cNvPr id="91" name="PlaceHolder 1"/>
-          <p:cNvSpPr>
-            <a:spLocks noGrp="1"/>
-          </p:cNvSpPr>
-          <p:nvPr>
-            <p:ph type="title"/>
-          </p:nvPr>
-        </p:nvSpPr>
-        <p:spPr>
-          <a:xfrm>
-            <a:off x="311760" y="444960"/>
-            <a:ext cx="8518680" cy="570960"/>
-          </a:xfrm>
-          <a:prstGeom prst="rect">
-            <a:avLst/>
-          </a:prstGeom>
-          <a:noFill/>
-          <a:ln w="0">
-            <a:noFill/>
-          </a:ln>
-        </p:spPr>
-        <p:txBody>
-          <a:bodyPr lIns="91440" rIns="91440" tIns="91440" bIns="91440" anchor="t">
-            <a:normAutofit/>
-          </a:bodyPr>
-          <a:p>
-            <a:pPr indent="0">
-              <a:lnSpc>
-                <a:spcPct val="115000"/>
-              </a:lnSpc>
-              <a:spcAft>
-                <a:spcPts val="1199"/>
-              </a:spcAft>
-              <a:buNone/>
-              <a:tabLst>
-                <a:tab algn="l" pos="0"/>
-              </a:tabLst>
-            </a:pPr>
-            <a:r>
-              <a:rPr b="0" lang="fr" sz="2000" strike="noStrike" u="none">
-                <a:solidFill>
-                  <a:schemeClr val="dk1"/>
-                </a:solidFill>
-                <a:uFillTx/>
-                <a:latin typeface="Montserrat"/>
-                <a:ea typeface="Montserrat"/>
-              </a:rPr>
-              <a:t>Veille Technologique</a:t>
-            </a:r>
-            <a:endParaRPr b="0" lang="fr-FR" sz="2000" strike="noStrike" u="none">
-              <a:solidFill>
-                <a:srgbClr val="000000"/>
-              </a:solidFill>
-              <a:uFillTx/>
-              <a:latin typeface="Arial"/>
-            </a:endParaRPr>
-          </a:p>
-        </p:txBody>
-      </p:sp>
-      <p:sp>
-        <p:nvSpPr>
-          <p:cNvPr id="92" name="Google Shape;113;p20"/>
-          <p:cNvSpPr/>
-          <p:nvPr/>
-        </p:nvSpPr>
-        <p:spPr>
-          <a:xfrm>
-            <a:off x="0" y="0"/>
-            <a:ext cx="4909680" cy="351360"/>
-          </a:xfrm>
-          <a:prstGeom prst="rect">
-            <a:avLst/>
-          </a:prstGeom>
-          <a:noFill/>
-          <a:ln w="0">
-            <a:noFill/>
-          </a:ln>
-        </p:spPr>
-        <p:style>
-          <a:lnRef idx="0"/>
-          <a:fillRef idx="0"/>
-          <a:effectRef idx="0"/>
-          <a:fontRef idx="minor"/>
-        </p:style>
-        <p:txBody>
-          <a:bodyPr lIns="90000" rIns="90000" tIns="88200" bIns="88200" anchor="t">
-            <a:spAutoFit/>
-          </a:bodyPr>
-          <a:p>
-            <a:pPr>
-              <a:lnSpc>
-                <a:spcPct val="115000"/>
-              </a:lnSpc>
-              <a:spcAft>
-                <a:spcPts val="1199"/>
-              </a:spcAft>
-              <a:tabLst>
-                <a:tab algn="l" pos="0"/>
-              </a:tabLst>
-            </a:pPr>
-            <a:r>
-              <a:rPr b="0" lang="fr" sz="1000" strike="noStrike" u="none">
-                <a:solidFill>
-                  <a:schemeClr val="dk2"/>
-                </a:solidFill>
-                <a:uFillTx/>
-                <a:latin typeface="Montserrat"/>
-                <a:ea typeface="Montserrat"/>
-              </a:rPr>
-              <a:t>Présentation de l’usage du no-code</a:t>
-            </a:r>
-            <a:endParaRPr b="0" lang="fr-FR" sz="1000" strike="noStrike" u="none">
-              <a:solidFill>
-                <a:srgbClr val="000000"/>
-              </a:solidFill>
-              <a:uFillTx/>
-              <a:latin typeface="Arial"/>
-            </a:endParaRPr>
-          </a:p>
-        </p:txBody>
-      </p:sp>
-      <p:sp>
-        <p:nvSpPr>
-          <p:cNvPr id="93" name="Google Shape;114;p20"/>
-          <p:cNvSpPr/>
-          <p:nvPr/>
-        </p:nvSpPr>
-        <p:spPr>
-          <a:xfrm>
-            <a:off x="434880" y="1085400"/>
-            <a:ext cx="8318880" cy="3702960"/>
-          </a:xfrm>
-          <a:prstGeom prst="rect">
-            <a:avLst/>
-          </a:prstGeom>
-          <a:noFill/>
-          <a:ln w="0">
-            <a:noFill/>
-          </a:ln>
-        </p:spPr>
-        <p:style>
-          <a:lnRef idx="0"/>
-          <a:fillRef idx="0"/>
-          <a:effectRef idx="0"/>
-          <a:fontRef idx="minor"/>
-        </p:style>
-        <p:txBody>
-          <a:bodyPr lIns="90000" rIns="90000" tIns="91440" bIns="91440" anchor="t">
-            <a:spAutoFit/>
-          </a:bodyPr>
-          <a:p>
-            <a:pPr marL="457200" indent="-324000">
-              <a:lnSpc>
-                <a:spcPct val="150000"/>
-              </a:lnSpc>
-              <a:buClr>
-                <a:srgbClr val="0d0d0d"/>
-              </a:buClr>
-              <a:buFont typeface="Montserrat"/>
-              <a:buChar char="●"/>
-            </a:pPr>
-            <a:r>
-              <a:rPr b="0" lang="fr" sz="1400" strike="noStrike" u="none">
-                <a:solidFill>
-                  <a:srgbClr val="0d0d0d"/>
-                </a:solidFill>
-                <a:highlight>
-                  <a:srgbClr val="ffffff"/>
-                </a:highlight>
-                <a:uFillTx/>
-                <a:latin typeface="Montserrat"/>
-                <a:ea typeface="Montserrat"/>
-              </a:rPr>
-              <a:t>La veille technologique comporte la documentation nécéssaire pour garantir un savoir et des exemples sur</a:t>
-            </a:r>
-            <a:endParaRPr b="0" lang="fr-FR" sz="1400" strike="noStrike" u="none">
-              <a:solidFill>
-                <a:srgbClr val="000000"/>
-              </a:solidFill>
-              <a:uFillTx/>
-              <a:latin typeface="Arial"/>
-            </a:endParaRPr>
-          </a:p>
-          <a:p>
-            <a:pPr marL="457200" indent="-324000">
-              <a:lnSpc>
-                <a:spcPct val="150000"/>
-              </a:lnSpc>
-              <a:buClr>
-                <a:srgbClr val="0d0d0d"/>
-              </a:buClr>
-              <a:buFont typeface="Montserrat"/>
-              <a:buChar char="●"/>
-            </a:pPr>
-            <a:r>
-              <a:rPr b="0" lang="fr" sz="1400" strike="noStrike" u="none">
-                <a:solidFill>
-                  <a:srgbClr val="0d0d0d"/>
-                </a:solidFill>
-                <a:highlight>
-                  <a:srgbClr val="ffffff"/>
-                </a:highlight>
-                <a:uFillTx/>
-                <a:latin typeface="Montserrat"/>
-                <a:ea typeface="Montserrat"/>
-              </a:rPr>
-              <a:t>L’installation</a:t>
-            </a:r>
-            <a:endParaRPr b="0" lang="fr-FR" sz="1400" strike="noStrike" u="none">
-              <a:solidFill>
-                <a:srgbClr val="000000"/>
-              </a:solidFill>
-              <a:uFillTx/>
-              <a:latin typeface="Arial"/>
-            </a:endParaRPr>
-          </a:p>
-          <a:p>
-            <a:pPr marL="457200" indent="-324000">
-              <a:lnSpc>
-                <a:spcPct val="150000"/>
-              </a:lnSpc>
-              <a:buClr>
-                <a:srgbClr val="0d0d0d"/>
-              </a:buClr>
-              <a:buFont typeface="Montserrat"/>
-              <a:buChar char="●"/>
-            </a:pPr>
-            <a:r>
-              <a:rPr b="0" lang="fr" sz="1400" strike="noStrike" u="none">
-                <a:solidFill>
-                  <a:srgbClr val="0d0d0d"/>
-                </a:solidFill>
-                <a:highlight>
-                  <a:srgbClr val="ffffff"/>
-                </a:highlight>
-                <a:uFillTx/>
-                <a:latin typeface="Montserrat"/>
-                <a:ea typeface="Montserrat"/>
-              </a:rPr>
-              <a:t>L’utilisation</a:t>
-            </a:r>
-            <a:endParaRPr b="0" lang="fr-FR" sz="1400" strike="noStrike" u="none">
-              <a:solidFill>
-                <a:srgbClr val="000000"/>
-              </a:solidFill>
-              <a:uFillTx/>
-              <a:latin typeface="Arial"/>
-            </a:endParaRPr>
-          </a:p>
-          <a:p>
-            <a:pPr marL="457200" indent="-324000">
-              <a:lnSpc>
-                <a:spcPct val="150000"/>
-              </a:lnSpc>
-              <a:buClr>
-                <a:srgbClr val="0d0d0d"/>
-              </a:buClr>
-              <a:buFont typeface="Montserrat"/>
-              <a:buChar char="●"/>
-            </a:pPr>
-            <a:r>
-              <a:rPr b="0" lang="fr" sz="1400" strike="noStrike" u="none">
-                <a:solidFill>
-                  <a:srgbClr val="0d0d0d"/>
-                </a:solidFill>
-                <a:highlight>
-                  <a:srgbClr val="ffffff"/>
-                </a:highlight>
-                <a:uFillTx/>
-                <a:latin typeface="Montserrat"/>
-                <a:ea typeface="Montserrat"/>
-              </a:rPr>
-              <a:t>L’éventuel mise à jour des technologies utilisés</a:t>
-            </a:r>
-            <a:endParaRPr b="0" lang="fr-FR" sz="1400" strike="noStrike" u="none">
-              <a:solidFill>
-                <a:srgbClr val="000000"/>
-              </a:solidFill>
-              <a:uFillTx/>
-              <a:latin typeface="Arial"/>
-            </a:endParaRPr>
-          </a:p>
-          <a:p>
-            <a:pPr>
-              <a:lnSpc>
-                <a:spcPct val="150000"/>
-              </a:lnSpc>
-            </a:pPr>
-            <a:endParaRPr b="0" lang="fr-FR" sz="1400" strike="noStrike" u="none">
-              <a:solidFill>
-                <a:srgbClr val="000000"/>
-              </a:solidFill>
-              <a:uFillTx/>
-              <a:latin typeface="Arial"/>
-            </a:endParaRPr>
-          </a:p>
-          <a:p>
-            <a:pPr>
-              <a:lnSpc>
-                <a:spcPct val="150000"/>
-              </a:lnSpc>
-            </a:pPr>
-            <a:r>
-              <a:rPr b="0" lang="fr" sz="1400" strike="noStrike" u="none">
-                <a:solidFill>
-                  <a:srgbClr val="0d0d0d"/>
-                </a:solidFill>
-                <a:highlight>
-                  <a:srgbClr val="ffffff"/>
-                </a:highlight>
-                <a:uFillTx/>
-                <a:latin typeface="Montserrat"/>
-                <a:ea typeface="Montserrat"/>
-              </a:rPr>
-              <a:t>Les éléments sont classé par colonne, du plus important, l’installation, ensuite l’utilisation, puis lien pour avoir des infos sur les mises à jour de sources ‘officiel’</a:t>
-            </a:r>
-            <a:endParaRPr b="0" lang="fr-FR" sz="1400" strike="noStrike" u="none">
-              <a:solidFill>
-                <a:srgbClr val="000000"/>
-              </a:solidFill>
-              <a:uFillTx/>
-              <a:latin typeface="Arial"/>
-            </a:endParaRPr>
-          </a:p>
-          <a:p>
-            <a:pPr>
-              <a:lnSpc>
-                <a:spcPct val="150000"/>
-              </a:lnSpc>
-            </a:pPr>
-            <a:endParaRPr b="0" lang="fr-FR" sz="1400" strike="noStrike" u="none">
-              <a:solidFill>
-                <a:srgbClr val="000000"/>
-              </a:solidFill>
-              <a:uFillTx/>
-              <a:latin typeface="Arial"/>
-            </a:endParaRPr>
-          </a:p>
-          <a:p>
-            <a:pPr>
-              <a:lnSpc>
-                <a:spcPct val="150000"/>
-              </a:lnSpc>
-            </a:pPr>
-            <a:r>
-              <a:rPr b="0" lang="fr" sz="1400" strike="noStrike" u="none">
-                <a:solidFill>
-                  <a:srgbClr val="0d0d0d"/>
-                </a:solidFill>
-                <a:highlight>
-                  <a:srgbClr val="ffffff"/>
-                </a:highlight>
-                <a:uFillTx/>
-                <a:latin typeface="Montserrat"/>
-                <a:ea typeface="Montserrat"/>
-              </a:rPr>
-              <a:t>Backlog refinement avec l’équipe pour mettre au clair les sprint</a:t>
-            </a:r>
-            <a:endParaRPr b="0" lang="fr-FR" sz="1400" strike="noStrike" u="none">
-              <a:solidFill>
-                <a:srgbClr val="000000"/>
-              </a:solidFill>
-              <a:uFillTx/>
-              <a:latin typeface="Arial"/>
-            </a:endParaRPr>
-          </a:p>
-          <a:p>
-            <a:pPr>
-              <a:lnSpc>
-                <a:spcPct val="150000"/>
-              </a:lnSpc>
-            </a:pPr>
-            <a:r>
-              <a:rPr b="0" lang="fr" sz="1400" strike="noStrike" u="none">
-                <a:solidFill>
-                  <a:srgbClr val="0d0d0d"/>
-                </a:solidFill>
-                <a:highlight>
-                  <a:srgbClr val="ffffff"/>
-                </a:highlight>
-                <a:uFillTx/>
-                <a:latin typeface="Montserrat"/>
-                <a:ea typeface="Montserrat"/>
-              </a:rPr>
-              <a:t>Sprint Planning avec le propriétaire du produit ‘product owner’</a:t>
-            </a:r>
-            <a:endParaRPr b="0" lang="fr-FR" sz="1400" strike="noStrike" u="none">
-              <a:solidFill>
-                <a:srgbClr val="000000"/>
-              </a:solidFill>
-              <a:uFillTx/>
-              <a:latin typeface="Arial"/>
-            </a:endParaRPr>
-          </a:p>
-        </p:txBody>
-      </p:sp>
-      <p:sp>
-        <p:nvSpPr>
-          <p:cNvPr id="94" name="Google Shape;115;p20"/>
-          <p:cNvSpPr/>
-          <p:nvPr/>
-        </p:nvSpPr>
-        <p:spPr>
-          <a:xfrm>
-            <a:off x="-4680" y="0"/>
-            <a:ext cx="9151920" cy="237960"/>
-          </a:xfrm>
-          <a:prstGeom prst="rect">
-            <a:avLst/>
-          </a:prstGeom>
-          <a:solidFill>
-            <a:srgbClr val="fce5cd"/>
-          </a:solidFill>
-          <a:ln w="9525">
-            <a:solidFill>
-              <a:srgbClr val="f7edde"/>
-            </a:solidFill>
-            <a:round/>
-          </a:ln>
-        </p:spPr>
-        <p:style>
-          <a:lnRef idx="0"/>
-          <a:fillRef idx="0"/>
-          <a:effectRef idx="0"/>
-          <a:fontRef idx="minor"/>
-        </p:style>
-        <p:txBody>
-          <a:bodyPr lIns="90000" rIns="90000" tIns="91440" bIns="91440" anchor="ctr">
-            <a:noAutofit/>
-          </a:bodyPr>
-          <a:p>
-            <a:pPr algn="ctr">
-              <a:lnSpc>
-                <a:spcPct val="100000"/>
-              </a:lnSpc>
-              <a:tabLst>
-                <a:tab algn="l" pos="0"/>
-              </a:tabLst>
-            </a:pPr>
-            <a:endParaRPr b="0" lang="fr-FR" sz="1400" strike="noStrike" u="none">
-              <a:solidFill>
-                <a:srgbClr val="000000"/>
-              </a:solidFill>
-              <a:uFillTx/>
-              <a:latin typeface="Arial"/>
-            </a:endParaRPr>
-          </a:p>
-        </p:txBody>
-      </p:sp>
       <p:pic>
         <p:nvPicPr>
-          <p:cNvPr id="95" name="Google Shape;116;p20" descr=""/>
+          <p:cNvPr id="122" name="" descr=""/>
           <p:cNvPicPr/>
           <p:nvPr/>
         </p:nvPicPr>
@@ -4966,8 +5420,8 @@
         </p:blipFill>
         <p:spPr>
           <a:xfrm>
-            <a:off x="8469720" y="0"/>
-            <a:ext cx="672480" cy="338760"/>
+            <a:off x="190080" y="180000"/>
+            <a:ext cx="8809920" cy="4787280"/>
           </a:xfrm>
           <a:prstGeom prst="rect">
             <a:avLst/>
@@ -5007,9 +5461,94 @@
           <a:chExt cx="0" cy="0"/>
         </a:xfrm>
       </p:grpSpPr>
+      <p:sp>
+        <p:nvSpPr>
+          <p:cNvPr id="123" name="PlaceHolder 1"/>
+          <p:cNvSpPr>
+            <a:spLocks noGrp="1"/>
+          </p:cNvSpPr>
+          <p:nvPr>
+            <p:ph type="title"/>
+          </p:nvPr>
+        </p:nvSpPr>
+        <p:spPr>
+          <a:xfrm>
+            <a:off x="311760" y="744480"/>
+            <a:ext cx="8517600" cy="2049840"/>
+          </a:xfrm>
+          <a:prstGeom prst="rect">
+            <a:avLst/>
+          </a:prstGeom>
+          <a:noFill/>
+          <a:ln w="0">
+            <a:noFill/>
+          </a:ln>
+        </p:spPr>
+        <p:txBody>
+          <a:bodyPr lIns="0" rIns="0" tIns="0" bIns="0" anchor="ctr">
+            <a:noAutofit/>
+          </a:bodyPr>
+          <a:p>
+            <a:pPr indent="0" algn="ctr">
+              <a:buNone/>
+            </a:pPr>
+            <a:endParaRPr b="0" lang="fr-FR" sz="4400" strike="noStrike" u="none">
+              <a:solidFill>
+                <a:srgbClr val="000000"/>
+              </a:solidFill>
+              <a:uFillTx/>
+              <a:latin typeface="Arial"/>
+            </a:endParaRPr>
+          </a:p>
+        </p:txBody>
+      </p:sp>
+      <p:sp>
+        <p:nvSpPr>
+          <p:cNvPr id="124" name="PlaceHolder 2"/>
+          <p:cNvSpPr>
+            <a:spLocks noGrp="1"/>
+          </p:cNvSpPr>
+          <p:nvPr>
+            <p:ph/>
+          </p:nvPr>
+        </p:nvSpPr>
+        <p:spPr>
+          <a:xfrm>
+            <a:off x="457200" y="1203480"/>
+            <a:ext cx="8228880" cy="2982600"/>
+          </a:xfrm>
+          <a:prstGeom prst="rect">
+            <a:avLst/>
+          </a:prstGeom>
+          <a:noFill/>
+          <a:ln w="0">
+            <a:noFill/>
+          </a:ln>
+        </p:spPr>
+        <p:txBody>
+          <a:bodyPr lIns="0" rIns="0" tIns="0" bIns="0" anchor="t">
+            <a:normAutofit/>
+          </a:bodyPr>
+          <a:p>
+            <a:pPr indent="0">
+              <a:spcBef>
+                <a:spcPts val="1417"/>
+              </a:spcBef>
+              <a:buNone/>
+            </a:pPr>
+            <a:endParaRPr b="0" lang="fr-FR" sz="3200" strike="noStrike" u="none">
+              <a:solidFill>
+                <a:srgbClr val="000000"/>
+              </a:solidFill>
+              <a:uFillTx/>
+              <a:latin typeface="Arial"/>
+            </a:endParaRPr>
+          </a:p>
+        </p:txBody>
+      </p:sp>
       <p:pic>
         <p:nvPicPr>
-          <p:cNvPr id="96" name="" descr=""/>
+          <p:cNvPr id="125" name="" descr=""/>
           <p:cNvPicPr/>
           <p:nvPr/>
         </p:nvPicPr>
@@ -5019,8 +5558,8 @@
         </p:blipFill>
         <p:spPr>
           <a:xfrm>
-            <a:off x="196560" y="291960"/>
-            <a:ext cx="8622720" cy="4567320"/>
+            <a:off x="180000" y="180000"/>
+            <a:ext cx="8783640" cy="4766400"/>
           </a:xfrm>
           <a:prstGeom prst="rect">
             <a:avLst/>
@@ -5044,6 +5583,563 @@
 </file>
 
 <file path=ppt/slides/slide14.xml><?xml version="1.0" encoding="utf-8"?>
+<p:sld xmlns:a="http://schemas.openxmlformats.org/drawingml/2006/main" xmlns:p="http://schemas.openxmlformats.org/presentationml/2006/main" xmlns:r="http://schemas.openxmlformats.org/officeDocument/2006/relationships" xmlns:p14="http://schemas.microsoft.com/office/powerpoint/2010/main" xmlns:p15="http://schemas.microsoft.com/office/powerpoint/2012/main" xmlns:mc="http://schemas.openxmlformats.org/markup-compatibility/2006">
+  <p:cSld>
+    <p:spTree>
+      <p:nvGrpSpPr>
+        <p:cNvPr id="1" name=""/>
+        <p:cNvGrpSpPr/>
+        <p:nvPr/>
+      </p:nvGrpSpPr>
+      <p:grpSpPr>
+        <a:xfrm>
+          <a:off x="0" y="0"/>
+          <a:ext cx="0" cy="0"/>
+          <a:chOff x="0" y="0"/>
+          <a:chExt cx="0" cy="0"/>
+        </a:xfrm>
+      </p:grpSpPr>
+      <p:sp>
+        <p:nvSpPr>
+          <p:cNvPr id="126" name="PlaceHolder 1"/>
+          <p:cNvSpPr>
+            <a:spLocks noGrp="1"/>
+          </p:cNvSpPr>
+          <p:nvPr>
+            <p:ph type="title"/>
+          </p:nvPr>
+        </p:nvSpPr>
+        <p:spPr>
+          <a:xfrm>
+            <a:off x="311760" y="444960"/>
+            <a:ext cx="8517600" cy="569880"/>
+          </a:xfrm>
+          <a:prstGeom prst="rect">
+            <a:avLst/>
+          </a:prstGeom>
+          <a:noFill/>
+          <a:ln w="0">
+            <a:noFill/>
+          </a:ln>
+        </p:spPr>
+        <p:txBody>
+          <a:bodyPr lIns="91440" rIns="91440" tIns="91440" bIns="91440" anchor="t">
+            <a:normAutofit/>
+          </a:bodyPr>
+          <a:p>
+            <a:pPr indent="0">
+              <a:lnSpc>
+                <a:spcPct val="115000"/>
+              </a:lnSpc>
+              <a:spcAft>
+                <a:spcPts val="1199"/>
+              </a:spcAft>
+              <a:buNone/>
+              <a:tabLst>
+                <a:tab algn="l" pos="0"/>
+              </a:tabLst>
+            </a:pPr>
+            <a:r>
+              <a:rPr b="0" lang="fr" sz="2000" strike="noStrike" u="none">
+                <a:solidFill>
+                  <a:schemeClr val="dk1"/>
+                </a:solidFill>
+                <a:uFillTx/>
+                <a:latin typeface="Montserrat"/>
+                <a:ea typeface="Montserrat"/>
+              </a:rPr>
+              <a:t>Veille Technologique</a:t>
+            </a:r>
+            <a:endParaRPr b="0" lang="fr-FR" sz="2000" strike="noStrike" u="none">
+              <a:solidFill>
+                <a:srgbClr val="000000"/>
+              </a:solidFill>
+              <a:uFillTx/>
+              <a:latin typeface="Arial"/>
+            </a:endParaRPr>
+          </a:p>
+        </p:txBody>
+      </p:sp>
+      <p:sp>
+        <p:nvSpPr>
+          <p:cNvPr id="127" name="Google Shape;113;p20"/>
+          <p:cNvSpPr/>
+          <p:nvPr/>
+        </p:nvSpPr>
+        <p:spPr>
+          <a:xfrm>
+            <a:off x="0" y="0"/>
+            <a:ext cx="4908600" cy="351360"/>
+          </a:xfrm>
+          <a:prstGeom prst="rect">
+            <a:avLst/>
+          </a:prstGeom>
+          <a:noFill/>
+          <a:ln w="0">
+            <a:noFill/>
+          </a:ln>
+        </p:spPr>
+        <p:style>
+          <a:lnRef idx="0"/>
+          <a:fillRef idx="0"/>
+          <a:effectRef idx="0"/>
+          <a:fontRef idx="minor"/>
+        </p:style>
+        <p:txBody>
+          <a:bodyPr lIns="90000" rIns="90000" tIns="88200" bIns="88200" anchor="t">
+            <a:spAutoFit/>
+          </a:bodyPr>
+          <a:p>
+            <a:pPr>
+              <a:lnSpc>
+                <a:spcPct val="115000"/>
+              </a:lnSpc>
+              <a:spcAft>
+                <a:spcPts val="1199"/>
+              </a:spcAft>
+              <a:tabLst>
+                <a:tab algn="l" pos="0"/>
+              </a:tabLst>
+            </a:pPr>
+            <a:r>
+              <a:rPr b="0" lang="fr" sz="1000" strike="noStrike" u="none">
+                <a:solidFill>
+                  <a:schemeClr val="dk2"/>
+                </a:solidFill>
+                <a:uFillTx/>
+                <a:latin typeface="Montserrat"/>
+                <a:ea typeface="Montserrat"/>
+              </a:rPr>
+              <a:t>Présentation de l’usage du no-code</a:t>
+            </a:r>
+            <a:endParaRPr b="0" lang="fr-FR" sz="1000" strike="noStrike" u="none">
+              <a:solidFill>
+                <a:srgbClr val="000000"/>
+              </a:solidFill>
+              <a:uFillTx/>
+              <a:latin typeface="Arial"/>
+            </a:endParaRPr>
+          </a:p>
+        </p:txBody>
+      </p:sp>
+      <p:sp>
+        <p:nvSpPr>
+          <p:cNvPr id="128" name="Google Shape;114;p20"/>
+          <p:cNvSpPr/>
+          <p:nvPr/>
+        </p:nvSpPr>
+        <p:spPr>
+          <a:xfrm>
+            <a:off x="434880" y="1085400"/>
+            <a:ext cx="8317800" cy="3702960"/>
+          </a:xfrm>
+          <a:prstGeom prst="rect">
+            <a:avLst/>
+          </a:prstGeom>
+          <a:noFill/>
+          <a:ln w="0">
+            <a:noFill/>
+          </a:ln>
+        </p:spPr>
+        <p:style>
+          <a:lnRef idx="0"/>
+          <a:fillRef idx="0"/>
+          <a:effectRef idx="0"/>
+          <a:fontRef idx="minor"/>
+        </p:style>
+        <p:txBody>
+          <a:bodyPr lIns="90000" rIns="90000" tIns="91440" bIns="91440" anchor="t">
+            <a:spAutoFit/>
+          </a:bodyPr>
+          <a:p>
+            <a:pPr marL="457200" indent="-324000">
+              <a:lnSpc>
+                <a:spcPct val="150000"/>
+              </a:lnSpc>
+              <a:buClr>
+                <a:srgbClr val="0d0d0d"/>
+              </a:buClr>
+              <a:buFont typeface="Montserrat"/>
+              <a:buChar char="●"/>
+            </a:pPr>
+            <a:r>
+              <a:rPr b="0" lang="fr" sz="1400" strike="noStrike" u="none">
+                <a:solidFill>
+                  <a:srgbClr val="0d0d0d"/>
+                </a:solidFill>
+                <a:highlight>
+                  <a:srgbClr val="ffffff"/>
+                </a:highlight>
+                <a:uFillTx/>
+                <a:latin typeface="Montserrat"/>
+                <a:ea typeface="Montserrat"/>
+              </a:rPr>
+              <a:t>La veille technologique comporte la documentation nécéssaire pour garantir un savoir et des exemples sur</a:t>
+            </a:r>
+            <a:endParaRPr b="0" lang="fr-FR" sz="1400" strike="noStrike" u="none">
+              <a:solidFill>
+                <a:srgbClr val="000000"/>
+              </a:solidFill>
+              <a:uFillTx/>
+              <a:latin typeface="Arial"/>
+            </a:endParaRPr>
+          </a:p>
+          <a:p>
+            <a:pPr marL="457200" indent="-324000">
+              <a:lnSpc>
+                <a:spcPct val="150000"/>
+              </a:lnSpc>
+              <a:buClr>
+                <a:srgbClr val="0d0d0d"/>
+              </a:buClr>
+              <a:buFont typeface="Montserrat"/>
+              <a:buChar char="●"/>
+            </a:pPr>
+            <a:r>
+              <a:rPr b="0" lang="fr" sz="1400" strike="noStrike" u="none">
+                <a:solidFill>
+                  <a:srgbClr val="0d0d0d"/>
+                </a:solidFill>
+                <a:highlight>
+                  <a:srgbClr val="ffffff"/>
+                </a:highlight>
+                <a:uFillTx/>
+                <a:latin typeface="Montserrat"/>
+                <a:ea typeface="Montserrat"/>
+              </a:rPr>
+              <a:t>L’installation</a:t>
+            </a:r>
+            <a:endParaRPr b="0" lang="fr-FR" sz="1400" strike="noStrike" u="none">
+              <a:solidFill>
+                <a:srgbClr val="000000"/>
+              </a:solidFill>
+              <a:uFillTx/>
+              <a:latin typeface="Arial"/>
+            </a:endParaRPr>
+          </a:p>
+          <a:p>
+            <a:pPr marL="457200" indent="-324000">
+              <a:lnSpc>
+                <a:spcPct val="150000"/>
+              </a:lnSpc>
+              <a:buClr>
+                <a:srgbClr val="0d0d0d"/>
+              </a:buClr>
+              <a:buFont typeface="Montserrat"/>
+              <a:buChar char="●"/>
+            </a:pPr>
+            <a:r>
+              <a:rPr b="0" lang="fr" sz="1400" strike="noStrike" u="none">
+                <a:solidFill>
+                  <a:srgbClr val="0d0d0d"/>
+                </a:solidFill>
+                <a:highlight>
+                  <a:srgbClr val="ffffff"/>
+                </a:highlight>
+                <a:uFillTx/>
+                <a:latin typeface="Montserrat"/>
+                <a:ea typeface="Montserrat"/>
+              </a:rPr>
+              <a:t>L’utilisation</a:t>
+            </a:r>
+            <a:endParaRPr b="0" lang="fr-FR" sz="1400" strike="noStrike" u="none">
+              <a:solidFill>
+                <a:srgbClr val="000000"/>
+              </a:solidFill>
+              <a:uFillTx/>
+              <a:latin typeface="Arial"/>
+            </a:endParaRPr>
+          </a:p>
+          <a:p>
+            <a:pPr marL="457200" indent="-324000">
+              <a:lnSpc>
+                <a:spcPct val="150000"/>
+              </a:lnSpc>
+              <a:buClr>
+                <a:srgbClr val="0d0d0d"/>
+              </a:buClr>
+              <a:buFont typeface="Montserrat"/>
+              <a:buChar char="●"/>
+            </a:pPr>
+            <a:r>
+              <a:rPr b="0" lang="fr" sz="1400" strike="noStrike" u="none">
+                <a:solidFill>
+                  <a:srgbClr val="0d0d0d"/>
+                </a:solidFill>
+                <a:highlight>
+                  <a:srgbClr val="ffffff"/>
+                </a:highlight>
+                <a:uFillTx/>
+                <a:latin typeface="Montserrat"/>
+                <a:ea typeface="Montserrat"/>
+              </a:rPr>
+              <a:t>L’éventuel mise à jour des technologies utilisés</a:t>
+            </a:r>
+            <a:endParaRPr b="0" lang="fr-FR" sz="1400" strike="noStrike" u="none">
+              <a:solidFill>
+                <a:srgbClr val="000000"/>
+              </a:solidFill>
+              <a:uFillTx/>
+              <a:latin typeface="Arial"/>
+            </a:endParaRPr>
+          </a:p>
+          <a:p>
+            <a:pPr>
+              <a:lnSpc>
+                <a:spcPct val="150000"/>
+              </a:lnSpc>
+            </a:pPr>
+            <a:endParaRPr b="0" lang="fr-FR" sz="1400" strike="noStrike" u="none">
+              <a:solidFill>
+                <a:srgbClr val="000000"/>
+              </a:solidFill>
+              <a:uFillTx/>
+              <a:latin typeface="Arial"/>
+            </a:endParaRPr>
+          </a:p>
+          <a:p>
+            <a:pPr>
+              <a:lnSpc>
+                <a:spcPct val="150000"/>
+              </a:lnSpc>
+            </a:pPr>
+            <a:r>
+              <a:rPr b="0" lang="fr" sz="1400" strike="noStrike" u="none">
+                <a:solidFill>
+                  <a:srgbClr val="0d0d0d"/>
+                </a:solidFill>
+                <a:highlight>
+                  <a:srgbClr val="ffffff"/>
+                </a:highlight>
+                <a:uFillTx/>
+                <a:latin typeface="Montserrat"/>
+                <a:ea typeface="Montserrat"/>
+              </a:rPr>
+              <a:t>Les éléments sont classé par colonne, du plus important, l’installation, ensuite l’utilisation, puis lien pour avoir des infos sur les mises à jour de sources ‘officiel’</a:t>
+            </a:r>
+            <a:endParaRPr b="0" lang="fr-FR" sz="1400" strike="noStrike" u="none">
+              <a:solidFill>
+                <a:srgbClr val="000000"/>
+              </a:solidFill>
+              <a:uFillTx/>
+              <a:latin typeface="Arial"/>
+            </a:endParaRPr>
+          </a:p>
+          <a:p>
+            <a:pPr>
+              <a:lnSpc>
+                <a:spcPct val="150000"/>
+              </a:lnSpc>
+            </a:pPr>
+            <a:endParaRPr b="0" lang="fr-FR" sz="1400" strike="noStrike" u="none">
+              <a:solidFill>
+                <a:srgbClr val="000000"/>
+              </a:solidFill>
+              <a:uFillTx/>
+              <a:latin typeface="Arial"/>
+            </a:endParaRPr>
+          </a:p>
+          <a:p>
+            <a:pPr>
+              <a:lnSpc>
+                <a:spcPct val="150000"/>
+              </a:lnSpc>
+            </a:pPr>
+            <a:r>
+              <a:rPr b="0" lang="fr" sz="1400" strike="noStrike" u="none">
+                <a:solidFill>
+                  <a:srgbClr val="0d0d0d"/>
+                </a:solidFill>
+                <a:highlight>
+                  <a:srgbClr val="ffffff"/>
+                </a:highlight>
+                <a:uFillTx/>
+                <a:latin typeface="Montserrat"/>
+                <a:ea typeface="Montserrat"/>
+              </a:rPr>
+              <a:t>Backlog refinement avec l’équipe pour mettre au clair les sprint</a:t>
+            </a:r>
+            <a:endParaRPr b="0" lang="fr-FR" sz="1400" strike="noStrike" u="none">
+              <a:solidFill>
+                <a:srgbClr val="000000"/>
+              </a:solidFill>
+              <a:uFillTx/>
+              <a:latin typeface="Arial"/>
+            </a:endParaRPr>
+          </a:p>
+          <a:p>
+            <a:pPr>
+              <a:lnSpc>
+                <a:spcPct val="150000"/>
+              </a:lnSpc>
+            </a:pPr>
+            <a:r>
+              <a:rPr b="0" lang="fr" sz="1400" strike="noStrike" u="none">
+                <a:solidFill>
+                  <a:srgbClr val="0d0d0d"/>
+                </a:solidFill>
+                <a:highlight>
+                  <a:srgbClr val="ffffff"/>
+                </a:highlight>
+                <a:uFillTx/>
+                <a:latin typeface="Montserrat"/>
+                <a:ea typeface="Montserrat"/>
+              </a:rPr>
+              <a:t>Sprint Planning avec le propriétaire du produit ‘product owner’</a:t>
+            </a:r>
+            <a:endParaRPr b="0" lang="fr-FR" sz="1400" strike="noStrike" u="none">
+              <a:solidFill>
+                <a:srgbClr val="000000"/>
+              </a:solidFill>
+              <a:uFillTx/>
+              <a:latin typeface="Arial"/>
+            </a:endParaRPr>
+          </a:p>
+        </p:txBody>
+      </p:sp>
+      <p:sp>
+        <p:nvSpPr>
+          <p:cNvPr id="129" name="Google Shape;115;p20"/>
+          <p:cNvSpPr/>
+          <p:nvPr/>
+        </p:nvSpPr>
+        <p:spPr>
+          <a:xfrm>
+            <a:off x="-4680" y="0"/>
+            <a:ext cx="9150840" cy="236880"/>
+          </a:xfrm>
+          <a:prstGeom prst="rect">
+            <a:avLst/>
+          </a:prstGeom>
+          <a:solidFill>
+            <a:srgbClr val="fce5cd"/>
+          </a:solidFill>
+          <a:ln w="9525">
+            <a:solidFill>
+              <a:srgbClr val="f7edde"/>
+            </a:solidFill>
+            <a:round/>
+          </a:ln>
+        </p:spPr>
+        <p:style>
+          <a:lnRef idx="0"/>
+          <a:fillRef idx="0"/>
+          <a:effectRef idx="0"/>
+          <a:fontRef idx="minor"/>
+        </p:style>
+        <p:txBody>
+          <a:bodyPr lIns="90000" rIns="90000" tIns="91440" bIns="91440" anchor="ctr">
+            <a:noAutofit/>
+          </a:bodyPr>
+          <a:p>
+            <a:pPr algn="ctr">
+              <a:lnSpc>
+                <a:spcPct val="100000"/>
+              </a:lnSpc>
+              <a:tabLst>
+                <a:tab algn="l" pos="0"/>
+              </a:tabLst>
+            </a:pPr>
+            <a:endParaRPr b="0" lang="fr-FR" sz="1400" strike="noStrike" u="none">
+              <a:solidFill>
+                <a:srgbClr val="000000"/>
+              </a:solidFill>
+              <a:uFillTx/>
+              <a:latin typeface="Arial"/>
+            </a:endParaRPr>
+          </a:p>
+        </p:txBody>
+      </p:sp>
+      <p:pic>
+        <p:nvPicPr>
+          <p:cNvPr id="130" name="Google Shape;116;p20" descr=""/>
+          <p:cNvPicPr/>
+          <p:nvPr/>
+        </p:nvPicPr>
+        <p:blipFill>
+          <a:blip r:embed="rId1"/>
+          <a:stretch/>
+        </p:blipFill>
+        <p:spPr>
+          <a:xfrm>
+            <a:off x="8469720" y="0"/>
+            <a:ext cx="671400" cy="337680"/>
+          </a:xfrm>
+          <a:prstGeom prst="rect">
+            <a:avLst/>
+          </a:prstGeom>
+          <a:ln w="0">
+            <a:noFill/>
+          </a:ln>
+        </p:spPr>
+      </p:pic>
+    </p:spTree>
+  </p:cSld>
+  <mc:AlternateContent>
+    <mc:Choice Requires="p14">
+      <p:transition spd="slow" p14:dur="2000"/>
+    </mc:Choice>
+    <mc:Fallback>
+      <p:transition spd="slow"/>
+    </mc:Fallback>
+  </mc:AlternateContent>
+</p:sld>
+</file>
+
+<file path=ppt/slides/slide15.xml><?xml version="1.0" encoding="utf-8"?>
+<p:sld xmlns:a="http://schemas.openxmlformats.org/drawingml/2006/main" xmlns:p="http://schemas.openxmlformats.org/presentationml/2006/main" xmlns:r="http://schemas.openxmlformats.org/officeDocument/2006/relationships" xmlns:p14="http://schemas.microsoft.com/office/powerpoint/2010/main" xmlns:p15="http://schemas.microsoft.com/office/powerpoint/2012/main" xmlns:mc="http://schemas.openxmlformats.org/markup-compatibility/2006">
+  <p:cSld>
+    <p:spTree>
+      <p:nvGrpSpPr>
+        <p:cNvPr id="1" name=""/>
+        <p:cNvGrpSpPr/>
+        <p:nvPr/>
+      </p:nvGrpSpPr>
+      <p:grpSpPr>
+        <a:xfrm>
+          <a:off x="0" y="0"/>
+          <a:ext cx="0" cy="0"/>
+          <a:chOff x="0" y="0"/>
+          <a:chExt cx="0" cy="0"/>
+        </a:xfrm>
+      </p:grpSpPr>
+      <p:pic>
+        <p:nvPicPr>
+          <p:cNvPr id="131" name="" descr=""/>
+          <p:cNvPicPr/>
+          <p:nvPr/>
+        </p:nvPicPr>
+        <p:blipFill>
+          <a:blip r:embed="rId1"/>
+          <a:stretch/>
+        </p:blipFill>
+        <p:spPr>
+          <a:xfrm>
+            <a:off x="196560" y="291960"/>
+            <a:ext cx="8621640" cy="4566240"/>
+          </a:xfrm>
+          <a:prstGeom prst="rect">
+            <a:avLst/>
+          </a:prstGeom>
+          <a:ln w="0">
+            <a:noFill/>
+          </a:ln>
+        </p:spPr>
+      </p:pic>
+    </p:spTree>
+  </p:cSld>
+  <mc:AlternateContent>
+    <mc:Choice Requires="p14">
+      <p:transition spd="slow" p14:dur="2000"/>
+    </mc:Choice>
+    <mc:Fallback>
+      <p:transition spd="slow"/>
+    </mc:Fallback>
+  </mc:AlternateContent>
+</p:sld>
+</file>
+
+<file path=ppt/slides/slide16.xml><?xml version="1.0" encoding="utf-8"?>
 <p:sld xmlns:a="http://schemas.openxmlformats.org/drawingml/2006/main" xmlns:p="http://schemas.openxmlformats.org/presentationml/2006/main" xmlns:r="http://schemas.openxmlformats.org/officeDocument/2006/relationships" xmlns:p14="http://schemas.microsoft.com/office/powerpoint/2010/main" xmlns:p15="http://schemas.microsoft.com/office/powerpoint/2012/main" xmlns:mc="http://schemas.openxmlformats.org/markup-compatibility/2006">
   <p:cSld>
     <p:bg>
@@ -5069,14 +6165,14 @@
       </p:grpSpPr>
       <p:sp>
         <p:nvSpPr>
-          <p:cNvPr id="97" name="Google Shape;131;p22"/>
+          <p:cNvPr id="132" name="Google Shape;131;p22"/>
           <p:cNvSpPr/>
           <p:nvPr/>
         </p:nvSpPr>
         <p:spPr>
           <a:xfrm>
             <a:off x="2411640" y="2125800"/>
-            <a:ext cx="4220280" cy="800280"/>
+            <a:ext cx="4219200" cy="799200"/>
           </a:xfrm>
           <a:prstGeom prst="rect">
             <a:avLst/>
@@ -5128,14 +6224,14 @@
       </p:sp>
       <p:sp>
         <p:nvSpPr>
-          <p:cNvPr id="98" name="Google Shape;132;p22"/>
+          <p:cNvPr id="133" name="Google Shape;132;p22"/>
           <p:cNvSpPr/>
           <p:nvPr/>
         </p:nvSpPr>
         <p:spPr>
           <a:xfrm>
             <a:off x="115200" y="118440"/>
-            <a:ext cx="2382840" cy="278280"/>
+            <a:ext cx="2381760" cy="277200"/>
           </a:xfrm>
           <a:prstGeom prst="rect">
             <a:avLst/>
@@ -5176,7 +6272,7 @@
       </p:sp>
       <p:pic>
         <p:nvPicPr>
-          <p:cNvPr id="99" name="Google Shape;133;p22" descr=""/>
+          <p:cNvPr id="134" name="Google Shape;133;p22" descr=""/>
           <p:cNvPicPr/>
           <p:nvPr/>
         </p:nvPicPr>
@@ -5187,7 +6283,7 @@
         <p:spPr>
           <a:xfrm>
             <a:off x="8469720" y="0"/>
-            <a:ext cx="672480" cy="338760"/>
+            <a:ext cx="671400" cy="337680"/>
           </a:xfrm>
           <a:prstGeom prst="rect">
             <a:avLst/>
@@ -5240,7 +6336,7 @@
         <p:spPr>
           <a:xfrm>
             <a:off x="311760" y="444960"/>
-            <a:ext cx="8518680" cy="570960"/>
+            <a:ext cx="8517600" cy="569880"/>
           </a:xfrm>
           <a:prstGeom prst="rect">
             <a:avLst/>
@@ -5298,7 +6394,7 @@
         <p:spPr>
           <a:xfrm>
             <a:off x="311760" y="1152360"/>
-            <a:ext cx="8518680" cy="3414600"/>
+            <a:ext cx="8517600" cy="3413520"/>
           </a:xfrm>
           <a:prstGeom prst="rect">
             <a:avLst/>
@@ -5579,7 +6675,7 @@
         <p:spPr>
           <a:xfrm>
             <a:off x="8470800" y="0"/>
-            <a:ext cx="672480" cy="338760"/>
+            <a:ext cx="671400" cy="337680"/>
           </a:xfrm>
           <a:prstGeom prst="rect">
             <a:avLst/>
@@ -5632,7 +6728,7 @@
         <p:spPr>
           <a:xfrm>
             <a:off x="311760" y="444960"/>
-            <a:ext cx="8518680" cy="570960"/>
+            <a:ext cx="8517600" cy="569880"/>
           </a:xfrm>
           <a:prstGeom prst="rect">
             <a:avLst/>
@@ -5668,7 +6764,7 @@
                 <a:latin typeface="Montserrat"/>
                 <a:ea typeface="Montserrat"/>
               </a:rPr>
-              <a:t>Contexte des nécéssités du Projet</a:t>
+              <a:t>Contexte des nécéssités du Projet Qwenta MenuMaker</a:t>
             </a:r>
             <a:endParaRPr b="0" lang="fr-FR" sz="2000" strike="noStrike" u="none">
               <a:solidFill>
@@ -5688,8 +6784,8 @@
         </p:nvSpPr>
         <p:spPr>
           <a:xfrm>
-            <a:off x="434880" y="1085400"/>
-            <a:ext cx="8318880" cy="1447200"/>
+            <a:off x="360000" y="1260000"/>
+            <a:ext cx="8317800" cy="3024000"/>
           </a:xfrm>
           <a:prstGeom prst="rect">
             <a:avLst/>
@@ -5709,6 +6805,45 @@
           <a:bodyPr lIns="90000" rIns="90000" tIns="91440" bIns="91440" anchor="t">
             <a:spAutoFit/>
           </a:bodyPr>
+          <a:p>
+            <a:pPr>
+              <a:lnSpc>
+                <a:spcPct val="115000"/>
+              </a:lnSpc>
+            </a:pPr>
+            <a:r>
+              <a:rPr b="0" i="1" lang="fr" sz="1500" strike="noStrike" u="none">
+                <a:solidFill>
+                  <a:schemeClr val="dk1"/>
+                </a:solidFill>
+                <a:uFillTx/>
+                <a:latin typeface="Montserrat"/>
+                <a:ea typeface="Montserrat"/>
+              </a:rPr>
+              <a:t>Pour la création de ce projet, il faudra crée une app web avec un landing non connecté pertinent, où les utilisateurs/restaurateurs pourront s’inscrire/se connecter, pour par la suite crée des menus avec des choix de personnalisation (comme la police d’écriture par ex.), qui contiendront des plats et pourront par la suite être exporté en format .pdf ou diffuser vie un bouton d’exportation le/les menus sur instagram ou deliveroo, ainsi qu’en impression</a:t>
+            </a:r>
+            <a:endParaRPr b="0" lang="fr-FR" sz="1500" strike="noStrike" u="none">
+              <a:solidFill>
+                <a:srgbClr val="000000"/>
+              </a:solidFill>
+              <a:uFillTx/>
+              <a:latin typeface="Arial"/>
+            </a:endParaRPr>
+          </a:p>
+          <a:p>
+            <a:pPr>
+              <a:lnSpc>
+                <a:spcPct val="115000"/>
+              </a:lnSpc>
+            </a:pPr>
+            <a:endParaRPr b="0" lang="fr-FR" sz="1500" strike="noStrike" u="none">
+              <a:solidFill>
+                <a:srgbClr val="000000"/>
+              </a:solidFill>
+              <a:uFillTx/>
+              <a:latin typeface="Arial"/>
+            </a:endParaRPr>
+          </a:p>
           <a:p>
             <a:pPr marL="457200" indent="-324000">
               <a:lnSpc>
@@ -5860,7 +6995,7 @@
         <p:spPr>
           <a:xfrm>
             <a:off x="-4680" y="0"/>
-            <a:ext cx="9151920" cy="237960"/>
+            <a:ext cx="9150840" cy="236880"/>
           </a:xfrm>
           <a:prstGeom prst="rect">
             <a:avLst/>
@@ -5917,7 +7052,30 @@
         <p:spPr>
           <a:xfrm>
             <a:off x="8474400" y="0"/>
-            <a:ext cx="672480" cy="338760"/>
+            <a:ext cx="671400" cy="337680"/>
+          </a:xfrm>
+          <a:prstGeom prst="rect">
+            <a:avLst/>
+          </a:prstGeom>
+          <a:ln w="0">
+            <a:noFill/>
+          </a:ln>
+        </p:spPr>
+      </p:pic>
+      <p:pic>
+        <p:nvPicPr>
+          <p:cNvPr id="38" name="" descr=""/>
+          <p:cNvPicPr/>
+          <p:nvPr/>
+        </p:nvPicPr>
+        <p:blipFill>
+          <a:blip r:embed="rId2"/>
+          <a:stretch/>
+        </p:blipFill>
+        <p:spPr>
+          <a:xfrm>
+            <a:off x="5220000" y="3600000"/>
+            <a:ext cx="3586680" cy="1260000"/>
           </a:xfrm>
           <a:prstGeom prst="rect">
             <a:avLst/>
@@ -5959,7 +7117,7 @@
       </p:grpSpPr>
       <p:sp>
         <p:nvSpPr>
-          <p:cNvPr id="38" name="PlaceHolder 1"/>
+          <p:cNvPr id="39" name="PlaceHolder 1"/>
           <p:cNvSpPr>
             <a:spLocks noGrp="1"/>
           </p:cNvSpPr>
@@ -5970,7 +7128,7 @@
         <p:spPr>
           <a:xfrm>
             <a:off x="311760" y="444960"/>
-            <a:ext cx="8518680" cy="570960"/>
+            <a:ext cx="8517600" cy="569880"/>
           </a:xfrm>
           <a:prstGeom prst="rect">
             <a:avLst/>
@@ -6041,7 +7199,7 @@
       </p:sp>
       <p:sp>
         <p:nvSpPr>
-          <p:cNvPr id="39" name="PlaceHolder 2"/>
+          <p:cNvPr id="40" name="PlaceHolder 2"/>
           <p:cNvSpPr>
             <a:spLocks noGrp="1"/>
           </p:cNvSpPr>
@@ -6052,7 +7210,7 @@
         <p:spPr>
           <a:xfrm>
             <a:off x="311760" y="1152360"/>
-            <a:ext cx="8518680" cy="3414600"/>
+            <a:ext cx="8517600" cy="3413520"/>
           </a:xfrm>
           <a:prstGeom prst="rect">
             <a:avLst/>
@@ -6130,14 +7288,14 @@
       </p:sp>
       <p:sp>
         <p:nvSpPr>
-          <p:cNvPr id="40" name="Google Shape;78;p16"/>
+          <p:cNvPr id="41" name="Google Shape;78;p16"/>
           <p:cNvSpPr/>
           <p:nvPr/>
         </p:nvSpPr>
         <p:spPr>
           <a:xfrm>
             <a:off x="-4680" y="0"/>
-            <a:ext cx="9151920" cy="237960"/>
+            <a:ext cx="9150840" cy="236880"/>
           </a:xfrm>
           <a:prstGeom prst="rect">
             <a:avLst/>
@@ -6183,7 +7341,7 @@
       </p:sp>
       <p:pic>
         <p:nvPicPr>
-          <p:cNvPr id="41" name="Google Shape;79;p16" descr=""/>
+          <p:cNvPr id="42" name="Google Shape;79;p16" descr=""/>
           <p:cNvPicPr/>
           <p:nvPr/>
         </p:nvPicPr>
@@ -6194,30 +7352,7 @@
         <p:spPr>
           <a:xfrm>
             <a:off x="8469720" y="0"/>
-            <a:ext cx="672480" cy="338760"/>
-          </a:xfrm>
-          <a:prstGeom prst="rect">
-            <a:avLst/>
-          </a:prstGeom>
-          <a:ln w="0">
-            <a:noFill/>
-          </a:ln>
-        </p:spPr>
-      </p:pic>
-      <p:pic>
-        <p:nvPicPr>
-          <p:cNvPr id="42" name="" descr=""/>
-          <p:cNvPicPr/>
-          <p:nvPr/>
-        </p:nvPicPr>
-        <p:blipFill>
-          <a:blip r:embed="rId2"/>
-          <a:stretch/>
-        </p:blipFill>
-        <p:spPr>
-          <a:xfrm>
-            <a:off x="180000" y="1145880"/>
-            <a:ext cx="2518560" cy="3712680"/>
+            <a:ext cx="671400" cy="337680"/>
           </a:xfrm>
           <a:prstGeom prst="rect">
             <a:avLst/>
@@ -6234,13 +7369,36 @@
           <p:nvPr/>
         </p:nvPicPr>
         <p:blipFill>
+          <a:blip r:embed="rId2"/>
+          <a:stretch/>
+        </p:blipFill>
+        <p:spPr>
+          <a:xfrm>
+            <a:off x="180000" y="1145880"/>
+            <a:ext cx="2517480" cy="3711600"/>
+          </a:xfrm>
+          <a:prstGeom prst="rect">
+            <a:avLst/>
+          </a:prstGeom>
+          <a:ln w="0">
+            <a:noFill/>
+          </a:ln>
+        </p:spPr>
+      </p:pic>
+      <p:pic>
+        <p:nvPicPr>
+          <p:cNvPr id="44" name="" descr=""/>
+          <p:cNvPicPr/>
+          <p:nvPr/>
+        </p:nvPicPr>
+        <p:blipFill>
           <a:blip r:embed="rId3"/>
           <a:stretch/>
         </p:blipFill>
         <p:spPr>
           <a:xfrm>
             <a:off x="2880000" y="1080000"/>
-            <a:ext cx="6029280" cy="3706200"/>
+            <a:ext cx="6028200" cy="3705120"/>
           </a:xfrm>
           <a:prstGeom prst="rect">
             <a:avLst/>
@@ -6282,7 +7440,7 @@
       </p:grpSpPr>
       <p:sp>
         <p:nvSpPr>
-          <p:cNvPr id="44" name="PlaceHolder 1"/>
+          <p:cNvPr id="45" name="PlaceHolder 1"/>
           <p:cNvSpPr>
             <a:spLocks noGrp="1"/>
           </p:cNvSpPr>
@@ -6293,7 +7451,7 @@
         <p:spPr>
           <a:xfrm>
             <a:off x="311760" y="444960"/>
-            <a:ext cx="8518680" cy="570960"/>
+            <a:ext cx="8517600" cy="569880"/>
           </a:xfrm>
           <a:prstGeom prst="rect">
             <a:avLst/>
@@ -6364,7 +7522,7 @@
       </p:sp>
       <p:sp>
         <p:nvSpPr>
-          <p:cNvPr id="45" name="PlaceHolder 2"/>
+          <p:cNvPr id="46" name="PlaceHolder 2"/>
           <p:cNvSpPr>
             <a:spLocks noGrp="1"/>
           </p:cNvSpPr>
@@ -6375,7 +7533,7 @@
         <p:spPr>
           <a:xfrm>
             <a:off x="311760" y="1152360"/>
-            <a:ext cx="8518680" cy="3414600"/>
+            <a:ext cx="8517600" cy="3413520"/>
           </a:xfrm>
           <a:prstGeom prst="rect">
             <a:avLst/>
@@ -6453,14 +7611,14 @@
       </p:sp>
       <p:sp>
         <p:nvSpPr>
-          <p:cNvPr id="46" name="Google Shape;78;p 1"/>
+          <p:cNvPr id="47" name="Google Shape;78;p 1"/>
           <p:cNvSpPr/>
           <p:nvPr/>
         </p:nvSpPr>
         <p:spPr>
           <a:xfrm>
             <a:off x="-4680" y="0"/>
-            <a:ext cx="9151920" cy="237960"/>
+            <a:ext cx="9150840" cy="236880"/>
           </a:xfrm>
           <a:prstGeom prst="rect">
             <a:avLst/>
@@ -6503,7 +7661,7 @@
       </p:sp>
       <p:pic>
         <p:nvPicPr>
-          <p:cNvPr id="47" name="Google Shape;79;p 1" descr=""/>
+          <p:cNvPr id="48" name="Google Shape;79;p 1" descr=""/>
           <p:cNvPicPr/>
           <p:nvPr/>
         </p:nvPicPr>
@@ -6514,7 +7672,7 @@
         <p:spPr>
           <a:xfrm>
             <a:off x="8469720" y="0"/>
-            <a:ext cx="672480" cy="338760"/>
+            <a:ext cx="671400" cy="337680"/>
           </a:xfrm>
           <a:prstGeom prst="rect">
             <a:avLst/>
@@ -6526,7 +7684,7 @@
       </p:pic>
       <p:pic>
         <p:nvPicPr>
-          <p:cNvPr id="48" name="" descr=""/>
+          <p:cNvPr id="49" name="" descr=""/>
           <p:cNvPicPr/>
           <p:nvPr/>
         </p:nvPicPr>
@@ -6537,7 +7695,7 @@
         <p:spPr>
           <a:xfrm>
             <a:off x="253440" y="1440000"/>
-            <a:ext cx="8577000" cy="2986200"/>
+            <a:ext cx="8575920" cy="2985120"/>
           </a:xfrm>
           <a:prstGeom prst="rect">
             <a:avLst/>
@@ -6579,7 +7737,7 @@
       </p:grpSpPr>
       <p:sp>
         <p:nvSpPr>
-          <p:cNvPr id="49" name="PlaceHolder 1"/>
+          <p:cNvPr id="50" name="PlaceHolder 1"/>
           <p:cNvSpPr>
             <a:spLocks noGrp="1"/>
           </p:cNvSpPr>
@@ -6590,7 +7748,7 @@
         <p:spPr>
           <a:xfrm>
             <a:off x="311760" y="444960"/>
-            <a:ext cx="8518680" cy="570960"/>
+            <a:ext cx="8517600" cy="569880"/>
           </a:xfrm>
           <a:prstGeom prst="rect">
             <a:avLst/>
@@ -6661,7 +7819,7 @@
       </p:sp>
       <p:sp>
         <p:nvSpPr>
-          <p:cNvPr id="50" name="PlaceHolder 2"/>
+          <p:cNvPr id="51" name="PlaceHolder 2"/>
           <p:cNvSpPr>
             <a:spLocks noGrp="1"/>
           </p:cNvSpPr>
@@ -6672,7 +7830,7 @@
         <p:spPr>
           <a:xfrm>
             <a:off x="311760" y="1152360"/>
-            <a:ext cx="8518680" cy="3414600"/>
+            <a:ext cx="8517600" cy="3413520"/>
           </a:xfrm>
           <a:prstGeom prst="rect">
             <a:avLst/>
@@ -6750,14 +7908,14 @@
       </p:sp>
       <p:sp>
         <p:nvSpPr>
-          <p:cNvPr id="51" name="Google Shape;78;p 2"/>
+          <p:cNvPr id="52" name="Google Shape;78;p 2"/>
           <p:cNvSpPr/>
           <p:nvPr/>
         </p:nvSpPr>
         <p:spPr>
           <a:xfrm>
             <a:off x="-4680" y="0"/>
-            <a:ext cx="9151920" cy="237960"/>
+            <a:ext cx="9150840" cy="236880"/>
           </a:xfrm>
           <a:prstGeom prst="rect">
             <a:avLst/>
@@ -6800,7 +7958,7 @@
       </p:sp>
       <p:pic>
         <p:nvPicPr>
-          <p:cNvPr id="52" name="Google Shape;79;p 2" descr=""/>
+          <p:cNvPr id="53" name="Google Shape;79;p 2" descr=""/>
           <p:cNvPicPr/>
           <p:nvPr/>
         </p:nvPicPr>
@@ -6811,7 +7969,7 @@
         <p:spPr>
           <a:xfrm>
             <a:off x="8469720" y="0"/>
-            <a:ext cx="672480" cy="338760"/>
+            <a:ext cx="671400" cy="337680"/>
           </a:xfrm>
           <a:prstGeom prst="rect">
             <a:avLst/>
@@ -6823,7 +7981,7 @@
       </p:pic>
       <p:pic>
         <p:nvPicPr>
-          <p:cNvPr id="53" name="" descr=""/>
+          <p:cNvPr id="54" name="" descr=""/>
           <p:cNvPicPr/>
           <p:nvPr/>
         </p:nvPicPr>
@@ -6834,7 +7992,7 @@
         <p:spPr>
           <a:xfrm>
             <a:off x="317520" y="1260000"/>
-            <a:ext cx="8424000" cy="3306960"/>
+            <a:ext cx="8422920" cy="3305880"/>
           </a:xfrm>
           <a:prstGeom prst="rect">
             <a:avLst/>
@@ -6876,7 +8034,7 @@
       </p:grpSpPr>
       <p:sp>
         <p:nvSpPr>
-          <p:cNvPr id="54" name="PlaceHolder 1"/>
+          <p:cNvPr id="55" name="PlaceHolder 1"/>
           <p:cNvSpPr>
             <a:spLocks noGrp="1"/>
           </p:cNvSpPr>
@@ -6887,7 +8045,7 @@
         <p:spPr>
           <a:xfrm>
             <a:off x="311760" y="444960"/>
-            <a:ext cx="8518680" cy="570960"/>
+            <a:ext cx="8517600" cy="569880"/>
           </a:xfrm>
           <a:prstGeom prst="rect">
             <a:avLst/>
@@ -6958,7 +8116,7 @@
       </p:sp>
       <p:sp>
         <p:nvSpPr>
-          <p:cNvPr id="55" name="PlaceHolder 2"/>
+          <p:cNvPr id="56" name="PlaceHolder 2"/>
           <p:cNvSpPr>
             <a:spLocks noGrp="1"/>
           </p:cNvSpPr>
@@ -6969,7 +8127,7 @@
         <p:spPr>
           <a:xfrm>
             <a:off x="311760" y="1152360"/>
-            <a:ext cx="8518680" cy="3414600"/>
+            <a:ext cx="8517600" cy="3413520"/>
           </a:xfrm>
           <a:prstGeom prst="rect">
             <a:avLst/>
@@ -7047,14 +8205,14 @@
       </p:sp>
       <p:sp>
         <p:nvSpPr>
-          <p:cNvPr id="56" name="Google Shape;78;p 3"/>
+          <p:cNvPr id="57" name="Google Shape;78;p 3"/>
           <p:cNvSpPr/>
           <p:nvPr/>
         </p:nvSpPr>
         <p:spPr>
           <a:xfrm>
             <a:off x="-4680" y="0"/>
-            <a:ext cx="9151920" cy="237960"/>
+            <a:ext cx="9150840" cy="236880"/>
           </a:xfrm>
           <a:prstGeom prst="rect">
             <a:avLst/>
@@ -7097,7 +8255,7 @@
       </p:sp>
       <p:pic>
         <p:nvPicPr>
-          <p:cNvPr id="57" name="Google Shape;79;p 3" descr=""/>
+          <p:cNvPr id="58" name="Google Shape;79;p 3" descr=""/>
           <p:cNvPicPr/>
           <p:nvPr/>
         </p:nvPicPr>
@@ -7108,30 +8266,7 @@
         <p:spPr>
           <a:xfrm>
             <a:off x="8469720" y="0"/>
-            <a:ext cx="672480" cy="338760"/>
-          </a:xfrm>
-          <a:prstGeom prst="rect">
-            <a:avLst/>
-          </a:prstGeom>
-          <a:ln w="0">
-            <a:noFill/>
-          </a:ln>
-        </p:spPr>
-      </p:pic>
-      <p:pic>
-        <p:nvPicPr>
-          <p:cNvPr id="58" name="" descr=""/>
-          <p:cNvPicPr/>
-          <p:nvPr/>
-        </p:nvPicPr>
-        <p:blipFill>
-          <a:blip r:embed="rId2"/>
-          <a:stretch/>
-        </p:blipFill>
-        <p:spPr>
-          <a:xfrm>
-            <a:off x="3060000" y="1620000"/>
-            <a:ext cx="6037920" cy="2189160"/>
+            <a:ext cx="671400" cy="337680"/>
           </a:xfrm>
           <a:prstGeom prst="rect">
             <a:avLst/>
@@ -7148,13 +8283,36 @@
           <p:nvPr/>
         </p:nvPicPr>
         <p:blipFill>
+          <a:blip r:embed="rId2"/>
+          <a:stretch/>
+        </p:blipFill>
+        <p:spPr>
+          <a:xfrm>
+            <a:off x="3060000" y="1620000"/>
+            <a:ext cx="6036840" cy="2188080"/>
+          </a:xfrm>
+          <a:prstGeom prst="rect">
+            <a:avLst/>
+          </a:prstGeom>
+          <a:ln w="0">
+            <a:noFill/>
+          </a:ln>
+        </p:spPr>
+      </p:pic>
+      <p:pic>
+        <p:nvPicPr>
+          <p:cNvPr id="60" name="" descr=""/>
+          <p:cNvPicPr/>
+          <p:nvPr/>
+        </p:nvPicPr>
+        <p:blipFill>
           <a:blip r:embed="rId3"/>
           <a:stretch/>
         </p:blipFill>
         <p:spPr>
           <a:xfrm>
             <a:off x="180000" y="1620000"/>
-            <a:ext cx="2786760" cy="1978560"/>
+            <a:ext cx="2785680" cy="1977480"/>
           </a:xfrm>
           <a:prstGeom prst="rect">
             <a:avLst/>
@@ -7196,7 +8354,7 @@
       </p:grpSpPr>
       <p:sp>
         <p:nvSpPr>
-          <p:cNvPr id="60" name="PlaceHolder 1"/>
+          <p:cNvPr id="61" name="PlaceHolder 1"/>
           <p:cNvSpPr>
             <a:spLocks noGrp="1"/>
           </p:cNvSpPr>
@@ -7207,7 +8365,7 @@
         <p:spPr>
           <a:xfrm>
             <a:off x="311760" y="444960"/>
-            <a:ext cx="8518680" cy="570960"/>
+            <a:ext cx="8517600" cy="569880"/>
           </a:xfrm>
           <a:prstGeom prst="rect">
             <a:avLst/>
@@ -7278,7 +8436,7 @@
       </p:sp>
       <p:sp>
         <p:nvSpPr>
-          <p:cNvPr id="61" name="PlaceHolder 2"/>
+          <p:cNvPr id="62" name="PlaceHolder 2"/>
           <p:cNvSpPr>
             <a:spLocks noGrp="1"/>
           </p:cNvSpPr>
@@ -7289,7 +8447,7 @@
         <p:spPr>
           <a:xfrm>
             <a:off x="311760" y="1152360"/>
-            <a:ext cx="8518680" cy="3414600"/>
+            <a:ext cx="8517600" cy="3413520"/>
           </a:xfrm>
           <a:prstGeom prst="rect">
             <a:avLst/>
@@ -7367,14 +8525,14 @@
       </p:sp>
       <p:sp>
         <p:nvSpPr>
-          <p:cNvPr id="62" name="Google Shape;78;p 4"/>
+          <p:cNvPr id="63" name="Google Shape;78;p 4"/>
           <p:cNvSpPr/>
           <p:nvPr/>
         </p:nvSpPr>
         <p:spPr>
           <a:xfrm>
             <a:off x="-4680" y="0"/>
-            <a:ext cx="9151920" cy="237960"/>
+            <a:ext cx="9150840" cy="236880"/>
           </a:xfrm>
           <a:prstGeom prst="rect">
             <a:avLst/>
@@ -7417,7 +8575,7 @@
       </p:sp>
       <p:pic>
         <p:nvPicPr>
-          <p:cNvPr id="63" name="Google Shape;79;p 4" descr=""/>
+          <p:cNvPr id="64" name="Google Shape;79;p 4" descr=""/>
           <p:cNvPicPr/>
           <p:nvPr/>
         </p:nvPicPr>
@@ -7428,7 +8586,7 @@
         <p:spPr>
           <a:xfrm>
             <a:off x="8469720" y="0"/>
-            <a:ext cx="672480" cy="338760"/>
+            <a:ext cx="671400" cy="337680"/>
           </a:xfrm>
           <a:prstGeom prst="rect">
             <a:avLst/>
@@ -7440,7 +8598,7 @@
       </p:pic>
       <p:pic>
         <p:nvPicPr>
-          <p:cNvPr id="64" name="" descr=""/>
+          <p:cNvPr id="65" name="" descr=""/>
           <p:cNvPicPr/>
           <p:nvPr/>
         </p:nvPicPr>
@@ -7451,7 +8609,7 @@
         <p:spPr>
           <a:xfrm>
             <a:off x="2340000" y="1332360"/>
-            <a:ext cx="4103280" cy="2986200"/>
+            <a:ext cx="4102200" cy="2985120"/>
           </a:xfrm>
           <a:prstGeom prst="rect">
             <a:avLst/>
@@ -7493,7 +8651,7 @@
       </p:grpSpPr>
       <p:sp>
         <p:nvSpPr>
-          <p:cNvPr id="65" name="PlaceHolder 1"/>
+          <p:cNvPr id="66" name="PlaceHolder 1"/>
           <p:cNvSpPr>
             <a:spLocks noGrp="1"/>
           </p:cNvSpPr>
@@ -7504,7 +8662,7 @@
         <p:spPr>
           <a:xfrm>
             <a:off x="311760" y="444960"/>
-            <a:ext cx="8518680" cy="570960"/>
+            <a:ext cx="8517600" cy="569880"/>
           </a:xfrm>
           <a:prstGeom prst="rect">
             <a:avLst/>
@@ -7554,7 +8712,7 @@
       </p:sp>
       <p:sp>
         <p:nvSpPr>
-          <p:cNvPr id="66" name="PlaceHolder 2"/>
+          <p:cNvPr id="67" name="PlaceHolder 2"/>
           <p:cNvSpPr>
             <a:spLocks noGrp="1"/>
           </p:cNvSpPr>
@@ -7565,7 +8723,7 @@
         <p:spPr>
           <a:xfrm>
             <a:off x="311760" y="1152360"/>
-            <a:ext cx="8518680" cy="3414600"/>
+            <a:ext cx="8517600" cy="2267280"/>
           </a:xfrm>
           <a:prstGeom prst="rect">
             <a:avLst/>
@@ -7577,7 +8735,7 @@
         </p:spPr>
         <p:txBody>
           <a:bodyPr lIns="91440" rIns="91440" tIns="91440" bIns="91440" anchor="t">
-            <a:normAutofit lnSpcReduction="9999"/>
+            <a:normAutofit fontScale="70000" lnSpcReduction="19999"/>
           </a:bodyPr>
           <a:p>
             <a:pPr marL="457200" indent="-324000">
@@ -7640,7 +8798,7 @@
                 <a:latin typeface="Montserrat"/>
                 <a:ea typeface="Montserrat"/>
               </a:rPr>
-              <a:t>La priorité est de satisfaire le client, souvent n’ayant pas une idée précise du résultat voulu, la méthode Agile à été pensé pour permettre de moins se fier des bases contractuelle, et privilégie le contact client pas à pas pour définir les besoins et attentes clair et précisément, sans avoir d’aléa ou autre car le manque de communication à crée une incompréhension qui nécéssitera de recommencer un travail déjà fait.</a:t>
+              <a:t>La priorité est de satisfaire le client, souvent n’ayant pas une idée précise du résultat voulu, la méthode Agile à été pensé pour permettre de moins se fier des bases contractuelle prédéfini, et privilégie le contact client pas à pas pour définir les besoins et attentes clair et précisément, sans avoir d’aléa ou autre car le manque de communication à crée une incompréhension qui nécéssitera de recommencer un travail déjà fait.</a:t>
             </a:r>
             <a:endParaRPr b="0" lang="fr-FR" sz="1500" strike="noStrike" u="none">
               <a:solidFill>
@@ -7678,7 +8836,7 @@
                 <a:latin typeface="Montserrat"/>
                 <a:ea typeface="Montserrat"/>
               </a:rPr>
-              <a:t>Pour ce faire, plusieurs tâches sont realisé sous forme de ‘sprint’, au lieu de définir tout d’un coup puis ensuite d’éffectuer la réalisation, nous procédons étapes par étapes, pour validé correctement chaques fonctionnalités et répondre à l’attente du client avec une communication efficace.</a:t>
+              <a:t>Pour ce faire, plusieurs tâches sont realisé sous forme de ‘sprint’, avec au préalable des réunions pour présenté et mettre l’équipe d’accord sur le sprint qui sera à éffectuer, ce qui donne qu’au lieu de définir tout d’un coup puis ensuite d’éffectuer la réalisation en suivant ce schéma prédéfini, nous procédons étapes par étapes, pour validé correctement chaques fonctionnalités et répondre à l’attente du client avec une communication efficace, ce qui permet, en cas d’incomphréhension de reprendre n’importe qu’elles fonctionnalités et les ajuster.</a:t>
             </a:r>
             <a:endParaRPr b="0" lang="fr-FR" sz="1500" strike="noStrike" u="none">
               <a:solidFill>
@@ -7779,14 +8937,14 @@
       </p:sp>
       <p:sp>
         <p:nvSpPr>
-          <p:cNvPr id="67" name="Google Shape;86;p17"/>
+          <p:cNvPr id="68" name="Google Shape;86;p17"/>
           <p:cNvSpPr/>
           <p:nvPr/>
         </p:nvSpPr>
         <p:spPr>
           <a:xfrm>
             <a:off x="-4680" y="0"/>
-            <a:ext cx="9151920" cy="237960"/>
+            <a:ext cx="9150840" cy="236880"/>
           </a:xfrm>
           <a:prstGeom prst="rect">
             <a:avLst/>
@@ -7832,7 +8990,7 @@
       </p:sp>
       <p:pic>
         <p:nvPicPr>
-          <p:cNvPr id="68" name="Google Shape;87;p17" descr=""/>
+          <p:cNvPr id="69" name="Google Shape;87;p17" descr=""/>
           <p:cNvPicPr/>
           <p:nvPr/>
         </p:nvPicPr>
@@ -7843,7 +9001,30 @@
         <p:spPr>
           <a:xfrm>
             <a:off x="8469720" y="0"/>
-            <a:ext cx="672480" cy="338760"/>
+            <a:ext cx="671400" cy="337680"/>
+          </a:xfrm>
+          <a:prstGeom prst="rect">
+            <a:avLst/>
+          </a:prstGeom>
+          <a:ln w="0">
+            <a:noFill/>
+          </a:ln>
+        </p:spPr>
+      </p:pic>
+      <p:pic>
+        <p:nvPicPr>
+          <p:cNvPr id="70" name="" descr=""/>
+          <p:cNvPicPr/>
+          <p:nvPr/>
+        </p:nvPicPr>
+        <p:blipFill>
+          <a:blip r:embed="rId2"/>
+          <a:stretch/>
+        </p:blipFill>
+        <p:spPr>
+          <a:xfrm>
+            <a:off x="2160360" y="3420000"/>
+            <a:ext cx="4437360" cy="1259640"/>
           </a:xfrm>
           <a:prstGeom prst="rect">
             <a:avLst/>
